--- a/Documentacion/Presentacion/Proyecto Quickgift 4Trim.pptx
+++ b/Documentacion/Presentacion/Proyecto Quickgift 4Trim.pptx
@@ -300,7 +300,7 @@
       </p15:notesGuideLst>
     </p:ext>
     <p:ext uri="http://customooxmlschemas.google.com/">
-      <go:slidesCustomData xmlns="" xmlns:mc="http://schemas.openxmlformats.org/markup-compatibility/2006" xmlns:mv="urn:schemas-microsoft-com:mac:vml" xmlns:c="http://schemas.openxmlformats.org/drawingml/2006/chart" xmlns:dgm="http://schemas.openxmlformats.org/drawingml/2006/diagram" xmlns:o="urn:schemas-microsoft-com:office:office" xmlns:v="urn:schemas-microsoft-com:vml" xmlns:pvml="urn:schemas-microsoft-com:office:powerpoint" xmlns:com="http://schemas.openxmlformats.org/drawingml/2006/compatibility" xmlns:p14="http://schemas.microsoft.com/office/powerpoint/2010/main" xmlns:p15="http://schemas.microsoft.com/office/powerpoint/2012/main" xmlns:go="http://customooxmlschemas.google.com/" r:id="rId35" roundtripDataSignature="AMtx7miSNXYSRgmSWm+S1qHCn9iJbBHPKA=="/>
+      <go:slidesCustomData xmlns:go="http://customooxmlschemas.google.com/" xmlns:p15="http://schemas.microsoft.com/office/powerpoint/2012/main" xmlns:p14="http://schemas.microsoft.com/office/powerpoint/2010/main" xmlns:com="http://schemas.openxmlformats.org/drawingml/2006/compatibility" xmlns:pvml="urn:schemas-microsoft-com:office:powerpoint" xmlns:v="urn:schemas-microsoft-com:vml" xmlns:o="urn:schemas-microsoft-com:office:office" xmlns:dgm="http://schemas.openxmlformats.org/drawingml/2006/diagram" xmlns:c="http://schemas.openxmlformats.org/drawingml/2006/chart" xmlns:mv="urn:schemas-microsoft-com:mac:vml" xmlns:mc="http://schemas.openxmlformats.org/markup-compatibility/2006" xmlns="" r:id="rId35" roundtripDataSignature="AMtx7miSNXYSRgmSWm+S1qHCn9iJbBHPKA=="/>
     </p:ext>
   </p:extLst>
 </p:presentation>
@@ -12550,7 +12550,7 @@
           <p:cNvPr id="2" name="Rectángulo 1">
             <a:extLst>
               <a:ext uri="{FF2B5EF4-FFF2-40B4-BE49-F238E27FC236}">
-                <a16:creationId xmlns:a16="http://schemas.microsoft.com/office/drawing/2014/main" xmlns="" id="{2122DDA5-564B-4B5D-A09C-EACFD56F1273}"/>
+                <a16:creationId xmlns="" xmlns:a16="http://schemas.microsoft.com/office/drawing/2014/main" id="{2122DDA5-564B-4B5D-A09C-EACFD56F1273}"/>
               </a:ext>
             </a:extLst>
           </p:cNvPr>
@@ -12625,7 +12625,7 @@
           <p:cNvPr id="3" name="Rectángulo 2">
             <a:extLst>
               <a:ext uri="{FF2B5EF4-FFF2-40B4-BE49-F238E27FC236}">
-                <a16:creationId xmlns:a16="http://schemas.microsoft.com/office/drawing/2014/main" xmlns="" id="{5913FDBA-2C35-4A5B-AE6E-1329BD4F43F2}"/>
+                <a16:creationId xmlns="" xmlns:a16="http://schemas.microsoft.com/office/drawing/2014/main" id="{5913FDBA-2C35-4A5B-AE6E-1329BD4F43F2}"/>
               </a:ext>
             </a:extLst>
           </p:cNvPr>
@@ -12679,7 +12679,7 @@
           <p:cNvPr id="4" name="Picture 2" descr="Entrevista por Competências - Território RH">
             <a:extLst>
               <a:ext uri="{FF2B5EF4-FFF2-40B4-BE49-F238E27FC236}">
-                <a16:creationId xmlns:a16="http://schemas.microsoft.com/office/drawing/2014/main" xmlns="" id="{4DAC0672-5CE0-4E04-AE20-D87CB01F6303}"/>
+                <a16:creationId xmlns="" xmlns:a16="http://schemas.microsoft.com/office/drawing/2014/main" id="{4DAC0672-5CE0-4E04-AE20-D87CB01F6303}"/>
               </a:ext>
             </a:extLst>
           </p:cNvPr>
@@ -12733,7 +12733,7 @@
             <a:hlinkClick r:id="rId3" action="ppaction://hlinkfile"/>
             <a:extLst>
               <a:ext uri="{FF2B5EF4-FFF2-40B4-BE49-F238E27FC236}">
-                <a16:creationId xmlns:a16="http://schemas.microsoft.com/office/drawing/2014/main" xmlns="" id="{9657310C-B58A-45F9-BEDE-26FFF76A2482}"/>
+                <a16:creationId xmlns="" xmlns:a16="http://schemas.microsoft.com/office/drawing/2014/main" id="{9657310C-B58A-45F9-BEDE-26FFF76A2482}"/>
               </a:ext>
             </a:extLst>
           </p:cNvPr>
@@ -12928,7 +12928,7 @@
           <p:cNvPr id="2" name="Rectángulo 1">
             <a:extLst>
               <a:ext uri="{FF2B5EF4-FFF2-40B4-BE49-F238E27FC236}">
-                <a16:creationId xmlns:a16="http://schemas.microsoft.com/office/drawing/2014/main" xmlns="" id="{7087B882-47C7-4CA3-9B73-7C8416C4340E}"/>
+                <a16:creationId xmlns="" xmlns:a16="http://schemas.microsoft.com/office/drawing/2014/main" id="{7087B882-47C7-4CA3-9B73-7C8416C4340E}"/>
               </a:ext>
             </a:extLst>
           </p:cNvPr>
@@ -12970,7 +12970,7 @@
             <a:hlinkClick r:id="rId3" action="ppaction://hlinkfile"/>
             <a:extLst>
               <a:ext uri="{FF2B5EF4-FFF2-40B4-BE49-F238E27FC236}">
-                <a16:creationId xmlns:a16="http://schemas.microsoft.com/office/drawing/2014/main" xmlns="" id="{735BB9A9-C171-4A45-B985-CED9BB18E5E2}"/>
+                <a16:creationId xmlns="" xmlns:a16="http://schemas.microsoft.com/office/drawing/2014/main" id="{735BB9A9-C171-4A45-B985-CED9BB18E5E2}"/>
               </a:ext>
             </a:extLst>
           </p:cNvPr>
@@ -13074,7 +13074,7 @@
           <p:cNvPr id="1026" name="Picture 2" descr="Curso Toma de Requerimientos | EVORYT®">
             <a:extLst>
               <a:ext uri="{FF2B5EF4-FFF2-40B4-BE49-F238E27FC236}">
-                <a16:creationId xmlns:a16="http://schemas.microsoft.com/office/drawing/2014/main" xmlns="" id="{54B8095A-CA67-4874-A7BA-6526D9D0EB70}"/>
+                <a16:creationId xmlns="" xmlns:a16="http://schemas.microsoft.com/office/drawing/2014/main" id="{54B8095A-CA67-4874-A7BA-6526D9D0EB70}"/>
               </a:ext>
             </a:extLst>
           </p:cNvPr>
@@ -13209,7 +13209,7 @@
             <a:hlinkClick r:id="rId5" action="ppaction://hlinkfile"/>
             <a:extLst>
               <a:ext uri="{FF2B5EF4-FFF2-40B4-BE49-F238E27FC236}">
-                <a16:creationId xmlns:a16="http://schemas.microsoft.com/office/drawing/2014/main" xmlns="" id="{05A6B6DB-84D5-43BD-82A5-1DFF7D2F4C54}"/>
+                <a16:creationId xmlns="" xmlns:a16="http://schemas.microsoft.com/office/drawing/2014/main" id="{05A6B6DB-84D5-43BD-82A5-1DFF7D2F4C54}"/>
               </a:ext>
             </a:extLst>
           </p:cNvPr>
@@ -13849,7 +13849,7 @@
           <p:cNvPr id="3" name="Google Shape;274;p15">
             <a:extLst>
               <a:ext uri="{FF2B5EF4-FFF2-40B4-BE49-F238E27FC236}">
-                <a16:creationId xmlns:a16="http://schemas.microsoft.com/office/drawing/2014/main" xmlns="" id="{38572213-7C37-44AC-9849-B6D5D3815AE0}"/>
+                <a16:creationId xmlns="" xmlns:a16="http://schemas.microsoft.com/office/drawing/2014/main" id="{38572213-7C37-44AC-9849-B6D5D3815AE0}"/>
               </a:ext>
             </a:extLst>
           </p:cNvPr>
@@ -13905,7 +13905,7 @@
           <p:cNvPr id="4" name="Google Shape;276;p15">
             <a:extLst>
               <a:ext uri="{FF2B5EF4-FFF2-40B4-BE49-F238E27FC236}">
-                <a16:creationId xmlns:a16="http://schemas.microsoft.com/office/drawing/2014/main" xmlns="" id="{5B376D5C-FF48-41DD-A0A8-53394A550E8D}"/>
+                <a16:creationId xmlns="" xmlns:a16="http://schemas.microsoft.com/office/drawing/2014/main" id="{5B376D5C-FF48-41DD-A0A8-53394A550E8D}"/>
               </a:ext>
             </a:extLst>
           </p:cNvPr>
@@ -13969,7 +13969,7 @@
           <p:cNvPr id="5" name="Picture 2" descr="Tareas De La Planificación Del Trabajo En Equipo, De La ...">
             <a:extLst>
               <a:ext uri="{FF2B5EF4-FFF2-40B4-BE49-F238E27FC236}">
-                <a16:creationId xmlns:a16="http://schemas.microsoft.com/office/drawing/2014/main" xmlns="" id="{63540C2B-2C8B-4D8B-9193-BF9D8F886424}"/>
+                <a16:creationId xmlns="" xmlns:a16="http://schemas.microsoft.com/office/drawing/2014/main" id="{63540C2B-2C8B-4D8B-9193-BF9D8F886424}"/>
               </a:ext>
             </a:extLst>
           </p:cNvPr>
@@ -14017,7 +14017,7 @@
             <a:hlinkClick r:id="rId3"/>
             <a:extLst>
               <a:ext uri="{FF2B5EF4-FFF2-40B4-BE49-F238E27FC236}">
-                <a16:creationId xmlns:a16="http://schemas.microsoft.com/office/drawing/2014/main" xmlns="" id="{CF0D17DD-99A5-4557-8E36-67F6E3CC1483}"/>
+                <a16:creationId xmlns="" xmlns:a16="http://schemas.microsoft.com/office/drawing/2014/main" id="{CF0D17DD-99A5-4557-8E36-67F6E3CC1483}"/>
               </a:ext>
             </a:extLst>
           </p:cNvPr>
@@ -14061,7 +14061,7 @@
                 <a:ea typeface="Calibri"/>
                 <a:cs typeface="Times New Roman" panose="02020603050405020304" pitchFamily="18" charset="0"/>
                 <a:sym typeface="Calibri"/>
-                <a:hlinkClick r:id="rId3"/>
+                <a:hlinkClick r:id="rId4" action="ppaction://hlinkfile"/>
               </a:rPr>
               <a:t>Cronograma</a:t>
             </a:r>
@@ -14162,7 +14162,7 @@
           <p:cNvPr id="4" name="Imagen 3" descr="Imagen que contiene texto&#10;&#10;Descripción generada automáticamente">
             <a:extLst>
               <a:ext uri="{FF2B5EF4-FFF2-40B4-BE49-F238E27FC236}">
-                <a16:creationId xmlns:a16="http://schemas.microsoft.com/office/drawing/2014/main" xmlns="" id="{76644C9E-E95A-428F-8052-DB1D0AE3A13E}"/>
+                <a16:creationId xmlns="" xmlns:a16="http://schemas.microsoft.com/office/drawing/2014/main" id="{76644C9E-E95A-428F-8052-DB1D0AE3A13E}"/>
               </a:ext>
             </a:extLst>
           </p:cNvPr>
@@ -14231,7 +14231,7 @@
           <p:cNvPr id="2" name="Google Shape;281;p16">
             <a:extLst>
               <a:ext uri="{FF2B5EF4-FFF2-40B4-BE49-F238E27FC236}">
-                <a16:creationId xmlns:a16="http://schemas.microsoft.com/office/drawing/2014/main" xmlns="" id="{CE6A4691-A129-4957-A61B-EE45E727709F}"/>
+                <a16:creationId xmlns="" xmlns:a16="http://schemas.microsoft.com/office/drawing/2014/main" id="{CE6A4691-A129-4957-A61B-EE45E727709F}"/>
               </a:ext>
             </a:extLst>
           </p:cNvPr>
@@ -14307,7 +14307,7 @@
           <p:cNvPr id="3" name="Google Shape;289;p17">
             <a:extLst>
               <a:ext uri="{FF2B5EF4-FFF2-40B4-BE49-F238E27FC236}">
-                <a16:creationId xmlns:a16="http://schemas.microsoft.com/office/drawing/2014/main" xmlns="" id="{008198B5-C4F6-4021-AB1D-FB69EC845007}"/>
+                <a16:creationId xmlns="" xmlns:a16="http://schemas.microsoft.com/office/drawing/2014/main" id="{008198B5-C4F6-4021-AB1D-FB69EC845007}"/>
               </a:ext>
             </a:extLst>
           </p:cNvPr>
@@ -14363,7 +14363,7 @@
           <p:cNvPr id="4" name="Google Shape;290;p17">
             <a:extLst>
               <a:ext uri="{FF2B5EF4-FFF2-40B4-BE49-F238E27FC236}">
-                <a16:creationId xmlns:a16="http://schemas.microsoft.com/office/drawing/2014/main" xmlns="" id="{E0BA332A-F194-47C7-97DC-EA1CDA7851A6}"/>
+                <a16:creationId xmlns="" xmlns:a16="http://schemas.microsoft.com/office/drawing/2014/main" id="{E0BA332A-F194-47C7-97DC-EA1CDA7851A6}"/>
               </a:ext>
             </a:extLst>
           </p:cNvPr>
@@ -14396,7 +14396,7 @@
           <p:cNvPr id="5" name="Google Shape;288;p17">
             <a:extLst>
               <a:ext uri="{FF2B5EF4-FFF2-40B4-BE49-F238E27FC236}">
-                <a16:creationId xmlns:a16="http://schemas.microsoft.com/office/drawing/2014/main" xmlns="" id="{3291A153-D720-4498-8F38-F25458F9A579}"/>
+                <a16:creationId xmlns="" xmlns:a16="http://schemas.microsoft.com/office/drawing/2014/main" id="{3291A153-D720-4498-8F38-F25458F9A579}"/>
               </a:ext>
             </a:extLst>
           </p:cNvPr>
@@ -14618,7 +14618,7 @@
           <p:cNvPr id="2" name="Rectángulo 1">
             <a:extLst>
               <a:ext uri="{FF2B5EF4-FFF2-40B4-BE49-F238E27FC236}">
-                <a16:creationId xmlns:a16="http://schemas.microsoft.com/office/drawing/2014/main" xmlns="" id="{945477C0-F7CF-4427-81CB-CDD601B86DD9}"/>
+                <a16:creationId xmlns="" xmlns:a16="http://schemas.microsoft.com/office/drawing/2014/main" id="{945477C0-F7CF-4427-81CB-CDD601B86DD9}"/>
               </a:ext>
             </a:extLst>
           </p:cNvPr>
@@ -14680,7 +14680,7 @@
           <p:cNvPr id="2" name="Google Shape;134;p1">
             <a:extLst>
               <a:ext uri="{FF2B5EF4-FFF2-40B4-BE49-F238E27FC236}">
-                <a16:creationId xmlns:a16="http://schemas.microsoft.com/office/drawing/2014/main" xmlns="" id="{89006225-9AC6-4B7F-A20B-8222B852191D}"/>
+                <a16:creationId xmlns="" xmlns:a16="http://schemas.microsoft.com/office/drawing/2014/main" id="{89006225-9AC6-4B7F-A20B-8222B852191D}"/>
               </a:ext>
             </a:extLst>
           </p:cNvPr>
@@ -15135,7 +15135,7 @@
           <p:cNvPr id="8" name="Google Shape;301;p19">
             <a:extLst>
               <a:ext uri="{FF2B5EF4-FFF2-40B4-BE49-F238E27FC236}">
-                <a16:creationId xmlns:a16="http://schemas.microsoft.com/office/drawing/2014/main" xmlns="" id="{F94E0085-60CE-404C-BCAC-0CF9854A434A}"/>
+                <a16:creationId xmlns="" xmlns:a16="http://schemas.microsoft.com/office/drawing/2014/main" id="{F94E0085-60CE-404C-BCAC-0CF9854A434A}"/>
               </a:ext>
             </a:extLst>
           </p:cNvPr>
@@ -15324,7 +15324,7 @@
             <a:hlinkClick r:id="rId3" action="ppaction://hlinkfile"/>
             <a:extLst>
               <a:ext uri="{FF2B5EF4-FFF2-40B4-BE49-F238E27FC236}">
-                <a16:creationId xmlns:a16="http://schemas.microsoft.com/office/drawing/2014/main" xmlns="" id="{7AAE4CC5-587F-457A-90DB-4F863FF2413F}"/>
+                <a16:creationId xmlns="" xmlns:a16="http://schemas.microsoft.com/office/drawing/2014/main" id="{7AAE4CC5-587F-457A-90DB-4F863FF2413F}"/>
               </a:ext>
             </a:extLst>
           </p:cNvPr>
@@ -15379,7 +15379,7 @@
           <p:cNvPr id="3" name="Google Shape;301;p19">
             <a:extLst>
               <a:ext uri="{FF2B5EF4-FFF2-40B4-BE49-F238E27FC236}">
-                <a16:creationId xmlns:a16="http://schemas.microsoft.com/office/drawing/2014/main" xmlns="" id="{07C25429-B0E0-45FD-9111-CF1EF789F2BB}"/>
+                <a16:creationId xmlns="" xmlns:a16="http://schemas.microsoft.com/office/drawing/2014/main" id="{07C25429-B0E0-45FD-9111-CF1EF789F2BB}"/>
               </a:ext>
             </a:extLst>
           </p:cNvPr>
@@ -15442,7 +15442,7 @@
           <p:cNvPr id="7" name="Imagen 6" descr="Imagen que contiene texto, mapa, firmar, pantalla&#10;&#10;Descripción generada automáticamente">
             <a:extLst>
               <a:ext uri="{FF2B5EF4-FFF2-40B4-BE49-F238E27FC236}">
-                <a16:creationId xmlns:a16="http://schemas.microsoft.com/office/drawing/2014/main" xmlns="" id="{518FD45F-8C81-4609-AE74-7F9639C87971}"/>
+                <a16:creationId xmlns="" xmlns:a16="http://schemas.microsoft.com/office/drawing/2014/main" id="{518FD45F-8C81-4609-AE74-7F9639C87971}"/>
               </a:ext>
             </a:extLst>
           </p:cNvPr>
@@ -15651,7 +15651,7 @@
           <p:cNvPr id="10" name="Google Shape;301;p19">
             <a:extLst>
               <a:ext uri="{FF2B5EF4-FFF2-40B4-BE49-F238E27FC236}">
-                <a16:creationId xmlns:a16="http://schemas.microsoft.com/office/drawing/2014/main" xmlns="" id="{85A0AAD9-674A-429D-857B-225C345815AE}"/>
+                <a16:creationId xmlns="" xmlns:a16="http://schemas.microsoft.com/office/drawing/2014/main" id="{85A0AAD9-674A-429D-857B-225C345815AE}"/>
               </a:ext>
             </a:extLst>
           </p:cNvPr>
@@ -15747,7 +15747,7 @@
           <p:cNvPr id="6" name="Google Shape;240;p11">
             <a:extLst>
               <a:ext uri="{FF2B5EF4-FFF2-40B4-BE49-F238E27FC236}">
-                <a16:creationId xmlns:a16="http://schemas.microsoft.com/office/drawing/2014/main" xmlns="" id="{C60272C8-7E00-428B-A450-A1A749ED198D}"/>
+                <a16:creationId xmlns="" xmlns:a16="http://schemas.microsoft.com/office/drawing/2014/main" id="{C60272C8-7E00-428B-A450-A1A749ED198D}"/>
               </a:ext>
             </a:extLst>
           </p:cNvPr>
@@ -15794,7 +15794,7 @@
           <p:cNvPr id="2" name="Imagen 1">
             <a:extLst>
               <a:ext uri="{FF2B5EF4-FFF2-40B4-BE49-F238E27FC236}">
-                <a16:creationId xmlns:a16="http://schemas.microsoft.com/office/drawing/2014/main" xmlns="" id="{559731CF-29F4-40C9-ACFD-D11C7DA121B9}"/>
+                <a16:creationId xmlns="" xmlns:a16="http://schemas.microsoft.com/office/drawing/2014/main" id="{559731CF-29F4-40C9-ACFD-D11C7DA121B9}"/>
               </a:ext>
             </a:extLst>
           </p:cNvPr>
@@ -15849,7 +15849,7 @@
           <p:cNvPr id="2" name="Google Shape;301;p19">
             <a:extLst>
               <a:ext uri="{FF2B5EF4-FFF2-40B4-BE49-F238E27FC236}">
-                <a16:creationId xmlns:a16="http://schemas.microsoft.com/office/drawing/2014/main" xmlns="" id="{3FED4C02-61DE-4F9F-94DD-0F6AF5D2E7BF}"/>
+                <a16:creationId xmlns="" xmlns:a16="http://schemas.microsoft.com/office/drawing/2014/main" id="{3FED4C02-61DE-4F9F-94DD-0F6AF5D2E7BF}"/>
               </a:ext>
             </a:extLst>
           </p:cNvPr>
@@ -15926,7 +15926,7 @@
             <a:hlinkClick r:id="rId2" action="ppaction://hlinkfile"/>
             <a:extLst>
               <a:ext uri="{FF2B5EF4-FFF2-40B4-BE49-F238E27FC236}">
-                <a16:creationId xmlns:a16="http://schemas.microsoft.com/office/drawing/2014/main" xmlns="" id="{A5236D1D-0CEC-40A8-9152-D9F2A135E33C}"/>
+                <a16:creationId xmlns="" xmlns:a16="http://schemas.microsoft.com/office/drawing/2014/main" id="{A5236D1D-0CEC-40A8-9152-D9F2A135E33C}"/>
               </a:ext>
             </a:extLst>
           </p:cNvPr>
@@ -15986,7 +15986,7 @@
           <p:cNvPr id="2" name="Google Shape;301;p19">
             <a:extLst>
               <a:ext uri="{FF2B5EF4-FFF2-40B4-BE49-F238E27FC236}">
-                <a16:creationId xmlns:a16="http://schemas.microsoft.com/office/drawing/2014/main" xmlns="" id="{BC0DD5E3-4FC9-4392-ADE4-BBCA125527BC}"/>
+                <a16:creationId xmlns="" xmlns:a16="http://schemas.microsoft.com/office/drawing/2014/main" id="{BC0DD5E3-4FC9-4392-ADE4-BBCA125527BC}"/>
               </a:ext>
             </a:extLst>
           </p:cNvPr>
@@ -16050,7 +16050,7 @@
             <a:hlinkClick r:id="rId2" action="ppaction://hlinkfile"/>
             <a:extLst>
               <a:ext uri="{FF2B5EF4-FFF2-40B4-BE49-F238E27FC236}">
-                <a16:creationId xmlns:a16="http://schemas.microsoft.com/office/drawing/2014/main" xmlns="" id="{BADA6DF1-5BC8-44A4-A8E8-5DB3266EA975}"/>
+                <a16:creationId xmlns="" xmlns:a16="http://schemas.microsoft.com/office/drawing/2014/main" id="{BADA6DF1-5BC8-44A4-A8E8-5DB3266EA975}"/>
               </a:ext>
             </a:extLst>
           </p:cNvPr>
@@ -16109,7 +16109,7 @@
           <p:cNvPr id="2" name="Google Shape;301;p19">
             <a:extLst>
               <a:ext uri="{FF2B5EF4-FFF2-40B4-BE49-F238E27FC236}">
-                <a16:creationId xmlns:a16="http://schemas.microsoft.com/office/drawing/2014/main" xmlns="" id="{94AA6C33-C2F6-4658-9DB6-D1AFF50223D7}"/>
+                <a16:creationId xmlns="" xmlns:a16="http://schemas.microsoft.com/office/drawing/2014/main" id="{94AA6C33-C2F6-4658-9DB6-D1AFF50223D7}"/>
               </a:ext>
             </a:extLst>
           </p:cNvPr>
@@ -16186,7 +16186,7 @@
             <a:hlinkClick r:id="rId2" action="ppaction://hlinkfile"/>
             <a:extLst>
               <a:ext uri="{FF2B5EF4-FFF2-40B4-BE49-F238E27FC236}">
-                <a16:creationId xmlns:a16="http://schemas.microsoft.com/office/drawing/2014/main" xmlns="" id="{0FC15038-BA2F-4951-B4EA-6DE70AC43AF6}"/>
+                <a16:creationId xmlns="" xmlns:a16="http://schemas.microsoft.com/office/drawing/2014/main" id="{0FC15038-BA2F-4951-B4EA-6DE70AC43AF6}"/>
               </a:ext>
             </a:extLst>
           </p:cNvPr>
@@ -16246,7 +16246,7 @@
           <p:cNvPr id="2" name="Google Shape;301;p19">
             <a:extLst>
               <a:ext uri="{FF2B5EF4-FFF2-40B4-BE49-F238E27FC236}">
-                <a16:creationId xmlns:a16="http://schemas.microsoft.com/office/drawing/2014/main" xmlns="" id="{E522214F-E47E-4B62-800C-5EAF90E697CD}"/>
+                <a16:creationId xmlns="" xmlns:a16="http://schemas.microsoft.com/office/drawing/2014/main" id="{E522214F-E47E-4B62-800C-5EAF90E697CD}"/>
               </a:ext>
             </a:extLst>
           </p:cNvPr>
@@ -16322,7 +16322,7 @@
           <p:cNvPr id="3" name="Imagen 2">
             <a:extLst>
               <a:ext uri="{FF2B5EF4-FFF2-40B4-BE49-F238E27FC236}">
-                <a16:creationId xmlns:a16="http://schemas.microsoft.com/office/drawing/2014/main" xmlns="" id="{4D2B85AD-3AD7-4D9E-AEB1-8BB153F041F7}"/>
+                <a16:creationId xmlns="" xmlns:a16="http://schemas.microsoft.com/office/drawing/2014/main" id="{4D2B85AD-3AD7-4D9E-AEB1-8BB153F041F7}"/>
               </a:ext>
             </a:extLst>
           </p:cNvPr>
@@ -16382,7 +16382,7 @@
           <p:cNvPr id="4" name="Google Shape;301;p19">
             <a:extLst>
               <a:ext uri="{FF2B5EF4-FFF2-40B4-BE49-F238E27FC236}">
-                <a16:creationId xmlns:a16="http://schemas.microsoft.com/office/drawing/2014/main" xmlns="" id="{F08688CE-7072-4646-B0B7-BE5849D42FF5}"/>
+                <a16:creationId xmlns="" xmlns:a16="http://schemas.microsoft.com/office/drawing/2014/main" id="{F08688CE-7072-4646-B0B7-BE5849D42FF5}"/>
               </a:ext>
             </a:extLst>
           </p:cNvPr>
@@ -16475,7 +16475,7 @@
           <p:cNvPr id="2" name="Google Shape;301;p19">
             <a:extLst>
               <a:ext uri="{FF2B5EF4-FFF2-40B4-BE49-F238E27FC236}">
-                <a16:creationId xmlns:a16="http://schemas.microsoft.com/office/drawing/2014/main" xmlns="" id="{A55BF71A-6275-44E3-8979-459764B4C0E9}"/>
+                <a16:creationId xmlns="" xmlns:a16="http://schemas.microsoft.com/office/drawing/2014/main" id="{A55BF71A-6275-44E3-8979-459764B4C0E9}"/>
               </a:ext>
             </a:extLst>
           </p:cNvPr>
@@ -16555,7 +16555,7 @@
           <p:cNvPr id="3" name="Imagen 2">
             <a:extLst>
               <a:ext uri="{FF2B5EF4-FFF2-40B4-BE49-F238E27FC236}">
-                <a16:creationId xmlns:a16="http://schemas.microsoft.com/office/drawing/2014/main" xmlns="" id="{8907F45D-F0EB-4C72-A20F-15D830C6120A}"/>
+                <a16:creationId xmlns="" xmlns:a16="http://schemas.microsoft.com/office/drawing/2014/main" id="{8907F45D-F0EB-4C72-A20F-15D830C6120A}"/>
               </a:ext>
             </a:extLst>
           </p:cNvPr>
@@ -16585,7 +16585,7 @@
           <p:cNvPr id="4" name="Rectángulo 3">
             <a:extLst>
               <a:ext uri="{FF2B5EF4-FFF2-40B4-BE49-F238E27FC236}">
-                <a16:creationId xmlns:a16="http://schemas.microsoft.com/office/drawing/2014/main" xmlns="" id="{0B4F2E8C-C40B-40AD-99DC-991A85681726}"/>
+                <a16:creationId xmlns="" xmlns:a16="http://schemas.microsoft.com/office/drawing/2014/main" id="{0B4F2E8C-C40B-40AD-99DC-991A85681726}"/>
               </a:ext>
             </a:extLst>
           </p:cNvPr>
@@ -19150,19 +19150,7 @@
                 <a:cs typeface="Times New Roman"/>
                 <a:sym typeface="Times New Roman"/>
               </a:rPr>
-              <a:t>nacional</a:t>
-            </a:r>
-            <a:r>
-              <a:rPr lang="es-MX" sz="3000" dirty="0" smtClean="0">
-                <a:solidFill>
-                  <a:schemeClr val="dk1"/>
-                </a:solidFill>
-                <a:latin typeface="Times New Roman"/>
-                <a:ea typeface="Times New Roman"/>
-                <a:cs typeface="Times New Roman"/>
-                <a:sym typeface="Times New Roman"/>
-              </a:rPr>
-              <a:t> </a:t>
+              <a:t>nacional </a:t>
             </a:r>
             <a:r>
               <a:rPr lang="es-MX" sz="3000" dirty="0">

--- a/Documentacion/Presentacion/Proyecto Quickgift 4Trim.pptx
+++ b/Documentacion/Presentacion/Proyecto Quickgift 4Trim.pptx
@@ -300,7 +300,7 @@
       </p15:notesGuideLst>
     </p:ext>
     <p:ext uri="http://customooxmlschemas.google.com/">
-      <go:slidesCustomData xmlns:go="http://customooxmlschemas.google.com/" xmlns:p15="http://schemas.microsoft.com/office/powerpoint/2012/main" xmlns:p14="http://schemas.microsoft.com/office/powerpoint/2010/main" xmlns:com="http://schemas.openxmlformats.org/drawingml/2006/compatibility" xmlns:pvml="urn:schemas-microsoft-com:office:powerpoint" xmlns:v="urn:schemas-microsoft-com:vml" xmlns:o="urn:schemas-microsoft-com:office:office" xmlns:dgm="http://schemas.openxmlformats.org/drawingml/2006/diagram" xmlns:c="http://schemas.openxmlformats.org/drawingml/2006/chart" xmlns:mv="urn:schemas-microsoft-com:mac:vml" xmlns:mc="http://schemas.openxmlformats.org/markup-compatibility/2006" xmlns="" r:id="rId35" roundtripDataSignature="AMtx7miSNXYSRgmSWm+S1qHCn9iJbBHPKA=="/>
+      <go:slidesCustomData xmlns="" xmlns:mc="http://schemas.openxmlformats.org/markup-compatibility/2006" xmlns:mv="urn:schemas-microsoft-com:mac:vml" xmlns:c="http://schemas.openxmlformats.org/drawingml/2006/chart" xmlns:dgm="http://schemas.openxmlformats.org/drawingml/2006/diagram" xmlns:o="urn:schemas-microsoft-com:office:office" xmlns:v="urn:schemas-microsoft-com:vml" xmlns:pvml="urn:schemas-microsoft-com:office:powerpoint" xmlns:com="http://schemas.openxmlformats.org/drawingml/2006/compatibility" xmlns:p14="http://schemas.microsoft.com/office/powerpoint/2010/main" xmlns:p15="http://schemas.microsoft.com/office/powerpoint/2012/main" xmlns:go="http://customooxmlschemas.google.com/" r:id="rId35" roundtripDataSignature="AMtx7miSNXYSRgmSWm+S1qHCn9iJbBHPKA=="/>
     </p:ext>
   </p:extLst>
 </p:presentation>
@@ -12550,7 +12550,7 @@
           <p:cNvPr id="2" name="Rectángulo 1">
             <a:extLst>
               <a:ext uri="{FF2B5EF4-FFF2-40B4-BE49-F238E27FC236}">
-                <a16:creationId xmlns="" xmlns:a16="http://schemas.microsoft.com/office/drawing/2014/main" id="{2122DDA5-564B-4B5D-A09C-EACFD56F1273}"/>
+                <a16:creationId xmlns:a16="http://schemas.microsoft.com/office/drawing/2014/main" xmlns="" id="{2122DDA5-564B-4B5D-A09C-EACFD56F1273}"/>
               </a:ext>
             </a:extLst>
           </p:cNvPr>
@@ -12625,7 +12625,7 @@
           <p:cNvPr id="3" name="Rectángulo 2">
             <a:extLst>
               <a:ext uri="{FF2B5EF4-FFF2-40B4-BE49-F238E27FC236}">
-                <a16:creationId xmlns="" xmlns:a16="http://schemas.microsoft.com/office/drawing/2014/main" id="{5913FDBA-2C35-4A5B-AE6E-1329BD4F43F2}"/>
+                <a16:creationId xmlns:a16="http://schemas.microsoft.com/office/drawing/2014/main" xmlns="" id="{5913FDBA-2C35-4A5B-AE6E-1329BD4F43F2}"/>
               </a:ext>
             </a:extLst>
           </p:cNvPr>
@@ -12679,7 +12679,7 @@
           <p:cNvPr id="4" name="Picture 2" descr="Entrevista por Competências - Território RH">
             <a:extLst>
               <a:ext uri="{FF2B5EF4-FFF2-40B4-BE49-F238E27FC236}">
-                <a16:creationId xmlns="" xmlns:a16="http://schemas.microsoft.com/office/drawing/2014/main" id="{4DAC0672-5CE0-4E04-AE20-D87CB01F6303}"/>
+                <a16:creationId xmlns:a16="http://schemas.microsoft.com/office/drawing/2014/main" xmlns="" id="{4DAC0672-5CE0-4E04-AE20-D87CB01F6303}"/>
               </a:ext>
             </a:extLst>
           </p:cNvPr>
@@ -12733,7 +12733,7 @@
             <a:hlinkClick r:id="rId3" action="ppaction://hlinkfile"/>
             <a:extLst>
               <a:ext uri="{FF2B5EF4-FFF2-40B4-BE49-F238E27FC236}">
-                <a16:creationId xmlns="" xmlns:a16="http://schemas.microsoft.com/office/drawing/2014/main" id="{9657310C-B58A-45F9-BEDE-26FFF76A2482}"/>
+                <a16:creationId xmlns:a16="http://schemas.microsoft.com/office/drawing/2014/main" xmlns="" id="{9657310C-B58A-45F9-BEDE-26FFF76A2482}"/>
               </a:ext>
             </a:extLst>
           </p:cNvPr>
@@ -12928,7 +12928,7 @@
           <p:cNvPr id="2" name="Rectángulo 1">
             <a:extLst>
               <a:ext uri="{FF2B5EF4-FFF2-40B4-BE49-F238E27FC236}">
-                <a16:creationId xmlns="" xmlns:a16="http://schemas.microsoft.com/office/drawing/2014/main" id="{7087B882-47C7-4CA3-9B73-7C8416C4340E}"/>
+                <a16:creationId xmlns:a16="http://schemas.microsoft.com/office/drawing/2014/main" xmlns="" id="{7087B882-47C7-4CA3-9B73-7C8416C4340E}"/>
               </a:ext>
             </a:extLst>
           </p:cNvPr>
@@ -12970,7 +12970,7 @@
             <a:hlinkClick r:id="rId3" action="ppaction://hlinkfile"/>
             <a:extLst>
               <a:ext uri="{FF2B5EF4-FFF2-40B4-BE49-F238E27FC236}">
-                <a16:creationId xmlns="" xmlns:a16="http://schemas.microsoft.com/office/drawing/2014/main" id="{735BB9A9-C171-4A45-B985-CED9BB18E5E2}"/>
+                <a16:creationId xmlns:a16="http://schemas.microsoft.com/office/drawing/2014/main" xmlns="" id="{735BB9A9-C171-4A45-B985-CED9BB18E5E2}"/>
               </a:ext>
             </a:extLst>
           </p:cNvPr>
@@ -13074,7 +13074,7 @@
           <p:cNvPr id="1026" name="Picture 2" descr="Curso Toma de Requerimientos | EVORYT®">
             <a:extLst>
               <a:ext uri="{FF2B5EF4-FFF2-40B4-BE49-F238E27FC236}">
-                <a16:creationId xmlns="" xmlns:a16="http://schemas.microsoft.com/office/drawing/2014/main" id="{54B8095A-CA67-4874-A7BA-6526D9D0EB70}"/>
+                <a16:creationId xmlns:a16="http://schemas.microsoft.com/office/drawing/2014/main" xmlns="" id="{54B8095A-CA67-4874-A7BA-6526D9D0EB70}"/>
               </a:ext>
             </a:extLst>
           </p:cNvPr>
@@ -13209,7 +13209,7 @@
             <a:hlinkClick r:id="rId5" action="ppaction://hlinkfile"/>
             <a:extLst>
               <a:ext uri="{FF2B5EF4-FFF2-40B4-BE49-F238E27FC236}">
-                <a16:creationId xmlns="" xmlns:a16="http://schemas.microsoft.com/office/drawing/2014/main" id="{05A6B6DB-84D5-43BD-82A5-1DFF7D2F4C54}"/>
+                <a16:creationId xmlns:a16="http://schemas.microsoft.com/office/drawing/2014/main" xmlns="" id="{05A6B6DB-84D5-43BD-82A5-1DFF7D2F4C54}"/>
               </a:ext>
             </a:extLst>
           </p:cNvPr>
@@ -13849,7 +13849,7 @@
           <p:cNvPr id="3" name="Google Shape;274;p15">
             <a:extLst>
               <a:ext uri="{FF2B5EF4-FFF2-40B4-BE49-F238E27FC236}">
-                <a16:creationId xmlns="" xmlns:a16="http://schemas.microsoft.com/office/drawing/2014/main" id="{38572213-7C37-44AC-9849-B6D5D3815AE0}"/>
+                <a16:creationId xmlns:a16="http://schemas.microsoft.com/office/drawing/2014/main" xmlns="" id="{38572213-7C37-44AC-9849-B6D5D3815AE0}"/>
               </a:ext>
             </a:extLst>
           </p:cNvPr>
@@ -13905,7 +13905,7 @@
           <p:cNvPr id="4" name="Google Shape;276;p15">
             <a:extLst>
               <a:ext uri="{FF2B5EF4-FFF2-40B4-BE49-F238E27FC236}">
-                <a16:creationId xmlns="" xmlns:a16="http://schemas.microsoft.com/office/drawing/2014/main" id="{5B376D5C-FF48-41DD-A0A8-53394A550E8D}"/>
+                <a16:creationId xmlns:a16="http://schemas.microsoft.com/office/drawing/2014/main" xmlns="" id="{5B376D5C-FF48-41DD-A0A8-53394A550E8D}"/>
               </a:ext>
             </a:extLst>
           </p:cNvPr>
@@ -13969,7 +13969,7 @@
           <p:cNvPr id="5" name="Picture 2" descr="Tareas De La Planificación Del Trabajo En Equipo, De La ...">
             <a:extLst>
               <a:ext uri="{FF2B5EF4-FFF2-40B4-BE49-F238E27FC236}">
-                <a16:creationId xmlns="" xmlns:a16="http://schemas.microsoft.com/office/drawing/2014/main" id="{63540C2B-2C8B-4D8B-9193-BF9D8F886424}"/>
+                <a16:creationId xmlns:a16="http://schemas.microsoft.com/office/drawing/2014/main" xmlns="" id="{63540C2B-2C8B-4D8B-9193-BF9D8F886424}"/>
               </a:ext>
             </a:extLst>
           </p:cNvPr>
@@ -14017,7 +14017,7 @@
             <a:hlinkClick r:id="rId3"/>
             <a:extLst>
               <a:ext uri="{FF2B5EF4-FFF2-40B4-BE49-F238E27FC236}">
-                <a16:creationId xmlns="" xmlns:a16="http://schemas.microsoft.com/office/drawing/2014/main" id="{CF0D17DD-99A5-4557-8E36-67F6E3CC1483}"/>
+                <a16:creationId xmlns:a16="http://schemas.microsoft.com/office/drawing/2014/main" xmlns="" id="{CF0D17DD-99A5-4557-8E36-67F6E3CC1483}"/>
               </a:ext>
             </a:extLst>
           </p:cNvPr>
@@ -14162,7 +14162,7 @@
           <p:cNvPr id="4" name="Imagen 3" descr="Imagen que contiene texto&#10;&#10;Descripción generada automáticamente">
             <a:extLst>
               <a:ext uri="{FF2B5EF4-FFF2-40B4-BE49-F238E27FC236}">
-                <a16:creationId xmlns="" xmlns:a16="http://schemas.microsoft.com/office/drawing/2014/main" id="{76644C9E-E95A-428F-8052-DB1D0AE3A13E}"/>
+                <a16:creationId xmlns:a16="http://schemas.microsoft.com/office/drawing/2014/main" xmlns="" id="{76644C9E-E95A-428F-8052-DB1D0AE3A13E}"/>
               </a:ext>
             </a:extLst>
           </p:cNvPr>
@@ -14231,7 +14231,7 @@
           <p:cNvPr id="2" name="Google Shape;281;p16">
             <a:extLst>
               <a:ext uri="{FF2B5EF4-FFF2-40B4-BE49-F238E27FC236}">
-                <a16:creationId xmlns="" xmlns:a16="http://schemas.microsoft.com/office/drawing/2014/main" id="{CE6A4691-A129-4957-A61B-EE45E727709F}"/>
+                <a16:creationId xmlns:a16="http://schemas.microsoft.com/office/drawing/2014/main" xmlns="" id="{CE6A4691-A129-4957-A61B-EE45E727709F}"/>
               </a:ext>
             </a:extLst>
           </p:cNvPr>
@@ -14307,7 +14307,7 @@
           <p:cNvPr id="3" name="Google Shape;289;p17">
             <a:extLst>
               <a:ext uri="{FF2B5EF4-FFF2-40B4-BE49-F238E27FC236}">
-                <a16:creationId xmlns="" xmlns:a16="http://schemas.microsoft.com/office/drawing/2014/main" id="{008198B5-C4F6-4021-AB1D-FB69EC845007}"/>
+                <a16:creationId xmlns:a16="http://schemas.microsoft.com/office/drawing/2014/main" xmlns="" id="{008198B5-C4F6-4021-AB1D-FB69EC845007}"/>
               </a:ext>
             </a:extLst>
           </p:cNvPr>
@@ -14363,7 +14363,7 @@
           <p:cNvPr id="4" name="Google Shape;290;p17">
             <a:extLst>
               <a:ext uri="{FF2B5EF4-FFF2-40B4-BE49-F238E27FC236}">
-                <a16:creationId xmlns="" xmlns:a16="http://schemas.microsoft.com/office/drawing/2014/main" id="{E0BA332A-F194-47C7-97DC-EA1CDA7851A6}"/>
+                <a16:creationId xmlns:a16="http://schemas.microsoft.com/office/drawing/2014/main" xmlns="" id="{E0BA332A-F194-47C7-97DC-EA1CDA7851A6}"/>
               </a:ext>
             </a:extLst>
           </p:cNvPr>
@@ -14396,7 +14396,7 @@
           <p:cNvPr id="5" name="Google Shape;288;p17">
             <a:extLst>
               <a:ext uri="{FF2B5EF4-FFF2-40B4-BE49-F238E27FC236}">
-                <a16:creationId xmlns="" xmlns:a16="http://schemas.microsoft.com/office/drawing/2014/main" id="{3291A153-D720-4498-8F38-F25458F9A579}"/>
+                <a16:creationId xmlns:a16="http://schemas.microsoft.com/office/drawing/2014/main" xmlns="" id="{3291A153-D720-4498-8F38-F25458F9A579}"/>
               </a:ext>
             </a:extLst>
           </p:cNvPr>
@@ -14618,7 +14618,7 @@
           <p:cNvPr id="2" name="Rectángulo 1">
             <a:extLst>
               <a:ext uri="{FF2B5EF4-FFF2-40B4-BE49-F238E27FC236}">
-                <a16:creationId xmlns="" xmlns:a16="http://schemas.microsoft.com/office/drawing/2014/main" id="{945477C0-F7CF-4427-81CB-CDD601B86DD9}"/>
+                <a16:creationId xmlns:a16="http://schemas.microsoft.com/office/drawing/2014/main" xmlns="" id="{945477C0-F7CF-4427-81CB-CDD601B86DD9}"/>
               </a:ext>
             </a:extLst>
           </p:cNvPr>
@@ -14680,7 +14680,7 @@
           <p:cNvPr id="2" name="Google Shape;134;p1">
             <a:extLst>
               <a:ext uri="{FF2B5EF4-FFF2-40B4-BE49-F238E27FC236}">
-                <a16:creationId xmlns="" xmlns:a16="http://schemas.microsoft.com/office/drawing/2014/main" id="{89006225-9AC6-4B7F-A20B-8222B852191D}"/>
+                <a16:creationId xmlns:a16="http://schemas.microsoft.com/office/drawing/2014/main" xmlns="" id="{89006225-9AC6-4B7F-A20B-8222B852191D}"/>
               </a:ext>
             </a:extLst>
           </p:cNvPr>
@@ -15135,7 +15135,7 @@
           <p:cNvPr id="8" name="Google Shape;301;p19">
             <a:extLst>
               <a:ext uri="{FF2B5EF4-FFF2-40B4-BE49-F238E27FC236}">
-                <a16:creationId xmlns="" xmlns:a16="http://schemas.microsoft.com/office/drawing/2014/main" id="{F94E0085-60CE-404C-BCAC-0CF9854A434A}"/>
+                <a16:creationId xmlns:a16="http://schemas.microsoft.com/office/drawing/2014/main" xmlns="" id="{F94E0085-60CE-404C-BCAC-0CF9854A434A}"/>
               </a:ext>
             </a:extLst>
           </p:cNvPr>
@@ -15324,7 +15324,7 @@
             <a:hlinkClick r:id="rId3" action="ppaction://hlinkfile"/>
             <a:extLst>
               <a:ext uri="{FF2B5EF4-FFF2-40B4-BE49-F238E27FC236}">
-                <a16:creationId xmlns="" xmlns:a16="http://schemas.microsoft.com/office/drawing/2014/main" id="{7AAE4CC5-587F-457A-90DB-4F863FF2413F}"/>
+                <a16:creationId xmlns:a16="http://schemas.microsoft.com/office/drawing/2014/main" xmlns="" id="{7AAE4CC5-587F-457A-90DB-4F863FF2413F}"/>
               </a:ext>
             </a:extLst>
           </p:cNvPr>
@@ -15379,7 +15379,7 @@
           <p:cNvPr id="3" name="Google Shape;301;p19">
             <a:extLst>
               <a:ext uri="{FF2B5EF4-FFF2-40B4-BE49-F238E27FC236}">
-                <a16:creationId xmlns="" xmlns:a16="http://schemas.microsoft.com/office/drawing/2014/main" id="{07C25429-B0E0-45FD-9111-CF1EF789F2BB}"/>
+                <a16:creationId xmlns:a16="http://schemas.microsoft.com/office/drawing/2014/main" xmlns="" id="{07C25429-B0E0-45FD-9111-CF1EF789F2BB}"/>
               </a:ext>
             </a:extLst>
           </p:cNvPr>
@@ -15442,7 +15442,7 @@
           <p:cNvPr id="7" name="Imagen 6" descr="Imagen que contiene texto, mapa, firmar, pantalla&#10;&#10;Descripción generada automáticamente">
             <a:extLst>
               <a:ext uri="{FF2B5EF4-FFF2-40B4-BE49-F238E27FC236}">
-                <a16:creationId xmlns="" xmlns:a16="http://schemas.microsoft.com/office/drawing/2014/main" id="{518FD45F-8C81-4609-AE74-7F9639C87971}"/>
+                <a16:creationId xmlns:a16="http://schemas.microsoft.com/office/drawing/2014/main" xmlns="" id="{518FD45F-8C81-4609-AE74-7F9639C87971}"/>
               </a:ext>
             </a:extLst>
           </p:cNvPr>
@@ -15651,7 +15651,7 @@
           <p:cNvPr id="10" name="Google Shape;301;p19">
             <a:extLst>
               <a:ext uri="{FF2B5EF4-FFF2-40B4-BE49-F238E27FC236}">
-                <a16:creationId xmlns="" xmlns:a16="http://schemas.microsoft.com/office/drawing/2014/main" id="{85A0AAD9-674A-429D-857B-225C345815AE}"/>
+                <a16:creationId xmlns:a16="http://schemas.microsoft.com/office/drawing/2014/main" xmlns="" id="{85A0AAD9-674A-429D-857B-225C345815AE}"/>
               </a:ext>
             </a:extLst>
           </p:cNvPr>
@@ -15747,7 +15747,7 @@
           <p:cNvPr id="6" name="Google Shape;240;p11">
             <a:extLst>
               <a:ext uri="{FF2B5EF4-FFF2-40B4-BE49-F238E27FC236}">
-                <a16:creationId xmlns="" xmlns:a16="http://schemas.microsoft.com/office/drawing/2014/main" id="{C60272C8-7E00-428B-A450-A1A749ED198D}"/>
+                <a16:creationId xmlns:a16="http://schemas.microsoft.com/office/drawing/2014/main" xmlns="" id="{C60272C8-7E00-428B-A450-A1A749ED198D}"/>
               </a:ext>
             </a:extLst>
           </p:cNvPr>
@@ -15794,7 +15794,7 @@
           <p:cNvPr id="2" name="Imagen 1">
             <a:extLst>
               <a:ext uri="{FF2B5EF4-FFF2-40B4-BE49-F238E27FC236}">
-                <a16:creationId xmlns="" xmlns:a16="http://schemas.microsoft.com/office/drawing/2014/main" id="{559731CF-29F4-40C9-ACFD-D11C7DA121B9}"/>
+                <a16:creationId xmlns:a16="http://schemas.microsoft.com/office/drawing/2014/main" xmlns="" id="{559731CF-29F4-40C9-ACFD-D11C7DA121B9}"/>
               </a:ext>
             </a:extLst>
           </p:cNvPr>
@@ -15849,7 +15849,7 @@
           <p:cNvPr id="2" name="Google Shape;301;p19">
             <a:extLst>
               <a:ext uri="{FF2B5EF4-FFF2-40B4-BE49-F238E27FC236}">
-                <a16:creationId xmlns="" xmlns:a16="http://schemas.microsoft.com/office/drawing/2014/main" id="{3FED4C02-61DE-4F9F-94DD-0F6AF5D2E7BF}"/>
+                <a16:creationId xmlns:a16="http://schemas.microsoft.com/office/drawing/2014/main" xmlns="" id="{3FED4C02-61DE-4F9F-94DD-0F6AF5D2E7BF}"/>
               </a:ext>
             </a:extLst>
           </p:cNvPr>
@@ -15926,7 +15926,7 @@
             <a:hlinkClick r:id="rId2" action="ppaction://hlinkfile"/>
             <a:extLst>
               <a:ext uri="{FF2B5EF4-FFF2-40B4-BE49-F238E27FC236}">
-                <a16:creationId xmlns="" xmlns:a16="http://schemas.microsoft.com/office/drawing/2014/main" id="{A5236D1D-0CEC-40A8-9152-D9F2A135E33C}"/>
+                <a16:creationId xmlns:a16="http://schemas.microsoft.com/office/drawing/2014/main" xmlns="" id="{A5236D1D-0CEC-40A8-9152-D9F2A135E33C}"/>
               </a:ext>
             </a:extLst>
           </p:cNvPr>
@@ -15986,7 +15986,7 @@
           <p:cNvPr id="2" name="Google Shape;301;p19">
             <a:extLst>
               <a:ext uri="{FF2B5EF4-FFF2-40B4-BE49-F238E27FC236}">
-                <a16:creationId xmlns="" xmlns:a16="http://schemas.microsoft.com/office/drawing/2014/main" id="{BC0DD5E3-4FC9-4392-ADE4-BBCA125527BC}"/>
+                <a16:creationId xmlns:a16="http://schemas.microsoft.com/office/drawing/2014/main" xmlns="" id="{BC0DD5E3-4FC9-4392-ADE4-BBCA125527BC}"/>
               </a:ext>
             </a:extLst>
           </p:cNvPr>
@@ -16050,7 +16050,7 @@
             <a:hlinkClick r:id="rId2" action="ppaction://hlinkfile"/>
             <a:extLst>
               <a:ext uri="{FF2B5EF4-FFF2-40B4-BE49-F238E27FC236}">
-                <a16:creationId xmlns="" xmlns:a16="http://schemas.microsoft.com/office/drawing/2014/main" id="{BADA6DF1-5BC8-44A4-A8E8-5DB3266EA975}"/>
+                <a16:creationId xmlns:a16="http://schemas.microsoft.com/office/drawing/2014/main" xmlns="" id="{BADA6DF1-5BC8-44A4-A8E8-5DB3266EA975}"/>
               </a:ext>
             </a:extLst>
           </p:cNvPr>
@@ -16109,7 +16109,7 @@
           <p:cNvPr id="2" name="Google Shape;301;p19">
             <a:extLst>
               <a:ext uri="{FF2B5EF4-FFF2-40B4-BE49-F238E27FC236}">
-                <a16:creationId xmlns="" xmlns:a16="http://schemas.microsoft.com/office/drawing/2014/main" id="{94AA6C33-C2F6-4658-9DB6-D1AFF50223D7}"/>
+                <a16:creationId xmlns:a16="http://schemas.microsoft.com/office/drawing/2014/main" xmlns="" id="{94AA6C33-C2F6-4658-9DB6-D1AFF50223D7}"/>
               </a:ext>
             </a:extLst>
           </p:cNvPr>
@@ -16186,7 +16186,7 @@
             <a:hlinkClick r:id="rId2" action="ppaction://hlinkfile"/>
             <a:extLst>
               <a:ext uri="{FF2B5EF4-FFF2-40B4-BE49-F238E27FC236}">
-                <a16:creationId xmlns="" xmlns:a16="http://schemas.microsoft.com/office/drawing/2014/main" id="{0FC15038-BA2F-4951-B4EA-6DE70AC43AF6}"/>
+                <a16:creationId xmlns:a16="http://schemas.microsoft.com/office/drawing/2014/main" xmlns="" id="{0FC15038-BA2F-4951-B4EA-6DE70AC43AF6}"/>
               </a:ext>
             </a:extLst>
           </p:cNvPr>
@@ -16246,7 +16246,7 @@
           <p:cNvPr id="2" name="Google Shape;301;p19">
             <a:extLst>
               <a:ext uri="{FF2B5EF4-FFF2-40B4-BE49-F238E27FC236}">
-                <a16:creationId xmlns="" xmlns:a16="http://schemas.microsoft.com/office/drawing/2014/main" id="{E522214F-E47E-4B62-800C-5EAF90E697CD}"/>
+                <a16:creationId xmlns:a16="http://schemas.microsoft.com/office/drawing/2014/main" xmlns="" id="{E522214F-E47E-4B62-800C-5EAF90E697CD}"/>
               </a:ext>
             </a:extLst>
           </p:cNvPr>
@@ -16322,7 +16322,7 @@
           <p:cNvPr id="3" name="Imagen 2">
             <a:extLst>
               <a:ext uri="{FF2B5EF4-FFF2-40B4-BE49-F238E27FC236}">
-                <a16:creationId xmlns="" xmlns:a16="http://schemas.microsoft.com/office/drawing/2014/main" id="{4D2B85AD-3AD7-4D9E-AEB1-8BB153F041F7}"/>
+                <a16:creationId xmlns:a16="http://schemas.microsoft.com/office/drawing/2014/main" xmlns="" id="{4D2B85AD-3AD7-4D9E-AEB1-8BB153F041F7}"/>
               </a:ext>
             </a:extLst>
           </p:cNvPr>
@@ -16382,7 +16382,7 @@
           <p:cNvPr id="4" name="Google Shape;301;p19">
             <a:extLst>
               <a:ext uri="{FF2B5EF4-FFF2-40B4-BE49-F238E27FC236}">
-                <a16:creationId xmlns="" xmlns:a16="http://schemas.microsoft.com/office/drawing/2014/main" id="{F08688CE-7072-4646-B0B7-BE5849D42FF5}"/>
+                <a16:creationId xmlns:a16="http://schemas.microsoft.com/office/drawing/2014/main" xmlns="" id="{F08688CE-7072-4646-B0B7-BE5849D42FF5}"/>
               </a:ext>
             </a:extLst>
           </p:cNvPr>
@@ -16440,6 +16440,38 @@
           </a:p>
         </p:txBody>
       </p:sp>
+      <p:pic>
+        <p:nvPicPr>
+          <p:cNvPr id="2" name="Imagen 1">
+            <a:hlinkClick r:id="rId2" action="ppaction://hlinkfile"/>
+          </p:cNvPr>
+          <p:cNvPicPr>
+            <a:picLocks noChangeAspect="1"/>
+          </p:cNvPicPr>
+          <p:nvPr/>
+        </p:nvPicPr>
+        <p:blipFill>
+          <a:blip r:embed="rId3">
+            <a:extLst>
+              <a:ext uri="{28A0092B-C50C-407E-A947-70E740481C1C}">
+                <a14:useLocalDpi xmlns:a14="http://schemas.microsoft.com/office/drawing/2010/main" val="0"/>
+              </a:ext>
+            </a:extLst>
+          </a:blip>
+          <a:stretch>
+            <a:fillRect/>
+          </a:stretch>
+        </p:blipFill>
+        <p:spPr>
+          <a:xfrm>
+            <a:off x="1209057" y="2152650"/>
+            <a:ext cx="6725886" cy="4463892"/>
+          </a:xfrm>
+          <a:prstGeom prst="rect">
+            <a:avLst/>
+          </a:prstGeom>
+        </p:spPr>
+      </p:pic>
     </p:spTree>
     <p:extLst>
       <p:ext uri="{BB962C8B-B14F-4D97-AF65-F5344CB8AC3E}">
@@ -16475,7 +16507,7 @@
           <p:cNvPr id="2" name="Google Shape;301;p19">
             <a:extLst>
               <a:ext uri="{FF2B5EF4-FFF2-40B4-BE49-F238E27FC236}">
-                <a16:creationId xmlns="" xmlns:a16="http://schemas.microsoft.com/office/drawing/2014/main" id="{A55BF71A-6275-44E3-8979-459764B4C0E9}"/>
+                <a16:creationId xmlns:a16="http://schemas.microsoft.com/office/drawing/2014/main" xmlns="" id="{A55BF71A-6275-44E3-8979-459764B4C0E9}"/>
               </a:ext>
             </a:extLst>
           </p:cNvPr>
@@ -16555,7 +16587,7 @@
           <p:cNvPr id="3" name="Imagen 2">
             <a:extLst>
               <a:ext uri="{FF2B5EF4-FFF2-40B4-BE49-F238E27FC236}">
-                <a16:creationId xmlns="" xmlns:a16="http://schemas.microsoft.com/office/drawing/2014/main" id="{8907F45D-F0EB-4C72-A20F-15D830C6120A}"/>
+                <a16:creationId xmlns:a16="http://schemas.microsoft.com/office/drawing/2014/main" xmlns="" id="{8907F45D-F0EB-4C72-A20F-15D830C6120A}"/>
               </a:ext>
             </a:extLst>
           </p:cNvPr>
@@ -16585,7 +16617,7 @@
           <p:cNvPr id="4" name="Rectángulo 3">
             <a:extLst>
               <a:ext uri="{FF2B5EF4-FFF2-40B4-BE49-F238E27FC236}">
-                <a16:creationId xmlns="" xmlns:a16="http://schemas.microsoft.com/office/drawing/2014/main" id="{0B4F2E8C-C40B-40AD-99DC-991A85681726}"/>
+                <a16:creationId xmlns:a16="http://schemas.microsoft.com/office/drawing/2014/main" xmlns="" id="{0B4F2E8C-C40B-40AD-99DC-991A85681726}"/>
               </a:ext>
             </a:extLst>
           </p:cNvPr>

--- a/Documentacion/Presentacion/Proyecto Quickgift 4Trim.pptx
+++ b/Documentacion/Presentacion/Proyecto Quickgift 4Trim.pptx
@@ -17,21 +17,21 @@
     <p:sldId id="261" r:id="rId8"/>
     <p:sldId id="262" r:id="rId9"/>
     <p:sldId id="264" r:id="rId10"/>
-    <p:sldId id="280" r:id="rId11"/>
-    <p:sldId id="266" r:id="rId12"/>
-    <p:sldId id="267" r:id="rId13"/>
-    <p:sldId id="271" r:id="rId14"/>
-    <p:sldId id="273" r:id="rId15"/>
-    <p:sldId id="282" r:id="rId16"/>
-    <p:sldId id="275" r:id="rId17"/>
-    <p:sldId id="283" r:id="rId18"/>
-    <p:sldId id="278" r:id="rId19"/>
-    <p:sldId id="289" r:id="rId20"/>
-    <p:sldId id="274" r:id="rId21"/>
-    <p:sldId id="277" r:id="rId22"/>
+    <p:sldId id="267" r:id="rId11"/>
+    <p:sldId id="280" r:id="rId12"/>
+    <p:sldId id="266" r:id="rId13"/>
+    <p:sldId id="273" r:id="rId14"/>
+    <p:sldId id="271" r:id="rId15"/>
+    <p:sldId id="275" r:id="rId16"/>
+    <p:sldId id="283" r:id="rId17"/>
+    <p:sldId id="289" r:id="rId18"/>
+    <p:sldId id="274" r:id="rId19"/>
+    <p:sldId id="282" r:id="rId20"/>
+    <p:sldId id="278" r:id="rId21"/>
+    <p:sldId id="285" r:id="rId22"/>
     <p:sldId id="284" r:id="rId23"/>
-    <p:sldId id="270" r:id="rId24"/>
-    <p:sldId id="285" r:id="rId25"/>
+    <p:sldId id="277" r:id="rId24"/>
+    <p:sldId id="270" r:id="rId25"/>
     <p:sldId id="290" r:id="rId26"/>
     <p:sldId id="286" r:id="rId27"/>
     <p:sldId id="291" r:id="rId28"/>
@@ -300,7 +300,7 @@
       </p15:notesGuideLst>
     </p:ext>
     <p:ext uri="http://customooxmlschemas.google.com/">
-      <go:slidesCustomData xmlns="" xmlns:mc="http://schemas.openxmlformats.org/markup-compatibility/2006" xmlns:mv="urn:schemas-microsoft-com:mac:vml" xmlns:c="http://schemas.openxmlformats.org/drawingml/2006/chart" xmlns:dgm="http://schemas.openxmlformats.org/drawingml/2006/diagram" xmlns:o="urn:schemas-microsoft-com:office:office" xmlns:v="urn:schemas-microsoft-com:vml" xmlns:pvml="urn:schemas-microsoft-com:office:powerpoint" xmlns:com="http://schemas.openxmlformats.org/drawingml/2006/compatibility" xmlns:p14="http://schemas.microsoft.com/office/powerpoint/2010/main" xmlns:p15="http://schemas.microsoft.com/office/powerpoint/2012/main" xmlns:go="http://customooxmlschemas.google.com/" r:id="rId35" roundtripDataSignature="AMtx7miSNXYSRgmSWm+S1qHCn9iJbBHPKA=="/>
+      <go:slidesCustomData xmlns:go="http://customooxmlschemas.google.com/" xmlns:p15="http://schemas.microsoft.com/office/powerpoint/2012/main" xmlns:p14="http://schemas.microsoft.com/office/powerpoint/2010/main" xmlns:com="http://schemas.openxmlformats.org/drawingml/2006/compatibility" xmlns:pvml="urn:schemas-microsoft-com:office:powerpoint" xmlns:v="urn:schemas-microsoft-com:vml" xmlns:o="urn:schemas-microsoft-com:office:office" xmlns:dgm="http://schemas.openxmlformats.org/drawingml/2006/diagram" xmlns:c="http://schemas.openxmlformats.org/drawingml/2006/chart" xmlns:mv="urn:schemas-microsoft-com:mac:vml" xmlns:mc="http://schemas.openxmlformats.org/markup-compatibility/2006" xmlns="" r:id="rId35" roundtripDataSignature="AMtx7miSNXYSRgmSWm+S1qHCn9iJbBHPKA=="/>
     </p:ext>
   </p:extLst>
 </p:presentation>
@@ -355,9 +355,9 @@
 
 <file path=ppt/comments/comment3.xml><?xml version="1.0" encoding="utf-8"?>
 <p:cmLst xmlns:a="http://schemas.openxmlformats.org/drawingml/2006/main" xmlns:r="http://schemas.openxmlformats.org/officeDocument/2006/relationships" xmlns:p="http://schemas.openxmlformats.org/presentationml/2006/main">
-  <p:cm authorId="1" dt="2020-04-14T01:26:04.422" idx="4">
+  <p:cm authorId="1" dt="2020-04-14T01:26:20.252" idx="5">
     <p:pos x="10" y="10"/>
-    <p:text>Agregar ultimas actualizaciones</p:text>
+    <p:text>Sin finalizar, falta hacer formato</p:text>
     <p:extLst>
       <p:ext uri="{C676402C-5697-4E1C-873F-D02D1690AC5C}">
         <p15:threadingInfo xmlns:p15="http://schemas.microsoft.com/office/powerpoint/2012/main" timeZoneBias="300"/>
@@ -369,9 +369,9 @@
 
 <file path=ppt/comments/comment4.xml><?xml version="1.0" encoding="utf-8"?>
 <p:cmLst xmlns:a="http://schemas.openxmlformats.org/drawingml/2006/main" xmlns:r="http://schemas.openxmlformats.org/officeDocument/2006/relationships" xmlns:p="http://schemas.openxmlformats.org/presentationml/2006/main">
-  <p:cm authorId="1" dt="2020-04-14T01:26:20.252" idx="5">
+  <p:cm authorId="1" dt="2020-04-14T01:26:04.422" idx="4">
     <p:pos x="10" y="10"/>
-    <p:text>Sin finalizar, falta hacer formato</p:text>
+    <p:text>Agregar ultimas actualizaciones</p:text>
     <p:extLst>
       <p:ext uri="{C676402C-5697-4E1C-873F-D02D1690AC5C}">
         <p15:threadingInfo xmlns:p15="http://schemas.microsoft.com/office/powerpoint/2012/main" timeZoneBias="300"/>
@@ -1721,6 +1721,161 @@
   <p:cSld>
     <p:spTree>
       <p:nvGrpSpPr>
+        <p:cNvPr id="1" name="Shape 215"/>
+        <p:cNvGrpSpPr/>
+        <p:nvPr/>
+      </p:nvGrpSpPr>
+      <p:grpSpPr>
+        <a:xfrm>
+          <a:off x="0" y="0"/>
+          <a:ext cx="0" cy="0"/>
+          <a:chOff x="0" y="0"/>
+          <a:chExt cx="0" cy="0"/>
+        </a:xfrm>
+      </p:grpSpPr>
+      <p:sp>
+        <p:nvSpPr>
+          <p:cNvPr id="216" name="Google Shape;216;g736f4026e3_0_32:notes"/>
+          <p:cNvSpPr>
+            <a:spLocks noGrp="1" noRot="1" noChangeAspect="1"/>
+          </p:cNvSpPr>
+          <p:nvPr>
+            <p:ph type="sldImg" idx="2"/>
+          </p:nvPr>
+        </p:nvSpPr>
+        <p:spPr>
+          <a:xfrm>
+            <a:off x="1371600" y="1143000"/>
+            <a:ext cx="4114800" cy="3086100"/>
+          </a:xfrm>
+          <a:custGeom>
+            <a:avLst/>
+            <a:gdLst/>
+            <a:ahLst/>
+            <a:cxnLst/>
+            <a:rect l="l" t="t" r="r" b="b"/>
+            <a:pathLst>
+              <a:path w="120000" h="120000" extrusionOk="0">
+                <a:moveTo>
+                  <a:pt x="0" y="0"/>
+                </a:moveTo>
+                <a:lnTo>
+                  <a:pt x="120000" y="0"/>
+                </a:lnTo>
+                <a:lnTo>
+                  <a:pt x="120000" y="120000"/>
+                </a:lnTo>
+                <a:lnTo>
+                  <a:pt x="0" y="120000"/>
+                </a:lnTo>
+                <a:close/>
+              </a:path>
+            </a:pathLst>
+          </a:custGeom>
+        </p:spPr>
+      </p:sp>
+      <p:sp>
+        <p:nvSpPr>
+          <p:cNvPr id="217" name="Google Shape;217;g736f4026e3_0_32:notes"/>
+          <p:cNvSpPr txBox="1">
+            <a:spLocks noGrp="1"/>
+          </p:cNvSpPr>
+          <p:nvPr>
+            <p:ph type="body" idx="1"/>
+          </p:nvPr>
+        </p:nvSpPr>
+        <p:spPr>
+          <a:xfrm>
+            <a:off x="685800" y="4400550"/>
+            <a:ext cx="5486400" cy="3600600"/>
+          </a:xfrm>
+          <a:prstGeom prst="rect">
+            <a:avLst/>
+          </a:prstGeom>
+        </p:spPr>
+        <p:txBody>
+          <a:bodyPr spcFirstLastPara="1" wrap="square" lIns="91425" tIns="45700" rIns="91425" bIns="45700" anchor="t" anchorCtr="0">
+            <a:noAutofit/>
+          </a:bodyPr>
+          <a:lstStyle/>
+          <a:p>
+            <a:pPr marL="0" lvl="0" indent="0" algn="l" rtl="0">
+              <a:spcBef>
+                <a:spcPts val="0"/>
+              </a:spcBef>
+              <a:spcAft>
+                <a:spcPts val="0"/>
+              </a:spcAft>
+              <a:buNone/>
+            </a:pPr>
+            <a:endParaRPr/>
+          </a:p>
+        </p:txBody>
+      </p:sp>
+      <p:sp>
+        <p:nvSpPr>
+          <p:cNvPr id="218" name="Google Shape;218;g736f4026e3_0_32:notes"/>
+          <p:cNvSpPr txBox="1">
+            <a:spLocks noGrp="1"/>
+          </p:cNvSpPr>
+          <p:nvPr>
+            <p:ph type="sldNum" idx="12"/>
+          </p:nvPr>
+        </p:nvSpPr>
+        <p:spPr>
+          <a:xfrm>
+            <a:off x="3884613" y="8685213"/>
+            <a:ext cx="2971800" cy="458700"/>
+          </a:xfrm>
+          <a:prstGeom prst="rect">
+            <a:avLst/>
+          </a:prstGeom>
+        </p:spPr>
+        <p:txBody>
+          <a:bodyPr spcFirstLastPara="1" wrap="square" lIns="91425" tIns="45700" rIns="91425" bIns="45700" anchor="b" anchorCtr="0">
+            <a:noAutofit/>
+          </a:bodyPr>
+          <a:lstStyle/>
+          <a:p>
+            <a:pPr marL="0" lvl="0" indent="0" algn="r" rtl="0">
+              <a:spcBef>
+                <a:spcPts val="0"/>
+              </a:spcBef>
+              <a:spcAft>
+                <a:spcPts val="0"/>
+              </a:spcAft>
+              <a:buClr>
+                <a:srgbClr val="000000"/>
+              </a:buClr>
+              <a:buFont typeface="Arial"/>
+              <a:buNone/>
+            </a:pPr>
+            <a:fld id="{00000000-1234-1234-1234-123412341234}" type="slidenum">
+              <a:rPr lang="es-CO"/>
+              <a:t>10</a:t>
+            </a:fld>
+            <a:endParaRPr/>
+          </a:p>
+        </p:txBody>
+      </p:sp>
+    </p:spTree>
+    <p:extLst>
+      <p:ext uri="{BB962C8B-B14F-4D97-AF65-F5344CB8AC3E}">
+        <p14:creationId xmlns:p14="http://schemas.microsoft.com/office/powerpoint/2010/main" val="1295422995"/>
+      </p:ext>
+    </p:extLst>
+  </p:cSld>
+  <p:clrMapOvr>
+    <a:masterClrMapping/>
+  </p:clrMapOvr>
+</p:notes>
+</file>
+
+<file path=ppt/notesSlides/notesSlide11.xml><?xml version="1.0" encoding="utf-8"?>
+<p:notes xmlns:a="http://schemas.openxmlformats.org/drawingml/2006/main" xmlns:r="http://schemas.openxmlformats.org/officeDocument/2006/relationships" xmlns:p="http://schemas.openxmlformats.org/presentationml/2006/main" showMasterSp="0" showMasterPhAnim="0">
+  <p:cSld>
+    <p:spTree>
+      <p:nvGrpSpPr>
         <p:cNvPr id="1" name="Shape 209"/>
         <p:cNvGrpSpPr/>
         <p:nvPr/>
@@ -1852,7 +2007,7 @@
             </a:pPr>
             <a:fld id="{00000000-1234-1234-1234-123412341234}" type="slidenum">
               <a:rPr lang="es-CO"/>
-              <a:t>11</a:t>
+              <a:t>12</a:t>
             </a:fld>
             <a:endParaRPr/>
           </a:p>
@@ -1871,12 +2026,12 @@
 </p:notes>
 </file>
 
-<file path=ppt/notesSlides/notesSlide11.xml><?xml version="1.0" encoding="utf-8"?>
+<file path=ppt/notesSlides/notesSlide12.xml><?xml version="1.0" encoding="utf-8"?>
 <p:notes xmlns:a="http://schemas.openxmlformats.org/drawingml/2006/main" xmlns:r="http://schemas.openxmlformats.org/officeDocument/2006/relationships" xmlns:p="http://schemas.openxmlformats.org/presentationml/2006/main" showMasterSp="0" showMasterPhAnim="0">
   <p:cSld>
     <p:spTree>
       <p:nvGrpSpPr>
-        <p:cNvPr id="1" name="Shape 215"/>
+        <p:cNvPr id="1" name="Shape 258"/>
         <p:cNvGrpSpPr/>
         <p:nvPr/>
       </p:nvGrpSpPr>
@@ -1890,7 +2045,45 @@
       </p:grpSpPr>
       <p:sp>
         <p:nvSpPr>
-          <p:cNvPr id="216" name="Google Shape;216;g736f4026e3_0_32:notes"/>
+          <p:cNvPr id="259" name="Google Shape;259;p14:notes"/>
+          <p:cNvSpPr txBox="1">
+            <a:spLocks noGrp="1"/>
+          </p:cNvSpPr>
+          <p:nvPr>
+            <p:ph type="body" idx="1"/>
+          </p:nvPr>
+        </p:nvSpPr>
+        <p:spPr>
+          <a:xfrm>
+            <a:off x="685800" y="4400550"/>
+            <a:ext cx="5486400" cy="3600450"/>
+          </a:xfrm>
+          <a:prstGeom prst="rect">
+            <a:avLst/>
+          </a:prstGeom>
+        </p:spPr>
+        <p:txBody>
+          <a:bodyPr spcFirstLastPara="1" wrap="square" lIns="91425" tIns="45700" rIns="91425" bIns="45700" anchor="t" anchorCtr="0">
+            <a:noAutofit/>
+          </a:bodyPr>
+          <a:lstStyle/>
+          <a:p>
+            <a:pPr marL="0" lvl="0" indent="0" algn="l" rtl="0">
+              <a:spcBef>
+                <a:spcPts val="0"/>
+              </a:spcBef>
+              <a:spcAft>
+                <a:spcPts val="0"/>
+              </a:spcAft>
+              <a:buNone/>
+            </a:pPr>
+            <a:endParaRPr/>
+          </a:p>
+        </p:txBody>
+      </p:sp>
+      <p:sp>
+        <p:nvSpPr>
+          <p:cNvPr id="260" name="Google Shape;260;p14:notes"/>
           <p:cNvSpPr>
             <a:spLocks noGrp="1" noRot="1" noChangeAspect="1"/>
           </p:cNvSpPr>
@@ -1929,94 +2122,10 @@
           </a:custGeom>
         </p:spPr>
       </p:sp>
-      <p:sp>
-        <p:nvSpPr>
-          <p:cNvPr id="217" name="Google Shape;217;g736f4026e3_0_32:notes"/>
-          <p:cNvSpPr txBox="1">
-            <a:spLocks noGrp="1"/>
-          </p:cNvSpPr>
-          <p:nvPr>
-            <p:ph type="body" idx="1"/>
-          </p:nvPr>
-        </p:nvSpPr>
-        <p:spPr>
-          <a:xfrm>
-            <a:off x="685800" y="4400550"/>
-            <a:ext cx="5486400" cy="3600600"/>
-          </a:xfrm>
-          <a:prstGeom prst="rect">
-            <a:avLst/>
-          </a:prstGeom>
-        </p:spPr>
-        <p:txBody>
-          <a:bodyPr spcFirstLastPara="1" wrap="square" lIns="91425" tIns="45700" rIns="91425" bIns="45700" anchor="t" anchorCtr="0">
-            <a:noAutofit/>
-          </a:bodyPr>
-          <a:lstStyle/>
-          <a:p>
-            <a:pPr marL="0" lvl="0" indent="0" algn="l" rtl="0">
-              <a:spcBef>
-                <a:spcPts val="0"/>
-              </a:spcBef>
-              <a:spcAft>
-                <a:spcPts val="0"/>
-              </a:spcAft>
-              <a:buNone/>
-            </a:pPr>
-            <a:endParaRPr/>
-          </a:p>
-        </p:txBody>
-      </p:sp>
-      <p:sp>
-        <p:nvSpPr>
-          <p:cNvPr id="218" name="Google Shape;218;g736f4026e3_0_32:notes"/>
-          <p:cNvSpPr txBox="1">
-            <a:spLocks noGrp="1"/>
-          </p:cNvSpPr>
-          <p:nvPr>
-            <p:ph type="sldNum" idx="12"/>
-          </p:nvPr>
-        </p:nvSpPr>
-        <p:spPr>
-          <a:xfrm>
-            <a:off x="3884613" y="8685213"/>
-            <a:ext cx="2971800" cy="458700"/>
-          </a:xfrm>
-          <a:prstGeom prst="rect">
-            <a:avLst/>
-          </a:prstGeom>
-        </p:spPr>
-        <p:txBody>
-          <a:bodyPr spcFirstLastPara="1" wrap="square" lIns="91425" tIns="45700" rIns="91425" bIns="45700" anchor="b" anchorCtr="0">
-            <a:noAutofit/>
-          </a:bodyPr>
-          <a:lstStyle/>
-          <a:p>
-            <a:pPr marL="0" lvl="0" indent="0" algn="r" rtl="0">
-              <a:spcBef>
-                <a:spcPts val="0"/>
-              </a:spcBef>
-              <a:spcAft>
-                <a:spcPts val="0"/>
-              </a:spcAft>
-              <a:buClr>
-                <a:srgbClr val="000000"/>
-              </a:buClr>
-              <a:buFont typeface="Arial"/>
-              <a:buNone/>
-            </a:pPr>
-            <a:fld id="{00000000-1234-1234-1234-123412341234}" type="slidenum">
-              <a:rPr lang="es-CO"/>
-              <a:t>12</a:t>
-            </a:fld>
-            <a:endParaRPr/>
-          </a:p>
-        </p:txBody>
-      </p:sp>
     </p:spTree>
     <p:extLst>
       <p:ext uri="{BB962C8B-B14F-4D97-AF65-F5344CB8AC3E}">
-        <p14:creationId xmlns:p14="http://schemas.microsoft.com/office/powerpoint/2010/main" val="1295422995"/>
+        <p14:creationId xmlns:p14="http://schemas.microsoft.com/office/powerpoint/2010/main" val="2314769030"/>
       </p:ext>
     </p:extLst>
   </p:cSld>
@@ -2026,7 +2135,7 @@
 </p:notes>
 </file>
 
-<file path=ppt/notesSlides/notesSlide12.xml><?xml version="1.0" encoding="utf-8"?>
+<file path=ppt/notesSlides/notesSlide13.xml><?xml version="1.0" encoding="utf-8"?>
 <p:notes xmlns:a="http://schemas.openxmlformats.org/drawingml/2006/main" xmlns:r="http://schemas.openxmlformats.org/officeDocument/2006/relationships" xmlns:p="http://schemas.openxmlformats.org/presentationml/2006/main" showMasterSp="0" showMasterPhAnim="0">
   <p:cSld>
     <p:spTree>
@@ -2126,115 +2235,6 @@
     <p:extLst>
       <p:ext uri="{BB962C8B-B14F-4D97-AF65-F5344CB8AC3E}">
         <p14:creationId xmlns:p14="http://schemas.microsoft.com/office/powerpoint/2010/main" val="1979088880"/>
-      </p:ext>
-    </p:extLst>
-  </p:cSld>
-  <p:clrMapOvr>
-    <a:masterClrMapping/>
-  </p:clrMapOvr>
-</p:notes>
-</file>
-
-<file path=ppt/notesSlides/notesSlide13.xml><?xml version="1.0" encoding="utf-8"?>
-<p:notes xmlns:a="http://schemas.openxmlformats.org/drawingml/2006/main" xmlns:r="http://schemas.openxmlformats.org/officeDocument/2006/relationships" xmlns:p="http://schemas.openxmlformats.org/presentationml/2006/main" showMasterSp="0" showMasterPhAnim="0">
-  <p:cSld>
-    <p:spTree>
-      <p:nvGrpSpPr>
-        <p:cNvPr id="1" name="Shape 258"/>
-        <p:cNvGrpSpPr/>
-        <p:nvPr/>
-      </p:nvGrpSpPr>
-      <p:grpSpPr>
-        <a:xfrm>
-          <a:off x="0" y="0"/>
-          <a:ext cx="0" cy="0"/>
-          <a:chOff x="0" y="0"/>
-          <a:chExt cx="0" cy="0"/>
-        </a:xfrm>
-      </p:grpSpPr>
-      <p:sp>
-        <p:nvSpPr>
-          <p:cNvPr id="259" name="Google Shape;259;p14:notes"/>
-          <p:cNvSpPr txBox="1">
-            <a:spLocks noGrp="1"/>
-          </p:cNvSpPr>
-          <p:nvPr>
-            <p:ph type="body" idx="1"/>
-          </p:nvPr>
-        </p:nvSpPr>
-        <p:spPr>
-          <a:xfrm>
-            <a:off x="685800" y="4400550"/>
-            <a:ext cx="5486400" cy="3600450"/>
-          </a:xfrm>
-          <a:prstGeom prst="rect">
-            <a:avLst/>
-          </a:prstGeom>
-        </p:spPr>
-        <p:txBody>
-          <a:bodyPr spcFirstLastPara="1" wrap="square" lIns="91425" tIns="45700" rIns="91425" bIns="45700" anchor="t" anchorCtr="0">
-            <a:noAutofit/>
-          </a:bodyPr>
-          <a:lstStyle/>
-          <a:p>
-            <a:pPr marL="0" lvl="0" indent="0" algn="l" rtl="0">
-              <a:spcBef>
-                <a:spcPts val="0"/>
-              </a:spcBef>
-              <a:spcAft>
-                <a:spcPts val="0"/>
-              </a:spcAft>
-              <a:buNone/>
-            </a:pPr>
-            <a:endParaRPr/>
-          </a:p>
-        </p:txBody>
-      </p:sp>
-      <p:sp>
-        <p:nvSpPr>
-          <p:cNvPr id="260" name="Google Shape;260;p14:notes"/>
-          <p:cNvSpPr>
-            <a:spLocks noGrp="1" noRot="1" noChangeAspect="1"/>
-          </p:cNvSpPr>
-          <p:nvPr>
-            <p:ph type="sldImg" idx="2"/>
-          </p:nvPr>
-        </p:nvSpPr>
-        <p:spPr>
-          <a:xfrm>
-            <a:off x="1371600" y="1143000"/>
-            <a:ext cx="4114800" cy="3086100"/>
-          </a:xfrm>
-          <a:custGeom>
-            <a:avLst/>
-            <a:gdLst/>
-            <a:ahLst/>
-            <a:cxnLst/>
-            <a:rect l="l" t="t" r="r" b="b"/>
-            <a:pathLst>
-              <a:path w="120000" h="120000" extrusionOk="0">
-                <a:moveTo>
-                  <a:pt x="0" y="0"/>
-                </a:moveTo>
-                <a:lnTo>
-                  <a:pt x="120000" y="0"/>
-                </a:lnTo>
-                <a:lnTo>
-                  <a:pt x="120000" y="120000"/>
-                </a:lnTo>
-                <a:lnTo>
-                  <a:pt x="0" y="120000"/>
-                </a:lnTo>
-                <a:close/>
-              </a:path>
-            </a:pathLst>
-          </a:custGeom>
-        </p:spPr>
-      </p:sp>
-    </p:spTree>
-    <p:extLst>
-      <p:ext uri="{BB962C8B-B14F-4D97-AF65-F5344CB8AC3E}">
-        <p14:creationId xmlns:p14="http://schemas.microsoft.com/office/powerpoint/2010/main" val="2314769030"/>
       </p:ext>
     </p:extLst>
   </p:cSld>
@@ -2358,6 +2358,115 @@
   <p:cSld>
     <p:spTree>
       <p:nvGrpSpPr>
+        <p:cNvPr id="1" name="Shape 268"/>
+        <p:cNvGrpSpPr/>
+        <p:nvPr/>
+      </p:nvGrpSpPr>
+      <p:grpSpPr>
+        <a:xfrm>
+          <a:off x="0" y="0"/>
+          <a:ext cx="0" cy="0"/>
+          <a:chOff x="0" y="0"/>
+          <a:chExt cx="0" cy="0"/>
+        </a:xfrm>
+      </p:grpSpPr>
+      <p:sp>
+        <p:nvSpPr>
+          <p:cNvPr id="269" name="Google Shape;269;p15:notes"/>
+          <p:cNvSpPr txBox="1">
+            <a:spLocks noGrp="1"/>
+          </p:cNvSpPr>
+          <p:nvPr>
+            <p:ph type="body" idx="1"/>
+          </p:nvPr>
+        </p:nvSpPr>
+        <p:spPr>
+          <a:xfrm>
+            <a:off x="685800" y="4400550"/>
+            <a:ext cx="5486400" cy="3600450"/>
+          </a:xfrm>
+          <a:prstGeom prst="rect">
+            <a:avLst/>
+          </a:prstGeom>
+        </p:spPr>
+        <p:txBody>
+          <a:bodyPr spcFirstLastPara="1" wrap="square" lIns="91425" tIns="45700" rIns="91425" bIns="45700" anchor="t" anchorCtr="0">
+            <a:noAutofit/>
+          </a:bodyPr>
+          <a:lstStyle/>
+          <a:p>
+            <a:pPr marL="0" lvl="0" indent="0" algn="l" rtl="0">
+              <a:spcBef>
+                <a:spcPts val="0"/>
+              </a:spcBef>
+              <a:spcAft>
+                <a:spcPts val="0"/>
+              </a:spcAft>
+              <a:buNone/>
+            </a:pPr>
+            <a:endParaRPr/>
+          </a:p>
+        </p:txBody>
+      </p:sp>
+      <p:sp>
+        <p:nvSpPr>
+          <p:cNvPr id="270" name="Google Shape;270;p15:notes"/>
+          <p:cNvSpPr>
+            <a:spLocks noGrp="1" noRot="1" noChangeAspect="1"/>
+          </p:cNvSpPr>
+          <p:nvPr>
+            <p:ph type="sldImg" idx="2"/>
+          </p:nvPr>
+        </p:nvSpPr>
+        <p:spPr>
+          <a:xfrm>
+            <a:off x="1371600" y="1143000"/>
+            <a:ext cx="4114800" cy="3086100"/>
+          </a:xfrm>
+          <a:custGeom>
+            <a:avLst/>
+            <a:gdLst/>
+            <a:ahLst/>
+            <a:cxnLst/>
+            <a:rect l="l" t="t" r="r" b="b"/>
+            <a:pathLst>
+              <a:path w="120000" h="120000" extrusionOk="0">
+                <a:moveTo>
+                  <a:pt x="0" y="0"/>
+                </a:moveTo>
+                <a:lnTo>
+                  <a:pt x="120000" y="0"/>
+                </a:lnTo>
+                <a:lnTo>
+                  <a:pt x="120000" y="120000"/>
+                </a:lnTo>
+                <a:lnTo>
+                  <a:pt x="0" y="120000"/>
+                </a:lnTo>
+                <a:close/>
+              </a:path>
+            </a:pathLst>
+          </a:custGeom>
+        </p:spPr>
+      </p:sp>
+    </p:spTree>
+    <p:extLst>
+      <p:ext uri="{BB962C8B-B14F-4D97-AF65-F5344CB8AC3E}">
+        <p14:creationId xmlns:p14="http://schemas.microsoft.com/office/powerpoint/2010/main" val="1539221300"/>
+      </p:ext>
+    </p:extLst>
+  </p:cSld>
+  <p:clrMapOvr>
+    <a:masterClrMapping/>
+  </p:clrMapOvr>
+</p:notes>
+</file>
+
+<file path=ppt/notesSlides/notesSlide16.xml><?xml version="1.0" encoding="utf-8"?>
+<p:notes xmlns:a="http://schemas.openxmlformats.org/drawingml/2006/main" xmlns:r="http://schemas.openxmlformats.org/officeDocument/2006/relationships" xmlns:p="http://schemas.openxmlformats.org/presentationml/2006/main" showMasterSp="0" showMasterPhAnim="0">
+  <p:cSld>
+    <p:spTree>
+      <p:nvGrpSpPr>
         <p:cNvPr id="1" name="Shape 297"/>
         <p:cNvGrpSpPr/>
         <p:nvPr/>
@@ -2453,115 +2562,6 @@
     <p:extLst>
       <p:ext uri="{BB962C8B-B14F-4D97-AF65-F5344CB8AC3E}">
         <p14:creationId xmlns:p14="http://schemas.microsoft.com/office/powerpoint/2010/main" val="2851184573"/>
-      </p:ext>
-    </p:extLst>
-  </p:cSld>
-  <p:clrMapOvr>
-    <a:masterClrMapping/>
-  </p:clrMapOvr>
-</p:notes>
-</file>
-
-<file path=ppt/notesSlides/notesSlide16.xml><?xml version="1.0" encoding="utf-8"?>
-<p:notes xmlns:a="http://schemas.openxmlformats.org/drawingml/2006/main" xmlns:r="http://schemas.openxmlformats.org/officeDocument/2006/relationships" xmlns:p="http://schemas.openxmlformats.org/presentationml/2006/main" showMasterSp="0" showMasterPhAnim="0">
-  <p:cSld>
-    <p:spTree>
-      <p:nvGrpSpPr>
-        <p:cNvPr id="1" name="Shape 268"/>
-        <p:cNvGrpSpPr/>
-        <p:nvPr/>
-      </p:nvGrpSpPr>
-      <p:grpSpPr>
-        <a:xfrm>
-          <a:off x="0" y="0"/>
-          <a:ext cx="0" cy="0"/>
-          <a:chOff x="0" y="0"/>
-          <a:chExt cx="0" cy="0"/>
-        </a:xfrm>
-      </p:grpSpPr>
-      <p:sp>
-        <p:nvSpPr>
-          <p:cNvPr id="269" name="Google Shape;269;p15:notes"/>
-          <p:cNvSpPr txBox="1">
-            <a:spLocks noGrp="1"/>
-          </p:cNvSpPr>
-          <p:nvPr>
-            <p:ph type="body" idx="1"/>
-          </p:nvPr>
-        </p:nvSpPr>
-        <p:spPr>
-          <a:xfrm>
-            <a:off x="685800" y="4400550"/>
-            <a:ext cx="5486400" cy="3600450"/>
-          </a:xfrm>
-          <a:prstGeom prst="rect">
-            <a:avLst/>
-          </a:prstGeom>
-        </p:spPr>
-        <p:txBody>
-          <a:bodyPr spcFirstLastPara="1" wrap="square" lIns="91425" tIns="45700" rIns="91425" bIns="45700" anchor="t" anchorCtr="0">
-            <a:noAutofit/>
-          </a:bodyPr>
-          <a:lstStyle/>
-          <a:p>
-            <a:pPr marL="0" lvl="0" indent="0" algn="l" rtl="0">
-              <a:spcBef>
-                <a:spcPts val="0"/>
-              </a:spcBef>
-              <a:spcAft>
-                <a:spcPts val="0"/>
-              </a:spcAft>
-              <a:buNone/>
-            </a:pPr>
-            <a:endParaRPr/>
-          </a:p>
-        </p:txBody>
-      </p:sp>
-      <p:sp>
-        <p:nvSpPr>
-          <p:cNvPr id="270" name="Google Shape;270;p15:notes"/>
-          <p:cNvSpPr>
-            <a:spLocks noGrp="1" noRot="1" noChangeAspect="1"/>
-          </p:cNvSpPr>
-          <p:nvPr>
-            <p:ph type="sldImg" idx="2"/>
-          </p:nvPr>
-        </p:nvSpPr>
-        <p:spPr>
-          <a:xfrm>
-            <a:off x="1371600" y="1143000"/>
-            <a:ext cx="4114800" cy="3086100"/>
-          </a:xfrm>
-          <a:custGeom>
-            <a:avLst/>
-            <a:gdLst/>
-            <a:ahLst/>
-            <a:cxnLst/>
-            <a:rect l="l" t="t" r="r" b="b"/>
-            <a:pathLst>
-              <a:path w="120000" h="120000" extrusionOk="0">
-                <a:moveTo>
-                  <a:pt x="0" y="0"/>
-                </a:moveTo>
-                <a:lnTo>
-                  <a:pt x="120000" y="0"/>
-                </a:lnTo>
-                <a:lnTo>
-                  <a:pt x="120000" y="120000"/>
-                </a:lnTo>
-                <a:lnTo>
-                  <a:pt x="0" y="120000"/>
-                </a:lnTo>
-                <a:close/>
-              </a:path>
-            </a:pathLst>
-          </a:custGeom>
-        </p:spPr>
-      </p:sp>
-    </p:spTree>
-    <p:extLst>
-      <p:ext uri="{BB962C8B-B14F-4D97-AF65-F5344CB8AC3E}">
-        <p14:creationId xmlns:p14="http://schemas.microsoft.com/office/powerpoint/2010/main" val="1539221300"/>
       </p:ext>
     </p:extLst>
   </p:cSld>
@@ -12533,480 +12533,6 @@
   <p:cSld>
     <p:spTree>
       <p:nvGrpSpPr>
-        <p:cNvPr id="1" name=""/>
-        <p:cNvGrpSpPr/>
-        <p:nvPr/>
-      </p:nvGrpSpPr>
-      <p:grpSpPr>
-        <a:xfrm>
-          <a:off x="0" y="0"/>
-          <a:ext cx="0" cy="0"/>
-          <a:chOff x="0" y="0"/>
-          <a:chExt cx="0" cy="0"/>
-        </a:xfrm>
-      </p:grpSpPr>
-      <p:sp>
-        <p:nvSpPr>
-          <p:cNvPr id="2" name="Rectángulo 1">
-            <a:extLst>
-              <a:ext uri="{FF2B5EF4-FFF2-40B4-BE49-F238E27FC236}">
-                <a16:creationId xmlns:a16="http://schemas.microsoft.com/office/drawing/2014/main" xmlns="" id="{2122DDA5-564B-4B5D-A09C-EACFD56F1273}"/>
-              </a:ext>
-            </a:extLst>
-          </p:cNvPr>
-          <p:cNvSpPr/>
-          <p:nvPr/>
-        </p:nvSpPr>
-        <p:spPr>
-          <a:xfrm>
-            <a:off x="859284" y="109881"/>
-            <a:ext cx="7425431" cy="1631216"/>
-          </a:xfrm>
-          <a:prstGeom prst="rect">
-            <a:avLst/>
-          </a:prstGeom>
-        </p:spPr>
-        <p:txBody>
-          <a:bodyPr wrap="none">
-            <a:spAutoFit/>
-          </a:bodyPr>
-          <a:lstStyle/>
-          <a:p>
-            <a:pPr lvl="0"/>
-            <a:r>
-              <a:rPr lang="es-MX" sz="5000" dirty="0">
-                <a:solidFill>
-                  <a:schemeClr val="lt1"/>
-                </a:solidFill>
-                <a:latin typeface="Calibri" panose="020F0502020204030204" pitchFamily="34" charset="0"/>
-                <a:ea typeface="Calibri"/>
-                <a:cs typeface="Calibri" panose="020F0502020204030204" pitchFamily="34" charset="0"/>
-                <a:sym typeface="Calibri"/>
-              </a:rPr>
-              <a:t> </a:t>
-            </a:r>
-            <a:r>
-              <a:rPr lang="es-MX" sz="5000" dirty="0">
-                <a:solidFill>
-                  <a:schemeClr val="lt1"/>
-                </a:solidFill>
-                <a:latin typeface="Calibri" panose="020F0502020204030204" pitchFamily="34" charset="0"/>
-                <a:cs typeface="Calibri" panose="020F0502020204030204" pitchFamily="34" charset="0"/>
-                <a:sym typeface="Calibri"/>
-              </a:rPr>
-              <a:t>Técnicas de levantamiento </a:t>
-            </a:r>
-          </a:p>
-          <a:p>
-            <a:pPr lvl="0" algn="ctr"/>
-            <a:r>
-              <a:rPr lang="es-MX" sz="5000" dirty="0">
-                <a:solidFill>
-                  <a:schemeClr val="lt1"/>
-                </a:solidFill>
-                <a:latin typeface="Calibri" panose="020F0502020204030204" pitchFamily="34" charset="0"/>
-                <a:cs typeface="Calibri" panose="020F0502020204030204" pitchFamily="34" charset="0"/>
-                <a:sym typeface="Calibri"/>
-              </a:rPr>
-              <a:t>de información </a:t>
-            </a:r>
-            <a:endParaRPr lang="es-MX" sz="5000" dirty="0">
-              <a:solidFill>
-                <a:schemeClr val="lt1"/>
-              </a:solidFill>
-              <a:latin typeface="Calibri" panose="020F0502020204030204" pitchFamily="34" charset="0"/>
-              <a:cs typeface="Calibri" panose="020F0502020204030204" pitchFamily="34" charset="0"/>
-            </a:endParaRPr>
-          </a:p>
-        </p:txBody>
-      </p:sp>
-      <p:sp>
-        <p:nvSpPr>
-          <p:cNvPr id="3" name="Rectángulo 2">
-            <a:extLst>
-              <a:ext uri="{FF2B5EF4-FFF2-40B4-BE49-F238E27FC236}">
-                <a16:creationId xmlns:a16="http://schemas.microsoft.com/office/drawing/2014/main" xmlns="" id="{5913FDBA-2C35-4A5B-AE6E-1329BD4F43F2}"/>
-              </a:ext>
-            </a:extLst>
-          </p:cNvPr>
-          <p:cNvSpPr/>
-          <p:nvPr/>
-        </p:nvSpPr>
-        <p:spPr>
-          <a:xfrm>
-            <a:off x="1322364" y="1853541"/>
-            <a:ext cx="6701468" cy="2862322"/>
-          </a:xfrm>
-          <a:prstGeom prst="rect">
-            <a:avLst/>
-          </a:prstGeom>
-        </p:spPr>
-        <p:txBody>
-          <a:bodyPr wrap="square">
-            <a:spAutoFit/>
-          </a:bodyPr>
-          <a:lstStyle/>
-          <a:p>
-            <a:pPr lvl="0" algn="just"/>
-            <a:r>
-              <a:rPr lang="es-MX" sz="3000" dirty="0">
-                <a:solidFill>
-                  <a:schemeClr val="dk1"/>
-                </a:solidFill>
-                <a:latin typeface="Times New Roman" panose="02020603050405020304" pitchFamily="18" charset="0"/>
-                <a:cs typeface="Times New Roman" panose="02020603050405020304" pitchFamily="18" charset="0"/>
-              </a:rPr>
-              <a:t>En el inicio del levantamiento de requerimientos se decide usar el método de recolección de información por medio de una entrevista para un análisis más detallado del problema  propuesto.</a:t>
-            </a:r>
-            <a:br>
-              <a:rPr lang="es-MX" sz="3000" dirty="0">
-                <a:solidFill>
-                  <a:schemeClr val="dk1"/>
-                </a:solidFill>
-                <a:latin typeface="Times New Roman" panose="02020603050405020304" pitchFamily="18" charset="0"/>
-                <a:cs typeface="Times New Roman" panose="02020603050405020304" pitchFamily="18" charset="0"/>
-              </a:rPr>
-            </a:br>
-            <a:endParaRPr lang="es-MX" sz="3000" dirty="0">
-              <a:latin typeface="Times New Roman" panose="02020603050405020304" pitchFamily="18" charset="0"/>
-              <a:cs typeface="Times New Roman" panose="02020603050405020304" pitchFamily="18" charset="0"/>
-            </a:endParaRPr>
-          </a:p>
-        </p:txBody>
-      </p:sp>
-      <p:pic>
-        <p:nvPicPr>
-          <p:cNvPr id="4" name="Picture 2" descr="Entrevista por Competências - Território RH">
-            <a:extLst>
-              <a:ext uri="{FF2B5EF4-FFF2-40B4-BE49-F238E27FC236}">
-                <a16:creationId xmlns:a16="http://schemas.microsoft.com/office/drawing/2014/main" xmlns="" id="{4DAC0672-5CE0-4E04-AE20-D87CB01F6303}"/>
-              </a:ext>
-            </a:extLst>
-          </p:cNvPr>
-          <p:cNvPicPr>
-            <a:picLocks noChangeAspect="1" noChangeArrowheads="1"/>
-          </p:cNvPicPr>
-          <p:nvPr/>
-        </p:nvPicPr>
-        <p:blipFill>
-          <a:blip r:embed="rId2">
-            <a:alphaModFix amt="85000"/>
-            <a:extLst>
-              <a:ext uri="{28A0092B-C50C-407E-A947-70E740481C1C}">
-                <a14:useLocalDpi xmlns:a14="http://schemas.microsoft.com/office/drawing/2010/main" val="0"/>
-              </a:ext>
-            </a:extLst>
-          </a:blip>
-          <a:srcRect/>
-          <a:stretch>
-            <a:fillRect/>
-          </a:stretch>
-        </p:blipFill>
-        <p:spPr bwMode="auto">
-          <a:xfrm>
-            <a:off x="4235781" y="4192171"/>
-            <a:ext cx="3705431" cy="2555947"/>
-          </a:xfrm>
-          <a:prstGeom prst="rect">
-            <a:avLst/>
-          </a:prstGeom>
-          <a:ln>
-            <a:noFill/>
-          </a:ln>
-          <a:effectLst>
-            <a:softEdge rad="112500"/>
-          </a:effectLst>
-          <a:extLst>
-            <a:ext uri="{909E8E84-426E-40DD-AFC4-6F175D3DCCD1}">
-              <a14:hiddenFill xmlns:a14="http://schemas.microsoft.com/office/drawing/2010/main">
-                <a:solidFill>
-                  <a:srgbClr val="FFFFFF"/>
-                </a:solidFill>
-              </a14:hiddenFill>
-            </a:ext>
-          </a:extLst>
-        </p:spPr>
-      </p:pic>
-      <p:sp>
-        <p:nvSpPr>
-          <p:cNvPr id="5" name="Google Shape;241;p11">
-            <a:hlinkClick r:id="rId3" action="ppaction://hlinkfile"/>
-            <a:extLst>
-              <a:ext uri="{FF2B5EF4-FFF2-40B4-BE49-F238E27FC236}">
-                <a16:creationId xmlns:a16="http://schemas.microsoft.com/office/drawing/2014/main" xmlns="" id="{9657310C-B58A-45F9-BEDE-26FFF76A2482}"/>
-              </a:ext>
-            </a:extLst>
-          </p:cNvPr>
-          <p:cNvSpPr txBox="1"/>
-          <p:nvPr/>
-        </p:nvSpPr>
-        <p:spPr>
-          <a:xfrm>
-            <a:off x="1202788" y="4828307"/>
-            <a:ext cx="2778369" cy="641838"/>
-          </a:xfrm>
-          <a:prstGeom prst="rect">
-            <a:avLst/>
-          </a:prstGeom>
-          <a:noFill/>
-          <a:ln>
-            <a:noFill/>
-          </a:ln>
-        </p:spPr>
-        <p:txBody>
-          <a:bodyPr spcFirstLastPara="1" wrap="square" lIns="91425" tIns="45700" rIns="91425" bIns="45700" anchor="ctr" anchorCtr="0">
-            <a:noAutofit/>
-          </a:bodyPr>
-          <a:lstStyle/>
-          <a:p>
-            <a:pPr marL="0" marR="0" lvl="0" indent="0" algn="ctr" rtl="0">
-              <a:spcBef>
-                <a:spcPts val="0"/>
-              </a:spcBef>
-              <a:spcAft>
-                <a:spcPts val="0"/>
-              </a:spcAft>
-              <a:buNone/>
-            </a:pPr>
-            <a:r>
-              <a:rPr lang="es-CO" sz="3000" b="1" u="sng" dirty="0">
-                <a:solidFill>
-                  <a:schemeClr val="dk1"/>
-                </a:solidFill>
-                <a:latin typeface="Times New Roman" panose="02020603050405020304" pitchFamily="18" charset="0"/>
-                <a:cs typeface="Times New Roman" panose="02020603050405020304" pitchFamily="18" charset="0"/>
-                <a:hlinkClick r:id="rId4" action="ppaction://hlinkfile"/>
-              </a:rPr>
-              <a:t>Entrevista</a:t>
-            </a:r>
-            <a:r>
-              <a:rPr lang="es-CO" sz="3000" b="1" dirty="0">
-                <a:solidFill>
-                  <a:srgbClr val="92D050"/>
-                </a:solidFill>
-                <a:latin typeface="Times New Roman" panose="02020603050405020304" pitchFamily="18" charset="0"/>
-                <a:cs typeface="Times New Roman" panose="02020603050405020304" pitchFamily="18" charset="0"/>
-                <a:sym typeface="Arial"/>
-              </a:rPr>
-              <a:t> </a:t>
-            </a:r>
-          </a:p>
-        </p:txBody>
-      </p:sp>
-    </p:spTree>
-    <p:extLst>
-      <p:ext uri="{BB962C8B-B14F-4D97-AF65-F5344CB8AC3E}">
-        <p14:creationId xmlns:p14="http://schemas.microsoft.com/office/powerpoint/2010/main" val="4028320701"/>
-      </p:ext>
-    </p:extLst>
-  </p:cSld>
-  <p:clrMapOvr>
-    <a:masterClrMapping/>
-  </p:clrMapOvr>
-</p:sld>
-</file>
-
-<file path=ppt/slides/slide11.xml><?xml version="1.0" encoding="utf-8"?>
-<p:sld xmlns:a="http://schemas.openxmlformats.org/drawingml/2006/main" xmlns:r="http://schemas.openxmlformats.org/officeDocument/2006/relationships" xmlns:p="http://schemas.openxmlformats.org/presentationml/2006/main">
-  <p:cSld>
-    <p:spTree>
-      <p:nvGrpSpPr>
-        <p:cNvPr id="1" name="Shape 213"/>
-        <p:cNvGrpSpPr/>
-        <p:nvPr/>
-      </p:nvGrpSpPr>
-      <p:grpSpPr>
-        <a:xfrm>
-          <a:off x="0" y="0"/>
-          <a:ext cx="0" cy="0"/>
-          <a:chOff x="0" y="0"/>
-          <a:chExt cx="0" cy="0"/>
-        </a:xfrm>
-      </p:grpSpPr>
-      <p:sp>
-        <p:nvSpPr>
-          <p:cNvPr id="214" name="Google Shape;214;g736f4026e3_0_20"/>
-          <p:cNvSpPr txBox="1"/>
-          <p:nvPr/>
-        </p:nvSpPr>
-        <p:spPr>
-          <a:xfrm>
-            <a:off x="-349075" y="444950"/>
-            <a:ext cx="9636900" cy="887700"/>
-          </a:xfrm>
-          <a:prstGeom prst="rect">
-            <a:avLst/>
-          </a:prstGeom>
-          <a:noFill/>
-          <a:ln>
-            <a:noFill/>
-          </a:ln>
-        </p:spPr>
-        <p:txBody>
-          <a:bodyPr spcFirstLastPara="1" wrap="square" lIns="91425" tIns="45700" rIns="91425" bIns="45700" anchor="ctr" anchorCtr="0">
-            <a:noAutofit/>
-          </a:bodyPr>
-          <a:lstStyle/>
-          <a:p>
-            <a:pPr marL="0" marR="0" lvl="0" indent="0" algn="ctr" rtl="0">
-              <a:spcBef>
-                <a:spcPts val="0"/>
-              </a:spcBef>
-              <a:spcAft>
-                <a:spcPts val="0"/>
-              </a:spcAft>
-              <a:buClr>
-                <a:schemeClr val="lt1"/>
-              </a:buClr>
-              <a:buSzPts val="5400"/>
-              <a:buFont typeface="Calibri"/>
-              <a:buNone/>
-            </a:pPr>
-            <a:r>
-              <a:rPr lang="es-CO" sz="5000">
-                <a:solidFill>
-                  <a:schemeClr val="lt1"/>
-                </a:solidFill>
-                <a:latin typeface="Calibri"/>
-                <a:ea typeface="Calibri"/>
-                <a:cs typeface="Calibri"/>
-                <a:sym typeface="Calibri"/>
-              </a:rPr>
-              <a:t>Diagrama de Flujo de Procesos</a:t>
-            </a:r>
-            <a:endParaRPr sz="5000">
-              <a:solidFill>
-                <a:schemeClr val="lt1"/>
-              </a:solidFill>
-              <a:latin typeface="Calibri"/>
-              <a:ea typeface="Calibri"/>
-              <a:cs typeface="Calibri"/>
-              <a:sym typeface="Calibri"/>
-            </a:endParaRPr>
-          </a:p>
-          <a:p>
-            <a:pPr marL="0" marR="0" lvl="0" indent="0" algn="ctr" rtl="0">
-              <a:spcBef>
-                <a:spcPts val="0"/>
-              </a:spcBef>
-              <a:spcAft>
-                <a:spcPts val="0"/>
-              </a:spcAft>
-              <a:buClr>
-                <a:schemeClr val="lt1"/>
-              </a:buClr>
-              <a:buSzPts val="5400"/>
-              <a:buFont typeface="Calibri"/>
-              <a:buNone/>
-            </a:pPr>
-            <a:r>
-              <a:rPr lang="es-CO" sz="5000">
-                <a:solidFill>
-                  <a:schemeClr val="lt1"/>
-                </a:solidFill>
-                <a:latin typeface="Calibri"/>
-                <a:ea typeface="Calibri"/>
-                <a:cs typeface="Calibri"/>
-                <a:sym typeface="Calibri"/>
-              </a:rPr>
-              <a:t>(BPMN)</a:t>
-            </a:r>
-            <a:endParaRPr sz="5000">
-              <a:solidFill>
-                <a:schemeClr val="lt1"/>
-              </a:solidFill>
-              <a:latin typeface="Calibri"/>
-              <a:ea typeface="Calibri"/>
-              <a:cs typeface="Calibri"/>
-              <a:sym typeface="Calibri"/>
-            </a:endParaRPr>
-          </a:p>
-        </p:txBody>
-      </p:sp>
-      <p:sp>
-        <p:nvSpPr>
-          <p:cNvPr id="2" name="Rectángulo 1">
-            <a:extLst>
-              <a:ext uri="{FF2B5EF4-FFF2-40B4-BE49-F238E27FC236}">
-                <a16:creationId xmlns:a16="http://schemas.microsoft.com/office/drawing/2014/main" xmlns="" id="{7087B882-47C7-4CA3-9B73-7C8416C4340E}"/>
-              </a:ext>
-            </a:extLst>
-          </p:cNvPr>
-          <p:cNvSpPr/>
-          <p:nvPr/>
-        </p:nvSpPr>
-        <p:spPr>
-          <a:xfrm>
-            <a:off x="469556" y="2228671"/>
-            <a:ext cx="5609967" cy="2400657"/>
-          </a:xfrm>
-          <a:prstGeom prst="rect">
-            <a:avLst/>
-          </a:prstGeom>
-        </p:spPr>
-        <p:txBody>
-          <a:bodyPr wrap="square">
-            <a:spAutoFit/>
-          </a:bodyPr>
-          <a:lstStyle/>
-          <a:p>
-            <a:pPr lvl="0" algn="just"/>
-            <a:r>
-              <a:rPr lang="es-MX" sz="2500" dirty="0">
-                <a:solidFill>
-                  <a:schemeClr val="dk1"/>
-                </a:solidFill>
-                <a:latin typeface="Times New Roman" panose="02020603050405020304" pitchFamily="18" charset="0"/>
-                <a:cs typeface="Times New Roman" panose="02020603050405020304" pitchFamily="18" charset="0"/>
-              </a:rPr>
-              <a:t>El modelo de procesos de negocio es de gran importancia, ya que ilustra los procesos de manera sencilla y clara. Pensada tanto para los administradores como para los desarrolladores y personal en general. </a:t>
-            </a:r>
-          </a:p>
-        </p:txBody>
-      </p:sp>
-      <p:pic>
-        <p:nvPicPr>
-          <p:cNvPr id="4" name="Imagen 3" descr="Captura de pantalla de un celular&#10;&#10;Descripción generada automáticamente">
-            <a:hlinkClick r:id="rId3" action="ppaction://hlinkfile"/>
-            <a:extLst>
-              <a:ext uri="{FF2B5EF4-FFF2-40B4-BE49-F238E27FC236}">
-                <a16:creationId xmlns:a16="http://schemas.microsoft.com/office/drawing/2014/main" xmlns="" id="{735BB9A9-C171-4A45-B985-CED9BB18E5E2}"/>
-              </a:ext>
-            </a:extLst>
-          </p:cNvPr>
-          <p:cNvPicPr>
-            <a:picLocks noChangeAspect="1"/>
-          </p:cNvPicPr>
-          <p:nvPr/>
-        </p:nvPicPr>
-        <p:blipFill rotWithShape="1">
-          <a:blip r:embed="rId4"/>
-          <a:srcRect t="54616" r="20428" b="5495"/>
-          <a:stretch/>
-        </p:blipFill>
-        <p:spPr>
-          <a:xfrm>
-            <a:off x="2248930" y="4376171"/>
-            <a:ext cx="6227805" cy="2298356"/>
-          </a:xfrm>
-          <a:prstGeom prst="rect">
-            <a:avLst/>
-          </a:prstGeom>
-        </p:spPr>
-      </p:pic>
-    </p:spTree>
-  </p:cSld>
-  <p:clrMapOvr>
-    <a:masterClrMapping/>
-  </p:clrMapOvr>
-</p:sld>
-</file>
-
-<file path=ppt/slides/slide12.xml><?xml version="1.0" encoding="utf-8"?>
-<p:sld xmlns:a="http://schemas.openxmlformats.org/drawingml/2006/main" xmlns:r="http://schemas.openxmlformats.org/officeDocument/2006/relationships" xmlns:p="http://schemas.openxmlformats.org/presentationml/2006/main">
-  <p:cSld>
-    <p:spTree>
-      <p:nvGrpSpPr>
         <p:cNvPr id="1" name="Shape 219"/>
         <p:cNvGrpSpPr/>
         <p:nvPr/>
@@ -13074,7 +12600,7 @@
           <p:cNvPr id="1026" name="Picture 2" descr="Curso Toma de Requerimientos | EVORYT®">
             <a:extLst>
               <a:ext uri="{FF2B5EF4-FFF2-40B4-BE49-F238E27FC236}">
-                <a16:creationId xmlns:a16="http://schemas.microsoft.com/office/drawing/2014/main" xmlns="" id="{54B8095A-CA67-4874-A7BA-6526D9D0EB70}"/>
+                <a16:creationId xmlns="" xmlns:a16="http://schemas.microsoft.com/office/drawing/2014/main" id="{54B8095A-CA67-4874-A7BA-6526D9D0EB70}"/>
               </a:ext>
             </a:extLst>
           </p:cNvPr>
@@ -13209,7 +12735,7 @@
             <a:hlinkClick r:id="rId5" action="ppaction://hlinkfile"/>
             <a:extLst>
               <a:ext uri="{FF2B5EF4-FFF2-40B4-BE49-F238E27FC236}">
-                <a16:creationId xmlns:a16="http://schemas.microsoft.com/office/drawing/2014/main" xmlns="" id="{05A6B6DB-84D5-43BD-82A5-1DFF7D2F4C54}"/>
+                <a16:creationId xmlns="" xmlns:a16="http://schemas.microsoft.com/office/drawing/2014/main" id="{05A6B6DB-84D5-43BD-82A5-1DFF7D2F4C54}"/>
               </a:ext>
             </a:extLst>
           </p:cNvPr>
@@ -13265,7 +12791,799 @@
 </p:sld>
 </file>
 
+<file path=ppt/slides/slide11.xml><?xml version="1.0" encoding="utf-8"?>
+<p:sld xmlns:a="http://schemas.openxmlformats.org/drawingml/2006/main" xmlns:r="http://schemas.openxmlformats.org/officeDocument/2006/relationships" xmlns:p="http://schemas.openxmlformats.org/presentationml/2006/main">
+  <p:cSld>
+    <p:spTree>
+      <p:nvGrpSpPr>
+        <p:cNvPr id="1" name=""/>
+        <p:cNvGrpSpPr/>
+        <p:nvPr/>
+      </p:nvGrpSpPr>
+      <p:grpSpPr>
+        <a:xfrm>
+          <a:off x="0" y="0"/>
+          <a:ext cx="0" cy="0"/>
+          <a:chOff x="0" y="0"/>
+          <a:chExt cx="0" cy="0"/>
+        </a:xfrm>
+      </p:grpSpPr>
+      <p:sp>
+        <p:nvSpPr>
+          <p:cNvPr id="2" name="Rectángulo 1">
+            <a:extLst>
+              <a:ext uri="{FF2B5EF4-FFF2-40B4-BE49-F238E27FC236}">
+                <a16:creationId xmlns="" xmlns:a16="http://schemas.microsoft.com/office/drawing/2014/main" id="{2122DDA5-564B-4B5D-A09C-EACFD56F1273}"/>
+              </a:ext>
+            </a:extLst>
+          </p:cNvPr>
+          <p:cNvSpPr/>
+          <p:nvPr/>
+        </p:nvSpPr>
+        <p:spPr>
+          <a:xfrm>
+            <a:off x="859284" y="109881"/>
+            <a:ext cx="7425431" cy="1631216"/>
+          </a:xfrm>
+          <a:prstGeom prst="rect">
+            <a:avLst/>
+          </a:prstGeom>
+        </p:spPr>
+        <p:txBody>
+          <a:bodyPr wrap="none">
+            <a:spAutoFit/>
+          </a:bodyPr>
+          <a:lstStyle/>
+          <a:p>
+            <a:pPr lvl="0"/>
+            <a:r>
+              <a:rPr lang="es-MX" sz="5000" dirty="0">
+                <a:solidFill>
+                  <a:schemeClr val="lt1"/>
+                </a:solidFill>
+                <a:latin typeface="Calibri" panose="020F0502020204030204" pitchFamily="34" charset="0"/>
+                <a:ea typeface="Calibri"/>
+                <a:cs typeface="Calibri" panose="020F0502020204030204" pitchFamily="34" charset="0"/>
+                <a:sym typeface="Calibri"/>
+              </a:rPr>
+              <a:t> </a:t>
+            </a:r>
+            <a:r>
+              <a:rPr lang="es-MX" sz="5000" dirty="0">
+                <a:solidFill>
+                  <a:schemeClr val="lt1"/>
+                </a:solidFill>
+                <a:latin typeface="Calibri" panose="020F0502020204030204" pitchFamily="34" charset="0"/>
+                <a:cs typeface="Calibri" panose="020F0502020204030204" pitchFamily="34" charset="0"/>
+                <a:sym typeface="Calibri"/>
+              </a:rPr>
+              <a:t>Técnicas de levantamiento </a:t>
+            </a:r>
+          </a:p>
+          <a:p>
+            <a:pPr lvl="0" algn="ctr"/>
+            <a:r>
+              <a:rPr lang="es-MX" sz="5000" dirty="0">
+                <a:solidFill>
+                  <a:schemeClr val="lt1"/>
+                </a:solidFill>
+                <a:latin typeface="Calibri" panose="020F0502020204030204" pitchFamily="34" charset="0"/>
+                <a:cs typeface="Calibri" panose="020F0502020204030204" pitchFamily="34" charset="0"/>
+                <a:sym typeface="Calibri"/>
+              </a:rPr>
+              <a:t>de información </a:t>
+            </a:r>
+            <a:endParaRPr lang="es-MX" sz="5000" dirty="0">
+              <a:solidFill>
+                <a:schemeClr val="lt1"/>
+              </a:solidFill>
+              <a:latin typeface="Calibri" panose="020F0502020204030204" pitchFamily="34" charset="0"/>
+              <a:cs typeface="Calibri" panose="020F0502020204030204" pitchFamily="34" charset="0"/>
+            </a:endParaRPr>
+          </a:p>
+        </p:txBody>
+      </p:sp>
+      <p:sp>
+        <p:nvSpPr>
+          <p:cNvPr id="3" name="Rectángulo 2">
+            <a:extLst>
+              <a:ext uri="{FF2B5EF4-FFF2-40B4-BE49-F238E27FC236}">
+                <a16:creationId xmlns="" xmlns:a16="http://schemas.microsoft.com/office/drawing/2014/main" id="{5913FDBA-2C35-4A5B-AE6E-1329BD4F43F2}"/>
+              </a:ext>
+            </a:extLst>
+          </p:cNvPr>
+          <p:cNvSpPr/>
+          <p:nvPr/>
+        </p:nvSpPr>
+        <p:spPr>
+          <a:xfrm>
+            <a:off x="1322364" y="1853541"/>
+            <a:ext cx="6701468" cy="2862322"/>
+          </a:xfrm>
+          <a:prstGeom prst="rect">
+            <a:avLst/>
+          </a:prstGeom>
+        </p:spPr>
+        <p:txBody>
+          <a:bodyPr wrap="square">
+            <a:spAutoFit/>
+          </a:bodyPr>
+          <a:lstStyle/>
+          <a:p>
+            <a:pPr lvl="0" algn="just"/>
+            <a:r>
+              <a:rPr lang="es-MX" sz="3000" dirty="0">
+                <a:solidFill>
+                  <a:schemeClr val="dk1"/>
+                </a:solidFill>
+                <a:latin typeface="Times New Roman" panose="02020603050405020304" pitchFamily="18" charset="0"/>
+                <a:cs typeface="Times New Roman" panose="02020603050405020304" pitchFamily="18" charset="0"/>
+              </a:rPr>
+              <a:t>En el inicio del levantamiento de requerimientos se decide usar el método de recolección de información por medio de una entrevista para un análisis más detallado del problema  propuesto.</a:t>
+            </a:r>
+            <a:br>
+              <a:rPr lang="es-MX" sz="3000" dirty="0">
+                <a:solidFill>
+                  <a:schemeClr val="dk1"/>
+                </a:solidFill>
+                <a:latin typeface="Times New Roman" panose="02020603050405020304" pitchFamily="18" charset="0"/>
+                <a:cs typeface="Times New Roman" panose="02020603050405020304" pitchFamily="18" charset="0"/>
+              </a:rPr>
+            </a:br>
+            <a:endParaRPr lang="es-MX" sz="3000" dirty="0">
+              <a:latin typeface="Times New Roman" panose="02020603050405020304" pitchFamily="18" charset="0"/>
+              <a:cs typeface="Times New Roman" panose="02020603050405020304" pitchFamily="18" charset="0"/>
+            </a:endParaRPr>
+          </a:p>
+        </p:txBody>
+      </p:sp>
+      <p:pic>
+        <p:nvPicPr>
+          <p:cNvPr id="4" name="Picture 2" descr="Entrevista por Competências - Território RH">
+            <a:extLst>
+              <a:ext uri="{FF2B5EF4-FFF2-40B4-BE49-F238E27FC236}">
+                <a16:creationId xmlns="" xmlns:a16="http://schemas.microsoft.com/office/drawing/2014/main" id="{4DAC0672-5CE0-4E04-AE20-D87CB01F6303}"/>
+              </a:ext>
+            </a:extLst>
+          </p:cNvPr>
+          <p:cNvPicPr>
+            <a:picLocks noChangeAspect="1" noChangeArrowheads="1"/>
+          </p:cNvPicPr>
+          <p:nvPr/>
+        </p:nvPicPr>
+        <p:blipFill>
+          <a:blip r:embed="rId2">
+            <a:alphaModFix amt="85000"/>
+            <a:extLst>
+              <a:ext uri="{28A0092B-C50C-407E-A947-70E740481C1C}">
+                <a14:useLocalDpi xmlns:a14="http://schemas.microsoft.com/office/drawing/2010/main" val="0"/>
+              </a:ext>
+            </a:extLst>
+          </a:blip>
+          <a:srcRect/>
+          <a:stretch>
+            <a:fillRect/>
+          </a:stretch>
+        </p:blipFill>
+        <p:spPr bwMode="auto">
+          <a:xfrm>
+            <a:off x="4235781" y="4192171"/>
+            <a:ext cx="3705431" cy="2555947"/>
+          </a:xfrm>
+          <a:prstGeom prst="rect">
+            <a:avLst/>
+          </a:prstGeom>
+          <a:ln>
+            <a:noFill/>
+          </a:ln>
+          <a:effectLst>
+            <a:softEdge rad="112500"/>
+          </a:effectLst>
+          <a:extLst>
+            <a:ext uri="{909E8E84-426E-40DD-AFC4-6F175D3DCCD1}">
+              <a14:hiddenFill xmlns:a14="http://schemas.microsoft.com/office/drawing/2010/main">
+                <a:solidFill>
+                  <a:srgbClr val="FFFFFF"/>
+                </a:solidFill>
+              </a14:hiddenFill>
+            </a:ext>
+          </a:extLst>
+        </p:spPr>
+      </p:pic>
+      <p:sp>
+        <p:nvSpPr>
+          <p:cNvPr id="5" name="Google Shape;241;p11">
+            <a:hlinkClick r:id="rId3" action="ppaction://hlinkfile"/>
+            <a:extLst>
+              <a:ext uri="{FF2B5EF4-FFF2-40B4-BE49-F238E27FC236}">
+                <a16:creationId xmlns="" xmlns:a16="http://schemas.microsoft.com/office/drawing/2014/main" id="{9657310C-B58A-45F9-BEDE-26FFF76A2482}"/>
+              </a:ext>
+            </a:extLst>
+          </p:cNvPr>
+          <p:cNvSpPr txBox="1"/>
+          <p:nvPr/>
+        </p:nvSpPr>
+        <p:spPr>
+          <a:xfrm>
+            <a:off x="1202788" y="4828307"/>
+            <a:ext cx="2778369" cy="641838"/>
+          </a:xfrm>
+          <a:prstGeom prst="rect">
+            <a:avLst/>
+          </a:prstGeom>
+          <a:noFill/>
+          <a:ln>
+            <a:noFill/>
+          </a:ln>
+        </p:spPr>
+        <p:txBody>
+          <a:bodyPr spcFirstLastPara="1" wrap="square" lIns="91425" tIns="45700" rIns="91425" bIns="45700" anchor="ctr" anchorCtr="0">
+            <a:noAutofit/>
+          </a:bodyPr>
+          <a:lstStyle/>
+          <a:p>
+            <a:pPr marL="0" marR="0" lvl="0" indent="0" algn="ctr" rtl="0">
+              <a:spcBef>
+                <a:spcPts val="0"/>
+              </a:spcBef>
+              <a:spcAft>
+                <a:spcPts val="0"/>
+              </a:spcAft>
+              <a:buNone/>
+            </a:pPr>
+            <a:r>
+              <a:rPr lang="es-CO" sz="3000" b="1" u="sng" dirty="0">
+                <a:solidFill>
+                  <a:schemeClr val="dk1"/>
+                </a:solidFill>
+                <a:latin typeface="Times New Roman" panose="02020603050405020304" pitchFamily="18" charset="0"/>
+                <a:cs typeface="Times New Roman" panose="02020603050405020304" pitchFamily="18" charset="0"/>
+                <a:hlinkClick r:id="rId4" action="ppaction://hlinkfile"/>
+              </a:rPr>
+              <a:t>Entrevista</a:t>
+            </a:r>
+            <a:r>
+              <a:rPr lang="es-CO" sz="3000" b="1" dirty="0">
+                <a:solidFill>
+                  <a:srgbClr val="92D050"/>
+                </a:solidFill>
+                <a:latin typeface="Times New Roman" panose="02020603050405020304" pitchFamily="18" charset="0"/>
+                <a:cs typeface="Times New Roman" panose="02020603050405020304" pitchFamily="18" charset="0"/>
+                <a:sym typeface="Arial"/>
+              </a:rPr>
+              <a:t> </a:t>
+            </a:r>
+          </a:p>
+        </p:txBody>
+      </p:sp>
+    </p:spTree>
+    <p:extLst>
+      <p:ext uri="{BB962C8B-B14F-4D97-AF65-F5344CB8AC3E}">
+        <p14:creationId xmlns:p14="http://schemas.microsoft.com/office/powerpoint/2010/main" val="4028320701"/>
+      </p:ext>
+    </p:extLst>
+  </p:cSld>
+  <p:clrMapOvr>
+    <a:masterClrMapping/>
+  </p:clrMapOvr>
+</p:sld>
+</file>
+
+<file path=ppt/slides/slide12.xml><?xml version="1.0" encoding="utf-8"?>
+<p:sld xmlns:a="http://schemas.openxmlformats.org/drawingml/2006/main" xmlns:r="http://schemas.openxmlformats.org/officeDocument/2006/relationships" xmlns:p="http://schemas.openxmlformats.org/presentationml/2006/main">
+  <p:cSld>
+    <p:spTree>
+      <p:nvGrpSpPr>
+        <p:cNvPr id="1" name="Shape 213"/>
+        <p:cNvGrpSpPr/>
+        <p:nvPr/>
+      </p:nvGrpSpPr>
+      <p:grpSpPr>
+        <a:xfrm>
+          <a:off x="0" y="0"/>
+          <a:ext cx="0" cy="0"/>
+          <a:chOff x="0" y="0"/>
+          <a:chExt cx="0" cy="0"/>
+        </a:xfrm>
+      </p:grpSpPr>
+      <p:sp>
+        <p:nvSpPr>
+          <p:cNvPr id="214" name="Google Shape;214;g736f4026e3_0_20"/>
+          <p:cNvSpPr txBox="1"/>
+          <p:nvPr/>
+        </p:nvSpPr>
+        <p:spPr>
+          <a:xfrm>
+            <a:off x="-349075" y="444950"/>
+            <a:ext cx="9636900" cy="887700"/>
+          </a:xfrm>
+          <a:prstGeom prst="rect">
+            <a:avLst/>
+          </a:prstGeom>
+          <a:noFill/>
+          <a:ln>
+            <a:noFill/>
+          </a:ln>
+        </p:spPr>
+        <p:txBody>
+          <a:bodyPr spcFirstLastPara="1" wrap="square" lIns="91425" tIns="45700" rIns="91425" bIns="45700" anchor="ctr" anchorCtr="0">
+            <a:noAutofit/>
+          </a:bodyPr>
+          <a:lstStyle/>
+          <a:p>
+            <a:pPr marL="0" marR="0" lvl="0" indent="0" algn="ctr" rtl="0">
+              <a:spcBef>
+                <a:spcPts val="0"/>
+              </a:spcBef>
+              <a:spcAft>
+                <a:spcPts val="0"/>
+              </a:spcAft>
+              <a:buClr>
+                <a:schemeClr val="lt1"/>
+              </a:buClr>
+              <a:buSzPts val="5400"/>
+              <a:buFont typeface="Calibri"/>
+              <a:buNone/>
+            </a:pPr>
+            <a:r>
+              <a:rPr lang="es-CO" sz="5000">
+                <a:solidFill>
+                  <a:schemeClr val="lt1"/>
+                </a:solidFill>
+                <a:latin typeface="Calibri"/>
+                <a:ea typeface="Calibri"/>
+                <a:cs typeface="Calibri"/>
+                <a:sym typeface="Calibri"/>
+              </a:rPr>
+              <a:t>Diagrama de Flujo de Procesos</a:t>
+            </a:r>
+            <a:endParaRPr sz="5000">
+              <a:solidFill>
+                <a:schemeClr val="lt1"/>
+              </a:solidFill>
+              <a:latin typeface="Calibri"/>
+              <a:ea typeface="Calibri"/>
+              <a:cs typeface="Calibri"/>
+              <a:sym typeface="Calibri"/>
+            </a:endParaRPr>
+          </a:p>
+          <a:p>
+            <a:pPr marL="0" marR="0" lvl="0" indent="0" algn="ctr" rtl="0">
+              <a:spcBef>
+                <a:spcPts val="0"/>
+              </a:spcBef>
+              <a:spcAft>
+                <a:spcPts val="0"/>
+              </a:spcAft>
+              <a:buClr>
+                <a:schemeClr val="lt1"/>
+              </a:buClr>
+              <a:buSzPts val="5400"/>
+              <a:buFont typeface="Calibri"/>
+              <a:buNone/>
+            </a:pPr>
+            <a:r>
+              <a:rPr lang="es-CO" sz="5000">
+                <a:solidFill>
+                  <a:schemeClr val="lt1"/>
+                </a:solidFill>
+                <a:latin typeface="Calibri"/>
+                <a:ea typeface="Calibri"/>
+                <a:cs typeface="Calibri"/>
+                <a:sym typeface="Calibri"/>
+              </a:rPr>
+              <a:t>(BPMN)</a:t>
+            </a:r>
+            <a:endParaRPr sz="5000">
+              <a:solidFill>
+                <a:schemeClr val="lt1"/>
+              </a:solidFill>
+              <a:latin typeface="Calibri"/>
+              <a:ea typeface="Calibri"/>
+              <a:cs typeface="Calibri"/>
+              <a:sym typeface="Calibri"/>
+            </a:endParaRPr>
+          </a:p>
+        </p:txBody>
+      </p:sp>
+      <p:sp>
+        <p:nvSpPr>
+          <p:cNvPr id="2" name="Rectángulo 1">
+            <a:extLst>
+              <a:ext uri="{FF2B5EF4-FFF2-40B4-BE49-F238E27FC236}">
+                <a16:creationId xmlns="" xmlns:a16="http://schemas.microsoft.com/office/drawing/2014/main" id="{7087B882-47C7-4CA3-9B73-7C8416C4340E}"/>
+              </a:ext>
+            </a:extLst>
+          </p:cNvPr>
+          <p:cNvSpPr/>
+          <p:nvPr/>
+        </p:nvSpPr>
+        <p:spPr>
+          <a:xfrm>
+            <a:off x="469556" y="2228671"/>
+            <a:ext cx="5609967" cy="2400657"/>
+          </a:xfrm>
+          <a:prstGeom prst="rect">
+            <a:avLst/>
+          </a:prstGeom>
+        </p:spPr>
+        <p:txBody>
+          <a:bodyPr wrap="square">
+            <a:spAutoFit/>
+          </a:bodyPr>
+          <a:lstStyle/>
+          <a:p>
+            <a:pPr lvl="0" algn="just"/>
+            <a:r>
+              <a:rPr lang="es-MX" sz="2500" dirty="0">
+                <a:solidFill>
+                  <a:schemeClr val="dk1"/>
+                </a:solidFill>
+                <a:latin typeface="Times New Roman" panose="02020603050405020304" pitchFamily="18" charset="0"/>
+                <a:cs typeface="Times New Roman" panose="02020603050405020304" pitchFamily="18" charset="0"/>
+              </a:rPr>
+              <a:t>El modelo de procesos de negocio es de gran importancia, ya que ilustra los procesos de manera sencilla y clara. Pensada tanto para los administradores como para los desarrolladores y personal en general. </a:t>
+            </a:r>
+          </a:p>
+        </p:txBody>
+      </p:sp>
+      <p:pic>
+        <p:nvPicPr>
+          <p:cNvPr id="4" name="Imagen 3" descr="Captura de pantalla de un celular&#10;&#10;Descripción generada automáticamente">
+            <a:hlinkClick r:id="rId3" action="ppaction://hlinkfile"/>
+            <a:extLst>
+              <a:ext uri="{FF2B5EF4-FFF2-40B4-BE49-F238E27FC236}">
+                <a16:creationId xmlns="" xmlns:a16="http://schemas.microsoft.com/office/drawing/2014/main" id="{735BB9A9-C171-4A45-B985-CED9BB18E5E2}"/>
+              </a:ext>
+            </a:extLst>
+          </p:cNvPr>
+          <p:cNvPicPr>
+            <a:picLocks noChangeAspect="1"/>
+          </p:cNvPicPr>
+          <p:nvPr/>
+        </p:nvPicPr>
+        <p:blipFill rotWithShape="1">
+          <a:blip r:embed="rId4"/>
+          <a:srcRect t="54616" r="20428" b="5495"/>
+          <a:stretch/>
+        </p:blipFill>
+        <p:spPr>
+          <a:xfrm>
+            <a:off x="2248930" y="4376171"/>
+            <a:ext cx="6227805" cy="2298356"/>
+          </a:xfrm>
+          <a:prstGeom prst="rect">
+            <a:avLst/>
+          </a:prstGeom>
+        </p:spPr>
+      </p:pic>
+    </p:spTree>
+  </p:cSld>
+  <p:clrMapOvr>
+    <a:masterClrMapping/>
+  </p:clrMapOvr>
+</p:sld>
+</file>
+
 <file path=ppt/slides/slide13.xml><?xml version="1.0" encoding="utf-8"?>
+<p:sld xmlns:a="http://schemas.openxmlformats.org/drawingml/2006/main" xmlns:r="http://schemas.openxmlformats.org/officeDocument/2006/relationships" xmlns:p="http://schemas.openxmlformats.org/presentationml/2006/main">
+  <p:cSld>
+    <p:spTree>
+      <p:nvGrpSpPr>
+        <p:cNvPr id="1" name="Shape 261"/>
+        <p:cNvGrpSpPr/>
+        <p:nvPr/>
+      </p:nvGrpSpPr>
+      <p:grpSpPr>
+        <a:xfrm>
+          <a:off x="0" y="0"/>
+          <a:ext cx="0" cy="0"/>
+          <a:chOff x="0" y="0"/>
+          <a:chExt cx="0" cy="0"/>
+        </a:xfrm>
+      </p:grpSpPr>
+      <p:pic>
+        <p:nvPicPr>
+          <p:cNvPr id="262" name="Google Shape;262;p14"/>
+          <p:cNvPicPr preferRelativeResize="0"/>
+          <p:nvPr/>
+        </p:nvPicPr>
+        <p:blipFill rotWithShape="1">
+          <a:blip r:embed="rId3">
+            <a:alphaModFix/>
+          </a:blip>
+          <a:srcRect/>
+          <a:stretch/>
+        </p:blipFill>
+        <p:spPr>
+          <a:xfrm>
+            <a:off x="4835770" y="4269914"/>
+            <a:ext cx="3297114" cy="2221955"/>
+          </a:xfrm>
+          <a:prstGeom prst="rect">
+            <a:avLst/>
+          </a:prstGeom>
+          <a:noFill/>
+          <a:ln>
+            <a:noFill/>
+          </a:ln>
+        </p:spPr>
+      </p:pic>
+      <p:sp>
+        <p:nvSpPr>
+          <p:cNvPr id="263" name="Google Shape;263;p14"/>
+          <p:cNvSpPr/>
+          <p:nvPr/>
+        </p:nvSpPr>
+        <p:spPr>
+          <a:xfrm>
+            <a:off x="0" y="524392"/>
+            <a:ext cx="9144000" cy="769441"/>
+          </a:xfrm>
+          <a:prstGeom prst="rect">
+            <a:avLst/>
+          </a:prstGeom>
+          <a:noFill/>
+          <a:ln>
+            <a:noFill/>
+          </a:ln>
+        </p:spPr>
+        <p:txBody>
+          <a:bodyPr spcFirstLastPara="1" wrap="square" lIns="91425" tIns="45700" rIns="91425" bIns="45700" anchor="t" anchorCtr="0">
+            <a:spAutoFit/>
+          </a:bodyPr>
+          <a:lstStyle/>
+          <a:p>
+            <a:pPr marL="0" marR="0" lvl="0" indent="0" algn="ctr" rtl="0">
+              <a:spcBef>
+                <a:spcPts val="0"/>
+              </a:spcBef>
+              <a:spcAft>
+                <a:spcPts val="0"/>
+              </a:spcAft>
+              <a:buNone/>
+            </a:pPr>
+            <a:r>
+              <a:rPr lang="es-CO" sz="4400" dirty="0">
+                <a:solidFill>
+                  <a:schemeClr val="lt1"/>
+                </a:solidFill>
+                <a:latin typeface="Calibri"/>
+                <a:ea typeface="Calibri"/>
+                <a:cs typeface="Calibri"/>
+                <a:sym typeface="Calibri"/>
+              </a:rPr>
+              <a:t> Inventario tecnológico del cliente</a:t>
+            </a:r>
+            <a:endParaRPr dirty="0"/>
+          </a:p>
+        </p:txBody>
+      </p:sp>
+      <p:sp>
+        <p:nvSpPr>
+          <p:cNvPr id="264" name="Google Shape;264;p14"/>
+          <p:cNvSpPr txBox="1"/>
+          <p:nvPr/>
+        </p:nvSpPr>
+        <p:spPr>
+          <a:xfrm>
+            <a:off x="1274885" y="4659923"/>
+            <a:ext cx="2672861" cy="562708"/>
+          </a:xfrm>
+          <a:prstGeom prst="rect">
+            <a:avLst/>
+          </a:prstGeom>
+          <a:noFill/>
+          <a:ln>
+            <a:noFill/>
+          </a:ln>
+        </p:spPr>
+        <p:txBody>
+          <a:bodyPr spcFirstLastPara="1" wrap="square" lIns="91425" tIns="45700" rIns="91425" bIns="45700" anchor="ctr" anchorCtr="0">
+            <a:noAutofit/>
+          </a:bodyPr>
+          <a:lstStyle/>
+          <a:p>
+            <a:pPr marL="0" marR="0" lvl="0" indent="0" algn="l" rtl="0">
+              <a:spcBef>
+                <a:spcPts val="0"/>
+              </a:spcBef>
+              <a:spcAft>
+                <a:spcPts val="0"/>
+              </a:spcAft>
+              <a:buNone/>
+            </a:pPr>
+            <a:endParaRPr sz="2000" b="1">
+              <a:solidFill>
+                <a:srgbClr val="92D050"/>
+              </a:solidFill>
+              <a:latin typeface="Calibri"/>
+              <a:ea typeface="Calibri"/>
+              <a:cs typeface="Calibri"/>
+              <a:sym typeface="Calibri"/>
+            </a:endParaRPr>
+          </a:p>
+        </p:txBody>
+      </p:sp>
+      <p:sp>
+        <p:nvSpPr>
+          <p:cNvPr id="265" name="Google Shape;265;p14"/>
+          <p:cNvSpPr txBox="1"/>
+          <p:nvPr/>
+        </p:nvSpPr>
+        <p:spPr>
+          <a:xfrm>
+            <a:off x="1011116" y="3525715"/>
+            <a:ext cx="2127738" cy="1046285"/>
+          </a:xfrm>
+          <a:prstGeom prst="rect">
+            <a:avLst/>
+          </a:prstGeom>
+          <a:noFill/>
+          <a:ln>
+            <a:noFill/>
+          </a:ln>
+        </p:spPr>
+        <p:txBody>
+          <a:bodyPr spcFirstLastPara="1" wrap="square" lIns="91425" tIns="45700" rIns="91425" bIns="45700" anchor="ctr" anchorCtr="0">
+            <a:noAutofit/>
+          </a:bodyPr>
+          <a:lstStyle/>
+          <a:p>
+            <a:pPr marL="0" marR="0" lvl="0" indent="0" algn="l" rtl="0">
+              <a:spcBef>
+                <a:spcPts val="0"/>
+              </a:spcBef>
+              <a:spcAft>
+                <a:spcPts val="0"/>
+              </a:spcAft>
+              <a:buNone/>
+            </a:pPr>
+            <a:endParaRPr sz="2000" b="1">
+              <a:solidFill>
+                <a:srgbClr val="92D050"/>
+              </a:solidFill>
+              <a:latin typeface="Calibri"/>
+              <a:ea typeface="Calibri"/>
+              <a:cs typeface="Calibri"/>
+              <a:sym typeface="Calibri"/>
+            </a:endParaRPr>
+          </a:p>
+        </p:txBody>
+      </p:sp>
+      <p:sp>
+        <p:nvSpPr>
+          <p:cNvPr id="266" name="Google Shape;266;p14">
+            <a:hlinkClick r:id="rId4"/>
+          </p:cNvPr>
+          <p:cNvSpPr txBox="1"/>
+          <p:nvPr/>
+        </p:nvSpPr>
+        <p:spPr>
+          <a:xfrm>
+            <a:off x="1701312" y="4882625"/>
+            <a:ext cx="2286000" cy="808892"/>
+          </a:xfrm>
+          <a:prstGeom prst="rect">
+            <a:avLst/>
+          </a:prstGeom>
+          <a:noFill/>
+          <a:ln>
+            <a:noFill/>
+          </a:ln>
+        </p:spPr>
+        <p:txBody>
+          <a:bodyPr spcFirstLastPara="1" wrap="square" lIns="91425" tIns="45700" rIns="91425" bIns="45700" anchor="ctr" anchorCtr="0">
+            <a:noAutofit/>
+          </a:bodyPr>
+          <a:lstStyle/>
+          <a:p>
+            <a:pPr marL="0" marR="0" lvl="0" indent="0" algn="l" rtl="0">
+              <a:spcBef>
+                <a:spcPts val="0"/>
+              </a:spcBef>
+              <a:spcAft>
+                <a:spcPts val="0"/>
+              </a:spcAft>
+              <a:buNone/>
+            </a:pPr>
+            <a:r>
+              <a:rPr lang="es-CO" sz="3200" b="1" u="sng" dirty="0">
+                <a:solidFill>
+                  <a:schemeClr val="dk1"/>
+                </a:solidFill>
+                <a:latin typeface="Calibri"/>
+                <a:ea typeface="Calibri"/>
+                <a:cs typeface="Calibri"/>
+                <a:sym typeface="Calibri"/>
+                <a:hlinkClick r:id="rId5" action="ppaction://hlinkfile"/>
+              </a:rPr>
+              <a:t>Inventario</a:t>
+            </a:r>
+            <a:endParaRPr sz="2800" b="1" dirty="0">
+              <a:solidFill>
+                <a:schemeClr val="dk1"/>
+              </a:solidFill>
+              <a:latin typeface="Calibri"/>
+              <a:ea typeface="Calibri"/>
+              <a:cs typeface="Calibri"/>
+              <a:sym typeface="Calibri"/>
+            </a:endParaRPr>
+          </a:p>
+        </p:txBody>
+      </p:sp>
+      <p:sp>
+        <p:nvSpPr>
+          <p:cNvPr id="267" name="Google Shape;267;p14"/>
+          <p:cNvSpPr txBox="1"/>
+          <p:nvPr/>
+        </p:nvSpPr>
+        <p:spPr>
+          <a:xfrm>
+            <a:off x="1011116" y="2513212"/>
+            <a:ext cx="7323239" cy="1554480"/>
+          </a:xfrm>
+          <a:prstGeom prst="rect">
+            <a:avLst/>
+          </a:prstGeom>
+          <a:noFill/>
+          <a:ln>
+            <a:noFill/>
+          </a:ln>
+        </p:spPr>
+        <p:txBody>
+          <a:bodyPr spcFirstLastPara="1" wrap="square" lIns="91425" tIns="45700" rIns="91425" bIns="45700" anchor="ctr" anchorCtr="0">
+            <a:noAutofit/>
+          </a:bodyPr>
+          <a:lstStyle/>
+          <a:p>
+            <a:pPr marL="0" marR="0" lvl="0" indent="0" algn="just" rtl="0">
+              <a:spcBef>
+                <a:spcPts val="0"/>
+              </a:spcBef>
+              <a:spcAft>
+                <a:spcPts val="0"/>
+              </a:spcAft>
+              <a:buNone/>
+            </a:pPr>
+            <a:r>
+              <a:rPr lang="es-CO" sz="3000" dirty="0">
+                <a:solidFill>
+                  <a:schemeClr val="dk1"/>
+                </a:solidFill>
+                <a:latin typeface="Times New Roman" panose="02020603050405020304" pitchFamily="18" charset="0"/>
+                <a:cs typeface="Times New Roman" panose="02020603050405020304" pitchFamily="18" charset="0"/>
+                <a:sym typeface="Arial"/>
+              </a:rPr>
+              <a:t>El inventario del cliente nos da información sobre los insumos que usar para llevar a cabo su gestionamiento de información. A continuación una tabla con los activos de la microempresa:</a:t>
+            </a:r>
+            <a:endParaRPr sz="3000" dirty="0">
+              <a:solidFill>
+                <a:schemeClr val="dk1"/>
+              </a:solidFill>
+              <a:latin typeface="Times New Roman" panose="02020603050405020304" pitchFamily="18" charset="0"/>
+              <a:cs typeface="Times New Roman" panose="02020603050405020304" pitchFamily="18" charset="0"/>
+              <a:sym typeface="Arial"/>
+            </a:endParaRPr>
+          </a:p>
+        </p:txBody>
+      </p:sp>
+    </p:spTree>
+  </p:cSld>
+  <p:clrMapOvr>
+    <a:masterClrMapping/>
+  </p:clrMapOvr>
+  <p:timing>
+    <p:tnLst>
+      <p:par>
+        <p:cTn id="1" dur="indefinite" restart="never" nodeType="tmRoot"/>
+      </p:par>
+    </p:tnLst>
+  </p:timing>
+</p:sld>
+</file>
+
+<file path=ppt/slides/slide14.xml><?xml version="1.0" encoding="utf-8"?>
 <p:sld xmlns:a="http://schemas.openxmlformats.org/drawingml/2006/main" xmlns:r="http://schemas.openxmlformats.org/officeDocument/2006/relationships" xmlns:p="http://schemas.openxmlformats.org/presentationml/2006/main">
   <p:cSld>
     <p:spTree>
@@ -13509,588 +13827,7 @@
 </p:sld>
 </file>
 
-<file path=ppt/slides/slide14.xml><?xml version="1.0" encoding="utf-8"?>
-<p:sld xmlns:a="http://schemas.openxmlformats.org/drawingml/2006/main" xmlns:r="http://schemas.openxmlformats.org/officeDocument/2006/relationships" xmlns:p="http://schemas.openxmlformats.org/presentationml/2006/main">
-  <p:cSld>
-    <p:spTree>
-      <p:nvGrpSpPr>
-        <p:cNvPr id="1" name="Shape 261"/>
-        <p:cNvGrpSpPr/>
-        <p:nvPr/>
-      </p:nvGrpSpPr>
-      <p:grpSpPr>
-        <a:xfrm>
-          <a:off x="0" y="0"/>
-          <a:ext cx="0" cy="0"/>
-          <a:chOff x="0" y="0"/>
-          <a:chExt cx="0" cy="0"/>
-        </a:xfrm>
-      </p:grpSpPr>
-      <p:pic>
-        <p:nvPicPr>
-          <p:cNvPr id="262" name="Google Shape;262;p14"/>
-          <p:cNvPicPr preferRelativeResize="0"/>
-          <p:nvPr/>
-        </p:nvPicPr>
-        <p:blipFill rotWithShape="1">
-          <a:blip r:embed="rId3">
-            <a:alphaModFix/>
-          </a:blip>
-          <a:srcRect/>
-          <a:stretch/>
-        </p:blipFill>
-        <p:spPr>
-          <a:xfrm>
-            <a:off x="4835770" y="4269914"/>
-            <a:ext cx="3297114" cy="2221955"/>
-          </a:xfrm>
-          <a:prstGeom prst="rect">
-            <a:avLst/>
-          </a:prstGeom>
-          <a:noFill/>
-          <a:ln>
-            <a:noFill/>
-          </a:ln>
-        </p:spPr>
-      </p:pic>
-      <p:sp>
-        <p:nvSpPr>
-          <p:cNvPr id="263" name="Google Shape;263;p14"/>
-          <p:cNvSpPr/>
-          <p:nvPr/>
-        </p:nvSpPr>
-        <p:spPr>
-          <a:xfrm>
-            <a:off x="0" y="524392"/>
-            <a:ext cx="9144000" cy="769441"/>
-          </a:xfrm>
-          <a:prstGeom prst="rect">
-            <a:avLst/>
-          </a:prstGeom>
-          <a:noFill/>
-          <a:ln>
-            <a:noFill/>
-          </a:ln>
-        </p:spPr>
-        <p:txBody>
-          <a:bodyPr spcFirstLastPara="1" wrap="square" lIns="91425" tIns="45700" rIns="91425" bIns="45700" anchor="t" anchorCtr="0">
-            <a:spAutoFit/>
-          </a:bodyPr>
-          <a:lstStyle/>
-          <a:p>
-            <a:pPr marL="0" marR="0" lvl="0" indent="0" algn="ctr" rtl="0">
-              <a:spcBef>
-                <a:spcPts val="0"/>
-              </a:spcBef>
-              <a:spcAft>
-                <a:spcPts val="0"/>
-              </a:spcAft>
-              <a:buNone/>
-            </a:pPr>
-            <a:r>
-              <a:rPr lang="es-CO" sz="4400" dirty="0">
-                <a:solidFill>
-                  <a:schemeClr val="lt1"/>
-                </a:solidFill>
-                <a:latin typeface="Calibri"/>
-                <a:ea typeface="Calibri"/>
-                <a:cs typeface="Calibri"/>
-                <a:sym typeface="Calibri"/>
-              </a:rPr>
-              <a:t> Inventario tecnológico del cliente</a:t>
-            </a:r>
-            <a:endParaRPr dirty="0"/>
-          </a:p>
-        </p:txBody>
-      </p:sp>
-      <p:sp>
-        <p:nvSpPr>
-          <p:cNvPr id="264" name="Google Shape;264;p14"/>
-          <p:cNvSpPr txBox="1"/>
-          <p:nvPr/>
-        </p:nvSpPr>
-        <p:spPr>
-          <a:xfrm>
-            <a:off x="1274885" y="4659923"/>
-            <a:ext cx="2672861" cy="562708"/>
-          </a:xfrm>
-          <a:prstGeom prst="rect">
-            <a:avLst/>
-          </a:prstGeom>
-          <a:noFill/>
-          <a:ln>
-            <a:noFill/>
-          </a:ln>
-        </p:spPr>
-        <p:txBody>
-          <a:bodyPr spcFirstLastPara="1" wrap="square" lIns="91425" tIns="45700" rIns="91425" bIns="45700" anchor="ctr" anchorCtr="0">
-            <a:noAutofit/>
-          </a:bodyPr>
-          <a:lstStyle/>
-          <a:p>
-            <a:pPr marL="0" marR="0" lvl="0" indent="0" algn="l" rtl="0">
-              <a:spcBef>
-                <a:spcPts val="0"/>
-              </a:spcBef>
-              <a:spcAft>
-                <a:spcPts val="0"/>
-              </a:spcAft>
-              <a:buNone/>
-            </a:pPr>
-            <a:endParaRPr sz="2000" b="1">
-              <a:solidFill>
-                <a:srgbClr val="92D050"/>
-              </a:solidFill>
-              <a:latin typeface="Calibri"/>
-              <a:ea typeface="Calibri"/>
-              <a:cs typeface="Calibri"/>
-              <a:sym typeface="Calibri"/>
-            </a:endParaRPr>
-          </a:p>
-        </p:txBody>
-      </p:sp>
-      <p:sp>
-        <p:nvSpPr>
-          <p:cNvPr id="265" name="Google Shape;265;p14"/>
-          <p:cNvSpPr txBox="1"/>
-          <p:nvPr/>
-        </p:nvSpPr>
-        <p:spPr>
-          <a:xfrm>
-            <a:off x="1011116" y="3525715"/>
-            <a:ext cx="2127738" cy="1046285"/>
-          </a:xfrm>
-          <a:prstGeom prst="rect">
-            <a:avLst/>
-          </a:prstGeom>
-          <a:noFill/>
-          <a:ln>
-            <a:noFill/>
-          </a:ln>
-        </p:spPr>
-        <p:txBody>
-          <a:bodyPr spcFirstLastPara="1" wrap="square" lIns="91425" tIns="45700" rIns="91425" bIns="45700" anchor="ctr" anchorCtr="0">
-            <a:noAutofit/>
-          </a:bodyPr>
-          <a:lstStyle/>
-          <a:p>
-            <a:pPr marL="0" marR="0" lvl="0" indent="0" algn="l" rtl="0">
-              <a:spcBef>
-                <a:spcPts val="0"/>
-              </a:spcBef>
-              <a:spcAft>
-                <a:spcPts val="0"/>
-              </a:spcAft>
-              <a:buNone/>
-            </a:pPr>
-            <a:endParaRPr sz="2000" b="1">
-              <a:solidFill>
-                <a:srgbClr val="92D050"/>
-              </a:solidFill>
-              <a:latin typeface="Calibri"/>
-              <a:ea typeface="Calibri"/>
-              <a:cs typeface="Calibri"/>
-              <a:sym typeface="Calibri"/>
-            </a:endParaRPr>
-          </a:p>
-        </p:txBody>
-      </p:sp>
-      <p:sp>
-        <p:nvSpPr>
-          <p:cNvPr id="266" name="Google Shape;266;p14">
-            <a:hlinkClick r:id="rId4"/>
-          </p:cNvPr>
-          <p:cNvSpPr txBox="1"/>
-          <p:nvPr/>
-        </p:nvSpPr>
-        <p:spPr>
-          <a:xfrm>
-            <a:off x="1701312" y="4882625"/>
-            <a:ext cx="2286000" cy="808892"/>
-          </a:xfrm>
-          <a:prstGeom prst="rect">
-            <a:avLst/>
-          </a:prstGeom>
-          <a:noFill/>
-          <a:ln>
-            <a:noFill/>
-          </a:ln>
-        </p:spPr>
-        <p:txBody>
-          <a:bodyPr spcFirstLastPara="1" wrap="square" lIns="91425" tIns="45700" rIns="91425" bIns="45700" anchor="ctr" anchorCtr="0">
-            <a:noAutofit/>
-          </a:bodyPr>
-          <a:lstStyle/>
-          <a:p>
-            <a:pPr marL="0" marR="0" lvl="0" indent="0" algn="l" rtl="0">
-              <a:spcBef>
-                <a:spcPts val="0"/>
-              </a:spcBef>
-              <a:spcAft>
-                <a:spcPts val="0"/>
-              </a:spcAft>
-              <a:buNone/>
-            </a:pPr>
-            <a:r>
-              <a:rPr lang="es-CO" sz="3200" b="1" u="sng" dirty="0">
-                <a:solidFill>
-                  <a:schemeClr val="dk1"/>
-                </a:solidFill>
-                <a:latin typeface="Calibri"/>
-                <a:ea typeface="Calibri"/>
-                <a:cs typeface="Calibri"/>
-                <a:sym typeface="Calibri"/>
-                <a:hlinkClick r:id="rId5" action="ppaction://hlinkfile"/>
-              </a:rPr>
-              <a:t>Inventario</a:t>
-            </a:r>
-            <a:endParaRPr sz="2800" b="1" dirty="0">
-              <a:solidFill>
-                <a:schemeClr val="dk1"/>
-              </a:solidFill>
-              <a:latin typeface="Calibri"/>
-              <a:ea typeface="Calibri"/>
-              <a:cs typeface="Calibri"/>
-              <a:sym typeface="Calibri"/>
-            </a:endParaRPr>
-          </a:p>
-        </p:txBody>
-      </p:sp>
-      <p:sp>
-        <p:nvSpPr>
-          <p:cNvPr id="267" name="Google Shape;267;p14"/>
-          <p:cNvSpPr txBox="1"/>
-          <p:nvPr/>
-        </p:nvSpPr>
-        <p:spPr>
-          <a:xfrm>
-            <a:off x="1011116" y="2513212"/>
-            <a:ext cx="7323239" cy="1554480"/>
-          </a:xfrm>
-          <a:prstGeom prst="rect">
-            <a:avLst/>
-          </a:prstGeom>
-          <a:noFill/>
-          <a:ln>
-            <a:noFill/>
-          </a:ln>
-        </p:spPr>
-        <p:txBody>
-          <a:bodyPr spcFirstLastPara="1" wrap="square" lIns="91425" tIns="45700" rIns="91425" bIns="45700" anchor="ctr" anchorCtr="0">
-            <a:noAutofit/>
-          </a:bodyPr>
-          <a:lstStyle/>
-          <a:p>
-            <a:pPr marL="0" marR="0" lvl="0" indent="0" algn="just" rtl="0">
-              <a:spcBef>
-                <a:spcPts val="0"/>
-              </a:spcBef>
-              <a:spcAft>
-                <a:spcPts val="0"/>
-              </a:spcAft>
-              <a:buNone/>
-            </a:pPr>
-            <a:r>
-              <a:rPr lang="es-CO" sz="3000" dirty="0">
-                <a:solidFill>
-                  <a:schemeClr val="dk1"/>
-                </a:solidFill>
-                <a:latin typeface="Times New Roman" panose="02020603050405020304" pitchFamily="18" charset="0"/>
-                <a:cs typeface="Times New Roman" panose="02020603050405020304" pitchFamily="18" charset="0"/>
-                <a:sym typeface="Arial"/>
-              </a:rPr>
-              <a:t>El inventario del cliente nos da información sobre los insumos que usar para llevar a cabo su gestionamiento de información. A continuación una tabla con los activos de la microempresa:</a:t>
-            </a:r>
-            <a:endParaRPr sz="3000" dirty="0">
-              <a:solidFill>
-                <a:schemeClr val="dk1"/>
-              </a:solidFill>
-              <a:latin typeface="Times New Roman" panose="02020603050405020304" pitchFamily="18" charset="0"/>
-              <a:cs typeface="Times New Roman" panose="02020603050405020304" pitchFamily="18" charset="0"/>
-              <a:sym typeface="Arial"/>
-            </a:endParaRPr>
-          </a:p>
-        </p:txBody>
-      </p:sp>
-    </p:spTree>
-  </p:cSld>
-  <p:clrMapOvr>
-    <a:masterClrMapping/>
-  </p:clrMapOvr>
-  <p:timing>
-    <p:tnLst>
-      <p:par>
-        <p:cTn id="1" dur="indefinite" restart="never" nodeType="tmRoot"/>
-      </p:par>
-    </p:tnLst>
-  </p:timing>
-</p:sld>
-</file>
-
 <file path=ppt/slides/slide15.xml><?xml version="1.0" encoding="utf-8"?>
-<p:sld xmlns:a="http://schemas.openxmlformats.org/drawingml/2006/main" xmlns:r="http://schemas.openxmlformats.org/officeDocument/2006/relationships" xmlns:p="http://schemas.openxmlformats.org/presentationml/2006/main">
-  <p:cSld>
-    <p:spTree>
-      <p:nvGrpSpPr>
-        <p:cNvPr id="1" name=""/>
-        <p:cNvGrpSpPr/>
-        <p:nvPr/>
-      </p:nvGrpSpPr>
-      <p:grpSpPr>
-        <a:xfrm>
-          <a:off x="0" y="0"/>
-          <a:ext cx="0" cy="0"/>
-          <a:chOff x="0" y="0"/>
-          <a:chExt cx="0" cy="0"/>
-        </a:xfrm>
-      </p:grpSpPr>
-      <p:sp>
-        <p:nvSpPr>
-          <p:cNvPr id="3" name="Google Shape;274;p15">
-            <a:extLst>
-              <a:ext uri="{FF2B5EF4-FFF2-40B4-BE49-F238E27FC236}">
-                <a16:creationId xmlns:a16="http://schemas.microsoft.com/office/drawing/2014/main" xmlns="" id="{38572213-7C37-44AC-9849-B6D5D3815AE0}"/>
-              </a:ext>
-            </a:extLst>
-          </p:cNvPr>
-          <p:cNvSpPr/>
-          <p:nvPr/>
-        </p:nvSpPr>
-        <p:spPr>
-          <a:xfrm>
-            <a:off x="418748" y="458299"/>
-            <a:ext cx="9144000" cy="769441"/>
-          </a:xfrm>
-          <a:prstGeom prst="rect">
-            <a:avLst/>
-          </a:prstGeom>
-          <a:noFill/>
-          <a:ln>
-            <a:noFill/>
-          </a:ln>
-        </p:spPr>
-        <p:txBody>
-          <a:bodyPr spcFirstLastPara="1" wrap="square" lIns="91425" tIns="45700" rIns="91425" bIns="45700" anchor="t" anchorCtr="0">
-            <a:spAutoFit/>
-          </a:bodyPr>
-          <a:lstStyle/>
-          <a:p>
-            <a:pPr marL="0" marR="0" lvl="0" indent="0" algn="ctr" rtl="0">
-              <a:spcBef>
-                <a:spcPts val="0"/>
-              </a:spcBef>
-              <a:spcAft>
-                <a:spcPts val="0"/>
-              </a:spcAft>
-              <a:buNone/>
-            </a:pPr>
-            <a:r>
-              <a:rPr lang="es-CO" sz="4400" dirty="0">
-                <a:solidFill>
-                  <a:schemeClr val="lt1"/>
-                </a:solidFill>
-                <a:latin typeface="Calibri"/>
-                <a:ea typeface="Calibri"/>
-                <a:cs typeface="Calibri"/>
-                <a:sym typeface="Calibri"/>
-              </a:rPr>
-              <a:t> Gestión del proyecto</a:t>
-            </a:r>
-            <a:endParaRPr lang="es-CO" dirty="0"/>
-          </a:p>
-        </p:txBody>
-      </p:sp>
-      <p:sp>
-        <p:nvSpPr>
-          <p:cNvPr id="4" name="Google Shape;276;p15">
-            <a:extLst>
-              <a:ext uri="{FF2B5EF4-FFF2-40B4-BE49-F238E27FC236}">
-                <a16:creationId xmlns:a16="http://schemas.microsoft.com/office/drawing/2014/main" xmlns="" id="{5B376D5C-FF48-41DD-A0A8-53394A550E8D}"/>
-              </a:ext>
-            </a:extLst>
-          </p:cNvPr>
-          <p:cNvSpPr txBox="1"/>
-          <p:nvPr/>
-        </p:nvSpPr>
-        <p:spPr>
-          <a:xfrm>
-            <a:off x="1022482" y="2227217"/>
-            <a:ext cx="6870234" cy="1201783"/>
-          </a:xfrm>
-          <a:prstGeom prst="rect">
-            <a:avLst/>
-          </a:prstGeom>
-          <a:noFill/>
-          <a:ln>
-            <a:noFill/>
-          </a:ln>
-        </p:spPr>
-        <p:txBody>
-          <a:bodyPr spcFirstLastPara="1" wrap="square" lIns="91425" tIns="45700" rIns="91425" bIns="45700" anchor="ctr" anchorCtr="0">
-            <a:noAutofit/>
-          </a:bodyPr>
-          <a:lstStyle/>
-          <a:p>
-            <a:pPr marL="0" marR="0" lvl="0" indent="0" algn="just" rtl="0">
-              <a:spcBef>
-                <a:spcPts val="0"/>
-              </a:spcBef>
-              <a:spcAft>
-                <a:spcPts val="0"/>
-              </a:spcAft>
-              <a:buNone/>
-            </a:pPr>
-            <a:r>
-              <a:rPr lang="es-CO" sz="3000" dirty="0">
-                <a:solidFill>
-                  <a:schemeClr val="dk1"/>
-                </a:solidFill>
-                <a:latin typeface="Times New Roman" panose="02020603050405020304" pitchFamily="18" charset="0"/>
-                <a:ea typeface="Calibri"/>
-                <a:cs typeface="Times New Roman" panose="02020603050405020304" pitchFamily="18" charset="0"/>
-                <a:sym typeface="Calibri"/>
-              </a:rPr>
-              <a:t>Con el cronograma podemos determinar un calendario de actividades y así conocer los tiempos de cada actividad.</a:t>
-            </a:r>
-            <a:endParaRPr sz="3000" dirty="0">
-              <a:solidFill>
-                <a:schemeClr val="dk1"/>
-              </a:solidFill>
-              <a:latin typeface="Times New Roman" panose="02020603050405020304" pitchFamily="18" charset="0"/>
-              <a:ea typeface="Calibri"/>
-              <a:cs typeface="Times New Roman" panose="02020603050405020304" pitchFamily="18" charset="0"/>
-              <a:sym typeface="Calibri"/>
-            </a:endParaRPr>
-          </a:p>
-        </p:txBody>
-      </p:sp>
-      <p:pic>
-        <p:nvPicPr>
-          <p:cNvPr id="5" name="Picture 2" descr="Tareas De La Planificación Del Trabajo En Equipo, De La ...">
-            <a:extLst>
-              <a:ext uri="{FF2B5EF4-FFF2-40B4-BE49-F238E27FC236}">
-                <a16:creationId xmlns:a16="http://schemas.microsoft.com/office/drawing/2014/main" xmlns="" id="{63540C2B-2C8B-4D8B-9193-BF9D8F886424}"/>
-              </a:ext>
-            </a:extLst>
-          </p:cNvPr>
-          <p:cNvPicPr>
-            <a:picLocks noChangeAspect="1" noChangeArrowheads="1"/>
-          </p:cNvPicPr>
-          <p:nvPr/>
-        </p:nvPicPr>
-        <p:blipFill>
-          <a:blip r:embed="rId2">
-            <a:extLst>
-              <a:ext uri="{28A0092B-C50C-407E-A947-70E740481C1C}">
-                <a14:useLocalDpi xmlns:a14="http://schemas.microsoft.com/office/drawing/2010/main" val="0"/>
-              </a:ext>
-            </a:extLst>
-          </a:blip>
-          <a:srcRect/>
-          <a:stretch>
-            <a:fillRect/>
-          </a:stretch>
-        </p:blipFill>
-        <p:spPr bwMode="auto">
-          <a:xfrm>
-            <a:off x="4411983" y="3596199"/>
-            <a:ext cx="4288300" cy="2916044"/>
-          </a:xfrm>
-          <a:prstGeom prst="rect">
-            <a:avLst/>
-          </a:prstGeom>
-          <a:noFill/>
-          <a:extLst>
-            <a:ext uri="{909E8E84-426E-40DD-AFC4-6F175D3DCCD1}">
-              <a14:hiddenFill xmlns:a14="http://schemas.microsoft.com/office/drawing/2010/main">
-                <a:solidFill>
-                  <a:srgbClr val="FFFFFF"/>
-                </a:solidFill>
-              </a14:hiddenFill>
-            </a:ext>
-          </a:extLst>
-        </p:spPr>
-      </p:pic>
-      <p:sp>
-        <p:nvSpPr>
-          <p:cNvPr id="6" name="Google Shape;275;p15">
-            <a:hlinkClick r:id="rId3"/>
-            <a:extLst>
-              <a:ext uri="{FF2B5EF4-FFF2-40B4-BE49-F238E27FC236}">
-                <a16:creationId xmlns:a16="http://schemas.microsoft.com/office/drawing/2014/main" xmlns="" id="{CF0D17DD-99A5-4557-8E36-67F6E3CC1483}"/>
-              </a:ext>
-            </a:extLst>
-          </p:cNvPr>
-          <p:cNvSpPr txBox="1"/>
-          <p:nvPr/>
-        </p:nvSpPr>
-        <p:spPr>
-          <a:xfrm>
-            <a:off x="1688123" y="4521208"/>
-            <a:ext cx="2347547" cy="712177"/>
-          </a:xfrm>
-          <a:prstGeom prst="rect">
-            <a:avLst/>
-          </a:prstGeom>
-          <a:noFill/>
-          <a:ln>
-            <a:noFill/>
-          </a:ln>
-        </p:spPr>
-        <p:txBody>
-          <a:bodyPr spcFirstLastPara="1" wrap="square" lIns="91425" tIns="45700" rIns="91425" bIns="45700" anchor="ctr" anchorCtr="0">
-            <a:noAutofit/>
-          </a:bodyPr>
-          <a:lstStyle/>
-          <a:p>
-            <a:pPr marL="0" marR="0" lvl="0" indent="0" algn="l" rtl="0">
-              <a:spcBef>
-                <a:spcPts val="0"/>
-              </a:spcBef>
-              <a:spcAft>
-                <a:spcPts val="0"/>
-              </a:spcAft>
-              <a:buNone/>
-            </a:pPr>
-            <a:r>
-              <a:rPr lang="es-CO" sz="3000" b="1" u="sng" dirty="0">
-                <a:solidFill>
-                  <a:schemeClr val="dk1"/>
-                </a:solidFill>
-                <a:latin typeface="Times New Roman" panose="02020603050405020304" pitchFamily="18" charset="0"/>
-                <a:ea typeface="Calibri"/>
-                <a:cs typeface="Times New Roman" panose="02020603050405020304" pitchFamily="18" charset="0"/>
-                <a:sym typeface="Calibri"/>
-                <a:hlinkClick r:id="rId4" action="ppaction://hlinkfile"/>
-              </a:rPr>
-              <a:t>Cronograma</a:t>
-            </a:r>
-            <a:endParaRPr sz="3000" b="1" dirty="0">
-              <a:solidFill>
-                <a:schemeClr val="dk1"/>
-              </a:solidFill>
-              <a:latin typeface="Times New Roman" panose="02020603050405020304" pitchFamily="18" charset="0"/>
-              <a:ea typeface="Calibri"/>
-              <a:cs typeface="Times New Roman" panose="02020603050405020304" pitchFamily="18" charset="0"/>
-              <a:sym typeface="Calibri"/>
-            </a:endParaRPr>
-          </a:p>
-        </p:txBody>
-      </p:sp>
-    </p:spTree>
-    <p:extLst>
-      <p:ext uri="{BB962C8B-B14F-4D97-AF65-F5344CB8AC3E}">
-        <p14:creationId xmlns:p14="http://schemas.microsoft.com/office/powerpoint/2010/main" val="3576284020"/>
-      </p:ext>
-    </p:extLst>
-  </p:cSld>
-  <p:clrMapOvr>
-    <a:masterClrMapping/>
-  </p:clrMapOvr>
-</p:sld>
-</file>
-
-<file path=ppt/slides/slide16.xml><?xml version="1.0" encoding="utf-8"?>
 <p:sld xmlns:a="http://schemas.openxmlformats.org/drawingml/2006/main" xmlns:r="http://schemas.openxmlformats.org/officeDocument/2006/relationships" xmlns:p="http://schemas.openxmlformats.org/presentationml/2006/main">
   <p:cSld>
     <p:spTree>
@@ -14162,7 +13899,7 @@
           <p:cNvPr id="4" name="Imagen 3" descr="Imagen que contiene texto&#10;&#10;Descripción generada automáticamente">
             <a:extLst>
               <a:ext uri="{FF2B5EF4-FFF2-40B4-BE49-F238E27FC236}">
-                <a16:creationId xmlns:a16="http://schemas.microsoft.com/office/drawing/2014/main" xmlns="" id="{76644C9E-E95A-428F-8052-DB1D0AE3A13E}"/>
+                <a16:creationId xmlns="" xmlns:a16="http://schemas.microsoft.com/office/drawing/2014/main" id="{76644C9E-E95A-428F-8052-DB1D0AE3A13E}"/>
               </a:ext>
             </a:extLst>
           </p:cNvPr>
@@ -14209,7 +13946,7 @@
 </p:sld>
 </file>
 
-<file path=ppt/slides/slide17.xml><?xml version="1.0" encoding="utf-8"?>
+<file path=ppt/slides/slide16.xml><?xml version="1.0" encoding="utf-8"?>
 <p:sld xmlns:a="http://schemas.openxmlformats.org/drawingml/2006/main" xmlns:r="http://schemas.openxmlformats.org/officeDocument/2006/relationships" xmlns:p="http://schemas.openxmlformats.org/presentationml/2006/main">
   <p:cSld>
     <p:spTree>
@@ -14231,7 +13968,7 @@
           <p:cNvPr id="2" name="Google Shape;281;p16">
             <a:extLst>
               <a:ext uri="{FF2B5EF4-FFF2-40B4-BE49-F238E27FC236}">
-                <a16:creationId xmlns:a16="http://schemas.microsoft.com/office/drawing/2014/main" xmlns="" id="{CE6A4691-A129-4957-A61B-EE45E727709F}"/>
+                <a16:creationId xmlns="" xmlns:a16="http://schemas.microsoft.com/office/drawing/2014/main" id="{CE6A4691-A129-4957-A61B-EE45E727709F}"/>
               </a:ext>
             </a:extLst>
           </p:cNvPr>
@@ -14307,7 +14044,7 @@
           <p:cNvPr id="3" name="Google Shape;289;p17">
             <a:extLst>
               <a:ext uri="{FF2B5EF4-FFF2-40B4-BE49-F238E27FC236}">
-                <a16:creationId xmlns:a16="http://schemas.microsoft.com/office/drawing/2014/main" xmlns="" id="{008198B5-C4F6-4021-AB1D-FB69EC845007}"/>
+                <a16:creationId xmlns="" xmlns:a16="http://schemas.microsoft.com/office/drawing/2014/main" id="{008198B5-C4F6-4021-AB1D-FB69EC845007}"/>
               </a:ext>
             </a:extLst>
           </p:cNvPr>
@@ -14363,7 +14100,7 @@
           <p:cNvPr id="4" name="Google Shape;290;p17">
             <a:extLst>
               <a:ext uri="{FF2B5EF4-FFF2-40B4-BE49-F238E27FC236}">
-                <a16:creationId xmlns:a16="http://schemas.microsoft.com/office/drawing/2014/main" xmlns="" id="{E0BA332A-F194-47C7-97DC-EA1CDA7851A6}"/>
+                <a16:creationId xmlns="" xmlns:a16="http://schemas.microsoft.com/office/drawing/2014/main" id="{E0BA332A-F194-47C7-97DC-EA1CDA7851A6}"/>
               </a:ext>
             </a:extLst>
           </p:cNvPr>
@@ -14396,7 +14133,7 @@
           <p:cNvPr id="5" name="Google Shape;288;p17">
             <a:extLst>
               <a:ext uri="{FF2B5EF4-FFF2-40B4-BE49-F238E27FC236}">
-                <a16:creationId xmlns:a16="http://schemas.microsoft.com/office/drawing/2014/main" xmlns="" id="{3291A153-D720-4498-8F38-F25458F9A579}"/>
+                <a16:creationId xmlns="" xmlns:a16="http://schemas.microsoft.com/office/drawing/2014/main" id="{3291A153-D720-4498-8F38-F25458F9A579}"/>
               </a:ext>
             </a:extLst>
           </p:cNvPr>
@@ -14469,196 +14206,7 @@
 </p:sld>
 </file>
 
-<file path=ppt/slides/slide18.xml><?xml version="1.0" encoding="utf-8"?>
-<p:sld xmlns:a="http://schemas.openxmlformats.org/drawingml/2006/main" xmlns:r="http://schemas.openxmlformats.org/officeDocument/2006/relationships" xmlns:p="http://schemas.openxmlformats.org/presentationml/2006/main">
-  <p:cSld>
-    <p:spTree>
-      <p:nvGrpSpPr>
-        <p:cNvPr id="1" name="Shape 300"/>
-        <p:cNvGrpSpPr/>
-        <p:nvPr/>
-      </p:nvGrpSpPr>
-      <p:grpSpPr>
-        <a:xfrm>
-          <a:off x="0" y="0"/>
-          <a:ext cx="0" cy="0"/>
-          <a:chOff x="0" y="0"/>
-          <a:chExt cx="0" cy="0"/>
-        </a:xfrm>
-      </p:grpSpPr>
-      <p:sp>
-        <p:nvSpPr>
-          <p:cNvPr id="301" name="Google Shape;301;p19"/>
-          <p:cNvSpPr/>
-          <p:nvPr/>
-        </p:nvSpPr>
-        <p:spPr>
-          <a:xfrm>
-            <a:off x="-901270" y="459342"/>
-            <a:ext cx="9144000" cy="769441"/>
-          </a:xfrm>
-          <a:prstGeom prst="rect">
-            <a:avLst/>
-          </a:prstGeom>
-          <a:noFill/>
-          <a:ln>
-            <a:noFill/>
-          </a:ln>
-        </p:spPr>
-        <p:txBody>
-          <a:bodyPr spcFirstLastPara="1" wrap="square" lIns="91425" tIns="45700" rIns="91425" bIns="45700" anchor="t" anchorCtr="0">
-            <a:spAutoFit/>
-          </a:bodyPr>
-          <a:lstStyle/>
-          <a:p>
-            <a:pPr marL="0" marR="0" lvl="0" indent="0" algn="r" rtl="0">
-              <a:spcBef>
-                <a:spcPts val="0"/>
-              </a:spcBef>
-              <a:spcAft>
-                <a:spcPts val="0"/>
-              </a:spcAft>
-              <a:buNone/>
-            </a:pPr>
-            <a:r>
-              <a:rPr lang="es-CO" sz="4400" dirty="0">
-                <a:solidFill>
-                  <a:schemeClr val="lt1"/>
-                </a:solidFill>
-                <a:latin typeface="Calibri"/>
-                <a:ea typeface="Calibri"/>
-                <a:cs typeface="Calibri"/>
-                <a:sym typeface="Calibri"/>
-              </a:rPr>
-              <a:t> Sistema de Control de versiones</a:t>
-            </a:r>
-            <a:endParaRPr dirty="0"/>
-          </a:p>
-        </p:txBody>
-      </p:sp>
-      <p:pic>
-        <p:nvPicPr>
-          <p:cNvPr id="303" name="Google Shape;303;p19"/>
-          <p:cNvPicPr preferRelativeResize="0"/>
-          <p:nvPr/>
-        </p:nvPicPr>
-        <p:blipFill rotWithShape="1">
-          <a:blip r:embed="rId3">
-            <a:alphaModFix/>
-          </a:blip>
-          <a:srcRect/>
-          <a:stretch/>
-        </p:blipFill>
-        <p:spPr>
-          <a:xfrm>
-            <a:off x="5257702" y="2351734"/>
-            <a:ext cx="3662203" cy="3662203"/>
-          </a:xfrm>
-          <a:prstGeom prst="rect">
-            <a:avLst/>
-          </a:prstGeom>
-          <a:noFill/>
-          <a:ln>
-            <a:noFill/>
-          </a:ln>
-        </p:spPr>
-      </p:pic>
-      <p:sp>
-        <p:nvSpPr>
-          <p:cNvPr id="304" name="Google Shape;304;p19"/>
-          <p:cNvSpPr txBox="1"/>
-          <p:nvPr/>
-        </p:nvSpPr>
-        <p:spPr>
-          <a:xfrm>
-            <a:off x="1148371" y="2762110"/>
-            <a:ext cx="3338285" cy="2278743"/>
-          </a:xfrm>
-          <a:prstGeom prst="rect">
-            <a:avLst/>
-          </a:prstGeom>
-          <a:noFill/>
-          <a:ln>
-            <a:noFill/>
-          </a:ln>
-        </p:spPr>
-        <p:txBody>
-          <a:bodyPr spcFirstLastPara="1" wrap="square" lIns="91425" tIns="45700" rIns="91425" bIns="45700" anchor="ctr" anchorCtr="0">
-            <a:noAutofit/>
-          </a:bodyPr>
-          <a:lstStyle/>
-          <a:p>
-            <a:pPr marL="0" marR="0" lvl="0" indent="0" algn="ctr" rtl="0">
-              <a:spcBef>
-                <a:spcPts val="0"/>
-              </a:spcBef>
-              <a:spcAft>
-                <a:spcPts val="0"/>
-              </a:spcAft>
-              <a:buNone/>
-            </a:pPr>
-            <a:r>
-              <a:rPr lang="es-CO" sz="2400" b="1" dirty="0">
-                <a:solidFill>
-                  <a:schemeClr val="dk1"/>
-                </a:solidFill>
-                <a:latin typeface="Calibri"/>
-                <a:ea typeface="Calibri"/>
-                <a:cs typeface="Calibri"/>
-                <a:sym typeface="Calibri"/>
-              </a:rPr>
-              <a:t>Un sistema para controlar y almacenar archivos y sus diferentes versiones de modificación.</a:t>
-            </a:r>
-            <a:endParaRPr dirty="0"/>
-          </a:p>
-        </p:txBody>
-      </p:sp>
-      <p:sp>
-        <p:nvSpPr>
-          <p:cNvPr id="2" name="Rectángulo 1">
-            <a:extLst>
-              <a:ext uri="{FF2B5EF4-FFF2-40B4-BE49-F238E27FC236}">
-                <a16:creationId xmlns:a16="http://schemas.microsoft.com/office/drawing/2014/main" xmlns="" id="{945477C0-F7CF-4427-81CB-CDD601B86DD9}"/>
-              </a:ext>
-            </a:extLst>
-          </p:cNvPr>
-          <p:cNvSpPr/>
-          <p:nvPr/>
-        </p:nvSpPr>
-        <p:spPr>
-          <a:xfrm>
-            <a:off x="224095" y="5332474"/>
-            <a:ext cx="4955203" cy="400110"/>
-          </a:xfrm>
-          <a:prstGeom prst="rect">
-            <a:avLst/>
-          </a:prstGeom>
-        </p:spPr>
-        <p:txBody>
-          <a:bodyPr wrap="none">
-            <a:spAutoFit/>
-          </a:bodyPr>
-          <a:lstStyle/>
-          <a:p>
-            <a:r>
-              <a:rPr lang="es-CO" sz="2000" dirty="0">
-                <a:hlinkClick r:id="rId4"/>
-              </a:rPr>
-              <a:t>https://github.com/Miguel010293/Quickgift</a:t>
-            </a:r>
-            <a:endParaRPr lang="es-CO" sz="2000" dirty="0"/>
-          </a:p>
-        </p:txBody>
-      </p:sp>
-    </p:spTree>
-  </p:cSld>
-  <p:clrMapOvr>
-    <a:masterClrMapping/>
-  </p:clrMapOvr>
-</p:sld>
-</file>
-
-<file path=ppt/slides/slide19.xml><?xml version="1.0" encoding="utf-8"?>
+<file path=ppt/slides/slide17.xml><?xml version="1.0" encoding="utf-8"?>
 <p:sld xmlns:a="http://schemas.openxmlformats.org/drawingml/2006/main" xmlns:r="http://schemas.openxmlformats.org/officeDocument/2006/relationships" xmlns:p="http://schemas.openxmlformats.org/presentationml/2006/main">
   <p:cSld>
     <p:spTree>
@@ -14680,7 +14228,7 @@
           <p:cNvPr id="2" name="Google Shape;134;p1">
             <a:extLst>
               <a:ext uri="{FF2B5EF4-FFF2-40B4-BE49-F238E27FC236}">
-                <a16:creationId xmlns:a16="http://schemas.microsoft.com/office/drawing/2014/main" xmlns="" id="{89006225-9AC6-4B7F-A20B-8222B852191D}"/>
+                <a16:creationId xmlns="" xmlns:a16="http://schemas.microsoft.com/office/drawing/2014/main" id="{89006225-9AC6-4B7F-A20B-8222B852191D}"/>
               </a:ext>
             </a:extLst>
           </p:cNvPr>
@@ -14790,280 +14338,7 @@
 </p:sld>
 </file>
 
-<file path=ppt/slides/slide2.xml><?xml version="1.0" encoding="utf-8"?>
-<p:sld xmlns:a="http://schemas.openxmlformats.org/drawingml/2006/main" xmlns:r="http://schemas.openxmlformats.org/officeDocument/2006/relationships" xmlns:p="http://schemas.openxmlformats.org/presentationml/2006/main">
-  <p:cSld>
-    <p:spTree>
-      <p:nvGrpSpPr>
-        <p:cNvPr id="1" name="Shape 138"/>
-        <p:cNvGrpSpPr/>
-        <p:nvPr/>
-      </p:nvGrpSpPr>
-      <p:grpSpPr>
-        <a:xfrm>
-          <a:off x="0" y="0"/>
-          <a:ext cx="0" cy="0"/>
-          <a:chOff x="0" y="0"/>
-          <a:chExt cx="0" cy="0"/>
-        </a:xfrm>
-      </p:grpSpPr>
-      <p:sp>
-        <p:nvSpPr>
-          <p:cNvPr id="139" name="Google Shape;139;p2"/>
-          <p:cNvSpPr txBox="1"/>
-          <p:nvPr/>
-        </p:nvSpPr>
-        <p:spPr>
-          <a:xfrm>
-            <a:off x="1795085" y="506622"/>
-            <a:ext cx="6021000" cy="887700"/>
-          </a:xfrm>
-          <a:prstGeom prst="rect">
-            <a:avLst/>
-          </a:prstGeom>
-          <a:noFill/>
-          <a:ln>
-            <a:noFill/>
-          </a:ln>
-        </p:spPr>
-        <p:txBody>
-          <a:bodyPr spcFirstLastPara="1" wrap="square" lIns="91425" tIns="45700" rIns="91425" bIns="45700" anchor="ctr" anchorCtr="0">
-            <a:noAutofit/>
-          </a:bodyPr>
-          <a:lstStyle/>
-          <a:p>
-            <a:pPr marL="0" marR="0" lvl="0" indent="0" algn="ctr" rtl="0">
-              <a:spcBef>
-                <a:spcPts val="0"/>
-              </a:spcBef>
-              <a:spcAft>
-                <a:spcPts val="0"/>
-              </a:spcAft>
-              <a:buClr>
-                <a:schemeClr val="lt1"/>
-              </a:buClr>
-              <a:buSzPts val="5400"/>
-              <a:buFont typeface="Calibri"/>
-              <a:buNone/>
-            </a:pPr>
-            <a:r>
-              <a:rPr lang="es-CO" sz="5400" b="1" i="0" u="none" strike="noStrike" cap="none">
-                <a:solidFill>
-                  <a:schemeClr val="lt1"/>
-                </a:solidFill>
-                <a:latin typeface="Calibri"/>
-                <a:ea typeface="Calibri"/>
-                <a:cs typeface="Calibri"/>
-                <a:sym typeface="Calibri"/>
-              </a:rPr>
-              <a:t>Integrantes</a:t>
-            </a:r>
-            <a:endParaRPr sz="5400" b="0" i="0" u="none" strike="noStrike" cap="none">
-              <a:solidFill>
-                <a:schemeClr val="lt1"/>
-              </a:solidFill>
-              <a:latin typeface="Calibri"/>
-              <a:ea typeface="Calibri"/>
-              <a:cs typeface="Calibri"/>
-              <a:sym typeface="Calibri"/>
-            </a:endParaRPr>
-          </a:p>
-        </p:txBody>
-      </p:sp>
-      <p:sp>
-        <p:nvSpPr>
-          <p:cNvPr id="140" name="Google Shape;140;p2"/>
-          <p:cNvSpPr/>
-          <p:nvPr/>
-        </p:nvSpPr>
-        <p:spPr>
-          <a:xfrm>
-            <a:off x="1988275" y="2471400"/>
-            <a:ext cx="5634600" cy="1532400"/>
-          </a:xfrm>
-          <a:prstGeom prst="rect">
-            <a:avLst/>
-          </a:prstGeom>
-          <a:noFill/>
-          <a:ln>
-            <a:noFill/>
-          </a:ln>
-        </p:spPr>
-        <p:txBody>
-          <a:bodyPr spcFirstLastPara="1" wrap="square" lIns="91425" tIns="45700" rIns="91425" bIns="45700" anchor="t" anchorCtr="0">
-            <a:spAutoFit/>
-          </a:bodyPr>
-          <a:lstStyle/>
-          <a:p>
-            <a:pPr marL="0" marR="0" lvl="0" indent="0" algn="ctr" rtl="0">
-              <a:spcBef>
-                <a:spcPts val="0"/>
-              </a:spcBef>
-              <a:spcAft>
-                <a:spcPts val="0"/>
-              </a:spcAft>
-              <a:buNone/>
-            </a:pPr>
-            <a:r>
-              <a:rPr lang="es-CO" sz="3600">
-                <a:solidFill>
-                  <a:schemeClr val="dk1"/>
-                </a:solidFill>
-              </a:rPr>
-              <a:t>Miguel Angel Bautista</a:t>
-            </a:r>
-            <a:endParaRPr sz="3600">
-              <a:solidFill>
-                <a:schemeClr val="dk1"/>
-              </a:solidFill>
-            </a:endParaRPr>
-          </a:p>
-          <a:p>
-            <a:pPr marL="0" marR="0" lvl="0" indent="0" algn="ctr" rtl="0">
-              <a:spcBef>
-                <a:spcPts val="0"/>
-              </a:spcBef>
-              <a:spcAft>
-                <a:spcPts val="0"/>
-              </a:spcAft>
-              <a:buNone/>
-            </a:pPr>
-            <a:r>
-              <a:rPr lang="es-CO" sz="3600">
-                <a:solidFill>
-                  <a:schemeClr val="dk1"/>
-                </a:solidFill>
-              </a:rPr>
-              <a:t>Ana María Pesca Pedraza</a:t>
-            </a:r>
-            <a:r>
-              <a:rPr lang="es-CO" sz="3600" b="0" i="0" u="none" strike="noStrike" cap="none">
-                <a:solidFill>
-                  <a:schemeClr val="dk1"/>
-                </a:solidFill>
-                <a:latin typeface="Arial"/>
-                <a:ea typeface="Arial"/>
-                <a:cs typeface="Arial"/>
-                <a:sym typeface="Arial"/>
-              </a:rPr>
-              <a:t> </a:t>
-            </a:r>
-            <a:endParaRPr/>
-          </a:p>
-          <a:p>
-            <a:pPr marL="457200" marR="0" lvl="0" indent="0" algn="l" rtl="0">
-              <a:spcBef>
-                <a:spcPts val="0"/>
-              </a:spcBef>
-              <a:spcAft>
-                <a:spcPts val="0"/>
-              </a:spcAft>
-              <a:buNone/>
-            </a:pPr>
-            <a:r>
-              <a:rPr lang="es-CO" sz="3600" b="0" i="0" u="none" strike="noStrike" cap="none">
-                <a:solidFill>
-                  <a:schemeClr val="dk1"/>
-                </a:solidFill>
-                <a:latin typeface="Arial"/>
-                <a:ea typeface="Arial"/>
-                <a:cs typeface="Arial"/>
-                <a:sym typeface="Arial"/>
-              </a:rPr>
-              <a:t> </a:t>
-            </a:r>
-            <a:endParaRPr/>
-          </a:p>
-          <a:p>
-            <a:pPr marL="0" marR="0" lvl="0" indent="0" algn="l" rtl="0">
-              <a:spcBef>
-                <a:spcPts val="0"/>
-              </a:spcBef>
-              <a:spcAft>
-                <a:spcPts val="0"/>
-              </a:spcAft>
-              <a:buNone/>
-            </a:pPr>
-            <a:endParaRPr sz="4000">
-              <a:solidFill>
-                <a:schemeClr val="dk1"/>
-              </a:solidFill>
-              <a:latin typeface="Arial"/>
-              <a:ea typeface="Arial"/>
-              <a:cs typeface="Arial"/>
-              <a:sym typeface="Arial"/>
-            </a:endParaRPr>
-          </a:p>
-          <a:p>
-            <a:pPr marL="0" marR="0" lvl="0" indent="0" algn="l" rtl="0">
-              <a:spcBef>
-                <a:spcPts val="0"/>
-              </a:spcBef>
-              <a:spcAft>
-                <a:spcPts val="0"/>
-              </a:spcAft>
-              <a:buNone/>
-            </a:pPr>
-            <a:r>
-              <a:rPr lang="es-CO" sz="4000">
-                <a:solidFill>
-                  <a:schemeClr val="dk1"/>
-                </a:solidFill>
-                <a:latin typeface="Arial"/>
-                <a:ea typeface="Arial"/>
-                <a:cs typeface="Arial"/>
-                <a:sym typeface="Arial"/>
-              </a:rPr>
-              <a:t>                  </a:t>
-            </a:r>
-            <a:endParaRPr/>
-          </a:p>
-        </p:txBody>
-      </p:sp>
-      <p:pic>
-        <p:nvPicPr>
-          <p:cNvPr id="141" name="Google Shape;141;p2"/>
-          <p:cNvPicPr preferRelativeResize="0"/>
-          <p:nvPr/>
-        </p:nvPicPr>
-        <p:blipFill>
-          <a:blip r:embed="rId3">
-            <a:alphaModFix/>
-          </a:blip>
-          <a:stretch>
-            <a:fillRect/>
-          </a:stretch>
-        </p:blipFill>
-        <p:spPr>
-          <a:xfrm>
-            <a:off x="3476838" y="4115125"/>
-            <a:ext cx="2657475" cy="2162175"/>
-          </a:xfrm>
-          <a:prstGeom prst="rect">
-            <a:avLst/>
-          </a:prstGeom>
-          <a:noFill/>
-          <a:ln>
-            <a:noFill/>
-          </a:ln>
-        </p:spPr>
-      </p:pic>
-    </p:spTree>
-  </p:cSld>
-  <p:clrMapOvr>
-    <a:masterClrMapping/>
-  </p:clrMapOvr>
-  <p:timing>
-    <p:tnLst>
-      <p:par>
-        <p:cTn id="1" dur="indefinite" restart="never" nodeType="tmRoot"/>
-      </p:par>
-    </p:tnLst>
-  </p:timing>
-</p:sld>
-</file>
-
-<file path=ppt/slides/slide20.xml><?xml version="1.0" encoding="utf-8"?>
+<file path=ppt/slides/slide18.xml><?xml version="1.0" encoding="utf-8"?>
 <p:sld xmlns:a="http://schemas.openxmlformats.org/drawingml/2006/main" xmlns:r="http://schemas.openxmlformats.org/officeDocument/2006/relationships" xmlns:p="http://schemas.openxmlformats.org/presentationml/2006/main">
   <p:cSld>
     <p:spTree>
@@ -15135,7 +14410,7 @@
           <p:cNvPr id="8" name="Google Shape;301;p19">
             <a:extLst>
               <a:ext uri="{FF2B5EF4-FFF2-40B4-BE49-F238E27FC236}">
-                <a16:creationId xmlns:a16="http://schemas.microsoft.com/office/drawing/2014/main" xmlns="" id="{F94E0085-60CE-404C-BCAC-0CF9854A434A}"/>
+                <a16:creationId xmlns="" xmlns:a16="http://schemas.microsoft.com/office/drawing/2014/main" id="{F94E0085-60CE-404C-BCAC-0CF9854A434A}"/>
               </a:ext>
             </a:extLst>
           </p:cNvPr>
@@ -15251,12 +14526,12 @@
 </p:sld>
 </file>
 
-<file path=ppt/slides/slide21.xml><?xml version="1.0" encoding="utf-8"?>
+<file path=ppt/slides/slide19.xml><?xml version="1.0" encoding="utf-8"?>
 <p:sld xmlns:a="http://schemas.openxmlformats.org/drawingml/2006/main" xmlns:r="http://schemas.openxmlformats.org/officeDocument/2006/relationships" xmlns:p="http://schemas.openxmlformats.org/presentationml/2006/main">
   <p:cSld>
     <p:spTree>
       <p:nvGrpSpPr>
-        <p:cNvPr id="1" name="Shape 294"/>
+        <p:cNvPr id="1" name=""/>
         <p:cNvGrpSpPr/>
         <p:nvPr/>
       </p:nvGrpSpPr>
@@ -15270,13 +14545,19 @@
       </p:grpSpPr>
       <p:sp>
         <p:nvSpPr>
-          <p:cNvPr id="295" name="Google Shape;295;p18"/>
+          <p:cNvPr id="3" name="Google Shape;274;p15">
+            <a:extLst>
+              <a:ext uri="{FF2B5EF4-FFF2-40B4-BE49-F238E27FC236}">
+                <a16:creationId xmlns="" xmlns:a16="http://schemas.microsoft.com/office/drawing/2014/main" id="{38572213-7C37-44AC-9849-B6D5D3815AE0}"/>
+              </a:ext>
+            </a:extLst>
+          </p:cNvPr>
           <p:cNvSpPr/>
           <p:nvPr/>
         </p:nvSpPr>
         <p:spPr>
           <a:xfrm>
-            <a:off x="0" y="418440"/>
+            <a:off x="418748" y="458299"/>
             <a:ext cx="9144000" cy="769441"/>
           </a:xfrm>
           <a:prstGeom prst="rect">
@@ -15312,7 +14593,537 @@
                 <a:cs typeface="Calibri"/>
                 <a:sym typeface="Calibri"/>
               </a:rPr>
-              <a:t> Normalización MER</a:t>
+              <a:t> Gestión del proyecto</a:t>
+            </a:r>
+            <a:endParaRPr lang="es-CO" dirty="0"/>
+          </a:p>
+        </p:txBody>
+      </p:sp>
+      <p:sp>
+        <p:nvSpPr>
+          <p:cNvPr id="4" name="Google Shape;276;p15">
+            <a:extLst>
+              <a:ext uri="{FF2B5EF4-FFF2-40B4-BE49-F238E27FC236}">
+                <a16:creationId xmlns="" xmlns:a16="http://schemas.microsoft.com/office/drawing/2014/main" id="{5B376D5C-FF48-41DD-A0A8-53394A550E8D}"/>
+              </a:ext>
+            </a:extLst>
+          </p:cNvPr>
+          <p:cNvSpPr txBox="1"/>
+          <p:nvPr/>
+        </p:nvSpPr>
+        <p:spPr>
+          <a:xfrm>
+            <a:off x="1022482" y="2227217"/>
+            <a:ext cx="6870234" cy="1201783"/>
+          </a:xfrm>
+          <a:prstGeom prst="rect">
+            <a:avLst/>
+          </a:prstGeom>
+          <a:noFill/>
+          <a:ln>
+            <a:noFill/>
+          </a:ln>
+        </p:spPr>
+        <p:txBody>
+          <a:bodyPr spcFirstLastPara="1" wrap="square" lIns="91425" tIns="45700" rIns="91425" bIns="45700" anchor="ctr" anchorCtr="0">
+            <a:noAutofit/>
+          </a:bodyPr>
+          <a:lstStyle/>
+          <a:p>
+            <a:pPr marL="0" marR="0" lvl="0" indent="0" algn="just" rtl="0">
+              <a:spcBef>
+                <a:spcPts val="0"/>
+              </a:spcBef>
+              <a:spcAft>
+                <a:spcPts val="0"/>
+              </a:spcAft>
+              <a:buNone/>
+            </a:pPr>
+            <a:r>
+              <a:rPr lang="es-CO" sz="3000" dirty="0">
+                <a:solidFill>
+                  <a:schemeClr val="dk1"/>
+                </a:solidFill>
+                <a:latin typeface="Times New Roman" panose="02020603050405020304" pitchFamily="18" charset="0"/>
+                <a:ea typeface="Calibri"/>
+                <a:cs typeface="Times New Roman" panose="02020603050405020304" pitchFamily="18" charset="0"/>
+                <a:sym typeface="Calibri"/>
+              </a:rPr>
+              <a:t>Con el cronograma podemos determinar un calendario de actividades y así conocer los tiempos de cada actividad.</a:t>
+            </a:r>
+            <a:endParaRPr sz="3000" dirty="0">
+              <a:solidFill>
+                <a:schemeClr val="dk1"/>
+              </a:solidFill>
+              <a:latin typeface="Times New Roman" panose="02020603050405020304" pitchFamily="18" charset="0"/>
+              <a:ea typeface="Calibri"/>
+              <a:cs typeface="Times New Roman" panose="02020603050405020304" pitchFamily="18" charset="0"/>
+              <a:sym typeface="Calibri"/>
+            </a:endParaRPr>
+          </a:p>
+        </p:txBody>
+      </p:sp>
+      <p:pic>
+        <p:nvPicPr>
+          <p:cNvPr id="5" name="Picture 2" descr="Tareas De La Planificación Del Trabajo En Equipo, De La ...">
+            <a:extLst>
+              <a:ext uri="{FF2B5EF4-FFF2-40B4-BE49-F238E27FC236}">
+                <a16:creationId xmlns="" xmlns:a16="http://schemas.microsoft.com/office/drawing/2014/main" id="{63540C2B-2C8B-4D8B-9193-BF9D8F886424}"/>
+              </a:ext>
+            </a:extLst>
+          </p:cNvPr>
+          <p:cNvPicPr>
+            <a:picLocks noChangeAspect="1" noChangeArrowheads="1"/>
+          </p:cNvPicPr>
+          <p:nvPr/>
+        </p:nvPicPr>
+        <p:blipFill>
+          <a:blip r:embed="rId2">
+            <a:extLst>
+              <a:ext uri="{28A0092B-C50C-407E-A947-70E740481C1C}">
+                <a14:useLocalDpi xmlns:a14="http://schemas.microsoft.com/office/drawing/2010/main" val="0"/>
+              </a:ext>
+            </a:extLst>
+          </a:blip>
+          <a:srcRect/>
+          <a:stretch>
+            <a:fillRect/>
+          </a:stretch>
+        </p:blipFill>
+        <p:spPr bwMode="auto">
+          <a:xfrm>
+            <a:off x="4411983" y="3596199"/>
+            <a:ext cx="4288300" cy="2916044"/>
+          </a:xfrm>
+          <a:prstGeom prst="rect">
+            <a:avLst/>
+          </a:prstGeom>
+          <a:noFill/>
+          <a:extLst>
+            <a:ext uri="{909E8E84-426E-40DD-AFC4-6F175D3DCCD1}">
+              <a14:hiddenFill xmlns:a14="http://schemas.microsoft.com/office/drawing/2010/main">
+                <a:solidFill>
+                  <a:srgbClr val="FFFFFF"/>
+                </a:solidFill>
+              </a14:hiddenFill>
+            </a:ext>
+          </a:extLst>
+        </p:spPr>
+      </p:pic>
+      <p:sp>
+        <p:nvSpPr>
+          <p:cNvPr id="6" name="Google Shape;275;p15">
+            <a:hlinkClick r:id="rId3"/>
+            <a:extLst>
+              <a:ext uri="{FF2B5EF4-FFF2-40B4-BE49-F238E27FC236}">
+                <a16:creationId xmlns="" xmlns:a16="http://schemas.microsoft.com/office/drawing/2014/main" id="{CF0D17DD-99A5-4557-8E36-67F6E3CC1483}"/>
+              </a:ext>
+            </a:extLst>
+          </p:cNvPr>
+          <p:cNvSpPr txBox="1"/>
+          <p:nvPr/>
+        </p:nvSpPr>
+        <p:spPr>
+          <a:xfrm>
+            <a:off x="1688123" y="4521208"/>
+            <a:ext cx="2347547" cy="712177"/>
+          </a:xfrm>
+          <a:prstGeom prst="rect">
+            <a:avLst/>
+          </a:prstGeom>
+          <a:noFill/>
+          <a:ln>
+            <a:noFill/>
+          </a:ln>
+        </p:spPr>
+        <p:txBody>
+          <a:bodyPr spcFirstLastPara="1" wrap="square" lIns="91425" tIns="45700" rIns="91425" bIns="45700" anchor="ctr" anchorCtr="0">
+            <a:noAutofit/>
+          </a:bodyPr>
+          <a:lstStyle/>
+          <a:p>
+            <a:pPr marL="0" marR="0" lvl="0" indent="0" algn="l" rtl="0">
+              <a:spcBef>
+                <a:spcPts val="0"/>
+              </a:spcBef>
+              <a:spcAft>
+                <a:spcPts val="0"/>
+              </a:spcAft>
+              <a:buNone/>
+            </a:pPr>
+            <a:r>
+              <a:rPr lang="es-CO" sz="3000" b="1" u="sng" dirty="0">
+                <a:solidFill>
+                  <a:schemeClr val="dk1"/>
+                </a:solidFill>
+                <a:latin typeface="Times New Roman" panose="02020603050405020304" pitchFamily="18" charset="0"/>
+                <a:ea typeface="Calibri"/>
+                <a:cs typeface="Times New Roman" panose="02020603050405020304" pitchFamily="18" charset="0"/>
+                <a:sym typeface="Calibri"/>
+                <a:hlinkClick r:id="rId4" action="ppaction://hlinkfile"/>
+              </a:rPr>
+              <a:t>Cronograma</a:t>
+            </a:r>
+            <a:endParaRPr sz="3000" b="1" dirty="0">
+              <a:solidFill>
+                <a:schemeClr val="dk1"/>
+              </a:solidFill>
+              <a:latin typeface="Times New Roman" panose="02020603050405020304" pitchFamily="18" charset="0"/>
+              <a:ea typeface="Calibri"/>
+              <a:cs typeface="Times New Roman" panose="02020603050405020304" pitchFamily="18" charset="0"/>
+              <a:sym typeface="Calibri"/>
+            </a:endParaRPr>
+          </a:p>
+        </p:txBody>
+      </p:sp>
+    </p:spTree>
+    <p:extLst>
+      <p:ext uri="{BB962C8B-B14F-4D97-AF65-F5344CB8AC3E}">
+        <p14:creationId xmlns:p14="http://schemas.microsoft.com/office/powerpoint/2010/main" val="3576284020"/>
+      </p:ext>
+    </p:extLst>
+  </p:cSld>
+  <p:clrMapOvr>
+    <a:masterClrMapping/>
+  </p:clrMapOvr>
+</p:sld>
+</file>
+
+<file path=ppt/slides/slide2.xml><?xml version="1.0" encoding="utf-8"?>
+<p:sld xmlns:a="http://schemas.openxmlformats.org/drawingml/2006/main" xmlns:r="http://schemas.openxmlformats.org/officeDocument/2006/relationships" xmlns:p="http://schemas.openxmlformats.org/presentationml/2006/main">
+  <p:cSld>
+    <p:spTree>
+      <p:nvGrpSpPr>
+        <p:cNvPr id="1" name="Shape 138"/>
+        <p:cNvGrpSpPr/>
+        <p:nvPr/>
+      </p:nvGrpSpPr>
+      <p:grpSpPr>
+        <a:xfrm>
+          <a:off x="0" y="0"/>
+          <a:ext cx="0" cy="0"/>
+          <a:chOff x="0" y="0"/>
+          <a:chExt cx="0" cy="0"/>
+        </a:xfrm>
+      </p:grpSpPr>
+      <p:sp>
+        <p:nvSpPr>
+          <p:cNvPr id="139" name="Google Shape;139;p2"/>
+          <p:cNvSpPr txBox="1"/>
+          <p:nvPr/>
+        </p:nvSpPr>
+        <p:spPr>
+          <a:xfrm>
+            <a:off x="1795085" y="506622"/>
+            <a:ext cx="6021000" cy="887700"/>
+          </a:xfrm>
+          <a:prstGeom prst="rect">
+            <a:avLst/>
+          </a:prstGeom>
+          <a:noFill/>
+          <a:ln>
+            <a:noFill/>
+          </a:ln>
+        </p:spPr>
+        <p:txBody>
+          <a:bodyPr spcFirstLastPara="1" wrap="square" lIns="91425" tIns="45700" rIns="91425" bIns="45700" anchor="ctr" anchorCtr="0">
+            <a:noAutofit/>
+          </a:bodyPr>
+          <a:lstStyle/>
+          <a:p>
+            <a:pPr marL="0" marR="0" lvl="0" indent="0" algn="ctr" rtl="0">
+              <a:spcBef>
+                <a:spcPts val="0"/>
+              </a:spcBef>
+              <a:spcAft>
+                <a:spcPts val="0"/>
+              </a:spcAft>
+              <a:buClr>
+                <a:schemeClr val="lt1"/>
+              </a:buClr>
+              <a:buSzPts val="5400"/>
+              <a:buFont typeface="Calibri"/>
+              <a:buNone/>
+            </a:pPr>
+            <a:r>
+              <a:rPr lang="es-CO" sz="5400" b="1" i="0" u="none" strike="noStrike" cap="none">
+                <a:solidFill>
+                  <a:schemeClr val="lt1"/>
+                </a:solidFill>
+                <a:latin typeface="Calibri"/>
+                <a:ea typeface="Calibri"/>
+                <a:cs typeface="Calibri"/>
+                <a:sym typeface="Calibri"/>
+              </a:rPr>
+              <a:t>Integrantes</a:t>
+            </a:r>
+            <a:endParaRPr sz="5400" b="0" i="0" u="none" strike="noStrike" cap="none">
+              <a:solidFill>
+                <a:schemeClr val="lt1"/>
+              </a:solidFill>
+              <a:latin typeface="Calibri"/>
+              <a:ea typeface="Calibri"/>
+              <a:cs typeface="Calibri"/>
+              <a:sym typeface="Calibri"/>
+            </a:endParaRPr>
+          </a:p>
+        </p:txBody>
+      </p:sp>
+      <p:sp>
+        <p:nvSpPr>
+          <p:cNvPr id="140" name="Google Shape;140;p2"/>
+          <p:cNvSpPr/>
+          <p:nvPr/>
+        </p:nvSpPr>
+        <p:spPr>
+          <a:xfrm>
+            <a:off x="1988275" y="2471400"/>
+            <a:ext cx="5634600" cy="1532400"/>
+          </a:xfrm>
+          <a:prstGeom prst="rect">
+            <a:avLst/>
+          </a:prstGeom>
+          <a:noFill/>
+          <a:ln>
+            <a:noFill/>
+          </a:ln>
+        </p:spPr>
+        <p:txBody>
+          <a:bodyPr spcFirstLastPara="1" wrap="square" lIns="91425" tIns="45700" rIns="91425" bIns="45700" anchor="t" anchorCtr="0">
+            <a:spAutoFit/>
+          </a:bodyPr>
+          <a:lstStyle/>
+          <a:p>
+            <a:pPr marL="0" marR="0" lvl="0" indent="0" algn="ctr" rtl="0">
+              <a:spcBef>
+                <a:spcPts val="0"/>
+              </a:spcBef>
+              <a:spcAft>
+                <a:spcPts val="0"/>
+              </a:spcAft>
+              <a:buNone/>
+            </a:pPr>
+            <a:r>
+              <a:rPr lang="es-CO" sz="3600">
+                <a:solidFill>
+                  <a:schemeClr val="dk1"/>
+                </a:solidFill>
+              </a:rPr>
+              <a:t>Miguel Angel Bautista</a:t>
+            </a:r>
+            <a:endParaRPr sz="3600">
+              <a:solidFill>
+                <a:schemeClr val="dk1"/>
+              </a:solidFill>
+            </a:endParaRPr>
+          </a:p>
+          <a:p>
+            <a:pPr marL="0" marR="0" lvl="0" indent="0" algn="ctr" rtl="0">
+              <a:spcBef>
+                <a:spcPts val="0"/>
+              </a:spcBef>
+              <a:spcAft>
+                <a:spcPts val="0"/>
+              </a:spcAft>
+              <a:buNone/>
+            </a:pPr>
+            <a:r>
+              <a:rPr lang="es-CO" sz="3600">
+                <a:solidFill>
+                  <a:schemeClr val="dk1"/>
+                </a:solidFill>
+              </a:rPr>
+              <a:t>Ana María Pesca Pedraza</a:t>
+            </a:r>
+            <a:r>
+              <a:rPr lang="es-CO" sz="3600" b="0" i="0" u="none" strike="noStrike" cap="none">
+                <a:solidFill>
+                  <a:schemeClr val="dk1"/>
+                </a:solidFill>
+                <a:latin typeface="Arial"/>
+                <a:ea typeface="Arial"/>
+                <a:cs typeface="Arial"/>
+                <a:sym typeface="Arial"/>
+              </a:rPr>
+              <a:t> </a:t>
+            </a:r>
+            <a:endParaRPr/>
+          </a:p>
+          <a:p>
+            <a:pPr marL="457200" marR="0" lvl="0" indent="0" algn="l" rtl="0">
+              <a:spcBef>
+                <a:spcPts val="0"/>
+              </a:spcBef>
+              <a:spcAft>
+                <a:spcPts val="0"/>
+              </a:spcAft>
+              <a:buNone/>
+            </a:pPr>
+            <a:r>
+              <a:rPr lang="es-CO" sz="3600" b="0" i="0" u="none" strike="noStrike" cap="none">
+                <a:solidFill>
+                  <a:schemeClr val="dk1"/>
+                </a:solidFill>
+                <a:latin typeface="Arial"/>
+                <a:ea typeface="Arial"/>
+                <a:cs typeface="Arial"/>
+                <a:sym typeface="Arial"/>
+              </a:rPr>
+              <a:t> </a:t>
+            </a:r>
+            <a:endParaRPr/>
+          </a:p>
+          <a:p>
+            <a:pPr marL="0" marR="0" lvl="0" indent="0" algn="l" rtl="0">
+              <a:spcBef>
+                <a:spcPts val="0"/>
+              </a:spcBef>
+              <a:spcAft>
+                <a:spcPts val="0"/>
+              </a:spcAft>
+              <a:buNone/>
+            </a:pPr>
+            <a:endParaRPr sz="4000">
+              <a:solidFill>
+                <a:schemeClr val="dk1"/>
+              </a:solidFill>
+              <a:latin typeface="Arial"/>
+              <a:ea typeface="Arial"/>
+              <a:cs typeface="Arial"/>
+              <a:sym typeface="Arial"/>
+            </a:endParaRPr>
+          </a:p>
+          <a:p>
+            <a:pPr marL="0" marR="0" lvl="0" indent="0" algn="l" rtl="0">
+              <a:spcBef>
+                <a:spcPts val="0"/>
+              </a:spcBef>
+              <a:spcAft>
+                <a:spcPts val="0"/>
+              </a:spcAft>
+              <a:buNone/>
+            </a:pPr>
+            <a:r>
+              <a:rPr lang="es-CO" sz="4000">
+                <a:solidFill>
+                  <a:schemeClr val="dk1"/>
+                </a:solidFill>
+                <a:latin typeface="Arial"/>
+                <a:ea typeface="Arial"/>
+                <a:cs typeface="Arial"/>
+                <a:sym typeface="Arial"/>
+              </a:rPr>
+              <a:t>                  </a:t>
+            </a:r>
+            <a:endParaRPr/>
+          </a:p>
+        </p:txBody>
+      </p:sp>
+      <p:pic>
+        <p:nvPicPr>
+          <p:cNvPr id="141" name="Google Shape;141;p2"/>
+          <p:cNvPicPr preferRelativeResize="0"/>
+          <p:nvPr/>
+        </p:nvPicPr>
+        <p:blipFill>
+          <a:blip r:embed="rId3">
+            <a:alphaModFix/>
+          </a:blip>
+          <a:stretch>
+            <a:fillRect/>
+          </a:stretch>
+        </p:blipFill>
+        <p:spPr>
+          <a:xfrm>
+            <a:off x="3476838" y="4115125"/>
+            <a:ext cx="2657475" cy="2162175"/>
+          </a:xfrm>
+          <a:prstGeom prst="rect">
+            <a:avLst/>
+          </a:prstGeom>
+          <a:noFill/>
+          <a:ln>
+            <a:noFill/>
+          </a:ln>
+        </p:spPr>
+      </p:pic>
+    </p:spTree>
+  </p:cSld>
+  <p:clrMapOvr>
+    <a:masterClrMapping/>
+  </p:clrMapOvr>
+  <p:timing>
+    <p:tnLst>
+      <p:par>
+        <p:cTn id="1" dur="indefinite" restart="never" nodeType="tmRoot"/>
+      </p:par>
+    </p:tnLst>
+  </p:timing>
+</p:sld>
+</file>
+
+<file path=ppt/slides/slide20.xml><?xml version="1.0" encoding="utf-8"?>
+<p:sld xmlns:a="http://schemas.openxmlformats.org/drawingml/2006/main" xmlns:r="http://schemas.openxmlformats.org/officeDocument/2006/relationships" xmlns:p="http://schemas.openxmlformats.org/presentationml/2006/main">
+  <p:cSld>
+    <p:spTree>
+      <p:nvGrpSpPr>
+        <p:cNvPr id="1" name="Shape 300"/>
+        <p:cNvGrpSpPr/>
+        <p:nvPr/>
+      </p:nvGrpSpPr>
+      <p:grpSpPr>
+        <a:xfrm>
+          <a:off x="0" y="0"/>
+          <a:ext cx="0" cy="0"/>
+          <a:chOff x="0" y="0"/>
+          <a:chExt cx="0" cy="0"/>
+        </a:xfrm>
+      </p:grpSpPr>
+      <p:sp>
+        <p:nvSpPr>
+          <p:cNvPr id="301" name="Google Shape;301;p19"/>
+          <p:cNvSpPr/>
+          <p:nvPr/>
+        </p:nvSpPr>
+        <p:spPr>
+          <a:xfrm>
+            <a:off x="-901270" y="459342"/>
+            <a:ext cx="9144000" cy="769441"/>
+          </a:xfrm>
+          <a:prstGeom prst="rect">
+            <a:avLst/>
+          </a:prstGeom>
+          <a:noFill/>
+          <a:ln>
+            <a:noFill/>
+          </a:ln>
+        </p:spPr>
+        <p:txBody>
+          <a:bodyPr spcFirstLastPara="1" wrap="square" lIns="91425" tIns="45700" rIns="91425" bIns="45700" anchor="t" anchorCtr="0">
+            <a:spAutoFit/>
+          </a:bodyPr>
+          <a:lstStyle/>
+          <a:p>
+            <a:pPr marL="0" marR="0" lvl="0" indent="0" algn="r" rtl="0">
+              <a:spcBef>
+                <a:spcPts val="0"/>
+              </a:spcBef>
+              <a:spcAft>
+                <a:spcPts val="0"/>
+              </a:spcAft>
+              <a:buNone/>
+            </a:pPr>
+            <a:r>
+              <a:rPr lang="es-CO" sz="4400" dirty="0">
+                <a:solidFill>
+                  <a:schemeClr val="lt1"/>
+                </a:solidFill>
+                <a:latin typeface="Calibri"/>
+                <a:ea typeface="Calibri"/>
+                <a:cs typeface="Calibri"/>
+                <a:sym typeface="Calibri"/>
+              </a:rPr>
+              <a:t> Sistema de Control de versiones</a:t>
             </a:r>
             <a:endParaRPr dirty="0"/>
           </a:p>
@@ -15320,29 +15131,243 @@
       </p:sp>
       <p:pic>
         <p:nvPicPr>
-          <p:cNvPr id="2" name="Imagen 1">
-            <a:hlinkClick r:id="rId3" action="ppaction://hlinkfile"/>
+          <p:cNvPr id="303" name="Google Shape;303;p19"/>
+          <p:cNvPicPr preferRelativeResize="0"/>
+          <p:nvPr/>
+        </p:nvPicPr>
+        <p:blipFill rotWithShape="1">
+          <a:blip r:embed="rId3">
+            <a:alphaModFix/>
+          </a:blip>
+          <a:srcRect/>
+          <a:stretch/>
+        </p:blipFill>
+        <p:spPr>
+          <a:xfrm>
+            <a:off x="5257702" y="2351734"/>
+            <a:ext cx="3662203" cy="3662203"/>
+          </a:xfrm>
+          <a:prstGeom prst="rect">
+            <a:avLst/>
+          </a:prstGeom>
+          <a:noFill/>
+          <a:ln>
+            <a:noFill/>
+          </a:ln>
+        </p:spPr>
+      </p:pic>
+      <p:sp>
+        <p:nvSpPr>
+          <p:cNvPr id="304" name="Google Shape;304;p19"/>
+          <p:cNvSpPr txBox="1"/>
+          <p:nvPr/>
+        </p:nvSpPr>
+        <p:spPr>
+          <a:xfrm>
+            <a:off x="1148371" y="2762110"/>
+            <a:ext cx="3338285" cy="2278743"/>
+          </a:xfrm>
+          <a:prstGeom prst="rect">
+            <a:avLst/>
+          </a:prstGeom>
+          <a:noFill/>
+          <a:ln>
+            <a:noFill/>
+          </a:ln>
+        </p:spPr>
+        <p:txBody>
+          <a:bodyPr spcFirstLastPara="1" wrap="square" lIns="91425" tIns="45700" rIns="91425" bIns="45700" anchor="ctr" anchorCtr="0">
+            <a:noAutofit/>
+          </a:bodyPr>
+          <a:lstStyle/>
+          <a:p>
+            <a:pPr marL="0" marR="0" lvl="0" indent="0" algn="ctr" rtl="0">
+              <a:spcBef>
+                <a:spcPts val="0"/>
+              </a:spcBef>
+              <a:spcAft>
+                <a:spcPts val="0"/>
+              </a:spcAft>
+              <a:buNone/>
+            </a:pPr>
+            <a:r>
+              <a:rPr lang="es-CO" sz="2400" b="1" dirty="0">
+                <a:solidFill>
+                  <a:schemeClr val="dk1"/>
+                </a:solidFill>
+                <a:latin typeface="Calibri"/>
+                <a:ea typeface="Calibri"/>
+                <a:cs typeface="Calibri"/>
+                <a:sym typeface="Calibri"/>
+              </a:rPr>
+              <a:t>Un sistema para controlar y almacenar archivos y sus diferentes versiones de modificación.</a:t>
+            </a:r>
+            <a:endParaRPr dirty="0"/>
+          </a:p>
+        </p:txBody>
+      </p:sp>
+      <p:sp>
+        <p:nvSpPr>
+          <p:cNvPr id="2" name="Rectángulo 1">
             <a:extLst>
               <a:ext uri="{FF2B5EF4-FFF2-40B4-BE49-F238E27FC236}">
-                <a16:creationId xmlns:a16="http://schemas.microsoft.com/office/drawing/2014/main" xmlns="" id="{7AAE4CC5-587F-457A-90DB-4F863FF2413F}"/>
+                <a16:creationId xmlns="" xmlns:a16="http://schemas.microsoft.com/office/drawing/2014/main" id="{945477C0-F7CF-4427-81CB-CDD601B86DD9}"/>
               </a:ext>
             </a:extLst>
           </p:cNvPr>
+          <p:cNvSpPr/>
+          <p:nvPr/>
+        </p:nvSpPr>
+        <p:spPr>
+          <a:xfrm>
+            <a:off x="224095" y="5332474"/>
+            <a:ext cx="4955203" cy="400110"/>
+          </a:xfrm>
+          <a:prstGeom prst="rect">
+            <a:avLst/>
+          </a:prstGeom>
+        </p:spPr>
+        <p:txBody>
+          <a:bodyPr wrap="none">
+            <a:spAutoFit/>
+          </a:bodyPr>
+          <a:lstStyle/>
+          <a:p>
+            <a:r>
+              <a:rPr lang="es-CO" sz="2000" dirty="0">
+                <a:hlinkClick r:id="rId4"/>
+              </a:rPr>
+              <a:t>https://github.com/Miguel010293/Quickgift</a:t>
+            </a:r>
+            <a:endParaRPr lang="es-CO" sz="2000" dirty="0"/>
+          </a:p>
+        </p:txBody>
+      </p:sp>
+    </p:spTree>
+  </p:cSld>
+  <p:clrMapOvr>
+    <a:masterClrMapping/>
+  </p:clrMapOvr>
+</p:sld>
+</file>
+
+<file path=ppt/slides/slide21.xml><?xml version="1.0" encoding="utf-8"?>
+<p:sld xmlns:a="http://schemas.openxmlformats.org/drawingml/2006/main" xmlns:r="http://schemas.openxmlformats.org/officeDocument/2006/relationships" xmlns:p="http://schemas.openxmlformats.org/presentationml/2006/main">
+  <p:cSld>
+    <p:spTree>
+      <p:nvGrpSpPr>
+        <p:cNvPr id="1" name=""/>
+        <p:cNvGrpSpPr/>
+        <p:nvPr/>
+      </p:nvGrpSpPr>
+      <p:grpSpPr>
+        <a:xfrm>
+          <a:off x="0" y="0"/>
+          <a:ext cx="0" cy="0"/>
+          <a:chOff x="0" y="0"/>
+          <a:chExt cx="0" cy="0"/>
+        </a:xfrm>
+      </p:grpSpPr>
+      <p:sp>
+        <p:nvSpPr>
+          <p:cNvPr id="2" name="Google Shape;301;p19">
+            <a:extLst>
+              <a:ext uri="{FF2B5EF4-FFF2-40B4-BE49-F238E27FC236}">
+                <a16:creationId xmlns="" xmlns:a16="http://schemas.microsoft.com/office/drawing/2014/main" id="{3FED4C02-61DE-4F9F-94DD-0F6AF5D2E7BF}"/>
+              </a:ext>
+            </a:extLst>
+          </p:cNvPr>
+          <p:cNvSpPr/>
+          <p:nvPr/>
+        </p:nvSpPr>
+        <p:spPr>
+          <a:xfrm>
+            <a:off x="-126609" y="209980"/>
+            <a:ext cx="9144000" cy="1938952"/>
+          </a:xfrm>
+          <a:prstGeom prst="rect">
+            <a:avLst/>
+          </a:prstGeom>
+          <a:noFill/>
+          <a:ln>
+            <a:noFill/>
+          </a:ln>
+        </p:spPr>
+        <p:txBody>
+          <a:bodyPr spcFirstLastPara="1" wrap="square" lIns="91425" tIns="45700" rIns="91425" bIns="45700" anchor="t" anchorCtr="0">
+            <a:spAutoFit/>
+          </a:bodyPr>
+          <a:lstStyle/>
+          <a:p>
+            <a:pPr algn="ctr"/>
+            <a:r>
+              <a:rPr lang="es-CO" sz="4000" dirty="0">
+                <a:solidFill>
+                  <a:schemeClr val="lt1"/>
+                </a:solidFill>
+                <a:latin typeface="Calibri"/>
+                <a:cs typeface="Calibri"/>
+              </a:rPr>
+              <a:t>Diagrama de distribución </a:t>
+            </a:r>
+          </a:p>
+          <a:p>
+            <a:pPr algn="ctr"/>
+            <a:r>
+              <a:rPr lang="es-CO" sz="4000" dirty="0">
+                <a:solidFill>
+                  <a:schemeClr val="lt1"/>
+                </a:solidFill>
+                <a:latin typeface="Calibri"/>
+                <a:cs typeface="Calibri"/>
+              </a:rPr>
+              <a:t>(UML)</a:t>
+            </a:r>
+          </a:p>
+          <a:p>
+            <a:pPr marL="0" marR="0" lvl="0" indent="0" algn="ctr" rtl="0">
+              <a:spcBef>
+                <a:spcPts val="0"/>
+              </a:spcBef>
+              <a:spcAft>
+                <a:spcPts val="0"/>
+              </a:spcAft>
+              <a:buNone/>
+            </a:pPr>
+            <a:endParaRPr sz="4000" dirty="0">
+              <a:solidFill>
+                <a:schemeClr val="lt1"/>
+              </a:solidFill>
+              <a:latin typeface="Calibri"/>
+              <a:cs typeface="Calibri"/>
+            </a:endParaRPr>
+          </a:p>
+        </p:txBody>
+      </p:sp>
+      <p:pic>
+        <p:nvPicPr>
+          <p:cNvPr id="4" name="Imagen 3"/>
           <p:cNvPicPr>
             <a:picLocks noChangeAspect="1"/>
           </p:cNvPicPr>
           <p:nvPr/>
         </p:nvPicPr>
         <p:blipFill>
-          <a:blip r:embed="rId4"/>
+          <a:blip r:embed="rId2">
+            <a:extLst>
+              <a:ext uri="{28A0092B-C50C-407E-A947-70E740481C1C}">
+                <a14:useLocalDpi xmlns:a14="http://schemas.microsoft.com/office/drawing/2010/main" val="0"/>
+              </a:ext>
+            </a:extLst>
+          </a:blip>
           <a:stretch>
             <a:fillRect/>
           </a:stretch>
         </p:blipFill>
         <p:spPr>
           <a:xfrm>
-            <a:off x="2263873" y="1631192"/>
-            <a:ext cx="5010150" cy="5114925"/>
+            <a:off x="516328" y="2649779"/>
+            <a:ext cx="8713397" cy="3465271"/>
           </a:xfrm>
           <a:prstGeom prst="rect">
             <a:avLst/>
@@ -15350,6 +15375,11 @@
         </p:spPr>
       </p:pic>
     </p:spTree>
+    <p:extLst>
+      <p:ext uri="{BB962C8B-B14F-4D97-AF65-F5344CB8AC3E}">
+        <p14:creationId xmlns:p14="http://schemas.microsoft.com/office/powerpoint/2010/main" val="162204681"/>
+      </p:ext>
+    </p:extLst>
   </p:cSld>
   <p:clrMapOvr>
     <a:masterClrMapping/>
@@ -15379,7 +15409,7 @@
           <p:cNvPr id="3" name="Google Shape;301;p19">
             <a:extLst>
               <a:ext uri="{FF2B5EF4-FFF2-40B4-BE49-F238E27FC236}">
-                <a16:creationId xmlns:a16="http://schemas.microsoft.com/office/drawing/2014/main" xmlns="" id="{07C25429-B0E0-45FD-9111-CF1EF789F2BB}"/>
+                <a16:creationId xmlns="" xmlns:a16="http://schemas.microsoft.com/office/drawing/2014/main" id="{07C25429-B0E0-45FD-9111-CF1EF789F2BB}"/>
               </a:ext>
             </a:extLst>
           </p:cNvPr>
@@ -15442,7 +15472,7 @@
           <p:cNvPr id="7" name="Imagen 6" descr="Imagen que contiene texto, mapa, firmar, pantalla&#10;&#10;Descripción generada automáticamente">
             <a:extLst>
               <a:ext uri="{FF2B5EF4-FFF2-40B4-BE49-F238E27FC236}">
-                <a16:creationId xmlns:a16="http://schemas.microsoft.com/office/drawing/2014/main" xmlns="" id="{518FD45F-8C81-4609-AE74-7F9639C87971}"/>
+                <a16:creationId xmlns="" xmlns:a16="http://schemas.microsoft.com/office/drawing/2014/main" id="{518FD45F-8C81-4609-AE74-7F9639C87971}"/>
               </a:ext>
             </a:extLst>
           </p:cNvPr>
@@ -15481,6 +15511,112 @@
 </file>
 
 <file path=ppt/slides/slide23.xml><?xml version="1.0" encoding="utf-8"?>
+<p:sld xmlns:a="http://schemas.openxmlformats.org/drawingml/2006/main" xmlns:r="http://schemas.openxmlformats.org/officeDocument/2006/relationships" xmlns:p="http://schemas.openxmlformats.org/presentationml/2006/main">
+  <p:cSld>
+    <p:spTree>
+      <p:nvGrpSpPr>
+        <p:cNvPr id="1" name="Shape 294"/>
+        <p:cNvGrpSpPr/>
+        <p:nvPr/>
+      </p:nvGrpSpPr>
+      <p:grpSpPr>
+        <a:xfrm>
+          <a:off x="0" y="0"/>
+          <a:ext cx="0" cy="0"/>
+          <a:chOff x="0" y="0"/>
+          <a:chExt cx="0" cy="0"/>
+        </a:xfrm>
+      </p:grpSpPr>
+      <p:sp>
+        <p:nvSpPr>
+          <p:cNvPr id="295" name="Google Shape;295;p18"/>
+          <p:cNvSpPr/>
+          <p:nvPr/>
+        </p:nvSpPr>
+        <p:spPr>
+          <a:xfrm>
+            <a:off x="0" y="418440"/>
+            <a:ext cx="9144000" cy="769441"/>
+          </a:xfrm>
+          <a:prstGeom prst="rect">
+            <a:avLst/>
+          </a:prstGeom>
+          <a:noFill/>
+          <a:ln>
+            <a:noFill/>
+          </a:ln>
+        </p:spPr>
+        <p:txBody>
+          <a:bodyPr spcFirstLastPara="1" wrap="square" lIns="91425" tIns="45700" rIns="91425" bIns="45700" anchor="t" anchorCtr="0">
+            <a:spAutoFit/>
+          </a:bodyPr>
+          <a:lstStyle/>
+          <a:p>
+            <a:pPr marL="0" marR="0" lvl="0" indent="0" algn="ctr" rtl="0">
+              <a:spcBef>
+                <a:spcPts val="0"/>
+              </a:spcBef>
+              <a:spcAft>
+                <a:spcPts val="0"/>
+              </a:spcAft>
+              <a:buNone/>
+            </a:pPr>
+            <a:r>
+              <a:rPr lang="es-CO" sz="4400" dirty="0">
+                <a:solidFill>
+                  <a:schemeClr val="lt1"/>
+                </a:solidFill>
+                <a:latin typeface="Calibri"/>
+                <a:ea typeface="Calibri"/>
+                <a:cs typeface="Calibri"/>
+                <a:sym typeface="Calibri"/>
+              </a:rPr>
+              <a:t> Normalización MER</a:t>
+            </a:r>
+            <a:endParaRPr dirty="0"/>
+          </a:p>
+        </p:txBody>
+      </p:sp>
+      <p:pic>
+        <p:nvPicPr>
+          <p:cNvPr id="2" name="Imagen 1">
+            <a:hlinkClick r:id="rId3" action="ppaction://hlinkfile"/>
+            <a:extLst>
+              <a:ext uri="{FF2B5EF4-FFF2-40B4-BE49-F238E27FC236}">
+                <a16:creationId xmlns="" xmlns:a16="http://schemas.microsoft.com/office/drawing/2014/main" id="{7AAE4CC5-587F-457A-90DB-4F863FF2413F}"/>
+              </a:ext>
+            </a:extLst>
+          </p:cNvPr>
+          <p:cNvPicPr>
+            <a:picLocks noChangeAspect="1"/>
+          </p:cNvPicPr>
+          <p:nvPr/>
+        </p:nvPicPr>
+        <p:blipFill>
+          <a:blip r:embed="rId4"/>
+          <a:stretch>
+            <a:fillRect/>
+          </a:stretch>
+        </p:blipFill>
+        <p:spPr>
+          <a:xfrm>
+            <a:off x="2263873" y="1631192"/>
+            <a:ext cx="5010150" cy="5114925"/>
+          </a:xfrm>
+          <a:prstGeom prst="rect">
+            <a:avLst/>
+          </a:prstGeom>
+        </p:spPr>
+      </p:pic>
+    </p:spTree>
+  </p:cSld>
+  <p:clrMapOvr>
+    <a:masterClrMapping/>
+  </p:clrMapOvr>
+</p:sld>
+</file>
+
+<file path=ppt/slides/slide24.xml><?xml version="1.0" encoding="utf-8"?>
 <p:sld xmlns:a="http://schemas.openxmlformats.org/drawingml/2006/main" xmlns:r="http://schemas.openxmlformats.org/officeDocument/2006/relationships" xmlns:p="http://schemas.openxmlformats.org/presentationml/2006/main">
   <p:cSld>
     <p:spTree>
@@ -15651,7 +15787,7 @@
           <p:cNvPr id="10" name="Google Shape;301;p19">
             <a:extLst>
               <a:ext uri="{FF2B5EF4-FFF2-40B4-BE49-F238E27FC236}">
-                <a16:creationId xmlns:a16="http://schemas.microsoft.com/office/drawing/2014/main" xmlns="" id="{85A0AAD9-674A-429D-857B-225C345815AE}"/>
+                <a16:creationId xmlns="" xmlns:a16="http://schemas.microsoft.com/office/drawing/2014/main" id="{85A0AAD9-674A-429D-857B-225C345815AE}"/>
               </a:ext>
             </a:extLst>
           </p:cNvPr>
@@ -15747,7 +15883,7 @@
           <p:cNvPr id="6" name="Google Shape;240;p11">
             <a:extLst>
               <a:ext uri="{FF2B5EF4-FFF2-40B4-BE49-F238E27FC236}">
-                <a16:creationId xmlns:a16="http://schemas.microsoft.com/office/drawing/2014/main" xmlns="" id="{C60272C8-7E00-428B-A450-A1A749ED198D}"/>
+                <a16:creationId xmlns="" xmlns:a16="http://schemas.microsoft.com/office/drawing/2014/main" id="{C60272C8-7E00-428B-A450-A1A749ED198D}"/>
               </a:ext>
             </a:extLst>
           </p:cNvPr>
@@ -15794,7 +15930,7 @@
           <p:cNvPr id="2" name="Imagen 1">
             <a:extLst>
               <a:ext uri="{FF2B5EF4-FFF2-40B4-BE49-F238E27FC236}">
-                <a16:creationId xmlns:a16="http://schemas.microsoft.com/office/drawing/2014/main" xmlns="" id="{559731CF-29F4-40C9-ACFD-D11C7DA121B9}"/>
+                <a16:creationId xmlns="" xmlns:a16="http://schemas.microsoft.com/office/drawing/2014/main" id="{559731CF-29F4-40C9-ACFD-D11C7DA121B9}"/>
               </a:ext>
             </a:extLst>
           </p:cNvPr>
@@ -15820,143 +15956,6 @@
         </p:spPr>
       </p:pic>
     </p:spTree>
-  </p:cSld>
-  <p:clrMapOvr>
-    <a:masterClrMapping/>
-  </p:clrMapOvr>
-</p:sld>
-</file>
-
-<file path=ppt/slides/slide24.xml><?xml version="1.0" encoding="utf-8"?>
-<p:sld xmlns:a="http://schemas.openxmlformats.org/drawingml/2006/main" xmlns:r="http://schemas.openxmlformats.org/officeDocument/2006/relationships" xmlns:p="http://schemas.openxmlformats.org/presentationml/2006/main">
-  <p:cSld>
-    <p:spTree>
-      <p:nvGrpSpPr>
-        <p:cNvPr id="1" name=""/>
-        <p:cNvGrpSpPr/>
-        <p:nvPr/>
-      </p:nvGrpSpPr>
-      <p:grpSpPr>
-        <a:xfrm>
-          <a:off x="0" y="0"/>
-          <a:ext cx="0" cy="0"/>
-          <a:chOff x="0" y="0"/>
-          <a:chExt cx="0" cy="0"/>
-        </a:xfrm>
-      </p:grpSpPr>
-      <p:sp>
-        <p:nvSpPr>
-          <p:cNvPr id="2" name="Google Shape;301;p19">
-            <a:extLst>
-              <a:ext uri="{FF2B5EF4-FFF2-40B4-BE49-F238E27FC236}">
-                <a16:creationId xmlns:a16="http://schemas.microsoft.com/office/drawing/2014/main" xmlns="" id="{3FED4C02-61DE-4F9F-94DD-0F6AF5D2E7BF}"/>
-              </a:ext>
-            </a:extLst>
-          </p:cNvPr>
-          <p:cNvSpPr/>
-          <p:nvPr/>
-        </p:nvSpPr>
-        <p:spPr>
-          <a:xfrm>
-            <a:off x="-126609" y="209980"/>
-            <a:ext cx="9144000" cy="1938952"/>
-          </a:xfrm>
-          <a:prstGeom prst="rect">
-            <a:avLst/>
-          </a:prstGeom>
-          <a:noFill/>
-          <a:ln>
-            <a:noFill/>
-          </a:ln>
-        </p:spPr>
-        <p:txBody>
-          <a:bodyPr spcFirstLastPara="1" wrap="square" lIns="91425" tIns="45700" rIns="91425" bIns="45700" anchor="t" anchorCtr="0">
-            <a:spAutoFit/>
-          </a:bodyPr>
-          <a:lstStyle/>
-          <a:p>
-            <a:pPr algn="ctr"/>
-            <a:r>
-              <a:rPr lang="es-CO" sz="4000" dirty="0">
-                <a:solidFill>
-                  <a:schemeClr val="lt1"/>
-                </a:solidFill>
-                <a:latin typeface="Calibri"/>
-                <a:cs typeface="Calibri"/>
-              </a:rPr>
-              <a:t>Diagrama de distribución </a:t>
-            </a:r>
-          </a:p>
-          <a:p>
-            <a:pPr algn="ctr"/>
-            <a:r>
-              <a:rPr lang="es-CO" sz="4000" dirty="0">
-                <a:solidFill>
-                  <a:schemeClr val="lt1"/>
-                </a:solidFill>
-                <a:latin typeface="Calibri"/>
-                <a:cs typeface="Calibri"/>
-              </a:rPr>
-              <a:t>(UML)</a:t>
-            </a:r>
-          </a:p>
-          <a:p>
-            <a:pPr marL="0" marR="0" lvl="0" indent="0" algn="ctr" rtl="0">
-              <a:spcBef>
-                <a:spcPts val="0"/>
-              </a:spcBef>
-              <a:spcAft>
-                <a:spcPts val="0"/>
-              </a:spcAft>
-              <a:buNone/>
-            </a:pPr>
-            <a:endParaRPr sz="4000" dirty="0">
-              <a:solidFill>
-                <a:schemeClr val="lt1"/>
-              </a:solidFill>
-              <a:latin typeface="Calibri"/>
-              <a:cs typeface="Calibri"/>
-            </a:endParaRPr>
-          </a:p>
-        </p:txBody>
-      </p:sp>
-      <p:pic>
-        <p:nvPicPr>
-          <p:cNvPr id="3" name="Imagen 2">
-            <a:hlinkClick r:id="rId2" action="ppaction://hlinkfile"/>
-            <a:extLst>
-              <a:ext uri="{FF2B5EF4-FFF2-40B4-BE49-F238E27FC236}">
-                <a16:creationId xmlns:a16="http://schemas.microsoft.com/office/drawing/2014/main" xmlns="" id="{A5236D1D-0CEC-40A8-9152-D9F2A135E33C}"/>
-              </a:ext>
-            </a:extLst>
-          </p:cNvPr>
-          <p:cNvPicPr>
-            <a:picLocks noChangeAspect="1"/>
-          </p:cNvPicPr>
-          <p:nvPr/>
-        </p:nvPicPr>
-        <p:blipFill>
-          <a:blip r:embed="rId3"/>
-          <a:stretch>
-            <a:fillRect/>
-          </a:stretch>
-        </p:blipFill>
-        <p:spPr>
-          <a:xfrm>
-            <a:off x="436098" y="2771619"/>
-            <a:ext cx="8482818" cy="2524583"/>
-          </a:xfrm>
-          <a:prstGeom prst="rect">
-            <a:avLst/>
-          </a:prstGeom>
-        </p:spPr>
-      </p:pic>
-    </p:spTree>
-    <p:extLst>
-      <p:ext uri="{BB962C8B-B14F-4D97-AF65-F5344CB8AC3E}">
-        <p14:creationId xmlns:p14="http://schemas.microsoft.com/office/powerpoint/2010/main" val="162204681"/>
-      </p:ext>
-    </p:extLst>
   </p:cSld>
   <p:clrMapOvr>
     <a:masterClrMapping/>
@@ -15986,7 +15985,7 @@
           <p:cNvPr id="2" name="Google Shape;301;p19">
             <a:extLst>
               <a:ext uri="{FF2B5EF4-FFF2-40B4-BE49-F238E27FC236}">
-                <a16:creationId xmlns:a16="http://schemas.microsoft.com/office/drawing/2014/main" xmlns="" id="{BC0DD5E3-4FC9-4392-ADE4-BBCA125527BC}"/>
+                <a16:creationId xmlns="" xmlns:a16="http://schemas.microsoft.com/office/drawing/2014/main" id="{BC0DD5E3-4FC9-4392-ADE4-BBCA125527BC}"/>
               </a:ext>
             </a:extLst>
           </p:cNvPr>
@@ -16050,7 +16049,7 @@
             <a:hlinkClick r:id="rId2" action="ppaction://hlinkfile"/>
             <a:extLst>
               <a:ext uri="{FF2B5EF4-FFF2-40B4-BE49-F238E27FC236}">
-                <a16:creationId xmlns:a16="http://schemas.microsoft.com/office/drawing/2014/main" xmlns="" id="{BADA6DF1-5BC8-44A4-A8E8-5DB3266EA975}"/>
+                <a16:creationId xmlns="" xmlns:a16="http://schemas.microsoft.com/office/drawing/2014/main" id="{BADA6DF1-5BC8-44A4-A8E8-5DB3266EA975}"/>
               </a:ext>
             </a:extLst>
           </p:cNvPr>
@@ -16109,7 +16108,7 @@
           <p:cNvPr id="2" name="Google Shape;301;p19">
             <a:extLst>
               <a:ext uri="{FF2B5EF4-FFF2-40B4-BE49-F238E27FC236}">
-                <a16:creationId xmlns:a16="http://schemas.microsoft.com/office/drawing/2014/main" xmlns="" id="{94AA6C33-C2F6-4658-9DB6-D1AFF50223D7}"/>
+                <a16:creationId xmlns="" xmlns:a16="http://schemas.microsoft.com/office/drawing/2014/main" id="{94AA6C33-C2F6-4658-9DB6-D1AFF50223D7}"/>
               </a:ext>
             </a:extLst>
           </p:cNvPr>
@@ -16186,7 +16185,7 @@
             <a:hlinkClick r:id="rId2" action="ppaction://hlinkfile"/>
             <a:extLst>
               <a:ext uri="{FF2B5EF4-FFF2-40B4-BE49-F238E27FC236}">
-                <a16:creationId xmlns:a16="http://schemas.microsoft.com/office/drawing/2014/main" xmlns="" id="{0FC15038-BA2F-4951-B4EA-6DE70AC43AF6}"/>
+                <a16:creationId xmlns="" xmlns:a16="http://schemas.microsoft.com/office/drawing/2014/main" id="{0FC15038-BA2F-4951-B4EA-6DE70AC43AF6}"/>
               </a:ext>
             </a:extLst>
           </p:cNvPr>
@@ -16246,7 +16245,7 @@
           <p:cNvPr id="2" name="Google Shape;301;p19">
             <a:extLst>
               <a:ext uri="{FF2B5EF4-FFF2-40B4-BE49-F238E27FC236}">
-                <a16:creationId xmlns:a16="http://schemas.microsoft.com/office/drawing/2014/main" xmlns="" id="{E522214F-E47E-4B62-800C-5EAF90E697CD}"/>
+                <a16:creationId xmlns="" xmlns:a16="http://schemas.microsoft.com/office/drawing/2014/main" id="{E522214F-E47E-4B62-800C-5EAF90E697CD}"/>
               </a:ext>
             </a:extLst>
           </p:cNvPr>
@@ -16322,7 +16321,7 @@
           <p:cNvPr id="3" name="Imagen 2">
             <a:extLst>
               <a:ext uri="{FF2B5EF4-FFF2-40B4-BE49-F238E27FC236}">
-                <a16:creationId xmlns:a16="http://schemas.microsoft.com/office/drawing/2014/main" xmlns="" id="{4D2B85AD-3AD7-4D9E-AEB1-8BB153F041F7}"/>
+                <a16:creationId xmlns="" xmlns:a16="http://schemas.microsoft.com/office/drawing/2014/main" id="{4D2B85AD-3AD7-4D9E-AEB1-8BB153F041F7}"/>
               </a:ext>
             </a:extLst>
           </p:cNvPr>
@@ -16382,7 +16381,7 @@
           <p:cNvPr id="4" name="Google Shape;301;p19">
             <a:extLst>
               <a:ext uri="{FF2B5EF4-FFF2-40B4-BE49-F238E27FC236}">
-                <a16:creationId xmlns:a16="http://schemas.microsoft.com/office/drawing/2014/main" xmlns="" id="{F08688CE-7072-4646-B0B7-BE5849D42FF5}"/>
+                <a16:creationId xmlns="" xmlns:a16="http://schemas.microsoft.com/office/drawing/2014/main" id="{F08688CE-7072-4646-B0B7-BE5849D42FF5}"/>
               </a:ext>
             </a:extLst>
           </p:cNvPr>
@@ -16507,7 +16506,7 @@
           <p:cNvPr id="2" name="Google Shape;301;p19">
             <a:extLst>
               <a:ext uri="{FF2B5EF4-FFF2-40B4-BE49-F238E27FC236}">
-                <a16:creationId xmlns:a16="http://schemas.microsoft.com/office/drawing/2014/main" xmlns="" id="{A55BF71A-6275-44E3-8979-459764B4C0E9}"/>
+                <a16:creationId xmlns="" xmlns:a16="http://schemas.microsoft.com/office/drawing/2014/main" id="{A55BF71A-6275-44E3-8979-459764B4C0E9}"/>
               </a:ext>
             </a:extLst>
           </p:cNvPr>
@@ -16587,7 +16586,7 @@
           <p:cNvPr id="3" name="Imagen 2">
             <a:extLst>
               <a:ext uri="{FF2B5EF4-FFF2-40B4-BE49-F238E27FC236}">
-                <a16:creationId xmlns:a16="http://schemas.microsoft.com/office/drawing/2014/main" xmlns="" id="{8907F45D-F0EB-4C72-A20F-15D830C6120A}"/>
+                <a16:creationId xmlns="" xmlns:a16="http://schemas.microsoft.com/office/drawing/2014/main" id="{8907F45D-F0EB-4C72-A20F-15D830C6120A}"/>
               </a:ext>
             </a:extLst>
           </p:cNvPr>
@@ -16617,7 +16616,7 @@
           <p:cNvPr id="4" name="Rectángulo 3">
             <a:extLst>
               <a:ext uri="{FF2B5EF4-FFF2-40B4-BE49-F238E27FC236}">
-                <a16:creationId xmlns:a16="http://schemas.microsoft.com/office/drawing/2014/main" xmlns="" id="{0B4F2E8C-C40B-40AD-99DC-991A85681726}"/>
+                <a16:creationId xmlns="" xmlns:a16="http://schemas.microsoft.com/office/drawing/2014/main" id="{0B4F2E8C-C40B-40AD-99DC-991A85681726}"/>
               </a:ext>
             </a:extLst>
           </p:cNvPr>

--- a/Documentacion/Presentacion/Proyecto Quickgift 4Trim.pptx
+++ b/Documentacion/Presentacion/Proyecto Quickgift 4Trim.pptx
@@ -5,39 +5,42 @@
     <p:sldMasterId id="2147483648" r:id="rId1"/>
   </p:sldMasterIdLst>
   <p:notesMasterIdLst>
-    <p:notesMasterId r:id="rId32"/>
+    <p:notesMasterId r:id="rId35"/>
   </p:notesMasterIdLst>
   <p:sldIdLst>
     <p:sldId id="256" r:id="rId2"/>
     <p:sldId id="257" r:id="rId3"/>
-    <p:sldId id="258" r:id="rId4"/>
-    <p:sldId id="259" r:id="rId5"/>
-    <p:sldId id="260" r:id="rId6"/>
-    <p:sldId id="263" r:id="rId7"/>
-    <p:sldId id="261" r:id="rId8"/>
-    <p:sldId id="262" r:id="rId9"/>
-    <p:sldId id="264" r:id="rId10"/>
-    <p:sldId id="267" r:id="rId11"/>
-    <p:sldId id="280" r:id="rId12"/>
-    <p:sldId id="266" r:id="rId13"/>
-    <p:sldId id="273" r:id="rId14"/>
-    <p:sldId id="271" r:id="rId15"/>
-    <p:sldId id="275" r:id="rId16"/>
-    <p:sldId id="283" r:id="rId17"/>
-    <p:sldId id="289" r:id="rId18"/>
-    <p:sldId id="274" r:id="rId19"/>
-    <p:sldId id="282" r:id="rId20"/>
-    <p:sldId id="278" r:id="rId21"/>
-    <p:sldId id="285" r:id="rId22"/>
-    <p:sldId id="284" r:id="rId23"/>
-    <p:sldId id="277" r:id="rId24"/>
+    <p:sldId id="295" r:id="rId4"/>
+    <p:sldId id="296" r:id="rId5"/>
+    <p:sldId id="259" r:id="rId6"/>
+    <p:sldId id="260" r:id="rId7"/>
+    <p:sldId id="263" r:id="rId8"/>
+    <p:sldId id="261" r:id="rId9"/>
+    <p:sldId id="262" r:id="rId10"/>
+    <p:sldId id="264" r:id="rId11"/>
+    <p:sldId id="267" r:id="rId12"/>
+    <p:sldId id="280" r:id="rId13"/>
+    <p:sldId id="266" r:id="rId14"/>
+    <p:sldId id="273" r:id="rId15"/>
+    <p:sldId id="271" r:id="rId16"/>
+    <p:sldId id="275" r:id="rId17"/>
+    <p:sldId id="283" r:id="rId18"/>
+    <p:sldId id="289" r:id="rId19"/>
+    <p:sldId id="274" r:id="rId20"/>
+    <p:sldId id="293" r:id="rId21"/>
+    <p:sldId id="282" r:id="rId22"/>
+    <p:sldId id="285" r:id="rId23"/>
+    <p:sldId id="284" r:id="rId24"/>
     <p:sldId id="270" r:id="rId25"/>
-    <p:sldId id="290" r:id="rId26"/>
-    <p:sldId id="286" r:id="rId27"/>
-    <p:sldId id="291" r:id="rId28"/>
-    <p:sldId id="281" r:id="rId29"/>
-    <p:sldId id="292" r:id="rId30"/>
-    <p:sldId id="279" r:id="rId31"/>
+    <p:sldId id="277" r:id="rId26"/>
+    <p:sldId id="294" r:id="rId27"/>
+    <p:sldId id="278" r:id="rId28"/>
+    <p:sldId id="290" r:id="rId29"/>
+    <p:sldId id="286" r:id="rId30"/>
+    <p:sldId id="291" r:id="rId31"/>
+    <p:sldId id="281" r:id="rId32"/>
+    <p:sldId id="292" r:id="rId33"/>
+    <p:sldId id="279" r:id="rId34"/>
   </p:sldIdLst>
   <p:sldSz cx="9144000" cy="6858000" type="screen4x3"/>
   <p:notesSz cx="6858000" cy="9144000"/>
@@ -300,7 +303,7 @@
       </p15:notesGuideLst>
     </p:ext>
     <p:ext uri="http://customooxmlschemas.google.com/">
-      <go:slidesCustomData xmlns:go="http://customooxmlschemas.google.com/" xmlns:p15="http://schemas.microsoft.com/office/powerpoint/2012/main" xmlns:p14="http://schemas.microsoft.com/office/powerpoint/2010/main" xmlns:com="http://schemas.openxmlformats.org/drawingml/2006/compatibility" xmlns:pvml="urn:schemas-microsoft-com:office:powerpoint" xmlns:v="urn:schemas-microsoft-com:vml" xmlns:o="urn:schemas-microsoft-com:office:office" xmlns:dgm="http://schemas.openxmlformats.org/drawingml/2006/diagram" xmlns:c="http://schemas.openxmlformats.org/drawingml/2006/chart" xmlns:mv="urn:schemas-microsoft-com:mac:vml" xmlns:mc="http://schemas.openxmlformats.org/markup-compatibility/2006" xmlns="" r:id="rId35" roundtripDataSignature="AMtx7miSNXYSRgmSWm+S1qHCn9iJbBHPKA=="/>
+      <go:slidesCustomData xmlns="" xmlns:mc="http://schemas.openxmlformats.org/markup-compatibility/2006" xmlns:mv="urn:schemas-microsoft-com:mac:vml" xmlns:c="http://schemas.openxmlformats.org/drawingml/2006/chart" xmlns:dgm="http://schemas.openxmlformats.org/drawingml/2006/diagram" xmlns:o="urn:schemas-microsoft-com:office:office" xmlns:v="urn:schemas-microsoft-com:vml" xmlns:pvml="urn:schemas-microsoft-com:office:powerpoint" xmlns:com="http://schemas.openxmlformats.org/drawingml/2006/compatibility" xmlns:p14="http://schemas.microsoft.com/office/powerpoint/2010/main" xmlns:p15="http://schemas.microsoft.com/office/powerpoint/2012/main" xmlns:go="http://customooxmlschemas.google.com/" r:id="rId36" roundtripDataSignature="AMtx7miSNXYSRgmSWm+S1qHCn9iJbBHPKA=="/>
     </p:ext>
   </p:extLst>
 </p:presentation>
@@ -315,7 +318,7 @@
       </p:ext>
     </p:extLst>
   </p:cmAuthor>
-  <p:cmAuthor id="2" name="Miguel Angel Bautista Moreno" initials="MABM" lastIdx="1" clrIdx="1">
+  <p:cmAuthor id="2" name="Miguel Angel Bautista Moreno" initials="MABM" lastIdx="2" clrIdx="1">
     <p:extLst>
       <p:ext uri="{19B8F6BF-5375-455C-9EA6-DF929625EA0E}">
         <p15:presenceInfo xmlns:p15="http://schemas.microsoft.com/office/powerpoint/2012/main" userId="8428557fe5992c46" providerId="Windows Live"/>
@@ -389,6 +392,17 @@
     <p:extLst>
       <p:ext uri="{C676402C-5697-4E1C-873F-D02D1690AC5C}">
         <p15:threadingInfo xmlns:p15="http://schemas.microsoft.com/office/powerpoint/2012/main" timeZoneBias="300"/>
+      </p:ext>
+    </p:extLst>
+  </p:cm>
+  <p:cm authorId="2" dt="2020-06-13T13:48:22.158" idx="2">
+    <p:pos x="5680" y="268"/>
+    <p:text>ohhh vaya, gracias por la observación</p:text>
+    <p:extLst>
+      <p:ext uri="{C676402C-5697-4E1C-873F-D02D1690AC5C}">
+        <p15:threadingInfo xmlns:p15="http://schemas.microsoft.com/office/powerpoint/2012/main" timeZoneBias="300">
+          <p15:parentCm authorId="1" idx="6"/>
+        </p15:threadingInfo>
       </p:ext>
     </p:extLst>
   </p:cm>
@@ -1852,7 +1866,7 @@
             </a:pPr>
             <a:fld id="{00000000-1234-1234-1234-123412341234}" type="slidenum">
               <a:rPr lang="es-CO"/>
-              <a:t>10</a:t>
+              <a:t>11</a:t>
             </a:fld>
             <a:endParaRPr/>
           </a:p>
@@ -2007,7 +2021,7 @@
             </a:pPr>
             <a:fld id="{00000000-1234-1234-1234-123412341234}" type="slidenum">
               <a:rPr lang="es-CO"/>
-              <a:t>12</a:t>
+              <a:t>13</a:t>
             </a:fld>
             <a:endParaRPr/>
           </a:p>
@@ -2467,7 +2481,7 @@
   <p:cSld>
     <p:spTree>
       <p:nvGrpSpPr>
-        <p:cNvPr id="1" name="Shape 297"/>
+        <p:cNvPr id="1" name="Shape 232"/>
         <p:cNvGrpSpPr/>
         <p:nvPr/>
       </p:nvGrpSpPr>
@@ -2481,7 +2495,7 @@
       </p:grpSpPr>
       <p:sp>
         <p:nvSpPr>
-          <p:cNvPr id="298" name="Google Shape;298;p19:notes"/>
+          <p:cNvPr id="233" name="Google Shape;233;p11:notes"/>
           <p:cNvSpPr txBox="1">
             <a:spLocks noGrp="1"/>
           </p:cNvSpPr>
@@ -2519,7 +2533,7 @@
       </p:sp>
       <p:sp>
         <p:nvSpPr>
-          <p:cNvPr id="299" name="Google Shape;299;p19:notes"/>
+          <p:cNvPr id="234" name="Google Shape;234;p11:notes"/>
           <p:cNvSpPr>
             <a:spLocks noGrp="1" noRot="1" noChangeAspect="1"/>
           </p:cNvSpPr>
@@ -2561,7 +2575,7 @@
     </p:spTree>
     <p:extLst>
       <p:ext uri="{BB962C8B-B14F-4D97-AF65-F5344CB8AC3E}">
-        <p14:creationId xmlns:p14="http://schemas.microsoft.com/office/powerpoint/2010/main" val="2851184573"/>
+        <p14:creationId xmlns:p14="http://schemas.microsoft.com/office/powerpoint/2010/main" val="2506049572"/>
       </p:ext>
     </p:extLst>
   </p:cSld>
@@ -2685,7 +2699,7 @@
   <p:cSld>
     <p:spTree>
       <p:nvGrpSpPr>
-        <p:cNvPr id="1" name="Shape 232"/>
+        <p:cNvPr id="1" name="Shape 297"/>
         <p:cNvGrpSpPr/>
         <p:nvPr/>
       </p:nvGrpSpPr>
@@ -2699,7 +2713,7 @@
       </p:grpSpPr>
       <p:sp>
         <p:nvSpPr>
-          <p:cNvPr id="233" name="Google Shape;233;p11:notes"/>
+          <p:cNvPr id="298" name="Google Shape;298;p19:notes"/>
           <p:cNvSpPr txBox="1">
             <a:spLocks noGrp="1"/>
           </p:cNvSpPr>
@@ -2737,7 +2751,7 @@
       </p:sp>
       <p:sp>
         <p:nvSpPr>
-          <p:cNvPr id="234" name="Google Shape;234;p11:notes"/>
+          <p:cNvPr id="299" name="Google Shape;299;p19:notes"/>
           <p:cNvSpPr>
             <a:spLocks noGrp="1" noRot="1" noChangeAspect="1"/>
           </p:cNvSpPr>
@@ -2779,7 +2793,7 @@
     </p:spTree>
     <p:extLst>
       <p:ext uri="{BB962C8B-B14F-4D97-AF65-F5344CB8AC3E}">
-        <p14:creationId xmlns:p14="http://schemas.microsoft.com/office/powerpoint/2010/main" val="2506049572"/>
+        <p14:creationId xmlns:p14="http://schemas.microsoft.com/office/powerpoint/2010/main" val="2851184573"/>
       </p:ext>
     </p:extLst>
   </p:cSld>
@@ -3106,7 +3120,7 @@
     </p:spTree>
     <p:extLst>
       <p:ext uri="{BB962C8B-B14F-4D97-AF65-F5344CB8AC3E}">
-        <p14:creationId xmlns:p14="http://schemas.microsoft.com/office/powerpoint/2010/main" val="1057804854"/>
+        <p14:creationId xmlns:p14="http://schemas.microsoft.com/office/powerpoint/2010/main" val="3468997988"/>
       </p:ext>
     </p:extLst>
   </p:cSld>
@@ -12533,6 +12547,230 @@
   <p:cSld>
     <p:spTree>
       <p:nvGrpSpPr>
+        <p:cNvPr id="1" name="Shape 199"/>
+        <p:cNvGrpSpPr/>
+        <p:nvPr/>
+      </p:nvGrpSpPr>
+      <p:grpSpPr>
+        <a:xfrm>
+          <a:off x="0" y="0"/>
+          <a:ext cx="0" cy="0"/>
+          <a:chOff x="0" y="0"/>
+          <a:chExt cx="0" cy="0"/>
+        </a:xfrm>
+      </p:grpSpPr>
+      <p:sp>
+        <p:nvSpPr>
+          <p:cNvPr id="200" name="Google Shape;200;p9"/>
+          <p:cNvSpPr/>
+          <p:nvPr/>
+        </p:nvSpPr>
+        <p:spPr>
+          <a:xfrm>
+            <a:off x="747935" y="2408665"/>
+            <a:ext cx="7944491" cy="2166963"/>
+          </a:xfrm>
+          <a:prstGeom prst="rect">
+            <a:avLst/>
+          </a:prstGeom>
+          <a:noFill/>
+          <a:ln>
+            <a:noFill/>
+          </a:ln>
+        </p:spPr>
+        <p:txBody>
+          <a:bodyPr spcFirstLastPara="1" wrap="square" lIns="91425" tIns="45700" rIns="91425" bIns="45700" anchor="t" anchorCtr="0">
+            <a:spAutoFit/>
+          </a:bodyPr>
+          <a:lstStyle/>
+          <a:p>
+            <a:pPr lvl="0" algn="just">
+              <a:lnSpc>
+                <a:spcPct val="107000"/>
+              </a:lnSpc>
+              <a:buClr>
+                <a:schemeClr val="dk1"/>
+              </a:buClr>
+            </a:pPr>
+            <a:r>
+              <a:rPr lang="es-MX" sz="3000" dirty="0">
+                <a:solidFill>
+                  <a:schemeClr val="dk1"/>
+                </a:solidFill>
+                <a:latin typeface="Times New Roman"/>
+                <a:ea typeface="Times New Roman"/>
+                <a:cs typeface="Times New Roman"/>
+                <a:sym typeface="Times New Roman"/>
+              </a:rPr>
+              <a:t>El alcance de este sistema de información web se proyecta a nivel </a:t>
+            </a:r>
+            <a:r>
+              <a:rPr lang="es-MX" sz="3000" dirty="0" smtClean="0">
+                <a:solidFill>
+                  <a:schemeClr val="dk1"/>
+                </a:solidFill>
+                <a:latin typeface="Times New Roman"/>
+                <a:ea typeface="Times New Roman"/>
+                <a:cs typeface="Times New Roman"/>
+                <a:sym typeface="Times New Roman"/>
+              </a:rPr>
+              <a:t>nacional </a:t>
+            </a:r>
+            <a:r>
+              <a:rPr lang="es-MX" sz="3000" dirty="0">
+                <a:solidFill>
+                  <a:schemeClr val="dk1"/>
+                </a:solidFill>
+                <a:latin typeface="Times New Roman"/>
+                <a:ea typeface="Times New Roman"/>
+                <a:cs typeface="Times New Roman"/>
+                <a:sym typeface="Times New Roman"/>
+              </a:rPr>
+              <a:t>en su primera versión con planeación de expansión</a:t>
+            </a:r>
+            <a:r>
+              <a:rPr lang="es-MX" sz="3000" dirty="0" smtClean="0">
+                <a:solidFill>
+                  <a:schemeClr val="dk1"/>
+                </a:solidFill>
+                <a:latin typeface="Times New Roman"/>
+                <a:ea typeface="Times New Roman"/>
+                <a:cs typeface="Times New Roman"/>
+                <a:sym typeface="Times New Roman"/>
+              </a:rPr>
+              <a:t>.</a:t>
+            </a:r>
+            <a:r>
+              <a:rPr lang="es-CO" sz="1800" dirty="0">
+                <a:solidFill>
+                  <a:schemeClr val="dk1"/>
+                </a:solidFill>
+                <a:latin typeface="Times New Roman"/>
+                <a:ea typeface="Times New Roman"/>
+                <a:cs typeface="Times New Roman"/>
+                <a:sym typeface="Times New Roman"/>
+              </a:rPr>
+              <a:t/>
+            </a:r>
+            <a:br>
+              <a:rPr lang="es-CO" sz="1800" dirty="0">
+                <a:solidFill>
+                  <a:schemeClr val="dk1"/>
+                </a:solidFill>
+                <a:latin typeface="Times New Roman"/>
+                <a:ea typeface="Times New Roman"/>
+                <a:cs typeface="Times New Roman"/>
+                <a:sym typeface="Times New Roman"/>
+              </a:rPr>
+            </a:br>
+            <a:r>
+              <a:rPr lang="es-CO" sz="1800" dirty="0">
+                <a:solidFill>
+                  <a:schemeClr val="dk1"/>
+                </a:solidFill>
+                <a:latin typeface="Times New Roman"/>
+                <a:ea typeface="Times New Roman"/>
+                <a:cs typeface="Times New Roman"/>
+                <a:sym typeface="Times New Roman"/>
+              </a:rPr>
+              <a:t/>
+            </a:r>
+            <a:br>
+              <a:rPr lang="es-CO" sz="1800" dirty="0">
+                <a:solidFill>
+                  <a:schemeClr val="dk1"/>
+                </a:solidFill>
+                <a:latin typeface="Times New Roman"/>
+                <a:ea typeface="Times New Roman"/>
+                <a:cs typeface="Times New Roman"/>
+                <a:sym typeface="Times New Roman"/>
+              </a:rPr>
+            </a:br>
+            <a:endParaRPr sz="1800" dirty="0">
+              <a:latin typeface="Times New Roman"/>
+              <a:ea typeface="Times New Roman"/>
+              <a:cs typeface="Times New Roman"/>
+              <a:sym typeface="Times New Roman"/>
+            </a:endParaRPr>
+          </a:p>
+        </p:txBody>
+      </p:sp>
+      <p:sp>
+        <p:nvSpPr>
+          <p:cNvPr id="201" name="Google Shape;201;p9"/>
+          <p:cNvSpPr txBox="1"/>
+          <p:nvPr/>
+        </p:nvSpPr>
+        <p:spPr>
+          <a:xfrm>
+            <a:off x="747935" y="465510"/>
+            <a:ext cx="7134000" cy="887700"/>
+          </a:xfrm>
+          <a:prstGeom prst="rect">
+            <a:avLst/>
+          </a:prstGeom>
+          <a:noFill/>
+          <a:ln>
+            <a:noFill/>
+          </a:ln>
+        </p:spPr>
+        <p:txBody>
+          <a:bodyPr spcFirstLastPara="1" wrap="square" lIns="91425" tIns="45700" rIns="91425" bIns="45700" anchor="ctr" anchorCtr="0">
+            <a:noAutofit/>
+          </a:bodyPr>
+          <a:lstStyle/>
+          <a:p>
+            <a:pPr marL="0" marR="0" lvl="0" indent="0" algn="ctr" rtl="0">
+              <a:spcBef>
+                <a:spcPts val="0"/>
+              </a:spcBef>
+              <a:spcAft>
+                <a:spcPts val="0"/>
+              </a:spcAft>
+              <a:buClr>
+                <a:schemeClr val="lt1"/>
+              </a:buClr>
+              <a:buSzPts val="5400"/>
+              <a:buFont typeface="Calibri"/>
+              <a:buNone/>
+            </a:pPr>
+            <a:r>
+              <a:rPr lang="es-CO" sz="5400" dirty="0">
+                <a:solidFill>
+                  <a:schemeClr val="lt1"/>
+                </a:solidFill>
+                <a:latin typeface="Calibri"/>
+                <a:ea typeface="Calibri"/>
+                <a:cs typeface="Calibri"/>
+                <a:sym typeface="Calibri"/>
+              </a:rPr>
+              <a:t>Alcance</a:t>
+            </a:r>
+            <a:endParaRPr sz="5400" dirty="0">
+              <a:solidFill>
+                <a:schemeClr val="lt1"/>
+              </a:solidFill>
+              <a:latin typeface="Calibri"/>
+              <a:ea typeface="Calibri"/>
+              <a:cs typeface="Calibri"/>
+              <a:sym typeface="Calibri"/>
+            </a:endParaRPr>
+          </a:p>
+        </p:txBody>
+      </p:sp>
+    </p:spTree>
+  </p:cSld>
+  <p:clrMapOvr>
+    <a:masterClrMapping/>
+  </p:clrMapOvr>
+</p:sld>
+</file>
+
+<file path=ppt/slides/slide11.xml><?xml version="1.0" encoding="utf-8"?>
+<p:sld xmlns:a="http://schemas.openxmlformats.org/drawingml/2006/main" xmlns:r="http://schemas.openxmlformats.org/officeDocument/2006/relationships" xmlns:p="http://schemas.openxmlformats.org/presentationml/2006/main">
+  <p:cSld>
+    <p:spTree>
+      <p:nvGrpSpPr>
         <p:cNvPr id="1" name="Shape 219"/>
         <p:cNvGrpSpPr/>
         <p:nvPr/>
@@ -12600,7 +12838,7 @@
           <p:cNvPr id="1026" name="Picture 2" descr="Curso Toma de Requerimientos | EVORYT®">
             <a:extLst>
               <a:ext uri="{FF2B5EF4-FFF2-40B4-BE49-F238E27FC236}">
-                <a16:creationId xmlns="" xmlns:a16="http://schemas.microsoft.com/office/drawing/2014/main" id="{54B8095A-CA67-4874-A7BA-6526D9D0EB70}"/>
+                <a16:creationId xmlns:a16="http://schemas.microsoft.com/office/drawing/2014/main" xmlns="" id="{54B8095A-CA67-4874-A7BA-6526D9D0EB70}"/>
               </a:ext>
             </a:extLst>
           </p:cNvPr>
@@ -12735,7 +12973,7 @@
             <a:hlinkClick r:id="rId5" action="ppaction://hlinkfile"/>
             <a:extLst>
               <a:ext uri="{FF2B5EF4-FFF2-40B4-BE49-F238E27FC236}">
-                <a16:creationId xmlns="" xmlns:a16="http://schemas.microsoft.com/office/drawing/2014/main" id="{05A6B6DB-84D5-43BD-82A5-1DFF7D2F4C54}"/>
+                <a16:creationId xmlns:a16="http://schemas.microsoft.com/office/drawing/2014/main" xmlns="" id="{05A6B6DB-84D5-43BD-82A5-1DFF7D2F4C54}"/>
               </a:ext>
             </a:extLst>
           </p:cNvPr>
@@ -12791,7 +13029,7 @@
 </p:sld>
 </file>
 
-<file path=ppt/slides/slide11.xml><?xml version="1.0" encoding="utf-8"?>
+<file path=ppt/slides/slide12.xml><?xml version="1.0" encoding="utf-8"?>
 <p:sld xmlns:a="http://schemas.openxmlformats.org/drawingml/2006/main" xmlns:r="http://schemas.openxmlformats.org/officeDocument/2006/relationships" xmlns:p="http://schemas.openxmlformats.org/presentationml/2006/main">
   <p:cSld>
     <p:spTree>
@@ -12813,7 +13051,7 @@
           <p:cNvPr id="2" name="Rectángulo 1">
             <a:extLst>
               <a:ext uri="{FF2B5EF4-FFF2-40B4-BE49-F238E27FC236}">
-                <a16:creationId xmlns="" xmlns:a16="http://schemas.microsoft.com/office/drawing/2014/main" id="{2122DDA5-564B-4B5D-A09C-EACFD56F1273}"/>
+                <a16:creationId xmlns:a16="http://schemas.microsoft.com/office/drawing/2014/main" xmlns="" id="{2122DDA5-564B-4B5D-A09C-EACFD56F1273}"/>
               </a:ext>
             </a:extLst>
           </p:cNvPr>
@@ -12888,7 +13126,7 @@
           <p:cNvPr id="3" name="Rectángulo 2">
             <a:extLst>
               <a:ext uri="{FF2B5EF4-FFF2-40B4-BE49-F238E27FC236}">
-                <a16:creationId xmlns="" xmlns:a16="http://schemas.microsoft.com/office/drawing/2014/main" id="{5913FDBA-2C35-4A5B-AE6E-1329BD4F43F2}"/>
+                <a16:creationId xmlns:a16="http://schemas.microsoft.com/office/drawing/2014/main" xmlns="" id="{5913FDBA-2C35-4A5B-AE6E-1329BD4F43F2}"/>
               </a:ext>
             </a:extLst>
           </p:cNvPr>
@@ -12942,7 +13180,7 @@
           <p:cNvPr id="4" name="Picture 2" descr="Entrevista por Competências - Território RH">
             <a:extLst>
               <a:ext uri="{FF2B5EF4-FFF2-40B4-BE49-F238E27FC236}">
-                <a16:creationId xmlns="" xmlns:a16="http://schemas.microsoft.com/office/drawing/2014/main" id="{4DAC0672-5CE0-4E04-AE20-D87CB01F6303}"/>
+                <a16:creationId xmlns:a16="http://schemas.microsoft.com/office/drawing/2014/main" xmlns="" id="{4DAC0672-5CE0-4E04-AE20-D87CB01F6303}"/>
               </a:ext>
             </a:extLst>
           </p:cNvPr>
@@ -12996,7 +13234,7 @@
             <a:hlinkClick r:id="rId3" action="ppaction://hlinkfile"/>
             <a:extLst>
               <a:ext uri="{FF2B5EF4-FFF2-40B4-BE49-F238E27FC236}">
-                <a16:creationId xmlns="" xmlns:a16="http://schemas.microsoft.com/office/drawing/2014/main" id="{9657310C-B58A-45F9-BEDE-26FFF76A2482}"/>
+                <a16:creationId xmlns:a16="http://schemas.microsoft.com/office/drawing/2014/main" xmlns="" id="{9657310C-B58A-45F9-BEDE-26FFF76A2482}"/>
               </a:ext>
             </a:extLst>
           </p:cNvPr>
@@ -13069,7 +13307,7 @@
 </p:sld>
 </file>
 
-<file path=ppt/slides/slide12.xml><?xml version="1.0" encoding="utf-8"?>
+<file path=ppt/slides/slide13.xml><?xml version="1.0" encoding="utf-8"?>
 <p:sld xmlns:a="http://schemas.openxmlformats.org/drawingml/2006/main" xmlns:r="http://schemas.openxmlformats.org/officeDocument/2006/relationships" xmlns:p="http://schemas.openxmlformats.org/presentationml/2006/main">
   <p:cSld>
     <p:spTree>
@@ -13191,7 +13429,7 @@
           <p:cNvPr id="2" name="Rectángulo 1">
             <a:extLst>
               <a:ext uri="{FF2B5EF4-FFF2-40B4-BE49-F238E27FC236}">
-                <a16:creationId xmlns="" xmlns:a16="http://schemas.microsoft.com/office/drawing/2014/main" id="{7087B882-47C7-4CA3-9B73-7C8416C4340E}"/>
+                <a16:creationId xmlns:a16="http://schemas.microsoft.com/office/drawing/2014/main" xmlns="" id="{7087B882-47C7-4CA3-9B73-7C8416C4340E}"/>
               </a:ext>
             </a:extLst>
           </p:cNvPr>
@@ -13233,7 +13471,7 @@
             <a:hlinkClick r:id="rId3" action="ppaction://hlinkfile"/>
             <a:extLst>
               <a:ext uri="{FF2B5EF4-FFF2-40B4-BE49-F238E27FC236}">
-                <a16:creationId xmlns="" xmlns:a16="http://schemas.microsoft.com/office/drawing/2014/main" id="{735BB9A9-C171-4A45-B985-CED9BB18E5E2}"/>
+                <a16:creationId xmlns:a16="http://schemas.microsoft.com/office/drawing/2014/main" xmlns="" id="{735BB9A9-C171-4A45-B985-CED9BB18E5E2}"/>
               </a:ext>
             </a:extLst>
           </p:cNvPr>
@@ -13265,7 +13503,7 @@
 </p:sld>
 </file>
 
-<file path=ppt/slides/slide13.xml><?xml version="1.0" encoding="utf-8"?>
+<file path=ppt/slides/slide14.xml><?xml version="1.0" encoding="utf-8"?>
 <p:sld xmlns:a="http://schemas.openxmlformats.org/drawingml/2006/main" xmlns:r="http://schemas.openxmlformats.org/officeDocument/2006/relationships" xmlns:p="http://schemas.openxmlformats.org/presentationml/2006/main">
   <p:cSld>
     <p:spTree>
@@ -13583,7 +13821,7 @@
 </p:sld>
 </file>
 
-<file path=ppt/slides/slide14.xml><?xml version="1.0" encoding="utf-8"?>
+<file path=ppt/slides/slide15.xml><?xml version="1.0" encoding="utf-8"?>
 <p:sld xmlns:a="http://schemas.openxmlformats.org/drawingml/2006/main" xmlns:r="http://schemas.openxmlformats.org/officeDocument/2006/relationships" xmlns:p="http://schemas.openxmlformats.org/presentationml/2006/main">
   <p:cSld>
     <p:spTree>
@@ -13827,7 +14065,7 @@
 </p:sld>
 </file>
 
-<file path=ppt/slides/slide15.xml><?xml version="1.0" encoding="utf-8"?>
+<file path=ppt/slides/slide16.xml><?xml version="1.0" encoding="utf-8"?>
 <p:sld xmlns:a="http://schemas.openxmlformats.org/drawingml/2006/main" xmlns:r="http://schemas.openxmlformats.org/officeDocument/2006/relationships" xmlns:p="http://schemas.openxmlformats.org/presentationml/2006/main">
   <p:cSld>
     <p:spTree>
@@ -13899,7 +14137,7 @@
           <p:cNvPr id="4" name="Imagen 3" descr="Imagen que contiene texto&#10;&#10;Descripción generada automáticamente">
             <a:extLst>
               <a:ext uri="{FF2B5EF4-FFF2-40B4-BE49-F238E27FC236}">
-                <a16:creationId xmlns="" xmlns:a16="http://schemas.microsoft.com/office/drawing/2014/main" id="{76644C9E-E95A-428F-8052-DB1D0AE3A13E}"/>
+                <a16:creationId xmlns:a16="http://schemas.microsoft.com/office/drawing/2014/main" xmlns="" id="{76644C9E-E95A-428F-8052-DB1D0AE3A13E}"/>
               </a:ext>
             </a:extLst>
           </p:cNvPr>
@@ -13946,7 +14184,7 @@
 </p:sld>
 </file>
 
-<file path=ppt/slides/slide16.xml><?xml version="1.0" encoding="utf-8"?>
+<file path=ppt/slides/slide17.xml><?xml version="1.0" encoding="utf-8"?>
 <p:sld xmlns:a="http://schemas.openxmlformats.org/drawingml/2006/main" xmlns:r="http://schemas.openxmlformats.org/officeDocument/2006/relationships" xmlns:p="http://schemas.openxmlformats.org/presentationml/2006/main">
   <p:cSld>
     <p:spTree>
@@ -13968,7 +14206,7 @@
           <p:cNvPr id="2" name="Google Shape;281;p16">
             <a:extLst>
               <a:ext uri="{FF2B5EF4-FFF2-40B4-BE49-F238E27FC236}">
-                <a16:creationId xmlns="" xmlns:a16="http://schemas.microsoft.com/office/drawing/2014/main" id="{CE6A4691-A129-4957-A61B-EE45E727709F}"/>
+                <a16:creationId xmlns:a16="http://schemas.microsoft.com/office/drawing/2014/main" xmlns="" id="{CE6A4691-A129-4957-A61B-EE45E727709F}"/>
               </a:ext>
             </a:extLst>
           </p:cNvPr>
@@ -14044,7 +14282,7 @@
           <p:cNvPr id="3" name="Google Shape;289;p17">
             <a:extLst>
               <a:ext uri="{FF2B5EF4-FFF2-40B4-BE49-F238E27FC236}">
-                <a16:creationId xmlns="" xmlns:a16="http://schemas.microsoft.com/office/drawing/2014/main" id="{008198B5-C4F6-4021-AB1D-FB69EC845007}"/>
+                <a16:creationId xmlns:a16="http://schemas.microsoft.com/office/drawing/2014/main" xmlns="" id="{008198B5-C4F6-4021-AB1D-FB69EC845007}"/>
               </a:ext>
             </a:extLst>
           </p:cNvPr>
@@ -14100,7 +14338,7 @@
           <p:cNvPr id="4" name="Google Shape;290;p17">
             <a:extLst>
               <a:ext uri="{FF2B5EF4-FFF2-40B4-BE49-F238E27FC236}">
-                <a16:creationId xmlns="" xmlns:a16="http://schemas.microsoft.com/office/drawing/2014/main" id="{E0BA332A-F194-47C7-97DC-EA1CDA7851A6}"/>
+                <a16:creationId xmlns:a16="http://schemas.microsoft.com/office/drawing/2014/main" xmlns="" id="{E0BA332A-F194-47C7-97DC-EA1CDA7851A6}"/>
               </a:ext>
             </a:extLst>
           </p:cNvPr>
@@ -14133,7 +14371,7 @@
           <p:cNvPr id="5" name="Google Shape;288;p17">
             <a:extLst>
               <a:ext uri="{FF2B5EF4-FFF2-40B4-BE49-F238E27FC236}">
-                <a16:creationId xmlns="" xmlns:a16="http://schemas.microsoft.com/office/drawing/2014/main" id="{3291A153-D720-4498-8F38-F25458F9A579}"/>
+                <a16:creationId xmlns:a16="http://schemas.microsoft.com/office/drawing/2014/main" xmlns="" id="{3291A153-D720-4498-8F38-F25458F9A579}"/>
               </a:ext>
             </a:extLst>
           </p:cNvPr>
@@ -14206,7 +14444,7 @@
 </p:sld>
 </file>
 
-<file path=ppt/slides/slide17.xml><?xml version="1.0" encoding="utf-8"?>
+<file path=ppt/slides/slide18.xml><?xml version="1.0" encoding="utf-8"?>
 <p:sld xmlns:a="http://schemas.openxmlformats.org/drawingml/2006/main" xmlns:r="http://schemas.openxmlformats.org/officeDocument/2006/relationships" xmlns:p="http://schemas.openxmlformats.org/presentationml/2006/main">
   <p:cSld>
     <p:spTree>
@@ -14228,7 +14466,7 @@
           <p:cNvPr id="2" name="Google Shape;134;p1">
             <a:extLst>
               <a:ext uri="{FF2B5EF4-FFF2-40B4-BE49-F238E27FC236}">
-                <a16:creationId xmlns="" xmlns:a16="http://schemas.microsoft.com/office/drawing/2014/main" id="{89006225-9AC6-4B7F-A20B-8222B852191D}"/>
+                <a16:creationId xmlns:a16="http://schemas.microsoft.com/office/drawing/2014/main" xmlns="" id="{89006225-9AC6-4B7F-A20B-8222B852191D}"/>
               </a:ext>
             </a:extLst>
           </p:cNvPr>
@@ -14338,7 +14576,7 @@
 </p:sld>
 </file>
 
-<file path=ppt/slides/slide18.xml><?xml version="1.0" encoding="utf-8"?>
+<file path=ppt/slides/slide19.xml><?xml version="1.0" encoding="utf-8"?>
 <p:sld xmlns:a="http://schemas.openxmlformats.org/drawingml/2006/main" xmlns:r="http://schemas.openxmlformats.org/officeDocument/2006/relationships" xmlns:p="http://schemas.openxmlformats.org/presentationml/2006/main">
   <p:cSld>
     <p:spTree>
@@ -14410,7 +14648,7 @@
           <p:cNvPr id="8" name="Google Shape;301;p19">
             <a:extLst>
               <a:ext uri="{FF2B5EF4-FFF2-40B4-BE49-F238E27FC236}">
-                <a16:creationId xmlns="" xmlns:a16="http://schemas.microsoft.com/office/drawing/2014/main" id="{F94E0085-60CE-404C-BCAC-0CF9854A434A}"/>
+                <a16:creationId xmlns:a16="http://schemas.microsoft.com/office/drawing/2014/main" xmlns="" id="{F94E0085-60CE-404C-BCAC-0CF9854A434A}"/>
               </a:ext>
             </a:extLst>
           </p:cNvPr>
@@ -14519,269 +14757,6 @@
         </p:spPr>
       </p:pic>
     </p:spTree>
-  </p:cSld>
-  <p:clrMapOvr>
-    <a:masterClrMapping/>
-  </p:clrMapOvr>
-</p:sld>
-</file>
-
-<file path=ppt/slides/slide19.xml><?xml version="1.0" encoding="utf-8"?>
-<p:sld xmlns:a="http://schemas.openxmlformats.org/drawingml/2006/main" xmlns:r="http://schemas.openxmlformats.org/officeDocument/2006/relationships" xmlns:p="http://schemas.openxmlformats.org/presentationml/2006/main">
-  <p:cSld>
-    <p:spTree>
-      <p:nvGrpSpPr>
-        <p:cNvPr id="1" name=""/>
-        <p:cNvGrpSpPr/>
-        <p:nvPr/>
-      </p:nvGrpSpPr>
-      <p:grpSpPr>
-        <a:xfrm>
-          <a:off x="0" y="0"/>
-          <a:ext cx="0" cy="0"/>
-          <a:chOff x="0" y="0"/>
-          <a:chExt cx="0" cy="0"/>
-        </a:xfrm>
-      </p:grpSpPr>
-      <p:sp>
-        <p:nvSpPr>
-          <p:cNvPr id="3" name="Google Shape;274;p15">
-            <a:extLst>
-              <a:ext uri="{FF2B5EF4-FFF2-40B4-BE49-F238E27FC236}">
-                <a16:creationId xmlns="" xmlns:a16="http://schemas.microsoft.com/office/drawing/2014/main" id="{38572213-7C37-44AC-9849-B6D5D3815AE0}"/>
-              </a:ext>
-            </a:extLst>
-          </p:cNvPr>
-          <p:cNvSpPr/>
-          <p:nvPr/>
-        </p:nvSpPr>
-        <p:spPr>
-          <a:xfrm>
-            <a:off x="418748" y="458299"/>
-            <a:ext cx="9144000" cy="769441"/>
-          </a:xfrm>
-          <a:prstGeom prst="rect">
-            <a:avLst/>
-          </a:prstGeom>
-          <a:noFill/>
-          <a:ln>
-            <a:noFill/>
-          </a:ln>
-        </p:spPr>
-        <p:txBody>
-          <a:bodyPr spcFirstLastPara="1" wrap="square" lIns="91425" tIns="45700" rIns="91425" bIns="45700" anchor="t" anchorCtr="0">
-            <a:spAutoFit/>
-          </a:bodyPr>
-          <a:lstStyle/>
-          <a:p>
-            <a:pPr marL="0" marR="0" lvl="0" indent="0" algn="ctr" rtl="0">
-              <a:spcBef>
-                <a:spcPts val="0"/>
-              </a:spcBef>
-              <a:spcAft>
-                <a:spcPts val="0"/>
-              </a:spcAft>
-              <a:buNone/>
-            </a:pPr>
-            <a:r>
-              <a:rPr lang="es-CO" sz="4400" dirty="0">
-                <a:solidFill>
-                  <a:schemeClr val="lt1"/>
-                </a:solidFill>
-                <a:latin typeface="Calibri"/>
-                <a:ea typeface="Calibri"/>
-                <a:cs typeface="Calibri"/>
-                <a:sym typeface="Calibri"/>
-              </a:rPr>
-              <a:t> Gestión del proyecto</a:t>
-            </a:r>
-            <a:endParaRPr lang="es-CO" dirty="0"/>
-          </a:p>
-        </p:txBody>
-      </p:sp>
-      <p:sp>
-        <p:nvSpPr>
-          <p:cNvPr id="4" name="Google Shape;276;p15">
-            <a:extLst>
-              <a:ext uri="{FF2B5EF4-FFF2-40B4-BE49-F238E27FC236}">
-                <a16:creationId xmlns="" xmlns:a16="http://schemas.microsoft.com/office/drawing/2014/main" id="{5B376D5C-FF48-41DD-A0A8-53394A550E8D}"/>
-              </a:ext>
-            </a:extLst>
-          </p:cNvPr>
-          <p:cNvSpPr txBox="1"/>
-          <p:nvPr/>
-        </p:nvSpPr>
-        <p:spPr>
-          <a:xfrm>
-            <a:off x="1022482" y="2227217"/>
-            <a:ext cx="6870234" cy="1201783"/>
-          </a:xfrm>
-          <a:prstGeom prst="rect">
-            <a:avLst/>
-          </a:prstGeom>
-          <a:noFill/>
-          <a:ln>
-            <a:noFill/>
-          </a:ln>
-        </p:spPr>
-        <p:txBody>
-          <a:bodyPr spcFirstLastPara="1" wrap="square" lIns="91425" tIns="45700" rIns="91425" bIns="45700" anchor="ctr" anchorCtr="0">
-            <a:noAutofit/>
-          </a:bodyPr>
-          <a:lstStyle/>
-          <a:p>
-            <a:pPr marL="0" marR="0" lvl="0" indent="0" algn="just" rtl="0">
-              <a:spcBef>
-                <a:spcPts val="0"/>
-              </a:spcBef>
-              <a:spcAft>
-                <a:spcPts val="0"/>
-              </a:spcAft>
-              <a:buNone/>
-            </a:pPr>
-            <a:r>
-              <a:rPr lang="es-CO" sz="3000" dirty="0">
-                <a:solidFill>
-                  <a:schemeClr val="dk1"/>
-                </a:solidFill>
-                <a:latin typeface="Times New Roman" panose="02020603050405020304" pitchFamily="18" charset="0"/>
-                <a:ea typeface="Calibri"/>
-                <a:cs typeface="Times New Roman" panose="02020603050405020304" pitchFamily="18" charset="0"/>
-                <a:sym typeface="Calibri"/>
-              </a:rPr>
-              <a:t>Con el cronograma podemos determinar un calendario de actividades y así conocer los tiempos de cada actividad.</a:t>
-            </a:r>
-            <a:endParaRPr sz="3000" dirty="0">
-              <a:solidFill>
-                <a:schemeClr val="dk1"/>
-              </a:solidFill>
-              <a:latin typeface="Times New Roman" panose="02020603050405020304" pitchFamily="18" charset="0"/>
-              <a:ea typeface="Calibri"/>
-              <a:cs typeface="Times New Roman" panose="02020603050405020304" pitchFamily="18" charset="0"/>
-              <a:sym typeface="Calibri"/>
-            </a:endParaRPr>
-          </a:p>
-        </p:txBody>
-      </p:sp>
-      <p:pic>
-        <p:nvPicPr>
-          <p:cNvPr id="5" name="Picture 2" descr="Tareas De La Planificación Del Trabajo En Equipo, De La ...">
-            <a:extLst>
-              <a:ext uri="{FF2B5EF4-FFF2-40B4-BE49-F238E27FC236}">
-                <a16:creationId xmlns="" xmlns:a16="http://schemas.microsoft.com/office/drawing/2014/main" id="{63540C2B-2C8B-4D8B-9193-BF9D8F886424}"/>
-              </a:ext>
-            </a:extLst>
-          </p:cNvPr>
-          <p:cNvPicPr>
-            <a:picLocks noChangeAspect="1" noChangeArrowheads="1"/>
-          </p:cNvPicPr>
-          <p:nvPr/>
-        </p:nvPicPr>
-        <p:blipFill>
-          <a:blip r:embed="rId2">
-            <a:extLst>
-              <a:ext uri="{28A0092B-C50C-407E-A947-70E740481C1C}">
-                <a14:useLocalDpi xmlns:a14="http://schemas.microsoft.com/office/drawing/2010/main" val="0"/>
-              </a:ext>
-            </a:extLst>
-          </a:blip>
-          <a:srcRect/>
-          <a:stretch>
-            <a:fillRect/>
-          </a:stretch>
-        </p:blipFill>
-        <p:spPr bwMode="auto">
-          <a:xfrm>
-            <a:off x="4411983" y="3596199"/>
-            <a:ext cx="4288300" cy="2916044"/>
-          </a:xfrm>
-          <a:prstGeom prst="rect">
-            <a:avLst/>
-          </a:prstGeom>
-          <a:noFill/>
-          <a:extLst>
-            <a:ext uri="{909E8E84-426E-40DD-AFC4-6F175D3DCCD1}">
-              <a14:hiddenFill xmlns:a14="http://schemas.microsoft.com/office/drawing/2010/main">
-                <a:solidFill>
-                  <a:srgbClr val="FFFFFF"/>
-                </a:solidFill>
-              </a14:hiddenFill>
-            </a:ext>
-          </a:extLst>
-        </p:spPr>
-      </p:pic>
-      <p:sp>
-        <p:nvSpPr>
-          <p:cNvPr id="6" name="Google Shape;275;p15">
-            <a:hlinkClick r:id="rId3"/>
-            <a:extLst>
-              <a:ext uri="{FF2B5EF4-FFF2-40B4-BE49-F238E27FC236}">
-                <a16:creationId xmlns="" xmlns:a16="http://schemas.microsoft.com/office/drawing/2014/main" id="{CF0D17DD-99A5-4557-8E36-67F6E3CC1483}"/>
-              </a:ext>
-            </a:extLst>
-          </p:cNvPr>
-          <p:cNvSpPr txBox="1"/>
-          <p:nvPr/>
-        </p:nvSpPr>
-        <p:spPr>
-          <a:xfrm>
-            <a:off x="1688123" y="4521208"/>
-            <a:ext cx="2347547" cy="712177"/>
-          </a:xfrm>
-          <a:prstGeom prst="rect">
-            <a:avLst/>
-          </a:prstGeom>
-          <a:noFill/>
-          <a:ln>
-            <a:noFill/>
-          </a:ln>
-        </p:spPr>
-        <p:txBody>
-          <a:bodyPr spcFirstLastPara="1" wrap="square" lIns="91425" tIns="45700" rIns="91425" bIns="45700" anchor="ctr" anchorCtr="0">
-            <a:noAutofit/>
-          </a:bodyPr>
-          <a:lstStyle/>
-          <a:p>
-            <a:pPr marL="0" marR="0" lvl="0" indent="0" algn="l" rtl="0">
-              <a:spcBef>
-                <a:spcPts val="0"/>
-              </a:spcBef>
-              <a:spcAft>
-                <a:spcPts val="0"/>
-              </a:spcAft>
-              <a:buNone/>
-            </a:pPr>
-            <a:r>
-              <a:rPr lang="es-CO" sz="3000" b="1" u="sng" dirty="0">
-                <a:solidFill>
-                  <a:schemeClr val="dk1"/>
-                </a:solidFill>
-                <a:latin typeface="Times New Roman" panose="02020603050405020304" pitchFamily="18" charset="0"/>
-                <a:ea typeface="Calibri"/>
-                <a:cs typeface="Times New Roman" panose="02020603050405020304" pitchFamily="18" charset="0"/>
-                <a:sym typeface="Calibri"/>
-                <a:hlinkClick r:id="rId4" action="ppaction://hlinkfile"/>
-              </a:rPr>
-              <a:t>Cronograma</a:t>
-            </a:r>
-            <a:endParaRPr sz="3000" b="1" dirty="0">
-              <a:solidFill>
-                <a:schemeClr val="dk1"/>
-              </a:solidFill>
-              <a:latin typeface="Times New Roman" panose="02020603050405020304" pitchFamily="18" charset="0"/>
-              <a:ea typeface="Calibri"/>
-              <a:cs typeface="Times New Roman" panose="02020603050405020304" pitchFamily="18" charset="0"/>
-              <a:sym typeface="Calibri"/>
-            </a:endParaRPr>
-          </a:p>
-        </p:txBody>
-      </p:sp>
-    </p:spTree>
-    <p:extLst>
-      <p:ext uri="{BB962C8B-B14F-4D97-AF65-F5344CB8AC3E}">
-        <p14:creationId xmlns:p14="http://schemas.microsoft.com/office/powerpoint/2010/main" val="3576284020"/>
-      </p:ext>
-    </p:extLst>
   </p:cSld>
   <p:clrMapOvr>
     <a:masterClrMapping/>
@@ -15067,7 +15042,7 @@
   <p:cSld>
     <p:spTree>
       <p:nvGrpSpPr>
-        <p:cNvPr id="1" name="Shape 300"/>
+        <p:cNvPr id="1" name=""/>
         <p:cNvGrpSpPr/>
         <p:nvPr/>
       </p:nvGrpSpPr>
@@ -15081,169 +15056,84 @@
       </p:grpSpPr>
       <p:sp>
         <p:nvSpPr>
-          <p:cNvPr id="301" name="Google Shape;301;p19"/>
+          <p:cNvPr id="2" name="Rectángulo 1"/>
           <p:cNvSpPr/>
           <p:nvPr/>
         </p:nvSpPr>
         <p:spPr>
           <a:xfrm>
-            <a:off x="-901270" y="459342"/>
-            <a:ext cx="9144000" cy="769441"/>
-          </a:xfrm>
-          <a:prstGeom prst="rect">
-            <a:avLst/>
-          </a:prstGeom>
-          <a:noFill/>
-          <a:ln>
-            <a:noFill/>
-          </a:ln>
-        </p:spPr>
+            <a:off x="1724025" y="666750"/>
+            <a:ext cx="5410200" cy="666750"/>
+          </a:xfrm>
+          <a:prstGeom prst="rect">
+            <a:avLst/>
+          </a:prstGeom>
+        </p:spPr>
+        <p:style>
+          <a:lnRef idx="2">
+            <a:schemeClr val="dk1"/>
+          </a:lnRef>
+          <a:fillRef idx="1">
+            <a:schemeClr val="lt1"/>
+          </a:fillRef>
+          <a:effectRef idx="0">
+            <a:schemeClr val="dk1"/>
+          </a:effectRef>
+          <a:fontRef idx="minor">
+            <a:schemeClr val="dk1"/>
+          </a:fontRef>
+        </p:style>
         <p:txBody>
-          <a:bodyPr spcFirstLastPara="1" wrap="square" lIns="91425" tIns="45700" rIns="91425" bIns="45700" anchor="t" anchorCtr="0">
-            <a:spAutoFit/>
-          </a:bodyPr>
+          <a:bodyPr rtlCol="0" anchor="ctr"/>
           <a:lstStyle/>
           <a:p>
-            <a:pPr marL="0" marR="0" lvl="0" indent="0" algn="r" rtl="0">
-              <a:spcBef>
-                <a:spcPts val="0"/>
-              </a:spcBef>
-              <a:spcAft>
-                <a:spcPts val="0"/>
-              </a:spcAft>
-              <a:buNone/>
-            </a:pPr>
+            <a:pPr algn="ctr"/>
             <a:r>
-              <a:rPr lang="es-CO" sz="4400" dirty="0">
-                <a:solidFill>
-                  <a:schemeClr val="lt1"/>
-                </a:solidFill>
-                <a:latin typeface="Calibri"/>
-                <a:ea typeface="Calibri"/>
-                <a:cs typeface="Calibri"/>
-                <a:sym typeface="Calibri"/>
-              </a:rPr>
-              <a:t> Sistema de Control de versiones</a:t>
+              <a:rPr lang="es-ES" dirty="0" smtClean="0"/>
+              <a:t>Diccionario de datos</a:t>
             </a:r>
-            <a:endParaRPr dirty="0"/>
+            <a:endParaRPr lang="es-CO" dirty="0"/>
           </a:p>
         </p:txBody>
       </p:sp>
       <p:pic>
         <p:nvPicPr>
-          <p:cNvPr id="303" name="Google Shape;303;p19"/>
-          <p:cNvPicPr preferRelativeResize="0"/>
+          <p:cNvPr id="4" name="Imagen 3">
+            <a:hlinkClick r:id="rId2" action="ppaction://hlinkfile"/>
+          </p:cNvPr>
+          <p:cNvPicPr>
+            <a:picLocks noChangeAspect="1"/>
+          </p:cNvPicPr>
           <p:nvPr/>
         </p:nvPicPr>
-        <p:blipFill rotWithShape="1">
+        <p:blipFill>
           <a:blip r:embed="rId3">
-            <a:alphaModFix/>
-          </a:blip>
-          <a:srcRect/>
-          <a:stretch/>
-        </p:blipFill>
-        <p:spPr>
-          <a:xfrm>
-            <a:off x="5257702" y="2351734"/>
-            <a:ext cx="3662203" cy="3662203"/>
-          </a:xfrm>
-          <a:prstGeom prst="rect">
-            <a:avLst/>
-          </a:prstGeom>
-          <a:noFill/>
-          <a:ln>
-            <a:noFill/>
-          </a:ln>
-        </p:spPr>
-      </p:pic>
-      <p:sp>
-        <p:nvSpPr>
-          <p:cNvPr id="304" name="Google Shape;304;p19"/>
-          <p:cNvSpPr txBox="1"/>
-          <p:nvPr/>
-        </p:nvSpPr>
-        <p:spPr>
-          <a:xfrm>
-            <a:off x="1148371" y="2762110"/>
-            <a:ext cx="3338285" cy="2278743"/>
-          </a:xfrm>
-          <a:prstGeom prst="rect">
-            <a:avLst/>
-          </a:prstGeom>
-          <a:noFill/>
-          <a:ln>
-            <a:noFill/>
-          </a:ln>
-        </p:spPr>
-        <p:txBody>
-          <a:bodyPr spcFirstLastPara="1" wrap="square" lIns="91425" tIns="45700" rIns="91425" bIns="45700" anchor="ctr" anchorCtr="0">
-            <a:noAutofit/>
-          </a:bodyPr>
-          <a:lstStyle/>
-          <a:p>
-            <a:pPr marL="0" marR="0" lvl="0" indent="0" algn="ctr" rtl="0">
-              <a:spcBef>
-                <a:spcPts val="0"/>
-              </a:spcBef>
-              <a:spcAft>
-                <a:spcPts val="0"/>
-              </a:spcAft>
-              <a:buNone/>
-            </a:pPr>
-            <a:r>
-              <a:rPr lang="es-CO" sz="2400" b="1" dirty="0">
-                <a:solidFill>
-                  <a:schemeClr val="dk1"/>
-                </a:solidFill>
-                <a:latin typeface="Calibri"/>
-                <a:ea typeface="Calibri"/>
-                <a:cs typeface="Calibri"/>
-                <a:sym typeface="Calibri"/>
-              </a:rPr>
-              <a:t>Un sistema para controlar y almacenar archivos y sus diferentes versiones de modificación.</a:t>
-            </a:r>
-            <a:endParaRPr dirty="0"/>
-          </a:p>
-        </p:txBody>
-      </p:sp>
-      <p:sp>
-        <p:nvSpPr>
-          <p:cNvPr id="2" name="Rectángulo 1">
             <a:extLst>
-              <a:ext uri="{FF2B5EF4-FFF2-40B4-BE49-F238E27FC236}">
-                <a16:creationId xmlns="" xmlns:a16="http://schemas.microsoft.com/office/drawing/2014/main" id="{945477C0-F7CF-4427-81CB-CDD601B86DD9}"/>
+              <a:ext uri="{28A0092B-C50C-407E-A947-70E740481C1C}">
+                <a14:useLocalDpi xmlns:a14="http://schemas.microsoft.com/office/drawing/2010/main" val="0"/>
               </a:ext>
             </a:extLst>
-          </p:cNvPr>
-          <p:cNvSpPr/>
-          <p:nvPr/>
-        </p:nvSpPr>
-        <p:spPr>
-          <a:xfrm>
-            <a:off x="224095" y="5332474"/>
-            <a:ext cx="4955203" cy="400110"/>
-          </a:xfrm>
-          <a:prstGeom prst="rect">
-            <a:avLst/>
-          </a:prstGeom>
-        </p:spPr>
-        <p:txBody>
-          <a:bodyPr wrap="none">
-            <a:spAutoFit/>
-          </a:bodyPr>
-          <a:lstStyle/>
-          <a:p>
-            <a:r>
-              <a:rPr lang="es-CO" sz="2000" dirty="0">
-                <a:hlinkClick r:id="rId4"/>
-              </a:rPr>
-              <a:t>https://github.com/Miguel010293/Quickgift</a:t>
-            </a:r>
-            <a:endParaRPr lang="es-CO" sz="2000" dirty="0"/>
-          </a:p>
-        </p:txBody>
-      </p:sp>
+          </a:blip>
+          <a:stretch>
+            <a:fillRect/>
+          </a:stretch>
+        </p:blipFill>
+        <p:spPr>
+          <a:xfrm>
+            <a:off x="2424112" y="1866900"/>
+            <a:ext cx="6086475" cy="4991100"/>
+          </a:xfrm>
+          <a:prstGeom prst="rect">
+            <a:avLst/>
+          </a:prstGeom>
+        </p:spPr>
+      </p:pic>
     </p:spTree>
+    <p:extLst>
+      <p:ext uri="{BB962C8B-B14F-4D97-AF65-F5344CB8AC3E}">
+        <p14:creationId xmlns:p14="http://schemas.microsoft.com/office/powerpoint/2010/main" val="1625057621"/>
+      </p:ext>
+    </p:extLst>
   </p:cSld>
   <p:clrMapOvr>
     <a:masterClrMapping/>
@@ -15270,10 +15160,10 @@
       </p:grpSpPr>
       <p:sp>
         <p:nvSpPr>
-          <p:cNvPr id="2" name="Google Shape;301;p19">
+          <p:cNvPr id="3" name="Google Shape;274;p15">
             <a:extLst>
               <a:ext uri="{FF2B5EF4-FFF2-40B4-BE49-F238E27FC236}">
-                <a16:creationId xmlns="" xmlns:a16="http://schemas.microsoft.com/office/drawing/2014/main" id="{3FED4C02-61DE-4F9F-94DD-0F6AF5D2E7BF}"/>
+                <a16:creationId xmlns:a16="http://schemas.microsoft.com/office/drawing/2014/main" xmlns="" id="{38572213-7C37-44AC-9849-B6D5D3815AE0}"/>
               </a:ext>
             </a:extLst>
           </p:cNvPr>
@@ -15282,8 +15172,8 @@
         </p:nvSpPr>
         <p:spPr>
           <a:xfrm>
-            <a:off x="-126609" y="209980"/>
-            <a:ext cx="9144000" cy="1938952"/>
+            <a:off x="418748" y="458299"/>
+            <a:ext cx="9144000" cy="769441"/>
           </a:xfrm>
           <a:prstGeom prst="rect">
             <a:avLst/>
@@ -15299,56 +15189,106 @@
           </a:bodyPr>
           <a:lstStyle/>
           <a:p>
-            <a:pPr algn="ctr"/>
+            <a:pPr marL="0" marR="0" lvl="0" indent="0" algn="ctr" rtl="0">
+              <a:spcBef>
+                <a:spcPts val="0"/>
+              </a:spcBef>
+              <a:spcAft>
+                <a:spcPts val="0"/>
+              </a:spcAft>
+              <a:buNone/>
+            </a:pPr>
             <a:r>
-              <a:rPr lang="es-CO" sz="4000" dirty="0">
+              <a:rPr lang="es-CO" sz="4400" dirty="0">
                 <a:solidFill>
                   <a:schemeClr val="lt1"/>
                 </a:solidFill>
                 <a:latin typeface="Calibri"/>
+                <a:ea typeface="Calibri"/>
                 <a:cs typeface="Calibri"/>
+                <a:sym typeface="Calibri"/>
               </a:rPr>
-              <a:t>Diagrama de distribución </a:t>
+              <a:t> Gestión del proyecto</a:t>
             </a:r>
-          </a:p>
-          <a:p>
-            <a:pPr algn="ctr"/>
+            <a:endParaRPr lang="es-CO" dirty="0"/>
+          </a:p>
+        </p:txBody>
+      </p:sp>
+      <p:sp>
+        <p:nvSpPr>
+          <p:cNvPr id="4" name="Google Shape;276;p15">
+            <a:extLst>
+              <a:ext uri="{FF2B5EF4-FFF2-40B4-BE49-F238E27FC236}">
+                <a16:creationId xmlns:a16="http://schemas.microsoft.com/office/drawing/2014/main" xmlns="" id="{5B376D5C-FF48-41DD-A0A8-53394A550E8D}"/>
+              </a:ext>
+            </a:extLst>
+          </p:cNvPr>
+          <p:cNvSpPr txBox="1"/>
+          <p:nvPr/>
+        </p:nvSpPr>
+        <p:spPr>
+          <a:xfrm>
+            <a:off x="1022482" y="2227217"/>
+            <a:ext cx="6870234" cy="1201783"/>
+          </a:xfrm>
+          <a:prstGeom prst="rect">
+            <a:avLst/>
+          </a:prstGeom>
+          <a:noFill/>
+          <a:ln>
+            <a:noFill/>
+          </a:ln>
+        </p:spPr>
+        <p:txBody>
+          <a:bodyPr spcFirstLastPara="1" wrap="square" lIns="91425" tIns="45700" rIns="91425" bIns="45700" anchor="ctr" anchorCtr="0">
+            <a:noAutofit/>
+          </a:bodyPr>
+          <a:lstStyle/>
+          <a:p>
+            <a:pPr marL="0" marR="0" lvl="0" indent="0" algn="just" rtl="0">
+              <a:spcBef>
+                <a:spcPts val="0"/>
+              </a:spcBef>
+              <a:spcAft>
+                <a:spcPts val="0"/>
+              </a:spcAft>
+              <a:buNone/>
+            </a:pPr>
             <a:r>
-              <a:rPr lang="es-CO" sz="4000" dirty="0">
+              <a:rPr lang="es-CO" sz="3000" dirty="0">
                 <a:solidFill>
-                  <a:schemeClr val="lt1"/>
+                  <a:schemeClr val="dk1"/>
                 </a:solidFill>
-                <a:latin typeface="Calibri"/>
-                <a:cs typeface="Calibri"/>
+                <a:latin typeface="Times New Roman" panose="02020603050405020304" pitchFamily="18" charset="0"/>
+                <a:ea typeface="Calibri"/>
+                <a:cs typeface="Times New Roman" panose="02020603050405020304" pitchFamily="18" charset="0"/>
+                <a:sym typeface="Calibri"/>
               </a:rPr>
-              <a:t>(UML)</a:t>
+              <a:t>Con el cronograma podemos determinar un calendario de actividades y así conocer los tiempos de cada actividad.</a:t>
             </a:r>
-          </a:p>
-          <a:p>
-            <a:pPr marL="0" marR="0" lvl="0" indent="0" algn="ctr" rtl="0">
-              <a:spcBef>
-                <a:spcPts val="0"/>
-              </a:spcBef>
-              <a:spcAft>
-                <a:spcPts val="0"/>
-              </a:spcAft>
-              <a:buNone/>
-            </a:pPr>
-            <a:endParaRPr sz="4000" dirty="0">
+            <a:endParaRPr sz="3000" dirty="0">
               <a:solidFill>
-                <a:schemeClr val="lt1"/>
+                <a:schemeClr val="dk1"/>
               </a:solidFill>
-              <a:latin typeface="Calibri"/>
-              <a:cs typeface="Calibri"/>
+              <a:latin typeface="Times New Roman" panose="02020603050405020304" pitchFamily="18" charset="0"/>
+              <a:ea typeface="Calibri"/>
+              <a:cs typeface="Times New Roman" panose="02020603050405020304" pitchFamily="18" charset="0"/>
+              <a:sym typeface="Calibri"/>
             </a:endParaRPr>
           </a:p>
         </p:txBody>
       </p:sp>
       <p:pic>
         <p:nvPicPr>
-          <p:cNvPr id="4" name="Imagen 3"/>
+          <p:cNvPr id="5" name="Picture 2" descr="Tareas De La Planificación Del Trabajo En Equipo, De La ...">
+            <a:extLst>
+              <a:ext uri="{FF2B5EF4-FFF2-40B4-BE49-F238E27FC236}">
+                <a16:creationId xmlns:a16="http://schemas.microsoft.com/office/drawing/2014/main" xmlns="" id="{63540C2B-2C8B-4D8B-9193-BF9D8F886424}"/>
+              </a:ext>
+            </a:extLst>
+          </p:cNvPr>
           <p:cNvPicPr>
-            <a:picLocks noChangeAspect="1"/>
+            <a:picLocks noChangeAspect="1" noChangeArrowheads="1"/>
           </p:cNvPicPr>
           <p:nvPr/>
         </p:nvPicPr>
@@ -15360,24 +15300,101 @@
               </a:ext>
             </a:extLst>
           </a:blip>
+          <a:srcRect/>
           <a:stretch>
             <a:fillRect/>
           </a:stretch>
         </p:blipFill>
-        <p:spPr>
-          <a:xfrm>
-            <a:off x="516328" y="2649779"/>
-            <a:ext cx="8713397" cy="3465271"/>
-          </a:xfrm>
-          <a:prstGeom prst="rect">
-            <a:avLst/>
-          </a:prstGeom>
+        <p:spPr bwMode="auto">
+          <a:xfrm>
+            <a:off x="4411983" y="3596199"/>
+            <a:ext cx="4288300" cy="2916044"/>
+          </a:xfrm>
+          <a:prstGeom prst="rect">
+            <a:avLst/>
+          </a:prstGeom>
+          <a:noFill/>
+          <a:extLst>
+            <a:ext uri="{909E8E84-426E-40DD-AFC4-6F175D3DCCD1}">
+              <a14:hiddenFill xmlns:a14="http://schemas.microsoft.com/office/drawing/2010/main">
+                <a:solidFill>
+                  <a:srgbClr val="FFFFFF"/>
+                </a:solidFill>
+              </a14:hiddenFill>
+            </a:ext>
+          </a:extLst>
         </p:spPr>
       </p:pic>
+      <p:sp>
+        <p:nvSpPr>
+          <p:cNvPr id="6" name="Google Shape;275;p15">
+            <a:hlinkClick r:id="rId3"/>
+            <a:extLst>
+              <a:ext uri="{FF2B5EF4-FFF2-40B4-BE49-F238E27FC236}">
+                <a16:creationId xmlns:a16="http://schemas.microsoft.com/office/drawing/2014/main" xmlns="" id="{CF0D17DD-99A5-4557-8E36-67F6E3CC1483}"/>
+              </a:ext>
+            </a:extLst>
+          </p:cNvPr>
+          <p:cNvSpPr txBox="1"/>
+          <p:nvPr/>
+        </p:nvSpPr>
+        <p:spPr>
+          <a:xfrm>
+            <a:off x="1688123" y="4521208"/>
+            <a:ext cx="2347547" cy="712177"/>
+          </a:xfrm>
+          <a:prstGeom prst="rect">
+            <a:avLst/>
+          </a:prstGeom>
+          <a:noFill/>
+          <a:ln>
+            <a:noFill/>
+          </a:ln>
+        </p:spPr>
+        <p:txBody>
+          <a:bodyPr spcFirstLastPara="1" wrap="square" lIns="91425" tIns="45700" rIns="91425" bIns="45700" anchor="ctr" anchorCtr="0">
+            <a:noAutofit/>
+          </a:bodyPr>
+          <a:lstStyle/>
+          <a:p>
+            <a:pPr marL="0" marR="0" lvl="0" indent="0" algn="l" rtl="0">
+              <a:spcBef>
+                <a:spcPts val="0"/>
+              </a:spcBef>
+              <a:spcAft>
+                <a:spcPts val="0"/>
+              </a:spcAft>
+              <a:buNone/>
+            </a:pPr>
+            <a:r>
+              <a:rPr lang="es-CO" sz="3000" b="1" u="sng" dirty="0">
+                <a:solidFill>
+                  <a:schemeClr val="dk1"/>
+                </a:solidFill>
+                <a:latin typeface="Times New Roman" panose="02020603050405020304" pitchFamily="18" charset="0"/>
+                <a:ea typeface="Calibri"/>
+                <a:cs typeface="Times New Roman" panose="02020603050405020304" pitchFamily="18" charset="0"/>
+                <a:sym typeface="Calibri"/>
+                <a:hlinkClick r:id="rId4" action="ppaction://hlinkfile"/>
+              </a:rPr>
+              <a:t>Cronograma</a:t>
+            </a:r>
+            <a:endParaRPr sz="3000" b="1" dirty="0">
+              <a:solidFill>
+                <a:schemeClr val="dk1"/>
+              </a:solidFill>
+              <a:latin typeface="Times New Roman" panose="02020603050405020304" pitchFamily="18" charset="0"/>
+              <a:ea typeface="Calibri"/>
+              <a:cs typeface="Times New Roman" panose="02020603050405020304" pitchFamily="18" charset="0"/>
+              <a:sym typeface="Calibri"/>
+            </a:endParaRPr>
+          </a:p>
+        </p:txBody>
+      </p:sp>
     </p:spTree>
     <p:extLst>
       <p:ext uri="{BB962C8B-B14F-4D97-AF65-F5344CB8AC3E}">
-        <p14:creationId xmlns:p14="http://schemas.microsoft.com/office/powerpoint/2010/main" val="162204681"/>
+        <p14:creationId xmlns:p14="http://schemas.microsoft.com/office/powerpoint/2010/main" val="3576284020"/>
       </p:ext>
     </p:extLst>
   </p:cSld>
@@ -15406,10 +15423,146 @@
       </p:grpSpPr>
       <p:sp>
         <p:nvSpPr>
+          <p:cNvPr id="2" name="Google Shape;301;p19">
+            <a:extLst>
+              <a:ext uri="{FF2B5EF4-FFF2-40B4-BE49-F238E27FC236}">
+                <a16:creationId xmlns:a16="http://schemas.microsoft.com/office/drawing/2014/main" xmlns="" id="{3FED4C02-61DE-4F9F-94DD-0F6AF5D2E7BF}"/>
+              </a:ext>
+            </a:extLst>
+          </p:cNvPr>
+          <p:cNvSpPr/>
+          <p:nvPr/>
+        </p:nvSpPr>
+        <p:spPr>
+          <a:xfrm>
+            <a:off x="-126609" y="209980"/>
+            <a:ext cx="9144000" cy="1938952"/>
+          </a:xfrm>
+          <a:prstGeom prst="rect">
+            <a:avLst/>
+          </a:prstGeom>
+          <a:noFill/>
+          <a:ln>
+            <a:noFill/>
+          </a:ln>
+        </p:spPr>
+        <p:txBody>
+          <a:bodyPr spcFirstLastPara="1" wrap="square" lIns="91425" tIns="45700" rIns="91425" bIns="45700" anchor="t" anchorCtr="0">
+            <a:spAutoFit/>
+          </a:bodyPr>
+          <a:lstStyle/>
+          <a:p>
+            <a:pPr algn="ctr"/>
+            <a:r>
+              <a:rPr lang="es-CO" sz="4000" dirty="0">
+                <a:solidFill>
+                  <a:schemeClr val="lt1"/>
+                </a:solidFill>
+                <a:latin typeface="Calibri"/>
+                <a:cs typeface="Calibri"/>
+              </a:rPr>
+              <a:t>Diagrama de distribución </a:t>
+            </a:r>
+          </a:p>
+          <a:p>
+            <a:pPr algn="ctr"/>
+            <a:r>
+              <a:rPr lang="es-CO" sz="4000" dirty="0">
+                <a:solidFill>
+                  <a:schemeClr val="lt1"/>
+                </a:solidFill>
+                <a:latin typeface="Calibri"/>
+                <a:cs typeface="Calibri"/>
+              </a:rPr>
+              <a:t>(UML)</a:t>
+            </a:r>
+          </a:p>
+          <a:p>
+            <a:pPr marL="0" marR="0" lvl="0" indent="0" algn="ctr" rtl="0">
+              <a:spcBef>
+                <a:spcPts val="0"/>
+              </a:spcBef>
+              <a:spcAft>
+                <a:spcPts val="0"/>
+              </a:spcAft>
+              <a:buNone/>
+            </a:pPr>
+            <a:endParaRPr sz="4000" dirty="0">
+              <a:solidFill>
+                <a:schemeClr val="lt1"/>
+              </a:solidFill>
+              <a:latin typeface="Calibri"/>
+              <a:cs typeface="Calibri"/>
+            </a:endParaRPr>
+          </a:p>
+        </p:txBody>
+      </p:sp>
+      <p:pic>
+        <p:nvPicPr>
+          <p:cNvPr id="4" name="Imagen 3"/>
+          <p:cNvPicPr>
+            <a:picLocks noChangeAspect="1"/>
+          </p:cNvPicPr>
+          <p:nvPr/>
+        </p:nvPicPr>
+        <p:blipFill>
+          <a:blip r:embed="rId2">
+            <a:extLst>
+              <a:ext uri="{28A0092B-C50C-407E-A947-70E740481C1C}">
+                <a14:useLocalDpi xmlns:a14="http://schemas.microsoft.com/office/drawing/2010/main" val="0"/>
+              </a:ext>
+            </a:extLst>
+          </a:blip>
+          <a:stretch>
+            <a:fillRect/>
+          </a:stretch>
+        </p:blipFill>
+        <p:spPr>
+          <a:xfrm>
+            <a:off x="516328" y="2649779"/>
+            <a:ext cx="8713397" cy="3465271"/>
+          </a:xfrm>
+          <a:prstGeom prst="rect">
+            <a:avLst/>
+          </a:prstGeom>
+        </p:spPr>
+      </p:pic>
+    </p:spTree>
+    <p:extLst>
+      <p:ext uri="{BB962C8B-B14F-4D97-AF65-F5344CB8AC3E}">
+        <p14:creationId xmlns:p14="http://schemas.microsoft.com/office/powerpoint/2010/main" val="162204681"/>
+      </p:ext>
+    </p:extLst>
+  </p:cSld>
+  <p:clrMapOvr>
+    <a:masterClrMapping/>
+  </p:clrMapOvr>
+</p:sld>
+</file>
+
+<file path=ppt/slides/slide23.xml><?xml version="1.0" encoding="utf-8"?>
+<p:sld xmlns:a="http://schemas.openxmlformats.org/drawingml/2006/main" xmlns:r="http://schemas.openxmlformats.org/officeDocument/2006/relationships" xmlns:p="http://schemas.openxmlformats.org/presentationml/2006/main">
+  <p:cSld>
+    <p:spTree>
+      <p:nvGrpSpPr>
+        <p:cNvPr id="1" name=""/>
+        <p:cNvGrpSpPr/>
+        <p:nvPr/>
+      </p:nvGrpSpPr>
+      <p:grpSpPr>
+        <a:xfrm>
+          <a:off x="0" y="0"/>
+          <a:ext cx="0" cy="0"/>
+          <a:chOff x="0" y="0"/>
+          <a:chExt cx="0" cy="0"/>
+        </a:xfrm>
+      </p:grpSpPr>
+      <p:sp>
+        <p:nvSpPr>
           <p:cNvPr id="3" name="Google Shape;301;p19">
             <a:extLst>
               <a:ext uri="{FF2B5EF4-FFF2-40B4-BE49-F238E27FC236}">
-                <a16:creationId xmlns="" xmlns:a16="http://schemas.microsoft.com/office/drawing/2014/main" id="{07C25429-B0E0-45FD-9111-CF1EF789F2BB}"/>
+                <a16:creationId xmlns:a16="http://schemas.microsoft.com/office/drawing/2014/main" xmlns="" id="{07C25429-B0E0-45FD-9111-CF1EF789F2BB}"/>
               </a:ext>
             </a:extLst>
           </p:cNvPr>
@@ -15472,7 +15625,7 @@
           <p:cNvPr id="7" name="Imagen 6" descr="Imagen que contiene texto, mapa, firmar, pantalla&#10;&#10;Descripción generada automáticamente">
             <a:extLst>
               <a:ext uri="{FF2B5EF4-FFF2-40B4-BE49-F238E27FC236}">
-                <a16:creationId xmlns="" xmlns:a16="http://schemas.microsoft.com/office/drawing/2014/main" id="{518FD45F-8C81-4609-AE74-7F9639C87971}"/>
+                <a16:creationId xmlns:a16="http://schemas.microsoft.com/office/drawing/2014/main" xmlns="" id="{518FD45F-8C81-4609-AE74-7F9639C87971}"/>
               </a:ext>
             </a:extLst>
           </p:cNvPr>
@@ -15503,112 +15656,6 @@
         <p14:creationId xmlns:p14="http://schemas.microsoft.com/office/powerpoint/2010/main" val="2034671285"/>
       </p:ext>
     </p:extLst>
-  </p:cSld>
-  <p:clrMapOvr>
-    <a:masterClrMapping/>
-  </p:clrMapOvr>
-</p:sld>
-</file>
-
-<file path=ppt/slides/slide23.xml><?xml version="1.0" encoding="utf-8"?>
-<p:sld xmlns:a="http://schemas.openxmlformats.org/drawingml/2006/main" xmlns:r="http://schemas.openxmlformats.org/officeDocument/2006/relationships" xmlns:p="http://schemas.openxmlformats.org/presentationml/2006/main">
-  <p:cSld>
-    <p:spTree>
-      <p:nvGrpSpPr>
-        <p:cNvPr id="1" name="Shape 294"/>
-        <p:cNvGrpSpPr/>
-        <p:nvPr/>
-      </p:nvGrpSpPr>
-      <p:grpSpPr>
-        <a:xfrm>
-          <a:off x="0" y="0"/>
-          <a:ext cx="0" cy="0"/>
-          <a:chOff x="0" y="0"/>
-          <a:chExt cx="0" cy="0"/>
-        </a:xfrm>
-      </p:grpSpPr>
-      <p:sp>
-        <p:nvSpPr>
-          <p:cNvPr id="295" name="Google Shape;295;p18"/>
-          <p:cNvSpPr/>
-          <p:nvPr/>
-        </p:nvSpPr>
-        <p:spPr>
-          <a:xfrm>
-            <a:off x="0" y="418440"/>
-            <a:ext cx="9144000" cy="769441"/>
-          </a:xfrm>
-          <a:prstGeom prst="rect">
-            <a:avLst/>
-          </a:prstGeom>
-          <a:noFill/>
-          <a:ln>
-            <a:noFill/>
-          </a:ln>
-        </p:spPr>
-        <p:txBody>
-          <a:bodyPr spcFirstLastPara="1" wrap="square" lIns="91425" tIns="45700" rIns="91425" bIns="45700" anchor="t" anchorCtr="0">
-            <a:spAutoFit/>
-          </a:bodyPr>
-          <a:lstStyle/>
-          <a:p>
-            <a:pPr marL="0" marR="0" lvl="0" indent="0" algn="ctr" rtl="0">
-              <a:spcBef>
-                <a:spcPts val="0"/>
-              </a:spcBef>
-              <a:spcAft>
-                <a:spcPts val="0"/>
-              </a:spcAft>
-              <a:buNone/>
-            </a:pPr>
-            <a:r>
-              <a:rPr lang="es-CO" sz="4400" dirty="0">
-                <a:solidFill>
-                  <a:schemeClr val="lt1"/>
-                </a:solidFill>
-                <a:latin typeface="Calibri"/>
-                <a:ea typeface="Calibri"/>
-                <a:cs typeface="Calibri"/>
-                <a:sym typeface="Calibri"/>
-              </a:rPr>
-              <a:t> Normalización MER</a:t>
-            </a:r>
-            <a:endParaRPr dirty="0"/>
-          </a:p>
-        </p:txBody>
-      </p:sp>
-      <p:pic>
-        <p:nvPicPr>
-          <p:cNvPr id="2" name="Imagen 1">
-            <a:hlinkClick r:id="rId3" action="ppaction://hlinkfile"/>
-            <a:extLst>
-              <a:ext uri="{FF2B5EF4-FFF2-40B4-BE49-F238E27FC236}">
-                <a16:creationId xmlns="" xmlns:a16="http://schemas.microsoft.com/office/drawing/2014/main" id="{7AAE4CC5-587F-457A-90DB-4F863FF2413F}"/>
-              </a:ext>
-            </a:extLst>
-          </p:cNvPr>
-          <p:cNvPicPr>
-            <a:picLocks noChangeAspect="1"/>
-          </p:cNvPicPr>
-          <p:nvPr/>
-        </p:nvPicPr>
-        <p:blipFill>
-          <a:blip r:embed="rId4"/>
-          <a:stretch>
-            <a:fillRect/>
-          </a:stretch>
-        </p:blipFill>
-        <p:spPr>
-          <a:xfrm>
-            <a:off x="2263873" y="1631192"/>
-            <a:ext cx="5010150" cy="5114925"/>
-          </a:xfrm>
-          <a:prstGeom prst="rect">
-            <a:avLst/>
-          </a:prstGeom>
-        </p:spPr>
-      </p:pic>
-    </p:spTree>
   </p:cSld>
   <p:clrMapOvr>
     <a:masterClrMapping/>
@@ -15787,7 +15834,7 @@
           <p:cNvPr id="10" name="Google Shape;301;p19">
             <a:extLst>
               <a:ext uri="{FF2B5EF4-FFF2-40B4-BE49-F238E27FC236}">
-                <a16:creationId xmlns="" xmlns:a16="http://schemas.microsoft.com/office/drawing/2014/main" id="{85A0AAD9-674A-429D-857B-225C345815AE}"/>
+                <a16:creationId xmlns:a16="http://schemas.microsoft.com/office/drawing/2014/main" xmlns="" id="{85A0AAD9-674A-429D-857B-225C345815AE}"/>
               </a:ext>
             </a:extLst>
           </p:cNvPr>
@@ -15883,7 +15930,7 @@
           <p:cNvPr id="6" name="Google Shape;240;p11">
             <a:extLst>
               <a:ext uri="{FF2B5EF4-FFF2-40B4-BE49-F238E27FC236}">
-                <a16:creationId xmlns="" xmlns:a16="http://schemas.microsoft.com/office/drawing/2014/main" id="{C60272C8-7E00-428B-A450-A1A749ED198D}"/>
+                <a16:creationId xmlns:a16="http://schemas.microsoft.com/office/drawing/2014/main" xmlns="" id="{C60272C8-7E00-428B-A450-A1A749ED198D}"/>
               </a:ext>
             </a:extLst>
           </p:cNvPr>
@@ -15928,9 +15975,10 @@
       <p:pic>
         <p:nvPicPr>
           <p:cNvPr id="2" name="Imagen 1">
+            <a:hlinkClick r:id="rId3" action="ppaction://hlinkfile"/>
             <a:extLst>
               <a:ext uri="{FF2B5EF4-FFF2-40B4-BE49-F238E27FC236}">
-                <a16:creationId xmlns="" xmlns:a16="http://schemas.microsoft.com/office/drawing/2014/main" id="{559731CF-29F4-40C9-ACFD-D11C7DA121B9}"/>
+                <a16:creationId xmlns:a16="http://schemas.microsoft.com/office/drawing/2014/main" xmlns="" id="{559731CF-29F4-40C9-ACFD-D11C7DA121B9}"/>
               </a:ext>
             </a:extLst>
           </p:cNvPr>
@@ -15940,7 +15988,7 @@
           <p:nvPr/>
         </p:nvPicPr>
         <p:blipFill>
-          <a:blip r:embed="rId3"/>
+          <a:blip r:embed="rId4"/>
           <a:stretch>
             <a:fillRect/>
           </a:stretch>
@@ -15968,7 +16016,7 @@
   <p:cSld>
     <p:spTree>
       <p:nvGrpSpPr>
-        <p:cNvPr id="1" name=""/>
+        <p:cNvPr id="1" name="Shape 294"/>
         <p:cNvGrpSpPr/>
         <p:nvPr/>
       </p:nvGrpSpPr>
@@ -15982,20 +16030,14 @@
       </p:grpSpPr>
       <p:sp>
         <p:nvSpPr>
-          <p:cNvPr id="2" name="Google Shape;301;p19">
-            <a:extLst>
-              <a:ext uri="{FF2B5EF4-FFF2-40B4-BE49-F238E27FC236}">
-                <a16:creationId xmlns="" xmlns:a16="http://schemas.microsoft.com/office/drawing/2014/main" id="{BC0DD5E3-4FC9-4392-ADE4-BBCA125527BC}"/>
-              </a:ext>
-            </a:extLst>
-          </p:cNvPr>
+          <p:cNvPr id="295" name="Google Shape;295;p18"/>
           <p:cNvSpPr/>
           <p:nvPr/>
         </p:nvSpPr>
         <p:spPr>
           <a:xfrm>
-            <a:off x="-126609" y="209980"/>
-            <a:ext cx="9144000" cy="1938952"/>
+            <a:off x="0" y="418440"/>
+            <a:ext cx="9144000" cy="769441"/>
           </a:xfrm>
           <a:prstGeom prst="rect">
             <a:avLst/>
@@ -16011,45 +16053,38 @@
           </a:bodyPr>
           <a:lstStyle/>
           <a:p>
-            <a:pPr algn="ctr"/>
+            <a:pPr marL="0" marR="0" lvl="0" indent="0" algn="ctr" rtl="0">
+              <a:spcBef>
+                <a:spcPts val="0"/>
+              </a:spcBef>
+              <a:spcAft>
+                <a:spcPts val="0"/>
+              </a:spcAft>
+              <a:buNone/>
+            </a:pPr>
             <a:r>
-              <a:rPr lang="es-CO" sz="4000" dirty="0">
+              <a:rPr lang="es-CO" sz="4400" dirty="0">
                 <a:solidFill>
                   <a:schemeClr val="lt1"/>
                 </a:solidFill>
                 <a:latin typeface="Calibri"/>
+                <a:ea typeface="Calibri"/>
                 <a:cs typeface="Calibri"/>
+                <a:sym typeface="Calibri"/>
               </a:rPr>
-              <a:t>Cuadro comparativo proveedores de Hardware y Software</a:t>
+              <a:t> Normalización MER</a:t>
             </a:r>
-          </a:p>
-          <a:p>
-            <a:pPr marL="0" marR="0" lvl="0" indent="0" algn="ctr" rtl="0">
-              <a:spcBef>
-                <a:spcPts val="0"/>
-              </a:spcBef>
-              <a:spcAft>
-                <a:spcPts val="0"/>
-              </a:spcAft>
-              <a:buNone/>
-            </a:pPr>
-            <a:endParaRPr sz="4000" dirty="0">
-              <a:solidFill>
-                <a:schemeClr val="lt1"/>
-              </a:solidFill>
-              <a:latin typeface="Calibri"/>
-              <a:cs typeface="Calibri"/>
-            </a:endParaRPr>
+            <a:endParaRPr dirty="0"/>
           </a:p>
         </p:txBody>
       </p:sp>
       <p:pic>
         <p:nvPicPr>
-          <p:cNvPr id="3" name="Imagen 2">
-            <a:hlinkClick r:id="rId2" action="ppaction://hlinkfile"/>
+          <p:cNvPr id="2" name="Imagen 1">
+            <a:hlinkClick r:id="rId3" action="ppaction://hlinkfile"/>
             <a:extLst>
               <a:ext uri="{FF2B5EF4-FFF2-40B4-BE49-F238E27FC236}">
-                <a16:creationId xmlns="" xmlns:a16="http://schemas.microsoft.com/office/drawing/2014/main" id="{BADA6DF1-5BC8-44A4-A8E8-5DB3266EA975}"/>
+                <a16:creationId xmlns:a16="http://schemas.microsoft.com/office/drawing/2014/main" xmlns="" id="{7AAE4CC5-587F-457A-90DB-4F863FF2413F}"/>
               </a:ext>
             </a:extLst>
           </p:cNvPr>
@@ -16058,15 +16093,16 @@
           </p:cNvPicPr>
           <p:nvPr/>
         </p:nvPicPr>
-        <p:blipFill rotWithShape="1">
-          <a:blip r:embed="rId3"/>
-          <a:srcRect l="-255" t="-452" r="255" b="452"/>
-          <a:stretch/>
+        <p:blipFill>
+          <a:blip r:embed="rId4"/>
+          <a:stretch>
+            <a:fillRect/>
+          </a:stretch>
         </p:blipFill>
         <p:spPr>
           <a:xfrm>
-            <a:off x="926029" y="2148932"/>
-            <a:ext cx="7458075" cy="4210050"/>
+            <a:off x="2263873" y="1631192"/>
+            <a:ext cx="5010150" cy="5114925"/>
           </a:xfrm>
           <a:prstGeom prst="rect">
             <a:avLst/>
@@ -16074,11 +16110,6 @@
         </p:spPr>
       </p:pic>
     </p:spTree>
-    <p:extLst>
-      <p:ext uri="{BB962C8B-B14F-4D97-AF65-F5344CB8AC3E}">
-        <p14:creationId xmlns:p14="http://schemas.microsoft.com/office/powerpoint/2010/main" val="3560220397"/>
-      </p:ext>
-    </p:extLst>
   </p:cSld>
   <p:clrMapOvr>
     <a:masterClrMapping/>
@@ -16105,20 +16136,20 @@
       </p:grpSpPr>
       <p:sp>
         <p:nvSpPr>
-          <p:cNvPr id="2" name="Google Shape;301;p19">
+          <p:cNvPr id="2" name="Google Shape;134;p1">
             <a:extLst>
               <a:ext uri="{FF2B5EF4-FFF2-40B4-BE49-F238E27FC236}">
-                <a16:creationId xmlns="" xmlns:a16="http://schemas.microsoft.com/office/drawing/2014/main" id="{94AA6C33-C2F6-4658-9DB6-D1AFF50223D7}"/>
+                <a16:creationId xmlns:a16="http://schemas.microsoft.com/office/drawing/2014/main" xmlns="" id="{89006225-9AC6-4B7F-A20B-8222B852191D}"/>
               </a:ext>
             </a:extLst>
           </p:cNvPr>
-          <p:cNvSpPr/>
+          <p:cNvSpPr txBox="1"/>
           <p:nvPr/>
         </p:nvSpPr>
         <p:spPr>
           <a:xfrm>
-            <a:off x="-126609" y="209980"/>
-            <a:ext cx="9144000" cy="1938952"/>
+            <a:off x="533165" y="610452"/>
+            <a:ext cx="4376460" cy="1471566"/>
           </a:xfrm>
           <a:prstGeom prst="rect">
             <a:avLst/>
@@ -16129,91 +16160,98 @@
           </a:ln>
         </p:spPr>
         <p:txBody>
-          <a:bodyPr spcFirstLastPara="1" wrap="square" lIns="91425" tIns="45700" rIns="91425" bIns="45700" anchor="t" anchorCtr="0">
-            <a:spAutoFit/>
+          <a:bodyPr spcFirstLastPara="1" wrap="square" lIns="91425" tIns="45700" rIns="91425" bIns="45700" anchor="ctr" anchorCtr="0">
+            <a:noAutofit/>
           </a:bodyPr>
           <a:lstStyle/>
           <a:p>
-            <a:pPr algn="ctr"/>
+            <a:pPr marL="0" marR="0" lvl="0" indent="0" algn="l" rtl="0">
+              <a:spcBef>
+                <a:spcPts val="0"/>
+              </a:spcBef>
+              <a:spcAft>
+                <a:spcPts val="0"/>
+              </a:spcAft>
+              <a:buClr>
+                <a:srgbClr val="BFBFBF"/>
+              </a:buClr>
+              <a:buSzPts val="4800"/>
+              <a:buFont typeface="Calibri"/>
+              <a:buNone/>
+            </a:pPr>
             <a:r>
-              <a:rPr lang="es-CO" sz="4000" dirty="0">
+              <a:rPr lang="es-CO" sz="4800" b="1" i="0" u="none" strike="noStrike" cap="none" dirty="0">
                 <a:solidFill>
-                  <a:schemeClr val="lt1"/>
+                  <a:srgbClr val="434343"/>
                 </a:solidFill>
                 <a:latin typeface="Calibri"/>
+                <a:ea typeface="Calibri"/>
                 <a:cs typeface="Calibri"/>
+                <a:sym typeface="Calibri"/>
               </a:rPr>
-              <a:t>Base de Datos</a:t>
+              <a:t>Proyectos ADSI </a:t>
             </a:r>
-          </a:p>
-          <a:p>
-            <a:pPr algn="ctr"/>
+            <a:endParaRPr sz="4800" b="1" i="0" u="none" strike="noStrike" cap="none" dirty="0">
+              <a:solidFill>
+                <a:srgbClr val="434343"/>
+              </a:solidFill>
+              <a:latin typeface="Calibri"/>
+              <a:ea typeface="Calibri"/>
+              <a:cs typeface="Calibri"/>
+              <a:sym typeface="Calibri"/>
+            </a:endParaRPr>
+          </a:p>
+          <a:p>
+            <a:pPr marL="0" marR="0" lvl="0" indent="0" algn="l" rtl="0">
+              <a:spcBef>
+                <a:spcPts val="0"/>
+              </a:spcBef>
+              <a:spcAft>
+                <a:spcPts val="0"/>
+              </a:spcAft>
+              <a:buClr>
+                <a:srgbClr val="BFBFBF"/>
+              </a:buClr>
+              <a:buSzPts val="4800"/>
+              <a:buFont typeface="Calibri"/>
+              <a:buNone/>
+            </a:pPr>
             <a:r>
-              <a:rPr lang="es-CO" sz="4000" dirty="0">
+              <a:rPr lang="es-CO" sz="4800" b="1" i="0" u="none" strike="noStrike" cap="none" dirty="0" smtClean="0">
                 <a:solidFill>
-                  <a:schemeClr val="lt1"/>
+                  <a:srgbClr val="434343"/>
                 </a:solidFill>
                 <a:latin typeface="Calibri"/>
+                <a:ea typeface="Calibri"/>
                 <a:cs typeface="Calibri"/>
+                <a:sym typeface="Calibri"/>
               </a:rPr>
-              <a:t>script</a:t>
+              <a:t>III </a:t>
             </a:r>
-          </a:p>
-          <a:p>
-            <a:pPr marL="0" marR="0" lvl="0" indent="0" algn="ctr" rtl="0">
-              <a:spcBef>
-                <a:spcPts val="0"/>
-              </a:spcBef>
-              <a:spcAft>
-                <a:spcPts val="0"/>
-              </a:spcAft>
-              <a:buNone/>
-            </a:pPr>
-            <a:endParaRPr sz="4000" dirty="0">
+            <a:r>
+              <a:rPr lang="es-CO" sz="4800" b="1" i="0" u="none" strike="noStrike" cap="none" dirty="0">
+                <a:solidFill>
+                  <a:srgbClr val="434343"/>
+                </a:solidFill>
+                <a:latin typeface="Calibri"/>
+                <a:ea typeface="Calibri"/>
+                <a:cs typeface="Calibri"/>
+                <a:sym typeface="Calibri"/>
+              </a:rPr>
+              <a:t>Trimestre</a:t>
+            </a:r>
+            <a:endParaRPr dirty="0">
               <a:solidFill>
-                <a:schemeClr val="lt1"/>
+                <a:srgbClr val="434343"/>
               </a:solidFill>
-              <a:latin typeface="Calibri"/>
-              <a:cs typeface="Calibri"/>
             </a:endParaRPr>
           </a:p>
         </p:txBody>
       </p:sp>
-      <p:pic>
-        <p:nvPicPr>
-          <p:cNvPr id="3" name="Imagen 2">
-            <a:hlinkClick r:id="rId2" action="ppaction://hlinkfile"/>
-            <a:extLst>
-              <a:ext uri="{FF2B5EF4-FFF2-40B4-BE49-F238E27FC236}">
-                <a16:creationId xmlns="" xmlns:a16="http://schemas.microsoft.com/office/drawing/2014/main" id="{0FC15038-BA2F-4951-B4EA-6DE70AC43AF6}"/>
-              </a:ext>
-            </a:extLst>
-          </p:cNvPr>
-          <p:cNvPicPr>
-            <a:picLocks noChangeAspect="1"/>
-          </p:cNvPicPr>
-          <p:nvPr/>
-        </p:nvPicPr>
-        <p:blipFill>
-          <a:blip r:embed="rId3"/>
-          <a:stretch>
-            <a:fillRect/>
-          </a:stretch>
-        </p:blipFill>
-        <p:spPr>
-          <a:xfrm>
-            <a:off x="1720288" y="2035785"/>
-            <a:ext cx="6181725" cy="4333875"/>
-          </a:xfrm>
-          <a:prstGeom prst="rect">
-            <a:avLst/>
-          </a:prstGeom>
-        </p:spPr>
-      </p:pic>
     </p:spTree>
     <p:extLst>
       <p:ext uri="{BB962C8B-B14F-4D97-AF65-F5344CB8AC3E}">
-        <p14:creationId xmlns:p14="http://schemas.microsoft.com/office/powerpoint/2010/main" val="644163029"/>
+        <p14:creationId xmlns:p14="http://schemas.microsoft.com/office/powerpoint/2010/main" val="1794803744"/>
       </p:ext>
     </p:extLst>
   </p:cSld>
@@ -16228,7 +16266,7 @@
   <p:cSld>
     <p:spTree>
       <p:nvGrpSpPr>
-        <p:cNvPr id="1" name=""/>
+        <p:cNvPr id="1" name="Shape 300"/>
         <p:cNvGrpSpPr/>
         <p:nvPr/>
       </p:nvGrpSpPr>
@@ -16242,10 +16280,137 @@
       </p:grpSpPr>
       <p:sp>
         <p:nvSpPr>
-          <p:cNvPr id="2" name="Google Shape;301;p19">
+          <p:cNvPr id="301" name="Google Shape;301;p19"/>
+          <p:cNvSpPr/>
+          <p:nvPr/>
+        </p:nvSpPr>
+        <p:spPr>
+          <a:xfrm>
+            <a:off x="-901270" y="459342"/>
+            <a:ext cx="9144000" cy="769441"/>
+          </a:xfrm>
+          <a:prstGeom prst="rect">
+            <a:avLst/>
+          </a:prstGeom>
+          <a:noFill/>
+          <a:ln>
+            <a:noFill/>
+          </a:ln>
+        </p:spPr>
+        <p:txBody>
+          <a:bodyPr spcFirstLastPara="1" wrap="square" lIns="91425" tIns="45700" rIns="91425" bIns="45700" anchor="t" anchorCtr="0">
+            <a:spAutoFit/>
+          </a:bodyPr>
+          <a:lstStyle/>
+          <a:p>
+            <a:pPr marL="0" marR="0" lvl="0" indent="0" algn="r" rtl="0">
+              <a:spcBef>
+                <a:spcPts val="0"/>
+              </a:spcBef>
+              <a:spcAft>
+                <a:spcPts val="0"/>
+              </a:spcAft>
+              <a:buNone/>
+            </a:pPr>
+            <a:r>
+              <a:rPr lang="es-CO" sz="4400" dirty="0">
+                <a:solidFill>
+                  <a:schemeClr val="lt1"/>
+                </a:solidFill>
+                <a:latin typeface="Calibri"/>
+                <a:ea typeface="Calibri"/>
+                <a:cs typeface="Calibri"/>
+                <a:sym typeface="Calibri"/>
+              </a:rPr>
+              <a:t> Sistema de Control de versiones</a:t>
+            </a:r>
+            <a:endParaRPr dirty="0"/>
+          </a:p>
+        </p:txBody>
+      </p:sp>
+      <p:pic>
+        <p:nvPicPr>
+          <p:cNvPr id="303" name="Google Shape;303;p19"/>
+          <p:cNvPicPr preferRelativeResize="0"/>
+          <p:nvPr/>
+        </p:nvPicPr>
+        <p:blipFill rotWithShape="1">
+          <a:blip r:embed="rId3">
+            <a:alphaModFix/>
+          </a:blip>
+          <a:srcRect/>
+          <a:stretch/>
+        </p:blipFill>
+        <p:spPr>
+          <a:xfrm>
+            <a:off x="5257702" y="2351734"/>
+            <a:ext cx="3662203" cy="3662203"/>
+          </a:xfrm>
+          <a:prstGeom prst="rect">
+            <a:avLst/>
+          </a:prstGeom>
+          <a:noFill/>
+          <a:ln>
+            <a:noFill/>
+          </a:ln>
+        </p:spPr>
+      </p:pic>
+      <p:sp>
+        <p:nvSpPr>
+          <p:cNvPr id="304" name="Google Shape;304;p19"/>
+          <p:cNvSpPr txBox="1"/>
+          <p:nvPr/>
+        </p:nvSpPr>
+        <p:spPr>
+          <a:xfrm>
+            <a:off x="1148371" y="2762110"/>
+            <a:ext cx="3338285" cy="2278743"/>
+          </a:xfrm>
+          <a:prstGeom prst="rect">
+            <a:avLst/>
+          </a:prstGeom>
+          <a:noFill/>
+          <a:ln>
+            <a:noFill/>
+          </a:ln>
+        </p:spPr>
+        <p:txBody>
+          <a:bodyPr spcFirstLastPara="1" wrap="square" lIns="91425" tIns="45700" rIns="91425" bIns="45700" anchor="ctr" anchorCtr="0">
+            <a:noAutofit/>
+          </a:bodyPr>
+          <a:lstStyle/>
+          <a:p>
+            <a:pPr marL="0" marR="0" lvl="0" indent="0" algn="ctr" rtl="0">
+              <a:spcBef>
+                <a:spcPts val="0"/>
+              </a:spcBef>
+              <a:spcAft>
+                <a:spcPts val="0"/>
+              </a:spcAft>
+              <a:buNone/>
+            </a:pPr>
+            <a:r>
+              <a:rPr lang="es-CO" sz="2400" b="1" dirty="0">
+                <a:solidFill>
+                  <a:schemeClr val="dk1"/>
+                </a:solidFill>
+                <a:latin typeface="Calibri"/>
+                <a:ea typeface="Calibri"/>
+                <a:cs typeface="Calibri"/>
+                <a:sym typeface="Calibri"/>
+              </a:rPr>
+              <a:t>Un sistema para controlar y almacenar archivos y sus diferentes versiones de modificación.</a:t>
+            </a:r>
+            <a:endParaRPr dirty="0"/>
+          </a:p>
+        </p:txBody>
+      </p:sp>
+      <p:sp>
+        <p:nvSpPr>
+          <p:cNvPr id="2" name="Rectángulo 1">
             <a:extLst>
               <a:ext uri="{FF2B5EF4-FFF2-40B4-BE49-F238E27FC236}">
-                <a16:creationId xmlns="" xmlns:a16="http://schemas.microsoft.com/office/drawing/2014/main" id="{E522214F-E47E-4B62-800C-5EAF90E697CD}"/>
+                <a16:creationId xmlns:a16="http://schemas.microsoft.com/office/drawing/2014/main" xmlns="" id="{945477C0-F7CF-4427-81CB-CDD601B86DD9}"/>
               </a:ext>
             </a:extLst>
           </p:cNvPr>
@@ -16254,104 +16419,30 @@
         </p:nvSpPr>
         <p:spPr>
           <a:xfrm>
-            <a:off x="-126609" y="209980"/>
-            <a:ext cx="9144000" cy="1938952"/>
-          </a:xfrm>
-          <a:prstGeom prst="rect">
-            <a:avLst/>
-          </a:prstGeom>
-          <a:noFill/>
-          <a:ln>
-            <a:noFill/>
-          </a:ln>
+            <a:off x="224095" y="5332474"/>
+            <a:ext cx="4955203" cy="400110"/>
+          </a:xfrm>
+          <a:prstGeom prst="rect">
+            <a:avLst/>
+          </a:prstGeom>
         </p:spPr>
         <p:txBody>
-          <a:bodyPr spcFirstLastPara="1" wrap="square" lIns="91425" tIns="45700" rIns="91425" bIns="45700" anchor="t" anchorCtr="0">
+          <a:bodyPr wrap="none">
             <a:spAutoFit/>
           </a:bodyPr>
           <a:lstStyle/>
           <a:p>
-            <a:pPr algn="ctr"/>
             <a:r>
-              <a:rPr lang="es-CO" sz="4000" dirty="0">
-                <a:solidFill>
-                  <a:schemeClr val="lt1"/>
-                </a:solidFill>
-                <a:latin typeface="Calibri"/>
-                <a:cs typeface="Calibri"/>
+              <a:rPr lang="es-CO" sz="2000" dirty="0">
+                <a:hlinkClick r:id="rId4"/>
               </a:rPr>
-              <a:t>Base de Datos</a:t>
+              <a:t>https://github.com/Miguel010293/Quickgift</a:t>
             </a:r>
-          </a:p>
-          <a:p>
-            <a:pPr algn="ctr"/>
-            <a:r>
-              <a:rPr lang="es-CO" sz="4000" dirty="0">
-                <a:solidFill>
-                  <a:schemeClr val="lt1"/>
-                </a:solidFill>
-                <a:latin typeface="Calibri"/>
-                <a:cs typeface="Calibri"/>
-              </a:rPr>
-              <a:t>SQL</a:t>
-            </a:r>
-          </a:p>
-          <a:p>
-            <a:pPr marL="0" marR="0" lvl="0" indent="0" algn="ctr" rtl="0">
-              <a:spcBef>
-                <a:spcPts val="0"/>
-              </a:spcBef>
-              <a:spcAft>
-                <a:spcPts val="0"/>
-              </a:spcAft>
-              <a:buNone/>
-            </a:pPr>
-            <a:endParaRPr sz="4000" dirty="0">
-              <a:solidFill>
-                <a:schemeClr val="lt1"/>
-              </a:solidFill>
-              <a:latin typeface="Calibri"/>
-              <a:cs typeface="Calibri"/>
-            </a:endParaRPr>
+            <a:endParaRPr lang="es-CO" sz="2000" dirty="0"/>
           </a:p>
         </p:txBody>
       </p:sp>
-      <p:pic>
-        <p:nvPicPr>
-          <p:cNvPr id="3" name="Imagen 2">
-            <a:extLst>
-              <a:ext uri="{FF2B5EF4-FFF2-40B4-BE49-F238E27FC236}">
-                <a16:creationId xmlns="" xmlns:a16="http://schemas.microsoft.com/office/drawing/2014/main" id="{4D2B85AD-3AD7-4D9E-AEB1-8BB153F041F7}"/>
-              </a:ext>
-            </a:extLst>
-          </p:cNvPr>
-          <p:cNvPicPr>
-            <a:picLocks noChangeAspect="1"/>
-          </p:cNvPicPr>
-          <p:nvPr/>
-        </p:nvPicPr>
-        <p:blipFill>
-          <a:blip r:embed="rId2"/>
-          <a:stretch>
-            <a:fillRect/>
-          </a:stretch>
-        </p:blipFill>
-        <p:spPr>
-          <a:xfrm>
-            <a:off x="928467" y="1760561"/>
-            <a:ext cx="7891975" cy="4668118"/>
-          </a:xfrm>
-          <a:prstGeom prst="rect">
-            <a:avLst/>
-          </a:prstGeom>
-        </p:spPr>
-      </p:pic>
     </p:spTree>
-    <p:extLst>
-      <p:ext uri="{BB962C8B-B14F-4D97-AF65-F5344CB8AC3E}">
-        <p14:creationId xmlns:p14="http://schemas.microsoft.com/office/powerpoint/2010/main" val="4089379290"/>
-      </p:ext>
-    </p:extLst>
   </p:cSld>
   <p:clrMapOvr>
     <a:masterClrMapping/>
@@ -16378,10 +16469,10 @@
       </p:grpSpPr>
       <p:sp>
         <p:nvSpPr>
-          <p:cNvPr id="4" name="Google Shape;301;p19">
+          <p:cNvPr id="2" name="Google Shape;301;p19">
             <a:extLst>
               <a:ext uri="{FF2B5EF4-FFF2-40B4-BE49-F238E27FC236}">
-                <a16:creationId xmlns="" xmlns:a16="http://schemas.microsoft.com/office/drawing/2014/main" id="{F08688CE-7072-4646-B0B7-BE5849D42FF5}"/>
+                <a16:creationId xmlns:a16="http://schemas.microsoft.com/office/drawing/2014/main" xmlns="" id="{BC0DD5E3-4FC9-4392-ADE4-BBCA125527BC}"/>
               </a:ext>
             </a:extLst>
           </p:cNvPr>
@@ -16390,8 +16481,8 @@
         </p:nvSpPr>
         <p:spPr>
           <a:xfrm>
-            <a:off x="0" y="519469"/>
-            <a:ext cx="9144000" cy="1323399"/>
+            <a:off x="-126609" y="209980"/>
+            <a:ext cx="9144000" cy="1938952"/>
           </a:xfrm>
           <a:prstGeom prst="rect">
             <a:avLst/>
@@ -16416,7 +16507,7 @@
                 <a:latin typeface="Calibri"/>
                 <a:cs typeface="Calibri"/>
               </a:rPr>
-              <a:t>Manual Técnico</a:t>
+              <a:t>Cuadro comparativo proveedores de Hardware y Software</a:t>
             </a:r>
           </a:p>
           <a:p>
@@ -16441,30 +16532,28 @@
       </p:sp>
       <p:pic>
         <p:nvPicPr>
-          <p:cNvPr id="2" name="Imagen 1">
+          <p:cNvPr id="3" name="Imagen 2">
             <a:hlinkClick r:id="rId2" action="ppaction://hlinkfile"/>
+            <a:extLst>
+              <a:ext uri="{FF2B5EF4-FFF2-40B4-BE49-F238E27FC236}">
+                <a16:creationId xmlns:a16="http://schemas.microsoft.com/office/drawing/2014/main" xmlns="" id="{BADA6DF1-5BC8-44A4-A8E8-5DB3266EA975}"/>
+              </a:ext>
+            </a:extLst>
           </p:cNvPr>
           <p:cNvPicPr>
             <a:picLocks noChangeAspect="1"/>
           </p:cNvPicPr>
           <p:nvPr/>
         </p:nvPicPr>
-        <p:blipFill>
-          <a:blip r:embed="rId3">
-            <a:extLst>
-              <a:ext uri="{28A0092B-C50C-407E-A947-70E740481C1C}">
-                <a14:useLocalDpi xmlns:a14="http://schemas.microsoft.com/office/drawing/2010/main" val="0"/>
-              </a:ext>
-            </a:extLst>
-          </a:blip>
-          <a:stretch>
-            <a:fillRect/>
-          </a:stretch>
+        <p:blipFill rotWithShape="1">
+          <a:blip r:embed="rId3"/>
+          <a:srcRect l="-255" t="-452" r="255" b="452"/>
+          <a:stretch/>
         </p:blipFill>
         <p:spPr>
           <a:xfrm>
-            <a:off x="1209057" y="2152650"/>
-            <a:ext cx="6725886" cy="4463892"/>
+            <a:off x="926029" y="2148932"/>
+            <a:ext cx="7458075" cy="4210050"/>
           </a:xfrm>
           <a:prstGeom prst="rect">
             <a:avLst/>
@@ -16474,7 +16563,7 @@
     </p:spTree>
     <p:extLst>
       <p:ext uri="{BB962C8B-B14F-4D97-AF65-F5344CB8AC3E}">
-        <p14:creationId xmlns:p14="http://schemas.microsoft.com/office/powerpoint/2010/main" val="3372219012"/>
+        <p14:creationId xmlns:p14="http://schemas.microsoft.com/office/powerpoint/2010/main" val="3560220397"/>
       </p:ext>
     </p:extLst>
   </p:cSld>
@@ -16506,7 +16595,7 @@
           <p:cNvPr id="2" name="Google Shape;301;p19">
             <a:extLst>
               <a:ext uri="{FF2B5EF4-FFF2-40B4-BE49-F238E27FC236}">
-                <a16:creationId xmlns="" xmlns:a16="http://schemas.microsoft.com/office/drawing/2014/main" id="{A55BF71A-6275-44E3-8979-459764B4C0E9}"/>
+                <a16:creationId xmlns:a16="http://schemas.microsoft.com/office/drawing/2014/main" xmlns="" id="{94AA6C33-C2F6-4658-9DB6-D1AFF50223D7}"/>
               </a:ext>
             </a:extLst>
           </p:cNvPr>
@@ -16515,8 +16604,8 @@
         </p:nvSpPr>
         <p:spPr>
           <a:xfrm>
-            <a:off x="0" y="519469"/>
-            <a:ext cx="9144000" cy="1323399"/>
+            <a:off x="-126609" y="209980"/>
+            <a:ext cx="9144000" cy="1938952"/>
           </a:xfrm>
           <a:prstGeom prst="rect">
             <a:avLst/>
@@ -16541,25 +16630,21 @@
                 <a:latin typeface="Calibri"/>
                 <a:cs typeface="Calibri"/>
               </a:rPr>
-              <a:t>Despliegue en </a:t>
+              <a:t>Base de Datos</a:t>
             </a:r>
+          </a:p>
+          <a:p>
+            <a:pPr algn="ctr"/>
             <a:r>
-              <a:rPr lang="es-CO" sz="4000" dirty="0" err="1">
+              <a:rPr lang="es-CO" sz="4000" dirty="0">
                 <a:solidFill>
                   <a:schemeClr val="lt1"/>
                 </a:solidFill>
                 <a:latin typeface="Calibri"/>
                 <a:cs typeface="Calibri"/>
               </a:rPr>
-              <a:t>Hostfully</a:t>
+              <a:t>script</a:t>
             </a:r>
-            <a:endParaRPr lang="es-CO" sz="4000" dirty="0">
-              <a:solidFill>
-                <a:schemeClr val="lt1"/>
-              </a:solidFill>
-              <a:latin typeface="Calibri"/>
-              <a:cs typeface="Calibri"/>
-            </a:endParaRPr>
           </a:p>
           <a:p>
             <a:pPr marL="0" marR="0" lvl="0" indent="0" algn="ctr" rtl="0">
@@ -16584,9 +16669,10 @@
       <p:pic>
         <p:nvPicPr>
           <p:cNvPr id="3" name="Imagen 2">
+            <a:hlinkClick r:id="rId2" action="ppaction://hlinkfile"/>
             <a:extLst>
               <a:ext uri="{FF2B5EF4-FFF2-40B4-BE49-F238E27FC236}">
-                <a16:creationId xmlns="" xmlns:a16="http://schemas.microsoft.com/office/drawing/2014/main" id="{8907F45D-F0EB-4C72-A20F-15D830C6120A}"/>
+                <a16:creationId xmlns:a16="http://schemas.microsoft.com/office/drawing/2014/main" xmlns="" id="{0FC15038-BA2F-4951-B4EA-6DE70AC43AF6}"/>
               </a:ext>
             </a:extLst>
           </p:cNvPr>
@@ -16596,67 +16682,25 @@
           <p:nvPr/>
         </p:nvPicPr>
         <p:blipFill>
-          <a:blip r:embed="rId2"/>
+          <a:blip r:embed="rId3"/>
           <a:stretch>
             <a:fillRect/>
           </a:stretch>
         </p:blipFill>
         <p:spPr>
           <a:xfrm>
-            <a:off x="2616591" y="1842868"/>
-            <a:ext cx="6302326" cy="3718972"/>
+            <a:off x="1720288" y="2035785"/>
+            <a:ext cx="6181725" cy="4333875"/>
           </a:xfrm>
           <a:prstGeom prst="rect">
             <a:avLst/>
           </a:prstGeom>
         </p:spPr>
       </p:pic>
-      <p:sp>
-        <p:nvSpPr>
-          <p:cNvPr id="4" name="Rectángulo 3">
-            <a:extLst>
-              <a:ext uri="{FF2B5EF4-FFF2-40B4-BE49-F238E27FC236}">
-                <a16:creationId xmlns="" xmlns:a16="http://schemas.microsoft.com/office/drawing/2014/main" id="{0B4F2E8C-C40B-40AD-99DC-991A85681726}"/>
-              </a:ext>
-            </a:extLst>
-          </p:cNvPr>
-          <p:cNvSpPr/>
-          <p:nvPr/>
-        </p:nvSpPr>
-        <p:spPr>
-          <a:xfrm>
-            <a:off x="605962" y="5905181"/>
-            <a:ext cx="5432898" cy="553998"/>
-          </a:xfrm>
-          <a:prstGeom prst="rect">
-            <a:avLst/>
-          </a:prstGeom>
-        </p:spPr>
-        <p:txBody>
-          <a:bodyPr wrap="none">
-            <a:spAutoFit/>
-          </a:bodyPr>
-          <a:lstStyle/>
-          <a:p>
-            <a:r>
-              <a:rPr lang="es-CO" sz="3000" dirty="0">
-                <a:latin typeface="Times New Roman" panose="02020603050405020304" pitchFamily="18" charset="0"/>
-                <a:cs typeface="Times New Roman" panose="02020603050405020304" pitchFamily="18" charset="0"/>
-                <a:hlinkClick r:id="rId3"/>
-              </a:rPr>
-              <a:t>http://quickgift.ihostfull.com/?i=1</a:t>
-            </a:r>
-            <a:endParaRPr lang="es-CO" sz="3000" dirty="0">
-              <a:latin typeface="Times New Roman" panose="02020603050405020304" pitchFamily="18" charset="0"/>
-              <a:cs typeface="Times New Roman" panose="02020603050405020304" pitchFamily="18" charset="0"/>
-            </a:endParaRPr>
-          </a:p>
-        </p:txBody>
-      </p:sp>
     </p:spTree>
     <p:extLst>
       <p:ext uri="{BB962C8B-B14F-4D97-AF65-F5344CB8AC3E}">
-        <p14:creationId xmlns:p14="http://schemas.microsoft.com/office/powerpoint/2010/main" val="3963940469"/>
+        <p14:creationId xmlns:p14="http://schemas.microsoft.com/office/powerpoint/2010/main" val="644163029"/>
       </p:ext>
     </p:extLst>
   </p:cSld>
@@ -16691,7 +16735,7 @@
         </p:nvSpPr>
         <p:spPr>
           <a:xfrm>
-            <a:off x="0" y="0"/>
+            <a:off x="0" y="89973"/>
             <a:ext cx="9144000" cy="6857999"/>
           </a:xfrm>
           <a:prstGeom prst="rect">
@@ -16838,7 +16882,7 @@
               <a:buNone/>
             </a:pPr>
             <a:r>
-              <a:rPr lang="es-CO" sz="1600">
+              <a:rPr lang="es-CO" sz="1600" dirty="0">
                 <a:solidFill>
                   <a:schemeClr val="dk1"/>
                 </a:solidFill>
@@ -16849,7 +16893,7 @@
               </a:rPr>
               <a:t>1. Introducción</a:t>
             </a:r>
-            <a:endParaRPr sz="1600">
+            <a:endParaRPr sz="1600" dirty="0">
               <a:solidFill>
                 <a:schemeClr val="dk1"/>
               </a:solidFill>
@@ -16869,7 +16913,7 @@
         </p:nvSpPr>
         <p:spPr>
           <a:xfrm>
-            <a:off x="763814" y="2728254"/>
+            <a:off x="763814" y="3237414"/>
             <a:ext cx="3604986" cy="502920"/>
           </a:xfrm>
           <a:prstGeom prst="rect">
@@ -16902,7 +16946,7 @@
               <a:buNone/>
             </a:pPr>
             <a:r>
-              <a:rPr lang="es-CO" sz="1600">
+              <a:rPr lang="es-CO" sz="1600" dirty="0">
                 <a:solidFill>
                   <a:schemeClr val="dk1"/>
                 </a:solidFill>
@@ -16911,9 +16955,9 @@
                 <a:cs typeface="Calibri"/>
                 <a:sym typeface="Calibri"/>
               </a:rPr>
-              <a:t>2. Planteamiento del Problema</a:t>
+              <a:t>3. Planteamiento del Problema</a:t>
             </a:r>
-            <a:endParaRPr sz="1600">
+            <a:endParaRPr sz="1600" dirty="0">
               <a:solidFill>
                 <a:schemeClr val="dk1"/>
               </a:solidFill>
@@ -16933,7 +16977,7 @@
         </p:nvSpPr>
         <p:spPr>
           <a:xfrm>
-            <a:off x="763814" y="3233788"/>
+            <a:off x="763814" y="2736307"/>
             <a:ext cx="3604986" cy="502920"/>
           </a:xfrm>
           <a:prstGeom prst="rect">
@@ -16966,7 +17010,7 @@
               <a:buNone/>
             </a:pPr>
             <a:r>
-              <a:rPr lang="es-CO" sz="1600">
+              <a:rPr lang="es-CO" sz="1600" dirty="0">
                 <a:solidFill>
                   <a:schemeClr val="dk1"/>
                 </a:solidFill>
@@ -16975,9 +17019,9 @@
                 <a:cs typeface="Calibri"/>
                 <a:sym typeface="Calibri"/>
               </a:rPr>
-              <a:t>3. Objetivo General y Específicos</a:t>
+              <a:t>2. Objetivo General y Específicos</a:t>
             </a:r>
-            <a:endParaRPr sz="1600">
+            <a:endParaRPr sz="1600" dirty="0">
               <a:solidFill>
                 <a:schemeClr val="dk1"/>
               </a:solidFill>
@@ -16997,7 +17041,7 @@
         </p:nvSpPr>
         <p:spPr>
           <a:xfrm>
-            <a:off x="763814" y="3733082"/>
+            <a:off x="763814" y="3735846"/>
             <a:ext cx="3604986" cy="502920"/>
           </a:xfrm>
           <a:prstGeom prst="rect">
@@ -17061,7 +17105,7 @@
         </p:nvSpPr>
         <p:spPr>
           <a:xfrm>
-            <a:off x="763814" y="4232376"/>
+            <a:off x="763814" y="4244266"/>
             <a:ext cx="3604986" cy="502920"/>
           </a:xfrm>
           <a:prstGeom prst="rect">
@@ -17125,135 +17169,7 @@
         </p:nvSpPr>
         <p:spPr>
           <a:xfrm>
-            <a:off x="763814" y="4735296"/>
-            <a:ext cx="3604986" cy="502920"/>
-          </a:xfrm>
-          <a:prstGeom prst="rect">
-            <a:avLst/>
-          </a:prstGeom>
-          <a:noFill/>
-          <a:ln w="9525" cap="flat" cmpd="sng">
-            <a:solidFill>
-              <a:schemeClr val="accent1"/>
-            </a:solidFill>
-            <a:prstDash val="solid"/>
-            <a:round/>
-            <a:headEnd type="none" w="sm" len="sm"/>
-            <a:tailEnd type="none" w="sm" len="sm"/>
-          </a:ln>
-        </p:spPr>
-        <p:txBody>
-          <a:bodyPr spcFirstLastPara="1" wrap="square" lIns="91425" tIns="45700" rIns="91425" bIns="45700" anchor="ctr" anchorCtr="0">
-            <a:noAutofit/>
-          </a:bodyPr>
-          <a:lstStyle/>
-          <a:p>
-            <a:pPr marL="0" marR="0" lvl="0" indent="0" algn="l" rtl="0">
-              <a:spcBef>
-                <a:spcPts val="0"/>
-              </a:spcBef>
-              <a:spcAft>
-                <a:spcPts val="0"/>
-              </a:spcAft>
-              <a:buNone/>
-            </a:pPr>
-            <a:r>
-              <a:rPr lang="es-CO" sz="1600">
-                <a:solidFill>
-                  <a:schemeClr val="dk1"/>
-                </a:solidFill>
-                <a:latin typeface="Calibri"/>
-                <a:ea typeface="Calibri"/>
-                <a:cs typeface="Calibri"/>
-                <a:sym typeface="Calibri"/>
-              </a:rPr>
-              <a:t>6. Técnicas levantamiento información</a:t>
-            </a:r>
-            <a:endParaRPr sz="1600">
-              <a:solidFill>
-                <a:schemeClr val="dk1"/>
-              </a:solidFill>
-              <a:latin typeface="Calibri"/>
-              <a:ea typeface="Calibri"/>
-              <a:cs typeface="Calibri"/>
-              <a:sym typeface="Calibri"/>
-            </a:endParaRPr>
-          </a:p>
-        </p:txBody>
-      </p:sp>
-      <p:sp>
-        <p:nvSpPr>
-          <p:cNvPr id="154" name="Google Shape;154;p3"/>
-          <p:cNvSpPr txBox="1"/>
-          <p:nvPr/>
-        </p:nvSpPr>
-        <p:spPr>
-          <a:xfrm>
-            <a:off x="4637314" y="2211640"/>
-            <a:ext cx="3604986" cy="502920"/>
-          </a:xfrm>
-          <a:prstGeom prst="rect">
-            <a:avLst/>
-          </a:prstGeom>
-          <a:noFill/>
-          <a:ln w="9525" cap="flat" cmpd="sng">
-            <a:solidFill>
-              <a:schemeClr val="accent1"/>
-            </a:solidFill>
-            <a:prstDash val="solid"/>
-            <a:round/>
-            <a:headEnd type="none" w="sm" len="sm"/>
-            <a:tailEnd type="none" w="sm" len="sm"/>
-          </a:ln>
-        </p:spPr>
-        <p:txBody>
-          <a:bodyPr spcFirstLastPara="1" wrap="square" lIns="91425" tIns="45700" rIns="91425" bIns="45700" anchor="ctr" anchorCtr="0">
-            <a:noAutofit/>
-          </a:bodyPr>
-          <a:lstStyle/>
-          <a:p>
-            <a:pPr marL="0" marR="0" lvl="0" indent="0" algn="l" rtl="0">
-              <a:spcBef>
-                <a:spcPts val="0"/>
-              </a:spcBef>
-              <a:spcAft>
-                <a:spcPts val="0"/>
-              </a:spcAft>
-              <a:buNone/>
-            </a:pPr>
-            <a:r>
-              <a:rPr lang="es-CO" sz="1600">
-                <a:solidFill>
-                  <a:schemeClr val="dk1"/>
-                </a:solidFill>
-                <a:latin typeface="Calibri"/>
-                <a:ea typeface="Calibri"/>
-                <a:cs typeface="Calibri"/>
-                <a:sym typeface="Calibri"/>
-              </a:rPr>
-              <a:t>8. Mapa de Procesos</a:t>
-            </a:r>
-            <a:endParaRPr sz="1600">
-              <a:solidFill>
-                <a:schemeClr val="dk1"/>
-              </a:solidFill>
-              <a:latin typeface="Calibri"/>
-              <a:ea typeface="Calibri"/>
-              <a:cs typeface="Calibri"/>
-              <a:sym typeface="Calibri"/>
-            </a:endParaRPr>
-          </a:p>
-        </p:txBody>
-      </p:sp>
-      <p:sp>
-        <p:nvSpPr>
-          <p:cNvPr id="155" name="Google Shape;155;p3"/>
-          <p:cNvSpPr txBox="1"/>
-          <p:nvPr/>
-        </p:nvSpPr>
-        <p:spPr>
-          <a:xfrm>
-            <a:off x="763814" y="5237053"/>
+            <a:off x="763814" y="4747186"/>
             <a:ext cx="3604986" cy="502920"/>
           </a:xfrm>
           <a:prstGeom prst="rect">
@@ -17295,7 +17211,7 @@
                 <a:cs typeface="Calibri"/>
                 <a:sym typeface="Calibri"/>
               </a:rPr>
-              <a:t>7. Informe de Requerimientos (IEEE830)</a:t>
+              <a:t>6. Técnicas levantamiento información</a:t>
             </a:r>
             <a:endParaRPr sz="1600" dirty="0">
               <a:solidFill>
@@ -17311,13 +17227,13 @@
       </p:sp>
       <p:sp>
         <p:nvSpPr>
-          <p:cNvPr id="156" name="Google Shape;156;p3"/>
+          <p:cNvPr id="154" name="Google Shape;154;p3"/>
           <p:cNvSpPr txBox="1"/>
           <p:nvPr/>
         </p:nvSpPr>
         <p:spPr>
           <a:xfrm>
-            <a:off x="4637314" y="3723226"/>
+            <a:off x="4637314" y="5712571"/>
             <a:ext cx="3604986" cy="502920"/>
           </a:xfrm>
           <a:prstGeom prst="rect">
@@ -17350,7 +17266,135 @@
               <a:buNone/>
             </a:pPr>
             <a:r>
-              <a:rPr lang="es-CO" sz="1600">
+              <a:rPr lang="es-MX" sz="1600" dirty="0">
+                <a:solidFill>
+                  <a:schemeClr val="dk1"/>
+                </a:solidFill>
+                <a:latin typeface="Calibri"/>
+                <a:ea typeface="Calibri"/>
+                <a:cs typeface="Calibri"/>
+                <a:sym typeface="Calibri"/>
+              </a:rPr>
+              <a:t>16.Diagrama UML</a:t>
+            </a:r>
+            <a:endParaRPr sz="1600" dirty="0">
+              <a:solidFill>
+                <a:schemeClr val="dk1"/>
+              </a:solidFill>
+              <a:latin typeface="Calibri"/>
+              <a:ea typeface="Calibri"/>
+              <a:cs typeface="Calibri"/>
+              <a:sym typeface="Calibri"/>
+            </a:endParaRPr>
+          </a:p>
+        </p:txBody>
+      </p:sp>
+      <p:sp>
+        <p:nvSpPr>
+          <p:cNvPr id="155" name="Google Shape;155;p3"/>
+          <p:cNvSpPr txBox="1"/>
+          <p:nvPr/>
+        </p:nvSpPr>
+        <p:spPr>
+          <a:xfrm>
+            <a:off x="763814" y="5248943"/>
+            <a:ext cx="3604986" cy="502920"/>
+          </a:xfrm>
+          <a:prstGeom prst="rect">
+            <a:avLst/>
+          </a:prstGeom>
+          <a:noFill/>
+          <a:ln w="9525" cap="flat" cmpd="sng">
+            <a:solidFill>
+              <a:schemeClr val="accent1"/>
+            </a:solidFill>
+            <a:prstDash val="solid"/>
+            <a:round/>
+            <a:headEnd type="none" w="sm" len="sm"/>
+            <a:tailEnd type="none" w="sm" len="sm"/>
+          </a:ln>
+        </p:spPr>
+        <p:txBody>
+          <a:bodyPr spcFirstLastPara="1" wrap="square" lIns="91425" tIns="45700" rIns="91425" bIns="45700" anchor="ctr" anchorCtr="0">
+            <a:noAutofit/>
+          </a:bodyPr>
+          <a:lstStyle/>
+          <a:p>
+            <a:pPr marL="0" marR="0" lvl="0" indent="0" algn="l" rtl="0">
+              <a:spcBef>
+                <a:spcPts val="0"/>
+              </a:spcBef>
+              <a:spcAft>
+                <a:spcPts val="0"/>
+              </a:spcAft>
+              <a:buNone/>
+            </a:pPr>
+            <a:r>
+              <a:rPr lang="es-CO" sz="1600" dirty="0">
+                <a:solidFill>
+                  <a:schemeClr val="dk1"/>
+                </a:solidFill>
+                <a:latin typeface="Calibri"/>
+                <a:ea typeface="Calibri"/>
+                <a:cs typeface="Calibri"/>
+                <a:sym typeface="Calibri"/>
+              </a:rPr>
+              <a:t>7. Mapa de procesos (BPMN)</a:t>
+            </a:r>
+            <a:endParaRPr sz="1600" dirty="0">
+              <a:solidFill>
+                <a:schemeClr val="dk1"/>
+              </a:solidFill>
+              <a:latin typeface="Calibri"/>
+              <a:ea typeface="Calibri"/>
+              <a:cs typeface="Calibri"/>
+              <a:sym typeface="Calibri"/>
+            </a:endParaRPr>
+          </a:p>
+        </p:txBody>
+      </p:sp>
+      <p:sp>
+        <p:nvSpPr>
+          <p:cNvPr id="156" name="Google Shape;156;p3"/>
+          <p:cNvSpPr txBox="1"/>
+          <p:nvPr/>
+        </p:nvSpPr>
+        <p:spPr>
+          <a:xfrm>
+            <a:off x="4637314" y="3246750"/>
+            <a:ext cx="3604986" cy="481972"/>
+          </a:xfrm>
+          <a:prstGeom prst="rect">
+            <a:avLst/>
+          </a:prstGeom>
+          <a:noFill/>
+          <a:ln w="9525" cap="flat" cmpd="sng">
+            <a:solidFill>
+              <a:schemeClr val="accent1"/>
+            </a:solidFill>
+            <a:prstDash val="solid"/>
+            <a:round/>
+            <a:headEnd type="none" w="sm" len="sm"/>
+            <a:tailEnd type="none" w="sm" len="sm"/>
+          </a:ln>
+        </p:spPr>
+        <p:txBody>
+          <a:bodyPr spcFirstLastPara="1" wrap="square" lIns="91425" tIns="45700" rIns="91425" bIns="45700" anchor="ctr" anchorCtr="0">
+            <a:noAutofit/>
+          </a:bodyPr>
+          <a:lstStyle/>
+          <a:p>
+            <a:pPr marL="0" marR="0" lvl="0" indent="0" algn="l" rtl="0">
+              <a:spcBef>
+                <a:spcPts val="0"/>
+              </a:spcBef>
+              <a:spcAft>
+                <a:spcPts val="0"/>
+              </a:spcAft>
+              <a:buNone/>
+            </a:pPr>
+            <a:r>
+              <a:rPr lang="es-CO" sz="1600" dirty="0">
                 <a:solidFill>
                   <a:schemeClr val="dk1"/>
                 </a:solidFill>
@@ -17361,7 +17405,7 @@
               </a:rPr>
               <a:t>11. Diagrama de casos de Uso </a:t>
             </a:r>
-            <a:endParaRPr sz="1600">
+            <a:endParaRPr sz="1600" dirty="0">
               <a:solidFill>
                 <a:schemeClr val="dk1"/>
               </a:solidFill>
@@ -17381,7 +17425,7 @@
         </p:nvSpPr>
         <p:spPr>
           <a:xfrm>
-            <a:off x="4637314" y="4221679"/>
+            <a:off x="4637314" y="3727605"/>
             <a:ext cx="3604986" cy="502920"/>
           </a:xfrm>
           <a:prstGeom prst="rect">
@@ -17414,7 +17458,7 @@
               <a:buNone/>
             </a:pPr>
             <a:r>
-              <a:rPr lang="es-CO" sz="1600">
+              <a:rPr lang="es-CO" sz="1600" dirty="0">
                 <a:solidFill>
                   <a:schemeClr val="dk1"/>
                 </a:solidFill>
@@ -17425,7 +17469,7 @@
               </a:rPr>
               <a:t>12. Caso de uso extendido</a:t>
             </a:r>
-            <a:endParaRPr sz="1600">
+            <a:endParaRPr sz="1600" dirty="0">
               <a:solidFill>
                 <a:schemeClr val="dk1"/>
               </a:solidFill>
@@ -17478,7 +17522,7 @@
               <a:buNone/>
             </a:pPr>
             <a:r>
-              <a:rPr lang="es-CO" sz="1600">
+              <a:rPr lang="es-CO" sz="1600" dirty="0">
                 <a:solidFill>
                   <a:schemeClr val="dk1"/>
                 </a:solidFill>
@@ -17487,9 +17531,9 @@
                 <a:cs typeface="Calibri"/>
                 <a:sym typeface="Calibri"/>
               </a:rPr>
-              <a:t>13. Diagrama Clases </a:t>
+              <a:t>14.Diccionario de datos</a:t>
             </a:r>
-            <a:endParaRPr/>
+            <a:endParaRPr dirty="0"/>
           </a:p>
         </p:txBody>
       </p:sp>
@@ -17501,7 +17545,7 @@
         </p:nvSpPr>
         <p:spPr>
           <a:xfrm>
-            <a:off x="4637314" y="2707266"/>
+            <a:off x="4637314" y="2222238"/>
             <a:ext cx="3604986" cy="502920"/>
           </a:xfrm>
           <a:prstGeom prst="rect">
@@ -17534,7 +17578,7 @@
               <a:buNone/>
             </a:pPr>
             <a:r>
-              <a:rPr lang="es-CO" sz="1600">
+              <a:rPr lang="es-CO" sz="1600" dirty="0">
                 <a:solidFill>
                   <a:schemeClr val="dk1"/>
                 </a:solidFill>
@@ -17545,7 +17589,7 @@
               </a:rPr>
               <a:t>9. Inventario tecnológico del cliente</a:t>
             </a:r>
-            <a:endParaRPr sz="1600">
+            <a:endParaRPr sz="1600" dirty="0">
               <a:solidFill>
                 <a:schemeClr val="dk1"/>
               </a:solidFill>
@@ -17565,7 +17609,7 @@
         </p:nvSpPr>
         <p:spPr>
           <a:xfrm>
-            <a:off x="4637314" y="3222113"/>
+            <a:off x="763814" y="5750700"/>
             <a:ext cx="3604986" cy="502920"/>
           </a:xfrm>
           <a:prstGeom prst="rect">
@@ -17598,7 +17642,7 @@
               <a:buNone/>
             </a:pPr>
             <a:r>
-              <a:rPr lang="es-CO" sz="1600">
+              <a:rPr lang="es-CO" sz="1600" dirty="0">
                 <a:solidFill>
                   <a:schemeClr val="dk1"/>
                 </a:solidFill>
@@ -17607,9 +17651,9 @@
                 <a:cs typeface="Calibri"/>
                 <a:sym typeface="Calibri"/>
               </a:rPr>
-              <a:t>10. Gestión del proyecto</a:t>
+              <a:t>8. Gestión del proyecto</a:t>
             </a:r>
-            <a:endParaRPr sz="1600">
+            <a:endParaRPr sz="1600" dirty="0">
               <a:solidFill>
                 <a:schemeClr val="dk1"/>
               </a:solidFill>
@@ -17662,7 +17706,61 @@
               <a:buNone/>
             </a:pPr>
             <a:r>
-              <a:rPr lang="es-CO" sz="1600">
+              <a:rPr lang="es-MX" dirty="0"/>
+              <a:t>15.Cronograma </a:t>
+            </a:r>
+            <a:endParaRPr dirty="0"/>
+          </a:p>
+        </p:txBody>
+      </p:sp>
+      <p:sp>
+        <p:nvSpPr>
+          <p:cNvPr id="19" name="Google Shape;155;p3">
+            <a:extLst>
+              <a:ext uri="{FF2B5EF4-FFF2-40B4-BE49-F238E27FC236}">
+                <a16:creationId xmlns:a16="http://schemas.microsoft.com/office/drawing/2014/main" xmlns="" id="{65592682-4AE2-4674-B20F-C893C93E19DD}"/>
+              </a:ext>
+            </a:extLst>
+          </p:cNvPr>
+          <p:cNvSpPr txBox="1"/>
+          <p:nvPr/>
+        </p:nvSpPr>
+        <p:spPr>
+          <a:xfrm>
+            <a:off x="4637314" y="2734494"/>
+            <a:ext cx="3604986" cy="502920"/>
+          </a:xfrm>
+          <a:prstGeom prst="rect">
+            <a:avLst/>
+          </a:prstGeom>
+          <a:noFill/>
+          <a:ln w="9525" cap="flat" cmpd="sng">
+            <a:solidFill>
+              <a:schemeClr val="accent1"/>
+            </a:solidFill>
+            <a:prstDash val="solid"/>
+            <a:round/>
+            <a:headEnd type="none" w="sm" len="sm"/>
+            <a:tailEnd type="none" w="sm" len="sm"/>
+          </a:ln>
+        </p:spPr>
+        <p:txBody>
+          <a:bodyPr spcFirstLastPara="1" wrap="square" lIns="91425" tIns="45700" rIns="91425" bIns="45700" anchor="ctr" anchorCtr="0">
+            <a:noAutofit/>
+          </a:bodyPr>
+          <a:lstStyle/>
+          <a:p>
+            <a:pPr marL="0" marR="0" lvl="0" indent="0" algn="l" rtl="0">
+              <a:spcBef>
+                <a:spcPts val="0"/>
+              </a:spcBef>
+              <a:spcAft>
+                <a:spcPts val="0"/>
+              </a:spcAft>
+              <a:buNone/>
+            </a:pPr>
+            <a:r>
+              <a:rPr lang="es-CO" sz="1600" dirty="0">
                 <a:solidFill>
                   <a:schemeClr val="dk1"/>
                 </a:solidFill>
@@ -17671,28 +17769,547 @@
                 <a:cs typeface="Calibri"/>
                 <a:sym typeface="Calibri"/>
               </a:rPr>
-              <a:t>14. Sistema de gestión de versiones.</a:t>
+              <a:t>10. Informe de Requerimientos (IEEE830)</a:t>
             </a:r>
-            <a:endParaRPr/>
+            <a:endParaRPr sz="1600" dirty="0">
+              <a:solidFill>
+                <a:schemeClr val="dk1"/>
+              </a:solidFill>
+              <a:latin typeface="Calibri"/>
+              <a:ea typeface="Calibri"/>
+              <a:cs typeface="Calibri"/>
+              <a:sym typeface="Calibri"/>
+            </a:endParaRPr>
+          </a:p>
+        </p:txBody>
+      </p:sp>
+      <p:sp>
+        <p:nvSpPr>
+          <p:cNvPr id="20" name="Google Shape;155;p3">
+            <a:extLst>
+              <a:ext uri="{FF2B5EF4-FFF2-40B4-BE49-F238E27FC236}">
+                <a16:creationId xmlns:a16="http://schemas.microsoft.com/office/drawing/2014/main" xmlns="" id="{32FADEAE-73B3-40C9-9266-28EFBF73D854}"/>
+              </a:ext>
+            </a:extLst>
+          </p:cNvPr>
+          <p:cNvSpPr txBox="1"/>
+          <p:nvPr/>
+        </p:nvSpPr>
+        <p:spPr>
+          <a:xfrm>
+            <a:off x="4637314" y="4208460"/>
+            <a:ext cx="3604986" cy="502920"/>
+          </a:xfrm>
+          <a:prstGeom prst="rect">
+            <a:avLst/>
+          </a:prstGeom>
+          <a:noFill/>
+          <a:ln w="9525" cap="flat" cmpd="sng">
+            <a:solidFill>
+              <a:schemeClr val="accent1"/>
+            </a:solidFill>
+            <a:prstDash val="solid"/>
+            <a:round/>
+            <a:headEnd type="none" w="sm" len="sm"/>
+            <a:tailEnd type="none" w="sm" len="sm"/>
+          </a:ln>
+        </p:spPr>
+        <p:txBody>
+          <a:bodyPr spcFirstLastPara="1" wrap="square" lIns="91425" tIns="45700" rIns="91425" bIns="45700" anchor="ctr" anchorCtr="0">
+            <a:noAutofit/>
+          </a:bodyPr>
+          <a:lstStyle/>
+          <a:p>
+            <a:pPr marL="0" marR="0" lvl="0" indent="0" algn="l" rtl="0">
+              <a:spcBef>
+                <a:spcPts val="0"/>
+              </a:spcBef>
+              <a:spcAft>
+                <a:spcPts val="0"/>
+              </a:spcAft>
+              <a:buNone/>
+            </a:pPr>
+            <a:r>
+              <a:rPr lang="es-MX" sz="1600" dirty="0">
+                <a:solidFill>
+                  <a:schemeClr val="dk1"/>
+                </a:solidFill>
+                <a:latin typeface="Calibri"/>
+                <a:ea typeface="Calibri"/>
+                <a:cs typeface="Calibri"/>
+                <a:sym typeface="Calibri"/>
+              </a:rPr>
+              <a:t>13. Modelo entidad relación (MER)</a:t>
+            </a:r>
+            <a:endParaRPr sz="1600" dirty="0">
+              <a:solidFill>
+                <a:schemeClr val="dk1"/>
+              </a:solidFill>
+              <a:latin typeface="Calibri"/>
+              <a:ea typeface="Calibri"/>
+              <a:cs typeface="Calibri"/>
+              <a:sym typeface="Calibri"/>
+            </a:endParaRPr>
           </a:p>
         </p:txBody>
       </p:sp>
     </p:spTree>
+    <p:extLst>
+      <p:ext uri="{BB962C8B-B14F-4D97-AF65-F5344CB8AC3E}">
+        <p14:creationId xmlns:p14="http://schemas.microsoft.com/office/powerpoint/2010/main" val="3206619112"/>
+      </p:ext>
+    </p:extLst>
   </p:cSld>
   <p:clrMapOvr>
     <a:masterClrMapping/>
   </p:clrMapOvr>
-  <p:timing>
-    <p:tnLst>
-      <p:par>
-        <p:cTn id="1" dur="indefinite" restart="never" nodeType="tmRoot"/>
-      </p:par>
-    </p:tnLst>
-  </p:timing>
 </p:sld>
 </file>
 
 <file path=ppt/slides/slide30.xml><?xml version="1.0" encoding="utf-8"?>
+<p:sld xmlns:a="http://schemas.openxmlformats.org/drawingml/2006/main" xmlns:r="http://schemas.openxmlformats.org/officeDocument/2006/relationships" xmlns:p="http://schemas.openxmlformats.org/presentationml/2006/main">
+  <p:cSld>
+    <p:spTree>
+      <p:nvGrpSpPr>
+        <p:cNvPr id="1" name=""/>
+        <p:cNvGrpSpPr/>
+        <p:nvPr/>
+      </p:nvGrpSpPr>
+      <p:grpSpPr>
+        <a:xfrm>
+          <a:off x="0" y="0"/>
+          <a:ext cx="0" cy="0"/>
+          <a:chOff x="0" y="0"/>
+          <a:chExt cx="0" cy="0"/>
+        </a:xfrm>
+      </p:grpSpPr>
+      <p:sp>
+        <p:nvSpPr>
+          <p:cNvPr id="2" name="Google Shape;301;p19">
+            <a:extLst>
+              <a:ext uri="{FF2B5EF4-FFF2-40B4-BE49-F238E27FC236}">
+                <a16:creationId xmlns:a16="http://schemas.microsoft.com/office/drawing/2014/main" xmlns="" id="{E522214F-E47E-4B62-800C-5EAF90E697CD}"/>
+              </a:ext>
+            </a:extLst>
+          </p:cNvPr>
+          <p:cNvSpPr/>
+          <p:nvPr/>
+        </p:nvSpPr>
+        <p:spPr>
+          <a:xfrm>
+            <a:off x="-126609" y="209980"/>
+            <a:ext cx="9144000" cy="1938952"/>
+          </a:xfrm>
+          <a:prstGeom prst="rect">
+            <a:avLst/>
+          </a:prstGeom>
+          <a:noFill/>
+          <a:ln>
+            <a:noFill/>
+          </a:ln>
+        </p:spPr>
+        <p:txBody>
+          <a:bodyPr spcFirstLastPara="1" wrap="square" lIns="91425" tIns="45700" rIns="91425" bIns="45700" anchor="t" anchorCtr="0">
+            <a:spAutoFit/>
+          </a:bodyPr>
+          <a:lstStyle/>
+          <a:p>
+            <a:pPr algn="ctr"/>
+            <a:r>
+              <a:rPr lang="es-CO" sz="4000" dirty="0">
+                <a:solidFill>
+                  <a:schemeClr val="lt1"/>
+                </a:solidFill>
+                <a:latin typeface="Calibri"/>
+                <a:cs typeface="Calibri"/>
+              </a:rPr>
+              <a:t>Base de Datos</a:t>
+            </a:r>
+          </a:p>
+          <a:p>
+            <a:pPr algn="ctr"/>
+            <a:r>
+              <a:rPr lang="es-CO" sz="4000" dirty="0">
+                <a:solidFill>
+                  <a:schemeClr val="lt1"/>
+                </a:solidFill>
+                <a:latin typeface="Calibri"/>
+                <a:cs typeface="Calibri"/>
+              </a:rPr>
+              <a:t>SQL</a:t>
+            </a:r>
+          </a:p>
+          <a:p>
+            <a:pPr marL="0" marR="0" lvl="0" indent="0" algn="ctr" rtl="0">
+              <a:spcBef>
+                <a:spcPts val="0"/>
+              </a:spcBef>
+              <a:spcAft>
+                <a:spcPts val="0"/>
+              </a:spcAft>
+              <a:buNone/>
+            </a:pPr>
+            <a:endParaRPr sz="4000" dirty="0">
+              <a:solidFill>
+                <a:schemeClr val="lt1"/>
+              </a:solidFill>
+              <a:latin typeface="Calibri"/>
+              <a:cs typeface="Calibri"/>
+            </a:endParaRPr>
+          </a:p>
+        </p:txBody>
+      </p:sp>
+      <p:pic>
+        <p:nvPicPr>
+          <p:cNvPr id="3" name="Imagen 2">
+            <a:extLst>
+              <a:ext uri="{FF2B5EF4-FFF2-40B4-BE49-F238E27FC236}">
+                <a16:creationId xmlns:a16="http://schemas.microsoft.com/office/drawing/2014/main" xmlns="" id="{4D2B85AD-3AD7-4D9E-AEB1-8BB153F041F7}"/>
+              </a:ext>
+            </a:extLst>
+          </p:cNvPr>
+          <p:cNvPicPr>
+            <a:picLocks noChangeAspect="1"/>
+          </p:cNvPicPr>
+          <p:nvPr/>
+        </p:nvPicPr>
+        <p:blipFill>
+          <a:blip r:embed="rId2"/>
+          <a:stretch>
+            <a:fillRect/>
+          </a:stretch>
+        </p:blipFill>
+        <p:spPr>
+          <a:xfrm>
+            <a:off x="928467" y="1760561"/>
+            <a:ext cx="7891975" cy="4668118"/>
+          </a:xfrm>
+          <a:prstGeom prst="rect">
+            <a:avLst/>
+          </a:prstGeom>
+        </p:spPr>
+      </p:pic>
+    </p:spTree>
+    <p:extLst>
+      <p:ext uri="{BB962C8B-B14F-4D97-AF65-F5344CB8AC3E}">
+        <p14:creationId xmlns:p14="http://schemas.microsoft.com/office/powerpoint/2010/main" val="4089379290"/>
+      </p:ext>
+    </p:extLst>
+  </p:cSld>
+  <p:clrMapOvr>
+    <a:masterClrMapping/>
+  </p:clrMapOvr>
+</p:sld>
+</file>
+
+<file path=ppt/slides/slide31.xml><?xml version="1.0" encoding="utf-8"?>
+<p:sld xmlns:a="http://schemas.openxmlformats.org/drawingml/2006/main" xmlns:r="http://schemas.openxmlformats.org/officeDocument/2006/relationships" xmlns:p="http://schemas.openxmlformats.org/presentationml/2006/main">
+  <p:cSld>
+    <p:spTree>
+      <p:nvGrpSpPr>
+        <p:cNvPr id="1" name=""/>
+        <p:cNvGrpSpPr/>
+        <p:nvPr/>
+      </p:nvGrpSpPr>
+      <p:grpSpPr>
+        <a:xfrm>
+          <a:off x="0" y="0"/>
+          <a:ext cx="0" cy="0"/>
+          <a:chOff x="0" y="0"/>
+          <a:chExt cx="0" cy="0"/>
+        </a:xfrm>
+      </p:grpSpPr>
+      <p:sp>
+        <p:nvSpPr>
+          <p:cNvPr id="4" name="Google Shape;301;p19">
+            <a:extLst>
+              <a:ext uri="{FF2B5EF4-FFF2-40B4-BE49-F238E27FC236}">
+                <a16:creationId xmlns:a16="http://schemas.microsoft.com/office/drawing/2014/main" xmlns="" id="{F08688CE-7072-4646-B0B7-BE5849D42FF5}"/>
+              </a:ext>
+            </a:extLst>
+          </p:cNvPr>
+          <p:cNvSpPr/>
+          <p:nvPr/>
+        </p:nvSpPr>
+        <p:spPr>
+          <a:xfrm>
+            <a:off x="0" y="519469"/>
+            <a:ext cx="9144000" cy="1323399"/>
+          </a:xfrm>
+          <a:prstGeom prst="rect">
+            <a:avLst/>
+          </a:prstGeom>
+          <a:noFill/>
+          <a:ln>
+            <a:noFill/>
+          </a:ln>
+        </p:spPr>
+        <p:txBody>
+          <a:bodyPr spcFirstLastPara="1" wrap="square" lIns="91425" tIns="45700" rIns="91425" bIns="45700" anchor="t" anchorCtr="0">
+            <a:spAutoFit/>
+          </a:bodyPr>
+          <a:lstStyle/>
+          <a:p>
+            <a:pPr algn="ctr"/>
+            <a:r>
+              <a:rPr lang="es-CO" sz="4000" dirty="0">
+                <a:solidFill>
+                  <a:schemeClr val="lt1"/>
+                </a:solidFill>
+                <a:latin typeface="Calibri"/>
+                <a:cs typeface="Calibri"/>
+              </a:rPr>
+              <a:t>Manual Técnico</a:t>
+            </a:r>
+          </a:p>
+          <a:p>
+            <a:pPr marL="0" marR="0" lvl="0" indent="0" algn="ctr" rtl="0">
+              <a:spcBef>
+                <a:spcPts val="0"/>
+              </a:spcBef>
+              <a:spcAft>
+                <a:spcPts val="0"/>
+              </a:spcAft>
+              <a:buNone/>
+            </a:pPr>
+            <a:endParaRPr sz="4000" dirty="0">
+              <a:solidFill>
+                <a:schemeClr val="lt1"/>
+              </a:solidFill>
+              <a:latin typeface="Calibri"/>
+              <a:cs typeface="Calibri"/>
+            </a:endParaRPr>
+          </a:p>
+        </p:txBody>
+      </p:sp>
+      <p:pic>
+        <p:nvPicPr>
+          <p:cNvPr id="2" name="Imagen 1">
+            <a:hlinkClick r:id="rId2" action="ppaction://hlinkfile"/>
+          </p:cNvPr>
+          <p:cNvPicPr>
+            <a:picLocks noChangeAspect="1"/>
+          </p:cNvPicPr>
+          <p:nvPr/>
+        </p:nvPicPr>
+        <p:blipFill>
+          <a:blip r:embed="rId3">
+            <a:extLst>
+              <a:ext uri="{28A0092B-C50C-407E-A947-70E740481C1C}">
+                <a14:useLocalDpi xmlns:a14="http://schemas.microsoft.com/office/drawing/2010/main" val="0"/>
+              </a:ext>
+            </a:extLst>
+          </a:blip>
+          <a:stretch>
+            <a:fillRect/>
+          </a:stretch>
+        </p:blipFill>
+        <p:spPr>
+          <a:xfrm>
+            <a:off x="1209057" y="2152650"/>
+            <a:ext cx="6725886" cy="4463892"/>
+          </a:xfrm>
+          <a:prstGeom prst="rect">
+            <a:avLst/>
+          </a:prstGeom>
+        </p:spPr>
+      </p:pic>
+    </p:spTree>
+    <p:extLst>
+      <p:ext uri="{BB962C8B-B14F-4D97-AF65-F5344CB8AC3E}">
+        <p14:creationId xmlns:p14="http://schemas.microsoft.com/office/powerpoint/2010/main" val="3372219012"/>
+      </p:ext>
+    </p:extLst>
+  </p:cSld>
+  <p:clrMapOvr>
+    <a:masterClrMapping/>
+  </p:clrMapOvr>
+</p:sld>
+</file>
+
+<file path=ppt/slides/slide32.xml><?xml version="1.0" encoding="utf-8"?>
+<p:sld xmlns:a="http://schemas.openxmlformats.org/drawingml/2006/main" xmlns:r="http://schemas.openxmlformats.org/officeDocument/2006/relationships" xmlns:p="http://schemas.openxmlformats.org/presentationml/2006/main">
+  <p:cSld>
+    <p:spTree>
+      <p:nvGrpSpPr>
+        <p:cNvPr id="1" name=""/>
+        <p:cNvGrpSpPr/>
+        <p:nvPr/>
+      </p:nvGrpSpPr>
+      <p:grpSpPr>
+        <a:xfrm>
+          <a:off x="0" y="0"/>
+          <a:ext cx="0" cy="0"/>
+          <a:chOff x="0" y="0"/>
+          <a:chExt cx="0" cy="0"/>
+        </a:xfrm>
+      </p:grpSpPr>
+      <p:sp>
+        <p:nvSpPr>
+          <p:cNvPr id="2" name="Google Shape;301;p19">
+            <a:extLst>
+              <a:ext uri="{FF2B5EF4-FFF2-40B4-BE49-F238E27FC236}">
+                <a16:creationId xmlns:a16="http://schemas.microsoft.com/office/drawing/2014/main" xmlns="" id="{A55BF71A-6275-44E3-8979-459764B4C0E9}"/>
+              </a:ext>
+            </a:extLst>
+          </p:cNvPr>
+          <p:cNvSpPr/>
+          <p:nvPr/>
+        </p:nvSpPr>
+        <p:spPr>
+          <a:xfrm>
+            <a:off x="0" y="519469"/>
+            <a:ext cx="9144000" cy="1323399"/>
+          </a:xfrm>
+          <a:prstGeom prst="rect">
+            <a:avLst/>
+          </a:prstGeom>
+          <a:noFill/>
+          <a:ln>
+            <a:noFill/>
+          </a:ln>
+        </p:spPr>
+        <p:txBody>
+          <a:bodyPr spcFirstLastPara="1" wrap="square" lIns="91425" tIns="45700" rIns="91425" bIns="45700" anchor="t" anchorCtr="0">
+            <a:spAutoFit/>
+          </a:bodyPr>
+          <a:lstStyle/>
+          <a:p>
+            <a:pPr algn="ctr"/>
+            <a:r>
+              <a:rPr lang="es-CO" sz="4000" dirty="0">
+                <a:solidFill>
+                  <a:schemeClr val="lt1"/>
+                </a:solidFill>
+                <a:latin typeface="Calibri"/>
+                <a:cs typeface="Calibri"/>
+              </a:rPr>
+              <a:t>Despliegue en </a:t>
+            </a:r>
+            <a:r>
+              <a:rPr lang="es-CO" sz="4000" dirty="0" err="1">
+                <a:solidFill>
+                  <a:schemeClr val="lt1"/>
+                </a:solidFill>
+                <a:latin typeface="Calibri"/>
+                <a:cs typeface="Calibri"/>
+              </a:rPr>
+              <a:t>Hostfully</a:t>
+            </a:r>
+            <a:endParaRPr lang="es-CO" sz="4000" dirty="0">
+              <a:solidFill>
+                <a:schemeClr val="lt1"/>
+              </a:solidFill>
+              <a:latin typeface="Calibri"/>
+              <a:cs typeface="Calibri"/>
+            </a:endParaRPr>
+          </a:p>
+          <a:p>
+            <a:pPr marL="0" marR="0" lvl="0" indent="0" algn="ctr" rtl="0">
+              <a:spcBef>
+                <a:spcPts val="0"/>
+              </a:spcBef>
+              <a:spcAft>
+                <a:spcPts val="0"/>
+              </a:spcAft>
+              <a:buNone/>
+            </a:pPr>
+            <a:endParaRPr sz="4000" dirty="0">
+              <a:solidFill>
+                <a:schemeClr val="lt1"/>
+              </a:solidFill>
+              <a:latin typeface="Calibri"/>
+              <a:cs typeface="Calibri"/>
+            </a:endParaRPr>
+          </a:p>
+        </p:txBody>
+      </p:sp>
+      <p:pic>
+        <p:nvPicPr>
+          <p:cNvPr id="3" name="Imagen 2">
+            <a:extLst>
+              <a:ext uri="{FF2B5EF4-FFF2-40B4-BE49-F238E27FC236}">
+                <a16:creationId xmlns:a16="http://schemas.microsoft.com/office/drawing/2014/main" xmlns="" id="{8907F45D-F0EB-4C72-A20F-15D830C6120A}"/>
+              </a:ext>
+            </a:extLst>
+          </p:cNvPr>
+          <p:cNvPicPr>
+            <a:picLocks noChangeAspect="1"/>
+          </p:cNvPicPr>
+          <p:nvPr/>
+        </p:nvPicPr>
+        <p:blipFill>
+          <a:blip r:embed="rId2"/>
+          <a:stretch>
+            <a:fillRect/>
+          </a:stretch>
+        </p:blipFill>
+        <p:spPr>
+          <a:xfrm>
+            <a:off x="2616591" y="1842868"/>
+            <a:ext cx="6302326" cy="3718972"/>
+          </a:xfrm>
+          <a:prstGeom prst="rect">
+            <a:avLst/>
+          </a:prstGeom>
+        </p:spPr>
+      </p:pic>
+      <p:sp>
+        <p:nvSpPr>
+          <p:cNvPr id="4" name="Rectángulo 3">
+            <a:extLst>
+              <a:ext uri="{FF2B5EF4-FFF2-40B4-BE49-F238E27FC236}">
+                <a16:creationId xmlns:a16="http://schemas.microsoft.com/office/drawing/2014/main" xmlns="" id="{0B4F2E8C-C40B-40AD-99DC-991A85681726}"/>
+              </a:ext>
+            </a:extLst>
+          </p:cNvPr>
+          <p:cNvSpPr/>
+          <p:nvPr/>
+        </p:nvSpPr>
+        <p:spPr>
+          <a:xfrm>
+            <a:off x="605962" y="5905181"/>
+            <a:ext cx="5432898" cy="553998"/>
+          </a:xfrm>
+          <a:prstGeom prst="rect">
+            <a:avLst/>
+          </a:prstGeom>
+        </p:spPr>
+        <p:txBody>
+          <a:bodyPr wrap="none">
+            <a:spAutoFit/>
+          </a:bodyPr>
+          <a:lstStyle/>
+          <a:p>
+            <a:r>
+              <a:rPr lang="es-CO" sz="3000" dirty="0">
+                <a:latin typeface="Times New Roman" panose="02020603050405020304" pitchFamily="18" charset="0"/>
+                <a:cs typeface="Times New Roman" panose="02020603050405020304" pitchFamily="18" charset="0"/>
+                <a:hlinkClick r:id="rId3"/>
+              </a:rPr>
+              <a:t>http://quickgift.ihostfull.com/?i=1</a:t>
+            </a:r>
+            <a:endParaRPr lang="es-CO" sz="3000" dirty="0">
+              <a:latin typeface="Times New Roman" panose="02020603050405020304" pitchFamily="18" charset="0"/>
+              <a:cs typeface="Times New Roman" panose="02020603050405020304" pitchFamily="18" charset="0"/>
+            </a:endParaRPr>
+          </a:p>
+        </p:txBody>
+      </p:sp>
+    </p:spTree>
+    <p:extLst>
+      <p:ext uri="{BB962C8B-B14F-4D97-AF65-F5344CB8AC3E}">
+        <p14:creationId xmlns:p14="http://schemas.microsoft.com/office/powerpoint/2010/main" val="3963940469"/>
+      </p:ext>
+    </p:extLst>
+  </p:cSld>
+  <p:clrMapOvr>
+    <a:masterClrMapping/>
+  </p:clrMapOvr>
+</p:sld>
+</file>
+
+<file path=ppt/slides/slide33.xml><?xml version="1.0" encoding="utf-8"?>
 <p:sld xmlns:a="http://schemas.openxmlformats.org/drawingml/2006/main" xmlns:r="http://schemas.openxmlformats.org/officeDocument/2006/relationships" xmlns:p="http://schemas.openxmlformats.org/presentationml/2006/main">
   <p:cSld>
     <p:spTree>
@@ -17835,6 +18452,1025 @@
 </file>
 
 <file path=ppt/slides/slide4.xml><?xml version="1.0" encoding="utf-8"?>
+<p:sld xmlns:a="http://schemas.openxmlformats.org/drawingml/2006/main" xmlns:r="http://schemas.openxmlformats.org/officeDocument/2006/relationships" xmlns:p="http://schemas.openxmlformats.org/presentationml/2006/main">
+  <p:cSld>
+    <p:spTree>
+      <p:nvGrpSpPr>
+        <p:cNvPr id="1" name=""/>
+        <p:cNvGrpSpPr/>
+        <p:nvPr/>
+      </p:nvGrpSpPr>
+      <p:grpSpPr>
+        <a:xfrm>
+          <a:off x="0" y="0"/>
+          <a:ext cx="0" cy="0"/>
+          <a:chOff x="0" y="0"/>
+          <a:chExt cx="0" cy="0"/>
+        </a:xfrm>
+      </p:grpSpPr>
+      <p:sp>
+        <p:nvSpPr>
+          <p:cNvPr id="2" name="Google Shape;154;p3">
+            <a:extLst>
+              <a:ext uri="{FF2B5EF4-FFF2-40B4-BE49-F238E27FC236}">
+                <a16:creationId xmlns:a16="http://schemas.microsoft.com/office/drawing/2014/main" xmlns="" id="{4557D7C6-25AB-42B1-9018-D9B119CE2B7C}"/>
+              </a:ext>
+            </a:extLst>
+          </p:cNvPr>
+          <p:cNvSpPr txBox="1"/>
+          <p:nvPr/>
+        </p:nvSpPr>
+        <p:spPr>
+          <a:xfrm>
+            <a:off x="967014" y="2630625"/>
+            <a:ext cx="3604986" cy="502920"/>
+          </a:xfrm>
+          <a:prstGeom prst="rect">
+            <a:avLst/>
+          </a:prstGeom>
+          <a:noFill/>
+          <a:ln w="9525" cap="flat" cmpd="sng">
+            <a:solidFill>
+              <a:schemeClr val="accent1"/>
+            </a:solidFill>
+            <a:prstDash val="solid"/>
+            <a:round/>
+            <a:headEnd type="none" w="sm" len="sm"/>
+            <a:tailEnd type="none" w="sm" len="sm"/>
+          </a:ln>
+        </p:spPr>
+        <p:txBody>
+          <a:bodyPr spcFirstLastPara="1" wrap="square" lIns="91425" tIns="45700" rIns="91425" bIns="45700" anchor="ctr" anchorCtr="0">
+            <a:noAutofit/>
+          </a:bodyPr>
+          <a:lstStyle/>
+          <a:p>
+            <a:pPr marL="0" marR="0" lvl="0" indent="0" algn="l" rtl="0">
+              <a:spcBef>
+                <a:spcPts val="0"/>
+              </a:spcBef>
+              <a:spcAft>
+                <a:spcPts val="0"/>
+              </a:spcAft>
+              <a:buNone/>
+            </a:pPr>
+            <a:r>
+              <a:rPr lang="es-CO" sz="1600" dirty="0">
+                <a:solidFill>
+                  <a:schemeClr val="dk1"/>
+                </a:solidFill>
+                <a:latin typeface="Calibri"/>
+                <a:ea typeface="Calibri"/>
+                <a:cs typeface="Calibri"/>
+                <a:sym typeface="Calibri"/>
+              </a:rPr>
+              <a:t>18. Mockups, wirefrmaes o HTML</a:t>
+            </a:r>
+            <a:endParaRPr sz="1600" dirty="0">
+              <a:solidFill>
+                <a:schemeClr val="dk1"/>
+              </a:solidFill>
+              <a:latin typeface="Calibri"/>
+              <a:ea typeface="Calibri"/>
+              <a:cs typeface="Calibri"/>
+              <a:sym typeface="Calibri"/>
+            </a:endParaRPr>
+          </a:p>
+        </p:txBody>
+      </p:sp>
+      <p:sp>
+        <p:nvSpPr>
+          <p:cNvPr id="3" name="Google Shape;161;p3">
+            <a:extLst>
+              <a:ext uri="{FF2B5EF4-FFF2-40B4-BE49-F238E27FC236}">
+                <a16:creationId xmlns:a16="http://schemas.microsoft.com/office/drawing/2014/main" xmlns="" id="{B992F4D8-65CD-426C-8C44-00CFCE83C309}"/>
+              </a:ext>
+            </a:extLst>
+          </p:cNvPr>
+          <p:cNvSpPr txBox="1"/>
+          <p:nvPr/>
+        </p:nvSpPr>
+        <p:spPr>
+          <a:xfrm>
+            <a:off x="967014" y="3133545"/>
+            <a:ext cx="3604986" cy="502920"/>
+          </a:xfrm>
+          <a:prstGeom prst="rect">
+            <a:avLst/>
+          </a:prstGeom>
+          <a:noFill/>
+          <a:ln w="9525" cap="flat" cmpd="sng">
+            <a:solidFill>
+              <a:schemeClr val="accent1"/>
+            </a:solidFill>
+            <a:prstDash val="solid"/>
+            <a:round/>
+            <a:headEnd type="none" w="sm" len="sm"/>
+            <a:tailEnd type="none" w="sm" len="sm"/>
+          </a:ln>
+        </p:spPr>
+        <p:txBody>
+          <a:bodyPr spcFirstLastPara="1" wrap="square" lIns="91425" tIns="45700" rIns="91425" bIns="45700" anchor="ctr" anchorCtr="0">
+            <a:noAutofit/>
+          </a:bodyPr>
+          <a:lstStyle/>
+          <a:p>
+            <a:pPr marL="0" marR="0" lvl="0" indent="0" algn="l" rtl="0">
+              <a:spcBef>
+                <a:spcPts val="0"/>
+              </a:spcBef>
+              <a:spcAft>
+                <a:spcPts val="0"/>
+              </a:spcAft>
+              <a:buNone/>
+            </a:pPr>
+            <a:r>
+              <a:rPr lang="es-MX" dirty="0"/>
+              <a:t>19.ase de Datos </a:t>
+            </a:r>
+            <a:endParaRPr dirty="0"/>
+          </a:p>
+        </p:txBody>
+      </p:sp>
+      <p:sp>
+        <p:nvSpPr>
+          <p:cNvPr id="4" name="Google Shape;161;p3">
+            <a:extLst>
+              <a:ext uri="{FF2B5EF4-FFF2-40B4-BE49-F238E27FC236}">
+                <a16:creationId xmlns:a16="http://schemas.microsoft.com/office/drawing/2014/main" xmlns="" id="{1DC512BE-30A3-478A-A648-C3B5588D9208}"/>
+              </a:ext>
+            </a:extLst>
+          </p:cNvPr>
+          <p:cNvSpPr txBox="1"/>
+          <p:nvPr/>
+        </p:nvSpPr>
+        <p:spPr>
+          <a:xfrm>
+            <a:off x="967014" y="2127705"/>
+            <a:ext cx="3604986" cy="502920"/>
+          </a:xfrm>
+          <a:prstGeom prst="rect">
+            <a:avLst/>
+          </a:prstGeom>
+          <a:noFill/>
+          <a:ln w="9525" cap="flat" cmpd="sng">
+            <a:solidFill>
+              <a:schemeClr val="accent1"/>
+            </a:solidFill>
+            <a:prstDash val="solid"/>
+            <a:round/>
+            <a:headEnd type="none" w="sm" len="sm"/>
+            <a:tailEnd type="none" w="sm" len="sm"/>
+          </a:ln>
+        </p:spPr>
+        <p:txBody>
+          <a:bodyPr spcFirstLastPara="1" wrap="square" lIns="91425" tIns="45700" rIns="91425" bIns="45700" anchor="ctr" anchorCtr="0">
+            <a:noAutofit/>
+          </a:bodyPr>
+          <a:lstStyle/>
+          <a:p>
+            <a:pPr marL="0" marR="0" lvl="0" indent="0" algn="l" rtl="0">
+              <a:spcBef>
+                <a:spcPts val="0"/>
+              </a:spcBef>
+              <a:spcAft>
+                <a:spcPts val="0"/>
+              </a:spcAft>
+              <a:buNone/>
+            </a:pPr>
+            <a:r>
+              <a:rPr lang="es-CO" sz="1600" dirty="0">
+                <a:solidFill>
+                  <a:schemeClr val="dk1"/>
+                </a:solidFill>
+                <a:latin typeface="Calibri"/>
+                <a:ea typeface="Calibri"/>
+                <a:cs typeface="Calibri"/>
+                <a:sym typeface="Calibri"/>
+              </a:rPr>
+              <a:t>17.Diagrama de clase</a:t>
+            </a:r>
+            <a:endParaRPr dirty="0"/>
+          </a:p>
+        </p:txBody>
+      </p:sp>
+      <p:sp>
+        <p:nvSpPr>
+          <p:cNvPr id="5" name="Google Shape;161;p3">
+            <a:extLst>
+              <a:ext uri="{FF2B5EF4-FFF2-40B4-BE49-F238E27FC236}">
+                <a16:creationId xmlns:a16="http://schemas.microsoft.com/office/drawing/2014/main" xmlns="" id="{6326FC6D-FAF5-4650-85B4-57A3943E5F7A}"/>
+              </a:ext>
+            </a:extLst>
+          </p:cNvPr>
+          <p:cNvSpPr txBox="1"/>
+          <p:nvPr/>
+        </p:nvSpPr>
+        <p:spPr>
+          <a:xfrm>
+            <a:off x="967014" y="3636465"/>
+            <a:ext cx="3604986" cy="502920"/>
+          </a:xfrm>
+          <a:prstGeom prst="rect">
+            <a:avLst/>
+          </a:prstGeom>
+          <a:noFill/>
+          <a:ln w="9525" cap="flat" cmpd="sng">
+            <a:solidFill>
+              <a:schemeClr val="accent1"/>
+            </a:solidFill>
+            <a:prstDash val="solid"/>
+            <a:round/>
+            <a:headEnd type="none" w="sm" len="sm"/>
+            <a:tailEnd type="none" w="sm" len="sm"/>
+          </a:ln>
+        </p:spPr>
+        <p:txBody>
+          <a:bodyPr spcFirstLastPara="1" wrap="square" lIns="91425" tIns="45700" rIns="91425" bIns="45700" anchor="ctr" anchorCtr="0">
+            <a:noAutofit/>
+          </a:bodyPr>
+          <a:lstStyle/>
+          <a:p>
+            <a:pPr marL="0" marR="0" lvl="0" indent="0" algn="l" rtl="0">
+              <a:spcBef>
+                <a:spcPts val="0"/>
+              </a:spcBef>
+              <a:spcAft>
+                <a:spcPts val="0"/>
+              </a:spcAft>
+              <a:buNone/>
+            </a:pPr>
+            <a:r>
+              <a:rPr lang="es-MX" dirty="0"/>
+              <a:t>20.Base de Datos sentencias DDL,DML.</a:t>
+            </a:r>
+            <a:endParaRPr dirty="0"/>
+          </a:p>
+        </p:txBody>
+      </p:sp>
+      <p:sp>
+        <p:nvSpPr>
+          <p:cNvPr id="6" name="Google Shape;161;p3">
+            <a:extLst>
+              <a:ext uri="{FF2B5EF4-FFF2-40B4-BE49-F238E27FC236}">
+                <a16:creationId xmlns:a16="http://schemas.microsoft.com/office/drawing/2014/main" xmlns="" id="{0B3589D7-6066-4B15-B004-5DA301264A84}"/>
+              </a:ext>
+            </a:extLst>
+          </p:cNvPr>
+          <p:cNvSpPr txBox="1"/>
+          <p:nvPr/>
+        </p:nvSpPr>
+        <p:spPr>
+          <a:xfrm>
+            <a:off x="967014" y="4139385"/>
+            <a:ext cx="3604986" cy="502920"/>
+          </a:xfrm>
+          <a:prstGeom prst="rect">
+            <a:avLst/>
+          </a:prstGeom>
+          <a:noFill/>
+          <a:ln w="9525" cap="flat" cmpd="sng">
+            <a:solidFill>
+              <a:schemeClr val="accent1"/>
+            </a:solidFill>
+            <a:prstDash val="solid"/>
+            <a:round/>
+            <a:headEnd type="none" w="sm" len="sm"/>
+            <a:tailEnd type="none" w="sm" len="sm"/>
+          </a:ln>
+        </p:spPr>
+        <p:txBody>
+          <a:bodyPr spcFirstLastPara="1" wrap="square" lIns="91425" tIns="45700" rIns="91425" bIns="45700" anchor="ctr" anchorCtr="0">
+            <a:noAutofit/>
+          </a:bodyPr>
+          <a:lstStyle/>
+          <a:p>
+            <a:pPr marL="0" marR="0" lvl="0" indent="0" algn="l" rtl="0">
+              <a:spcBef>
+                <a:spcPts val="0"/>
+              </a:spcBef>
+              <a:spcAft>
+                <a:spcPts val="0"/>
+              </a:spcAft>
+              <a:buNone/>
+            </a:pPr>
+            <a:r>
+              <a:rPr lang="es-MX" dirty="0"/>
+              <a:t>21.Prototipo no funcional</a:t>
+            </a:r>
+            <a:endParaRPr dirty="0"/>
+          </a:p>
+        </p:txBody>
+      </p:sp>
+      <p:sp>
+        <p:nvSpPr>
+          <p:cNvPr id="7" name="Google Shape;161;p3">
+            <a:extLst>
+              <a:ext uri="{FF2B5EF4-FFF2-40B4-BE49-F238E27FC236}">
+                <a16:creationId xmlns:a16="http://schemas.microsoft.com/office/drawing/2014/main" xmlns="" id="{65C25A65-20A3-4E00-82BF-DC3D2ACA1442}"/>
+              </a:ext>
+            </a:extLst>
+          </p:cNvPr>
+          <p:cNvSpPr txBox="1"/>
+          <p:nvPr/>
+        </p:nvSpPr>
+        <p:spPr>
+          <a:xfrm>
+            <a:off x="967014" y="4642305"/>
+            <a:ext cx="3604986" cy="502920"/>
+          </a:xfrm>
+          <a:prstGeom prst="rect">
+            <a:avLst/>
+          </a:prstGeom>
+          <a:noFill/>
+          <a:ln w="9525" cap="flat" cmpd="sng">
+            <a:solidFill>
+              <a:schemeClr val="accent1"/>
+            </a:solidFill>
+            <a:prstDash val="solid"/>
+            <a:round/>
+            <a:headEnd type="none" w="sm" len="sm"/>
+            <a:tailEnd type="none" w="sm" len="sm"/>
+          </a:ln>
+        </p:spPr>
+        <p:txBody>
+          <a:bodyPr spcFirstLastPara="1" wrap="square" lIns="91425" tIns="45700" rIns="91425" bIns="45700" anchor="ctr" anchorCtr="0">
+            <a:noAutofit/>
+          </a:bodyPr>
+          <a:lstStyle/>
+          <a:p>
+            <a:pPr marL="0" marR="0" lvl="0" indent="0" algn="l" rtl="0">
+              <a:spcBef>
+                <a:spcPts val="0"/>
+              </a:spcBef>
+              <a:spcAft>
+                <a:spcPts val="0"/>
+              </a:spcAft>
+              <a:buNone/>
+            </a:pPr>
+            <a:r>
+              <a:rPr lang="es-MX" dirty="0"/>
+              <a:t>22.Sistema de gestión de Versiones</a:t>
+            </a:r>
+            <a:endParaRPr dirty="0"/>
+          </a:p>
+        </p:txBody>
+      </p:sp>
+      <p:sp>
+        <p:nvSpPr>
+          <p:cNvPr id="8" name="Google Shape;161;p3">
+            <a:extLst>
+              <a:ext uri="{FF2B5EF4-FFF2-40B4-BE49-F238E27FC236}">
+                <a16:creationId xmlns:a16="http://schemas.microsoft.com/office/drawing/2014/main" xmlns="" id="{634434D7-EC5F-44D2-BFE6-AB605646C379}"/>
+              </a:ext>
+            </a:extLst>
+          </p:cNvPr>
+          <p:cNvSpPr txBox="1"/>
+          <p:nvPr/>
+        </p:nvSpPr>
+        <p:spPr>
+          <a:xfrm>
+            <a:off x="967014" y="5145225"/>
+            <a:ext cx="3604986" cy="502920"/>
+          </a:xfrm>
+          <a:prstGeom prst="rect">
+            <a:avLst/>
+          </a:prstGeom>
+          <a:noFill/>
+          <a:ln w="9525" cap="flat" cmpd="sng">
+            <a:solidFill>
+              <a:schemeClr val="accent1"/>
+            </a:solidFill>
+            <a:prstDash val="solid"/>
+            <a:round/>
+            <a:headEnd type="none" w="sm" len="sm"/>
+            <a:tailEnd type="none" w="sm" len="sm"/>
+          </a:ln>
+        </p:spPr>
+        <p:txBody>
+          <a:bodyPr spcFirstLastPara="1" wrap="square" lIns="91425" tIns="45700" rIns="91425" bIns="45700" anchor="ctr" anchorCtr="0">
+            <a:noAutofit/>
+          </a:bodyPr>
+          <a:lstStyle/>
+          <a:p>
+            <a:pPr marL="0" marR="0" lvl="0" indent="0" algn="l" rtl="0">
+              <a:spcBef>
+                <a:spcPts val="0"/>
+              </a:spcBef>
+              <a:spcAft>
+                <a:spcPts val="0"/>
+              </a:spcAft>
+              <a:buNone/>
+            </a:pPr>
+            <a:r>
+              <a:rPr lang="es-MX" dirty="0"/>
+              <a:t>23.Gantt</a:t>
+            </a:r>
+            <a:endParaRPr dirty="0"/>
+          </a:p>
+        </p:txBody>
+      </p:sp>
+      <p:sp>
+        <p:nvSpPr>
+          <p:cNvPr id="9" name="Google Shape;154;p3">
+            <a:extLst>
+              <a:ext uri="{FF2B5EF4-FFF2-40B4-BE49-F238E27FC236}">
+                <a16:creationId xmlns:a16="http://schemas.microsoft.com/office/drawing/2014/main" xmlns="" id="{2008401D-694F-4262-8151-93D67DDD8A9A}"/>
+              </a:ext>
+            </a:extLst>
+          </p:cNvPr>
+          <p:cNvSpPr txBox="1"/>
+          <p:nvPr/>
+        </p:nvSpPr>
+        <p:spPr>
+          <a:xfrm>
+            <a:off x="5018554" y="2127705"/>
+            <a:ext cx="3604986" cy="502920"/>
+          </a:xfrm>
+          <a:prstGeom prst="rect">
+            <a:avLst/>
+          </a:prstGeom>
+          <a:noFill/>
+          <a:ln w="9525" cap="flat" cmpd="sng">
+            <a:solidFill>
+              <a:schemeClr val="accent1"/>
+            </a:solidFill>
+            <a:prstDash val="solid"/>
+            <a:round/>
+            <a:headEnd type="none" w="sm" len="sm"/>
+            <a:tailEnd type="none" w="sm" len="sm"/>
+          </a:ln>
+        </p:spPr>
+        <p:txBody>
+          <a:bodyPr spcFirstLastPara="1" wrap="square" lIns="91425" tIns="45700" rIns="91425" bIns="45700" anchor="ctr" anchorCtr="0">
+            <a:noAutofit/>
+          </a:bodyPr>
+          <a:lstStyle/>
+          <a:p>
+            <a:pPr marL="0" marR="0" lvl="0" indent="0" algn="l" rtl="0">
+              <a:spcBef>
+                <a:spcPts val="0"/>
+              </a:spcBef>
+              <a:spcAft>
+                <a:spcPts val="0"/>
+              </a:spcAft>
+              <a:buNone/>
+            </a:pPr>
+            <a:r>
+              <a:rPr lang="es-CO" sz="1600" dirty="0">
+                <a:solidFill>
+                  <a:schemeClr val="dk1"/>
+                </a:solidFill>
+                <a:latin typeface="Calibri"/>
+                <a:ea typeface="Calibri"/>
+                <a:cs typeface="Calibri"/>
+                <a:sym typeface="Calibri"/>
+              </a:rPr>
+              <a:t>25. Pruebas blancas y negras</a:t>
+            </a:r>
+            <a:endParaRPr sz="1600" dirty="0">
+              <a:solidFill>
+                <a:schemeClr val="dk1"/>
+              </a:solidFill>
+              <a:latin typeface="Calibri"/>
+              <a:ea typeface="Calibri"/>
+              <a:cs typeface="Calibri"/>
+              <a:sym typeface="Calibri"/>
+            </a:endParaRPr>
+          </a:p>
+        </p:txBody>
+      </p:sp>
+      <p:sp>
+        <p:nvSpPr>
+          <p:cNvPr id="10" name="Google Shape;161;p3">
+            <a:extLst>
+              <a:ext uri="{FF2B5EF4-FFF2-40B4-BE49-F238E27FC236}">
+                <a16:creationId xmlns:a16="http://schemas.microsoft.com/office/drawing/2014/main" xmlns="" id="{6DF3ECD1-4FE4-4AD9-8642-84E9F0E8ED17}"/>
+              </a:ext>
+            </a:extLst>
+          </p:cNvPr>
+          <p:cNvSpPr txBox="1"/>
+          <p:nvPr/>
+        </p:nvSpPr>
+        <p:spPr>
+          <a:xfrm>
+            <a:off x="5018554" y="2630625"/>
+            <a:ext cx="3604986" cy="502920"/>
+          </a:xfrm>
+          <a:prstGeom prst="rect">
+            <a:avLst/>
+          </a:prstGeom>
+          <a:noFill/>
+          <a:ln w="9525" cap="flat" cmpd="sng">
+            <a:solidFill>
+              <a:schemeClr val="accent1"/>
+            </a:solidFill>
+            <a:prstDash val="solid"/>
+            <a:round/>
+            <a:headEnd type="none" w="sm" len="sm"/>
+            <a:tailEnd type="none" w="sm" len="sm"/>
+          </a:ln>
+        </p:spPr>
+        <p:txBody>
+          <a:bodyPr spcFirstLastPara="1" wrap="square" lIns="91425" tIns="45700" rIns="91425" bIns="45700" anchor="ctr" anchorCtr="0">
+            <a:noAutofit/>
+          </a:bodyPr>
+          <a:lstStyle/>
+          <a:p>
+            <a:pPr marL="0" marR="0" lvl="0" indent="0" algn="l" rtl="0">
+              <a:spcBef>
+                <a:spcPts val="0"/>
+              </a:spcBef>
+              <a:spcAft>
+                <a:spcPts val="0"/>
+              </a:spcAft>
+              <a:buNone/>
+            </a:pPr>
+            <a:r>
+              <a:rPr lang="es-MX" dirty="0"/>
+              <a:t>26.Manual de instalación del aplicativo N/A</a:t>
+            </a:r>
+            <a:endParaRPr dirty="0"/>
+          </a:p>
+        </p:txBody>
+      </p:sp>
+      <p:sp>
+        <p:nvSpPr>
+          <p:cNvPr id="11" name="Google Shape;161;p3">
+            <a:extLst>
+              <a:ext uri="{FF2B5EF4-FFF2-40B4-BE49-F238E27FC236}">
+                <a16:creationId xmlns:a16="http://schemas.microsoft.com/office/drawing/2014/main" xmlns="" id="{B82E6D0E-75D7-43E5-8CFB-60A9C36C3BA7}"/>
+              </a:ext>
+            </a:extLst>
+          </p:cNvPr>
+          <p:cNvSpPr txBox="1"/>
+          <p:nvPr/>
+        </p:nvSpPr>
+        <p:spPr>
+          <a:xfrm>
+            <a:off x="967014" y="5648145"/>
+            <a:ext cx="3604986" cy="502920"/>
+          </a:xfrm>
+          <a:prstGeom prst="rect">
+            <a:avLst/>
+          </a:prstGeom>
+          <a:noFill/>
+          <a:ln w="9525" cap="flat" cmpd="sng">
+            <a:solidFill>
+              <a:schemeClr val="accent1"/>
+            </a:solidFill>
+            <a:prstDash val="solid"/>
+            <a:round/>
+            <a:headEnd type="none" w="sm" len="sm"/>
+            <a:tailEnd type="none" w="sm" len="sm"/>
+          </a:ln>
+        </p:spPr>
+        <p:txBody>
+          <a:bodyPr spcFirstLastPara="1" wrap="square" lIns="91425" tIns="45700" rIns="91425" bIns="45700" anchor="ctr" anchorCtr="0">
+            <a:noAutofit/>
+          </a:bodyPr>
+          <a:lstStyle/>
+          <a:p>
+            <a:pPr marL="0" marR="0" lvl="0" indent="0" algn="l" rtl="0">
+              <a:spcBef>
+                <a:spcPts val="0"/>
+              </a:spcBef>
+              <a:spcAft>
+                <a:spcPts val="0"/>
+              </a:spcAft>
+              <a:buNone/>
+            </a:pPr>
+            <a:r>
+              <a:rPr lang="es-CO" sz="1600" dirty="0">
+                <a:solidFill>
+                  <a:schemeClr val="dk1"/>
+                </a:solidFill>
+                <a:latin typeface="Calibri"/>
+                <a:ea typeface="Calibri"/>
+                <a:cs typeface="Calibri"/>
+                <a:sym typeface="Calibri"/>
+              </a:rPr>
+              <a:t>24.Manual Técnico</a:t>
+            </a:r>
+            <a:endParaRPr dirty="0"/>
+          </a:p>
+        </p:txBody>
+      </p:sp>
+      <p:sp>
+        <p:nvSpPr>
+          <p:cNvPr id="12" name="Google Shape;161;p3">
+            <a:extLst>
+              <a:ext uri="{FF2B5EF4-FFF2-40B4-BE49-F238E27FC236}">
+                <a16:creationId xmlns:a16="http://schemas.microsoft.com/office/drawing/2014/main" xmlns="" id="{96BA072C-563B-43CF-B723-C5B75CFEA8D6}"/>
+              </a:ext>
+            </a:extLst>
+          </p:cNvPr>
+          <p:cNvSpPr txBox="1"/>
+          <p:nvPr/>
+        </p:nvSpPr>
+        <p:spPr>
+          <a:xfrm>
+            <a:off x="5018554" y="3133545"/>
+            <a:ext cx="3604986" cy="502920"/>
+          </a:xfrm>
+          <a:prstGeom prst="rect">
+            <a:avLst/>
+          </a:prstGeom>
+          <a:noFill/>
+          <a:ln w="9525" cap="flat" cmpd="sng">
+            <a:solidFill>
+              <a:schemeClr val="accent1"/>
+            </a:solidFill>
+            <a:prstDash val="solid"/>
+            <a:round/>
+            <a:headEnd type="none" w="sm" len="sm"/>
+            <a:tailEnd type="none" w="sm" len="sm"/>
+          </a:ln>
+        </p:spPr>
+        <p:txBody>
+          <a:bodyPr spcFirstLastPara="1" wrap="square" lIns="91425" tIns="45700" rIns="91425" bIns="45700" anchor="ctr" anchorCtr="0">
+            <a:noAutofit/>
+          </a:bodyPr>
+          <a:lstStyle/>
+          <a:p>
+            <a:pPr marL="0" marR="0" lvl="0" indent="0" algn="l" rtl="0">
+              <a:spcBef>
+                <a:spcPts val="0"/>
+              </a:spcBef>
+              <a:spcAft>
+                <a:spcPts val="0"/>
+              </a:spcAft>
+              <a:buNone/>
+            </a:pPr>
+            <a:r>
+              <a:rPr lang="es-MX" dirty="0"/>
+              <a:t>27.Diagrama de despliegue</a:t>
+            </a:r>
+            <a:endParaRPr dirty="0"/>
+          </a:p>
+        </p:txBody>
+      </p:sp>
+      <p:sp>
+        <p:nvSpPr>
+          <p:cNvPr id="13" name="Google Shape;161;p3">
+            <a:extLst>
+              <a:ext uri="{FF2B5EF4-FFF2-40B4-BE49-F238E27FC236}">
+                <a16:creationId xmlns:a16="http://schemas.microsoft.com/office/drawing/2014/main" xmlns="" id="{5A76B954-8234-4824-9BDC-ECE084ABC879}"/>
+              </a:ext>
+            </a:extLst>
+          </p:cNvPr>
+          <p:cNvSpPr txBox="1"/>
+          <p:nvPr/>
+        </p:nvSpPr>
+        <p:spPr>
+          <a:xfrm>
+            <a:off x="5018554" y="3636465"/>
+            <a:ext cx="3604986" cy="502920"/>
+          </a:xfrm>
+          <a:prstGeom prst="rect">
+            <a:avLst/>
+          </a:prstGeom>
+          <a:noFill/>
+          <a:ln w="9525" cap="flat" cmpd="sng">
+            <a:solidFill>
+              <a:schemeClr val="accent1"/>
+            </a:solidFill>
+            <a:prstDash val="solid"/>
+            <a:round/>
+            <a:headEnd type="none" w="sm" len="sm"/>
+            <a:tailEnd type="none" w="sm" len="sm"/>
+          </a:ln>
+        </p:spPr>
+        <p:txBody>
+          <a:bodyPr spcFirstLastPara="1" wrap="square" lIns="91425" tIns="45700" rIns="91425" bIns="45700" anchor="ctr" anchorCtr="0">
+            <a:noAutofit/>
+          </a:bodyPr>
+          <a:lstStyle/>
+          <a:p>
+            <a:pPr marL="0" marR="0" lvl="0" indent="0" algn="l" rtl="0">
+              <a:spcBef>
+                <a:spcPts val="0"/>
+              </a:spcBef>
+              <a:spcAft>
+                <a:spcPts val="0"/>
+              </a:spcAft>
+              <a:buNone/>
+            </a:pPr>
+            <a:r>
+              <a:rPr lang="es-MX" dirty="0"/>
+              <a:t>28.Migracion de datos</a:t>
+            </a:r>
+            <a:endParaRPr dirty="0"/>
+          </a:p>
+        </p:txBody>
+      </p:sp>
+      <p:sp>
+        <p:nvSpPr>
+          <p:cNvPr id="14" name="Google Shape;161;p3">
+            <a:extLst>
+              <a:ext uri="{FF2B5EF4-FFF2-40B4-BE49-F238E27FC236}">
+                <a16:creationId xmlns:a16="http://schemas.microsoft.com/office/drawing/2014/main" xmlns="" id="{1567AC9B-D276-48E7-9C9A-8187FF44E4ED}"/>
+              </a:ext>
+            </a:extLst>
+          </p:cNvPr>
+          <p:cNvSpPr txBox="1"/>
+          <p:nvPr/>
+        </p:nvSpPr>
+        <p:spPr>
+          <a:xfrm>
+            <a:off x="5018554" y="4139385"/>
+            <a:ext cx="3604986" cy="502920"/>
+          </a:xfrm>
+          <a:prstGeom prst="rect">
+            <a:avLst/>
+          </a:prstGeom>
+          <a:noFill/>
+          <a:ln w="9525" cap="flat" cmpd="sng">
+            <a:solidFill>
+              <a:schemeClr val="accent1"/>
+            </a:solidFill>
+            <a:prstDash val="solid"/>
+            <a:round/>
+            <a:headEnd type="none" w="sm" len="sm"/>
+            <a:tailEnd type="none" w="sm" len="sm"/>
+          </a:ln>
+        </p:spPr>
+        <p:txBody>
+          <a:bodyPr spcFirstLastPara="1" wrap="square" lIns="91425" tIns="45700" rIns="91425" bIns="45700" anchor="ctr" anchorCtr="0">
+            <a:noAutofit/>
+          </a:bodyPr>
+          <a:lstStyle/>
+          <a:p>
+            <a:pPr marL="0" marR="0" lvl="0" indent="0" algn="l" rtl="0">
+              <a:spcBef>
+                <a:spcPts val="0"/>
+              </a:spcBef>
+              <a:spcAft>
+                <a:spcPts val="0"/>
+              </a:spcAft>
+              <a:buNone/>
+            </a:pPr>
+            <a:r>
+              <a:rPr lang="es-MX" dirty="0"/>
+              <a:t>29.Buckup</a:t>
+            </a:r>
+            <a:endParaRPr dirty="0"/>
+          </a:p>
+        </p:txBody>
+      </p:sp>
+      <p:sp>
+        <p:nvSpPr>
+          <p:cNvPr id="15" name="Google Shape;161;p3">
+            <a:extLst>
+              <a:ext uri="{FF2B5EF4-FFF2-40B4-BE49-F238E27FC236}">
+                <a16:creationId xmlns:a16="http://schemas.microsoft.com/office/drawing/2014/main" xmlns="" id="{B572A15B-A981-4F6D-B00D-16439C1F8E0D}"/>
+              </a:ext>
+            </a:extLst>
+          </p:cNvPr>
+          <p:cNvSpPr txBox="1"/>
+          <p:nvPr/>
+        </p:nvSpPr>
+        <p:spPr>
+          <a:xfrm>
+            <a:off x="5018554" y="4642305"/>
+            <a:ext cx="3604986" cy="502920"/>
+          </a:xfrm>
+          <a:prstGeom prst="rect">
+            <a:avLst/>
+          </a:prstGeom>
+          <a:noFill/>
+          <a:ln w="9525" cap="flat" cmpd="sng">
+            <a:solidFill>
+              <a:schemeClr val="accent1"/>
+            </a:solidFill>
+            <a:prstDash val="solid"/>
+            <a:round/>
+            <a:headEnd type="none" w="sm" len="sm"/>
+            <a:tailEnd type="none" w="sm" len="sm"/>
+          </a:ln>
+        </p:spPr>
+        <p:txBody>
+          <a:bodyPr spcFirstLastPara="1" wrap="square" lIns="91425" tIns="45700" rIns="91425" bIns="45700" anchor="ctr" anchorCtr="0">
+            <a:noAutofit/>
+          </a:bodyPr>
+          <a:lstStyle/>
+          <a:p>
+            <a:pPr marL="0" marR="0" lvl="0" indent="0" algn="l" rtl="0">
+              <a:spcBef>
+                <a:spcPts val="0"/>
+              </a:spcBef>
+              <a:spcAft>
+                <a:spcPts val="0"/>
+              </a:spcAft>
+              <a:buNone/>
+            </a:pPr>
+            <a:r>
+              <a:rPr lang="es-MX" dirty="0"/>
+              <a:t>29.Contrato</a:t>
+            </a:r>
+            <a:endParaRPr dirty="0"/>
+          </a:p>
+        </p:txBody>
+      </p:sp>
+      <p:sp>
+        <p:nvSpPr>
+          <p:cNvPr id="16" name="Google Shape;161;p3">
+            <a:extLst>
+              <a:ext uri="{FF2B5EF4-FFF2-40B4-BE49-F238E27FC236}">
+                <a16:creationId xmlns:a16="http://schemas.microsoft.com/office/drawing/2014/main" xmlns="" id="{F3737B75-49A9-481D-A500-EEFEEA67772D}"/>
+              </a:ext>
+            </a:extLst>
+          </p:cNvPr>
+          <p:cNvSpPr txBox="1"/>
+          <p:nvPr/>
+        </p:nvSpPr>
+        <p:spPr>
+          <a:xfrm>
+            <a:off x="5018554" y="5145225"/>
+            <a:ext cx="3604986" cy="502920"/>
+          </a:xfrm>
+          <a:prstGeom prst="rect">
+            <a:avLst/>
+          </a:prstGeom>
+          <a:noFill/>
+          <a:ln w="9525" cap="flat" cmpd="sng">
+            <a:solidFill>
+              <a:schemeClr val="accent1"/>
+            </a:solidFill>
+            <a:prstDash val="solid"/>
+            <a:round/>
+            <a:headEnd type="none" w="sm" len="sm"/>
+            <a:tailEnd type="none" w="sm" len="sm"/>
+          </a:ln>
+        </p:spPr>
+        <p:txBody>
+          <a:bodyPr spcFirstLastPara="1" wrap="square" lIns="91425" tIns="45700" rIns="91425" bIns="45700" anchor="ctr" anchorCtr="0">
+            <a:noAutofit/>
+          </a:bodyPr>
+          <a:lstStyle/>
+          <a:p>
+            <a:pPr marL="0" marR="0" lvl="0" indent="0" algn="l" rtl="0">
+              <a:spcBef>
+                <a:spcPts val="0"/>
+              </a:spcBef>
+              <a:spcAft>
+                <a:spcPts val="0"/>
+              </a:spcAft>
+              <a:buNone/>
+            </a:pPr>
+            <a:r>
+              <a:rPr lang="es-MX" dirty="0" smtClean="0"/>
+              <a:t>30.Modelo </a:t>
+            </a:r>
+            <a:r>
+              <a:rPr lang="es-MX" dirty="0"/>
+              <a:t>de calidad</a:t>
+            </a:r>
+            <a:endParaRPr dirty="0"/>
+          </a:p>
+        </p:txBody>
+      </p:sp>
+      <p:sp>
+        <p:nvSpPr>
+          <p:cNvPr id="17" name="Google Shape;161;p3">
+            <a:extLst>
+              <a:ext uri="{FF2B5EF4-FFF2-40B4-BE49-F238E27FC236}">
+                <a16:creationId xmlns:a16="http://schemas.microsoft.com/office/drawing/2014/main" xmlns="" id="{961B5DA7-CB9A-473E-B4C4-1C30C36DB3C4}"/>
+              </a:ext>
+            </a:extLst>
+          </p:cNvPr>
+          <p:cNvSpPr txBox="1"/>
+          <p:nvPr/>
+        </p:nvSpPr>
+        <p:spPr>
+          <a:xfrm>
+            <a:off x="5018554" y="5648145"/>
+            <a:ext cx="3604986" cy="502920"/>
+          </a:xfrm>
+          <a:prstGeom prst="rect">
+            <a:avLst/>
+          </a:prstGeom>
+          <a:noFill/>
+          <a:ln w="9525" cap="flat" cmpd="sng">
+            <a:solidFill>
+              <a:schemeClr val="accent1"/>
+            </a:solidFill>
+            <a:prstDash val="solid"/>
+            <a:round/>
+            <a:headEnd type="none" w="sm" len="sm"/>
+            <a:tailEnd type="none" w="sm" len="sm"/>
+          </a:ln>
+        </p:spPr>
+        <p:txBody>
+          <a:bodyPr spcFirstLastPara="1" wrap="square" lIns="91425" tIns="45700" rIns="91425" bIns="45700" anchor="ctr" anchorCtr="0">
+            <a:noAutofit/>
+          </a:bodyPr>
+          <a:lstStyle/>
+          <a:p>
+            <a:pPr marL="0" marR="0" lvl="0" indent="0" algn="l" rtl="0">
+              <a:spcBef>
+                <a:spcPts val="0"/>
+              </a:spcBef>
+              <a:spcAft>
+                <a:spcPts val="0"/>
+              </a:spcAft>
+              <a:buNone/>
+            </a:pPr>
+            <a:r>
+              <a:rPr lang="es-MX" dirty="0" smtClean="0"/>
+              <a:t>31. </a:t>
+            </a:r>
+            <a:r>
+              <a:rPr lang="es-MX" dirty="0"/>
+              <a:t>Manual de usuario y de operación</a:t>
+            </a:r>
+            <a:endParaRPr dirty="0"/>
+          </a:p>
+        </p:txBody>
+      </p:sp>
+      <p:sp>
+        <p:nvSpPr>
+          <p:cNvPr id="18" name="Google Shape;147;p3">
+            <a:extLst>
+              <a:ext uri="{FF2B5EF4-FFF2-40B4-BE49-F238E27FC236}">
+                <a16:creationId xmlns:a16="http://schemas.microsoft.com/office/drawing/2014/main" xmlns="" id="{9CCB1F6B-9452-4F89-B0A5-A1F9C7F4D263}"/>
+              </a:ext>
+            </a:extLst>
+          </p:cNvPr>
+          <p:cNvSpPr txBox="1"/>
+          <p:nvPr/>
+        </p:nvSpPr>
+        <p:spPr>
+          <a:xfrm>
+            <a:off x="460460" y="445022"/>
+            <a:ext cx="6020954" cy="887583"/>
+          </a:xfrm>
+          <a:prstGeom prst="rect">
+            <a:avLst/>
+          </a:prstGeom>
+          <a:noFill/>
+          <a:ln>
+            <a:noFill/>
+          </a:ln>
+        </p:spPr>
+        <p:txBody>
+          <a:bodyPr spcFirstLastPara="1" wrap="square" lIns="91425" tIns="45700" rIns="91425" bIns="45700" anchor="ctr" anchorCtr="0">
+            <a:noAutofit/>
+          </a:bodyPr>
+          <a:lstStyle/>
+          <a:p>
+            <a:pPr marL="0" marR="0" lvl="0" indent="0" algn="l" rtl="0">
+              <a:spcBef>
+                <a:spcPts val="0"/>
+              </a:spcBef>
+              <a:spcAft>
+                <a:spcPts val="0"/>
+              </a:spcAft>
+              <a:buClr>
+                <a:schemeClr val="lt1"/>
+              </a:buClr>
+              <a:buSzPts val="6600"/>
+              <a:buFont typeface="Calibri"/>
+              <a:buNone/>
+            </a:pPr>
+            <a:r>
+              <a:rPr lang="es-CO" sz="6600" b="1" dirty="0">
+                <a:solidFill>
+                  <a:schemeClr val="lt1"/>
+                </a:solidFill>
+                <a:latin typeface="Calibri"/>
+                <a:ea typeface="Calibri"/>
+                <a:cs typeface="Calibri"/>
+                <a:sym typeface="Calibri"/>
+              </a:rPr>
+              <a:t>Agenda</a:t>
+            </a:r>
+            <a:endParaRPr sz="6600" dirty="0">
+              <a:solidFill>
+                <a:schemeClr val="lt1"/>
+              </a:solidFill>
+              <a:latin typeface="Calibri"/>
+              <a:ea typeface="Calibri"/>
+              <a:cs typeface="Calibri"/>
+              <a:sym typeface="Calibri"/>
+            </a:endParaRPr>
+          </a:p>
+        </p:txBody>
+      </p:sp>
+    </p:spTree>
+    <p:extLst>
+      <p:ext uri="{BB962C8B-B14F-4D97-AF65-F5344CB8AC3E}">
+        <p14:creationId xmlns:p14="http://schemas.microsoft.com/office/powerpoint/2010/main" val="673446621"/>
+      </p:ext>
+    </p:extLst>
+  </p:cSld>
+  <p:clrMapOvr>
+    <a:masterClrMapping/>
+  </p:clrMapOvr>
+</p:sld>
+</file>
+
+<file path=ppt/slides/slide5.xml><?xml version="1.0" encoding="utf-8"?>
 <p:sld xmlns:a="http://schemas.openxmlformats.org/drawingml/2006/main" xmlns:r="http://schemas.openxmlformats.org/officeDocument/2006/relationships" xmlns:p="http://schemas.openxmlformats.org/presentationml/2006/main">
   <p:cSld>
     <p:spTree>
@@ -18148,7 +19784,7 @@
 </p:sld>
 </file>
 
-<file path=ppt/slides/slide5.xml><?xml version="1.0" encoding="utf-8"?>
+<file path=ppt/slides/slide6.xml><?xml version="1.0" encoding="utf-8"?>
 <p:sld xmlns:a="http://schemas.openxmlformats.org/drawingml/2006/main" xmlns:r="http://schemas.openxmlformats.org/officeDocument/2006/relationships" xmlns:p="http://schemas.openxmlformats.org/presentationml/2006/main">
   <p:cSld>
     <p:spTree>
@@ -18334,7 +19970,7 @@
 </p:sld>
 </file>
 
-<file path=ppt/slides/slide6.xml><?xml version="1.0" encoding="utf-8"?>
+<file path=ppt/slides/slide7.xml><?xml version="1.0" encoding="utf-8"?>
 <p:sld xmlns:a="http://schemas.openxmlformats.org/drawingml/2006/main" xmlns:r="http://schemas.openxmlformats.org/officeDocument/2006/relationships" xmlns:p="http://schemas.openxmlformats.org/presentationml/2006/main">
   <p:cSld>
     <p:spTree>
@@ -18571,7 +20207,7 @@
 </p:sld>
 </file>
 
-<file path=ppt/slides/slide7.xml><?xml version="1.0" encoding="utf-8"?>
+<file path=ppt/slides/slide8.xml><?xml version="1.0" encoding="utf-8"?>
 <p:sld xmlns:a="http://schemas.openxmlformats.org/drawingml/2006/main" xmlns:r="http://schemas.openxmlformats.org/officeDocument/2006/relationships" xmlns:p="http://schemas.openxmlformats.org/presentationml/2006/main">
   <p:cSld>
     <p:spTree>
@@ -18837,7 +20473,7 @@
 </p:sld>
 </file>
 
-<file path=ppt/slides/slide8.xml><?xml version="1.0" encoding="utf-8"?>
+<file path=ppt/slides/slide9.xml><?xml version="1.0" encoding="utf-8"?>
 <p:sld xmlns:a="http://schemas.openxmlformats.org/drawingml/2006/main" xmlns:r="http://schemas.openxmlformats.org/officeDocument/2006/relationships" xmlns:p="http://schemas.openxmlformats.org/presentationml/2006/main">
   <p:cSld>
     <p:spTree>
@@ -19106,230 +20742,6 @@
       </p:par>
     </p:tnLst>
   </p:timing>
-</p:sld>
-</file>
-
-<file path=ppt/slides/slide9.xml><?xml version="1.0" encoding="utf-8"?>
-<p:sld xmlns:a="http://schemas.openxmlformats.org/drawingml/2006/main" xmlns:r="http://schemas.openxmlformats.org/officeDocument/2006/relationships" xmlns:p="http://schemas.openxmlformats.org/presentationml/2006/main">
-  <p:cSld>
-    <p:spTree>
-      <p:nvGrpSpPr>
-        <p:cNvPr id="1" name="Shape 199"/>
-        <p:cNvGrpSpPr/>
-        <p:nvPr/>
-      </p:nvGrpSpPr>
-      <p:grpSpPr>
-        <a:xfrm>
-          <a:off x="0" y="0"/>
-          <a:ext cx="0" cy="0"/>
-          <a:chOff x="0" y="0"/>
-          <a:chExt cx="0" cy="0"/>
-        </a:xfrm>
-      </p:grpSpPr>
-      <p:sp>
-        <p:nvSpPr>
-          <p:cNvPr id="200" name="Google Shape;200;p9"/>
-          <p:cNvSpPr/>
-          <p:nvPr/>
-        </p:nvSpPr>
-        <p:spPr>
-          <a:xfrm>
-            <a:off x="747935" y="2408665"/>
-            <a:ext cx="7944491" cy="2166963"/>
-          </a:xfrm>
-          <a:prstGeom prst="rect">
-            <a:avLst/>
-          </a:prstGeom>
-          <a:noFill/>
-          <a:ln>
-            <a:noFill/>
-          </a:ln>
-        </p:spPr>
-        <p:txBody>
-          <a:bodyPr spcFirstLastPara="1" wrap="square" lIns="91425" tIns="45700" rIns="91425" bIns="45700" anchor="t" anchorCtr="0">
-            <a:spAutoFit/>
-          </a:bodyPr>
-          <a:lstStyle/>
-          <a:p>
-            <a:pPr lvl="0" algn="just">
-              <a:lnSpc>
-                <a:spcPct val="107000"/>
-              </a:lnSpc>
-              <a:buClr>
-                <a:schemeClr val="dk1"/>
-              </a:buClr>
-            </a:pPr>
-            <a:r>
-              <a:rPr lang="es-MX" sz="3000" dirty="0">
-                <a:solidFill>
-                  <a:schemeClr val="dk1"/>
-                </a:solidFill>
-                <a:latin typeface="Times New Roman"/>
-                <a:ea typeface="Times New Roman"/>
-                <a:cs typeface="Times New Roman"/>
-                <a:sym typeface="Times New Roman"/>
-              </a:rPr>
-              <a:t>El alcance de este sistema de información web se proyecta a nivel </a:t>
-            </a:r>
-            <a:r>
-              <a:rPr lang="es-MX" sz="3000" dirty="0" smtClean="0">
-                <a:solidFill>
-                  <a:schemeClr val="dk1"/>
-                </a:solidFill>
-                <a:latin typeface="Times New Roman"/>
-                <a:ea typeface="Times New Roman"/>
-                <a:cs typeface="Times New Roman"/>
-                <a:sym typeface="Times New Roman"/>
-              </a:rPr>
-              <a:t>nacional </a:t>
-            </a:r>
-            <a:r>
-              <a:rPr lang="es-MX" sz="3000" dirty="0">
-                <a:solidFill>
-                  <a:schemeClr val="dk1"/>
-                </a:solidFill>
-                <a:latin typeface="Times New Roman"/>
-                <a:ea typeface="Times New Roman"/>
-                <a:cs typeface="Times New Roman"/>
-                <a:sym typeface="Times New Roman"/>
-              </a:rPr>
-              <a:t>en su primera versión con planeación de expansión</a:t>
-            </a:r>
-            <a:r>
-              <a:rPr lang="es-MX" sz="3000" dirty="0" smtClean="0">
-                <a:solidFill>
-                  <a:schemeClr val="dk1"/>
-                </a:solidFill>
-                <a:latin typeface="Times New Roman"/>
-                <a:ea typeface="Times New Roman"/>
-                <a:cs typeface="Times New Roman"/>
-                <a:sym typeface="Times New Roman"/>
-              </a:rPr>
-              <a:t>.</a:t>
-            </a:r>
-            <a:r>
-              <a:rPr lang="es-CO" sz="1800" dirty="0">
-                <a:solidFill>
-                  <a:schemeClr val="dk1"/>
-                </a:solidFill>
-                <a:latin typeface="Times New Roman"/>
-                <a:ea typeface="Times New Roman"/>
-                <a:cs typeface="Times New Roman"/>
-                <a:sym typeface="Times New Roman"/>
-              </a:rPr>
-              <a:t/>
-            </a:r>
-            <a:br>
-              <a:rPr lang="es-CO" sz="1800" dirty="0">
-                <a:solidFill>
-                  <a:schemeClr val="dk1"/>
-                </a:solidFill>
-                <a:latin typeface="Times New Roman"/>
-                <a:ea typeface="Times New Roman"/>
-                <a:cs typeface="Times New Roman"/>
-                <a:sym typeface="Times New Roman"/>
-              </a:rPr>
-            </a:br>
-            <a:r>
-              <a:rPr lang="es-CO" sz="1800" dirty="0">
-                <a:solidFill>
-                  <a:schemeClr val="dk1"/>
-                </a:solidFill>
-                <a:latin typeface="Times New Roman"/>
-                <a:ea typeface="Times New Roman"/>
-                <a:cs typeface="Times New Roman"/>
-                <a:sym typeface="Times New Roman"/>
-              </a:rPr>
-              <a:t/>
-            </a:r>
-            <a:br>
-              <a:rPr lang="es-CO" sz="1800" dirty="0">
-                <a:solidFill>
-                  <a:schemeClr val="dk1"/>
-                </a:solidFill>
-                <a:latin typeface="Times New Roman"/>
-                <a:ea typeface="Times New Roman"/>
-                <a:cs typeface="Times New Roman"/>
-                <a:sym typeface="Times New Roman"/>
-              </a:rPr>
-            </a:br>
-            <a:endParaRPr sz="1800" dirty="0">
-              <a:latin typeface="Times New Roman"/>
-              <a:ea typeface="Times New Roman"/>
-              <a:cs typeface="Times New Roman"/>
-              <a:sym typeface="Times New Roman"/>
-            </a:endParaRPr>
-          </a:p>
-        </p:txBody>
-      </p:sp>
-      <p:sp>
-        <p:nvSpPr>
-          <p:cNvPr id="201" name="Google Shape;201;p9"/>
-          <p:cNvSpPr txBox="1"/>
-          <p:nvPr/>
-        </p:nvSpPr>
-        <p:spPr>
-          <a:xfrm>
-            <a:off x="747935" y="465510"/>
-            <a:ext cx="7134000" cy="887700"/>
-          </a:xfrm>
-          <a:prstGeom prst="rect">
-            <a:avLst/>
-          </a:prstGeom>
-          <a:noFill/>
-          <a:ln>
-            <a:noFill/>
-          </a:ln>
-        </p:spPr>
-        <p:txBody>
-          <a:bodyPr spcFirstLastPara="1" wrap="square" lIns="91425" tIns="45700" rIns="91425" bIns="45700" anchor="ctr" anchorCtr="0">
-            <a:noAutofit/>
-          </a:bodyPr>
-          <a:lstStyle/>
-          <a:p>
-            <a:pPr marL="0" marR="0" lvl="0" indent="0" algn="ctr" rtl="0">
-              <a:spcBef>
-                <a:spcPts val="0"/>
-              </a:spcBef>
-              <a:spcAft>
-                <a:spcPts val="0"/>
-              </a:spcAft>
-              <a:buClr>
-                <a:schemeClr val="lt1"/>
-              </a:buClr>
-              <a:buSzPts val="5400"/>
-              <a:buFont typeface="Calibri"/>
-              <a:buNone/>
-            </a:pPr>
-            <a:r>
-              <a:rPr lang="es-CO" sz="5400" dirty="0">
-                <a:solidFill>
-                  <a:schemeClr val="lt1"/>
-                </a:solidFill>
-                <a:latin typeface="Calibri"/>
-                <a:ea typeface="Calibri"/>
-                <a:cs typeface="Calibri"/>
-                <a:sym typeface="Calibri"/>
-              </a:rPr>
-              <a:t>Alcance</a:t>
-            </a:r>
-            <a:endParaRPr sz="5400" dirty="0">
-              <a:solidFill>
-                <a:schemeClr val="lt1"/>
-              </a:solidFill>
-              <a:latin typeface="Calibri"/>
-              <a:ea typeface="Calibri"/>
-              <a:cs typeface="Calibri"/>
-              <a:sym typeface="Calibri"/>
-            </a:endParaRPr>
-          </a:p>
-        </p:txBody>
-      </p:sp>
-    </p:spTree>
-  </p:cSld>
-  <p:clrMapOvr>
-    <a:masterClrMapping/>
-  </p:clrMapOvr>
 </p:sld>
 </file>
 
